--- a/docs/Projet_Preview.pptx
+++ b/docs/Projet_Preview.pptx
@@ -5,18 +5,21 @@
     <p:sldMasterId id="2147483648" r:id="rId1"/>
   </p:sldMasterIdLst>
   <p:notesMasterIdLst>
-    <p:notesMasterId r:id="rId11"/>
+    <p:notesMasterId r:id="rId14"/>
   </p:notesMasterIdLst>
   <p:sldIdLst>
-    <p:sldId id="257" r:id="rId2"/>
-    <p:sldId id="258" r:id="rId3"/>
-    <p:sldId id="259" r:id="rId4"/>
+    <p:sldId id="262" r:id="rId2"/>
+    <p:sldId id="257" r:id="rId3"/>
+    <p:sldId id="258" r:id="rId4"/>
     <p:sldId id="260" r:id="rId5"/>
     <p:sldId id="261" r:id="rId6"/>
     <p:sldId id="264" r:id="rId7"/>
     <p:sldId id="266" r:id="rId8"/>
     <p:sldId id="265" r:id="rId9"/>
-    <p:sldId id="262" r:id="rId10"/>
+    <p:sldId id="267" r:id="rId10"/>
+    <p:sldId id="259" r:id="rId11"/>
+    <p:sldId id="269" r:id="rId12"/>
+    <p:sldId id="270" r:id="rId13"/>
   </p:sldIdLst>
   <p:sldSz cx="12192000" cy="6858000"/>
   <p:notesSz cx="6858000" cy="9144000"/>
@@ -126,6 +129,7 @@
 <file path=ppt/revisionInfo.xml><?xml version="1.0" encoding="utf-8"?>
 <p1510:revInfo xmlns:a="http://schemas.openxmlformats.org/drawingml/2006/main" xmlns:r="http://schemas.openxmlformats.org/officeDocument/2006/relationships" xmlns:p1510="http://schemas.microsoft.com/office/powerpoint/2015/10/main">
   <p1510:revLst>
+    <p1510:client id="{0D98B61B-5663-45EC-BBB4-F56CF2AE196F}" v="452" dt="2022-06-09T08:24:20.178"/>
     <p1510:client id="{1C388195-A1A7-4899-9338-E87931C62D44}" v="555" dt="2022-06-08T10:57:01.545"/>
     <p1510:client id="{4218B602-E08B-44B5-A144-A8EA265E5EFC}" v="22" dt="2022-06-08T13:27:16.912"/>
     <p1510:client id="{7953949E-32BC-4D51-86D9-1832C2A4BE9C}" v="1310" dt="2022-06-08T15:27:16.615"/>
@@ -1332,47 +1336,616 @@
     </pc:docChg>
   </pc:docChgLst>
   <pc:docChgLst>
-    <pc:chgData name="Utilisateur invité" providerId="Windows Live" clId="Web-{F7AABDE8-9DED-4371-A384-2932A2DC4568}"/>
-    <pc:docChg chg="modSld">
-      <pc:chgData name="Utilisateur invité" userId="" providerId="Windows Live" clId="Web-{F7AABDE8-9DED-4371-A384-2932A2DC4568}" dt="2022-06-08T13:44:16.663" v="94" actId="20577"/>
+    <pc:chgData name="Mélissa Zhou" userId="071ed09a453febb9" providerId="Windows Live" clId="Web-{0D98B61B-5663-45EC-BBB4-F56CF2AE196F}"/>
+    <pc:docChg chg="addSld delSld modSld sldOrd">
+      <pc:chgData name="Mélissa Zhou" userId="071ed09a453febb9" providerId="Windows Live" clId="Web-{0D98B61B-5663-45EC-BBB4-F56CF2AE196F}" dt="2022-06-09T08:24:20.178" v="332" actId="1076"/>
       <pc:docMkLst>
         <pc:docMk/>
       </pc:docMkLst>
-      <pc:sldChg chg="addSp modSp">
-        <pc:chgData name="Utilisateur invité" userId="" providerId="Windows Live" clId="Web-{F7AABDE8-9DED-4371-A384-2932A2DC4568}" dt="2022-06-08T13:44:16.663" v="94" actId="20577"/>
+      <pc:sldChg chg="addSp delSp modSp">
+        <pc:chgData name="Mélissa Zhou" userId="071ed09a453febb9" providerId="Windows Live" clId="Web-{0D98B61B-5663-45EC-BBB4-F56CF2AE196F}" dt="2022-06-09T08:24:20.178" v="332" actId="1076"/>
+        <pc:sldMkLst>
+          <pc:docMk/>
+          <pc:sldMk cId="152930187" sldId="258"/>
+        </pc:sldMkLst>
+        <pc:spChg chg="mod">
+          <ac:chgData name="Mélissa Zhou" userId="071ed09a453febb9" providerId="Windows Live" clId="Web-{0D98B61B-5663-45EC-BBB4-F56CF2AE196F}" dt="2022-06-09T08:23:34.865" v="322" actId="1076"/>
+          <ac:spMkLst>
+            <pc:docMk/>
+            <pc:sldMk cId="152930187" sldId="258"/>
+            <ac:spMk id="5" creationId="{28C1A5DB-EF7F-E9F2-7BB5-87F5202655CD}"/>
+          </ac:spMkLst>
+        </pc:spChg>
+        <pc:spChg chg="mod">
+          <ac:chgData name="Mélissa Zhou" userId="071ed09a453febb9" providerId="Windows Live" clId="Web-{0D98B61B-5663-45EC-BBB4-F56CF2AE196F}" dt="2022-06-09T08:24:08.084" v="329" actId="1076"/>
+          <ac:spMkLst>
+            <pc:docMk/>
+            <pc:sldMk cId="152930187" sldId="258"/>
+            <ac:spMk id="6" creationId="{42D94E88-F801-7189-0F88-9E5F2D3932B7}"/>
+          </ac:spMkLst>
+        </pc:spChg>
+        <pc:spChg chg="mod">
+          <ac:chgData name="Mélissa Zhou" userId="071ed09a453febb9" providerId="Windows Live" clId="Web-{0D98B61B-5663-45EC-BBB4-F56CF2AE196F}" dt="2022-06-09T08:24:20.178" v="332" actId="1076"/>
+          <ac:spMkLst>
+            <pc:docMk/>
+            <pc:sldMk cId="152930187" sldId="258"/>
+            <ac:spMk id="7" creationId="{8312EB00-F4B0-3BF1-3014-3262A2D7534F}"/>
+          </ac:spMkLst>
+        </pc:spChg>
+        <pc:spChg chg="mod">
+          <ac:chgData name="Mélissa Zhou" userId="071ed09a453febb9" providerId="Windows Live" clId="Web-{0D98B61B-5663-45EC-BBB4-F56CF2AE196F}" dt="2022-06-09T08:23:34.880" v="323" actId="1076"/>
+          <ac:spMkLst>
+            <pc:docMk/>
+            <pc:sldMk cId="152930187" sldId="258"/>
+            <ac:spMk id="10" creationId="{02FB3C48-5973-E3E0-77E6-F986DB71E9D8}"/>
+          </ac:spMkLst>
+        </pc:spChg>
+        <pc:spChg chg="mod">
+          <ac:chgData name="Mélissa Zhou" userId="071ed09a453febb9" providerId="Windows Live" clId="Web-{0D98B61B-5663-45EC-BBB4-F56CF2AE196F}" dt="2022-06-09T08:24:08.100" v="330" actId="1076"/>
+          <ac:spMkLst>
+            <pc:docMk/>
+            <pc:sldMk cId="152930187" sldId="258"/>
+            <ac:spMk id="11" creationId="{E9BBF7C2-27E3-2E23-FD99-36F1DDD59743}"/>
+          </ac:spMkLst>
+        </pc:spChg>
+        <pc:spChg chg="mod">
+          <ac:chgData name="Mélissa Zhou" userId="071ed09a453febb9" providerId="Windows Live" clId="Web-{0D98B61B-5663-45EC-BBB4-F56CF2AE196F}" dt="2022-06-09T08:24:14.053" v="331" actId="1076"/>
+          <ac:spMkLst>
+            <pc:docMk/>
+            <pc:sldMk cId="152930187" sldId="258"/>
+            <ac:spMk id="12" creationId="{FA7B7C8D-0B66-ABCD-A0BA-4F59F7FB13E8}"/>
+          </ac:spMkLst>
+        </pc:spChg>
+        <pc:spChg chg="mod">
+          <ac:chgData name="Mélissa Zhou" userId="071ed09a453febb9" providerId="Windows Live" clId="Web-{0D98B61B-5663-45EC-BBB4-F56CF2AE196F}" dt="2022-06-09T08:15:15.603" v="216" actId="20577"/>
+          <ac:spMkLst>
+            <pc:docMk/>
+            <pc:sldMk cId="152930187" sldId="258"/>
+            <ac:spMk id="17" creationId="{6F8F2F11-1A98-9995-000A-6F3C6256AC8A}"/>
+          </ac:spMkLst>
+        </pc:spChg>
+        <pc:spChg chg="mod">
+          <ac:chgData name="Mélissa Zhou" userId="071ed09a453febb9" providerId="Windows Live" clId="Web-{0D98B61B-5663-45EC-BBB4-F56CF2AE196F}" dt="2022-06-09T08:14:48.009" v="210" actId="1076"/>
+          <ac:spMkLst>
+            <pc:docMk/>
+            <pc:sldMk cId="152930187" sldId="258"/>
+            <ac:spMk id="18" creationId="{C59EB301-9DDB-A2EF-2FD0-3CAE59C00296}"/>
+          </ac:spMkLst>
+        </pc:spChg>
+        <pc:spChg chg="add mod">
+          <ac:chgData name="Mélissa Zhou" userId="071ed09a453febb9" providerId="Windows Live" clId="Web-{0D98B61B-5663-45EC-BBB4-F56CF2AE196F}" dt="2022-06-09T08:16:52.402" v="271" actId="20577"/>
+          <ac:spMkLst>
+            <pc:docMk/>
+            <pc:sldMk cId="152930187" sldId="258"/>
+            <ac:spMk id="29" creationId="{D892E227-837C-FD92-9D10-C99CEF33AE36}"/>
+          </ac:spMkLst>
+        </pc:spChg>
+        <pc:spChg chg="add mod">
+          <ac:chgData name="Mélissa Zhou" userId="071ed09a453febb9" providerId="Windows Live" clId="Web-{0D98B61B-5663-45EC-BBB4-F56CF2AE196F}" dt="2022-06-09T08:17:43.263" v="314" actId="20577"/>
+          <ac:spMkLst>
+            <pc:docMk/>
+            <pc:sldMk cId="152930187" sldId="258"/>
+            <ac:spMk id="30" creationId="{38CFC823-E39B-DCDD-0EDC-B20BBD4A3FF0}"/>
+          </ac:spMkLst>
+        </pc:spChg>
+        <pc:spChg chg="add mod">
+          <ac:chgData name="Mélissa Zhou" userId="071ed09a453febb9" providerId="Windows Live" clId="Web-{0D98B61B-5663-45EC-BBB4-F56CF2AE196F}" dt="2022-06-09T08:23:48.990" v="326" actId="1076"/>
+          <ac:spMkLst>
+            <pc:docMk/>
+            <pc:sldMk cId="152930187" sldId="258"/>
+            <ac:spMk id="31" creationId="{2F0EADCE-86A7-2FEE-574D-5ADE0E2FB1D8}"/>
+          </ac:spMkLst>
+        </pc:spChg>
+        <pc:spChg chg="add mod">
+          <ac:chgData name="Mélissa Zhou" userId="071ed09a453febb9" providerId="Windows Live" clId="Web-{0D98B61B-5663-45EC-BBB4-F56CF2AE196F}" dt="2022-06-09T08:23:54.365" v="328" actId="20577"/>
+          <ac:spMkLst>
+            <pc:docMk/>
+            <pc:sldMk cId="152930187" sldId="258"/>
+            <ac:spMk id="32" creationId="{F0FD14AA-64B2-B883-0F84-8C09C5532867}"/>
+          </ac:spMkLst>
+        </pc:spChg>
+        <pc:grpChg chg="add del">
+          <ac:chgData name="Mélissa Zhou" userId="071ed09a453febb9" providerId="Windows Live" clId="Web-{0D98B61B-5663-45EC-BBB4-F56CF2AE196F}" dt="2022-06-09T08:16:54.683" v="272"/>
+          <ac:grpSpMkLst>
+            <pc:docMk/>
+            <pc:sldMk cId="152930187" sldId="258"/>
+            <ac:grpSpMk id="15" creationId="{7A6F0002-A333-ABB3-160B-09F1021B8738}"/>
+          </ac:grpSpMkLst>
+        </pc:grpChg>
+        <pc:grpChg chg="add del">
+          <ac:chgData name="Mélissa Zhou" userId="071ed09a453febb9" providerId="Windows Live" clId="Web-{0D98B61B-5663-45EC-BBB4-F56CF2AE196F}" dt="2022-06-09T08:16:57.340" v="273"/>
+          <ac:grpSpMkLst>
+            <pc:docMk/>
+            <pc:sldMk cId="152930187" sldId="258"/>
+            <ac:grpSpMk id="27" creationId="{420A2D39-5D37-C47B-D6C3-EF01ACC3E24C}"/>
+          </ac:grpSpMkLst>
+        </pc:grpChg>
+        <pc:picChg chg="add mod ord">
+          <ac:chgData name="Mélissa Zhou" userId="071ed09a453febb9" providerId="Windows Live" clId="Web-{0D98B61B-5663-45EC-BBB4-F56CF2AE196F}" dt="2022-06-09T08:16:17.808" v="269" actId="1076"/>
+          <ac:picMkLst>
+            <pc:docMk/>
+            <pc:sldMk cId="152930187" sldId="258"/>
+            <ac:picMk id="23" creationId="{1F9132D7-5310-34D1-5D35-F61E5ACE9FD9}"/>
+          </ac:picMkLst>
+        </pc:picChg>
+      </pc:sldChg>
+      <pc:sldChg chg="ord">
+        <pc:chgData name="Mélissa Zhou" userId="071ed09a453febb9" providerId="Windows Live" clId="Web-{0D98B61B-5663-45EC-BBB4-F56CF2AE196F}" dt="2022-06-09T07:51:14.147" v="29"/>
         <pc:sldMkLst>
           <pc:docMk/>
           <pc:sldMk cId="3145503830" sldId="259"/>
         </pc:sldMkLst>
-        <pc:spChg chg="add mod">
-          <ac:chgData name="Utilisateur invité" userId="" providerId="Windows Live" clId="Web-{F7AABDE8-9DED-4371-A384-2932A2DC4568}" dt="2022-06-08T13:44:16.663" v="94" actId="20577"/>
-          <ac:spMkLst>
-            <pc:docMk/>
-            <pc:sldMk cId="3145503830" sldId="259"/>
-            <ac:spMk id="12" creationId="{8F70D023-1544-9A16-6958-380210C70CB0}"/>
-          </ac:spMkLst>
-        </pc:spChg>
       </pc:sldChg>
-      <pc:sldChg chg="addSp delSp modSp">
-        <pc:chgData name="Utilisateur invité" userId="" providerId="Windows Live" clId="Web-{F7AABDE8-9DED-4371-A384-2932A2DC4568}" dt="2022-06-08T13:39:54.211" v="64" actId="20577"/>
+      <pc:sldChg chg="addSp modSp ord">
+        <pc:chgData name="Mélissa Zhou" userId="071ed09a453febb9" providerId="Windows Live" clId="Web-{0D98B61B-5663-45EC-BBB4-F56CF2AE196F}" dt="2022-06-09T07:50:09.833" v="21"/>
         <pc:sldMkLst>
           <pc:docMk/>
-          <pc:sldMk cId="1362687017" sldId="261"/>
+          <pc:sldMk cId="534405091" sldId="262"/>
         </pc:sldMkLst>
-        <pc:spChg chg="add del mod">
-          <ac:chgData name="Utilisateur invité" userId="" providerId="Windows Live" clId="Web-{F7AABDE8-9DED-4371-A384-2932A2DC4568}" dt="2022-06-08T13:39:01.852" v="2"/>
-          <ac:spMkLst>
-            <pc:docMk/>
-            <pc:sldMk cId="1362687017" sldId="261"/>
-            <ac:spMk id="2" creationId="{EE3ADC0D-3D5B-7AD8-77F3-D94529BD221C}"/>
-          </ac:spMkLst>
-        </pc:spChg>
         <pc:spChg chg="add mod">
-          <ac:chgData name="Utilisateur invité" userId="" providerId="Windows Live" clId="Web-{F7AABDE8-9DED-4371-A384-2932A2DC4568}" dt="2022-06-08T13:39:54.211" v="64" actId="20577"/>
-          <ac:spMkLst>
-            <pc:docMk/>
-            <pc:sldMk cId="1362687017" sldId="261"/>
-            <ac:spMk id="19" creationId="{B1193514-7EDA-0DC3-8B12-DF51605DDDFC}"/>
+          <ac:chgData name="Mélissa Zhou" userId="071ed09a453febb9" providerId="Windows Live" clId="Web-{0D98B61B-5663-45EC-BBB4-F56CF2AE196F}" dt="2022-06-09T07:50:03.802" v="20" actId="20577"/>
+          <ac:spMkLst>
+            <pc:docMk/>
+            <pc:sldMk cId="534405091" sldId="262"/>
+            <ac:spMk id="2" creationId="{23028B07-9D96-D53B-B58E-2E384F371EF4}"/>
+          </ac:spMkLst>
+        </pc:spChg>
+      </pc:sldChg>
+      <pc:sldChg chg="addSp modSp">
+        <pc:chgData name="Mélissa Zhou" userId="071ed09a453febb9" providerId="Windows Live" clId="Web-{0D98B61B-5663-45EC-BBB4-F56CF2AE196F}" dt="2022-06-09T08:14:55.571" v="212" actId="1076"/>
+        <pc:sldMkLst>
+          <pc:docMk/>
+          <pc:sldMk cId="324133708" sldId="265"/>
+        </pc:sldMkLst>
+        <pc:spChg chg="mod">
+          <ac:chgData name="Mélissa Zhou" userId="071ed09a453febb9" providerId="Windows Live" clId="Web-{0D98B61B-5663-45EC-BBB4-F56CF2AE196F}" dt="2022-06-09T08:14:55.571" v="212" actId="1076"/>
+          <ac:spMkLst>
+            <pc:docMk/>
+            <pc:sldMk cId="324133708" sldId="265"/>
+            <ac:spMk id="2" creationId="{59028AFE-893D-3809-CDC1-B4A49123E134}"/>
+          </ac:spMkLst>
+        </pc:spChg>
+        <pc:spChg chg="add mod">
+          <ac:chgData name="Mélissa Zhou" userId="071ed09a453febb9" providerId="Windows Live" clId="Web-{0D98B61B-5663-45EC-BBB4-F56CF2AE196F}" dt="2022-06-09T07:47:24.767" v="6" actId="20577"/>
+          <ac:spMkLst>
+            <pc:docMk/>
+            <pc:sldMk cId="324133708" sldId="265"/>
+            <ac:spMk id="3" creationId="{9ACB79C5-FADF-E509-6308-9A5248B15F73}"/>
+          </ac:spMkLst>
+        </pc:spChg>
+      </pc:sldChg>
+      <pc:sldChg chg="modSp add ord replId">
+        <pc:chgData name="Mélissa Zhou" userId="071ed09a453febb9" providerId="Windows Live" clId="Web-{0D98B61B-5663-45EC-BBB4-F56CF2AE196F}" dt="2022-06-09T07:51:04.881" v="28"/>
+        <pc:sldMkLst>
+          <pc:docMk/>
+          <pc:sldMk cId="4179463568" sldId="267"/>
+        </pc:sldMkLst>
+        <pc:spChg chg="mod">
+          <ac:chgData name="Mélissa Zhou" userId="071ed09a453febb9" providerId="Windows Live" clId="Web-{0D98B61B-5663-45EC-BBB4-F56CF2AE196F}" dt="2022-06-09T07:51:00.787" v="27" actId="20577"/>
+          <ac:spMkLst>
+            <pc:docMk/>
+            <pc:sldMk cId="4179463568" sldId="267"/>
+            <ac:spMk id="2" creationId="{23028B07-9D96-D53B-B58E-2E384F371EF4}"/>
+          </ac:spMkLst>
+        </pc:spChg>
+      </pc:sldChg>
+      <pc:sldChg chg="add del replId">
+        <pc:chgData name="Mélissa Zhou" userId="071ed09a453febb9" providerId="Windows Live" clId="Web-{0D98B61B-5663-45EC-BBB4-F56CF2AE196F}" dt="2022-06-09T08:05:53.387" v="94"/>
+        <pc:sldMkLst>
+          <pc:docMk/>
+          <pc:sldMk cId="2214178824" sldId="268"/>
+        </pc:sldMkLst>
+      </pc:sldChg>
+      <pc:sldChg chg="addSp delSp modSp add del replId">
+        <pc:chgData name="Mélissa Zhou" userId="071ed09a453febb9" providerId="Windows Live" clId="Web-{0D98B61B-5663-45EC-BBB4-F56CF2AE196F}" dt="2022-06-09T08:06:33.622" v="108" actId="20577"/>
+        <pc:sldMkLst>
+          <pc:docMk/>
+          <pc:sldMk cId="3302146440" sldId="269"/>
+        </pc:sldMkLst>
+        <pc:spChg chg="add mod">
+          <ac:chgData name="Mélissa Zhou" userId="071ed09a453febb9" providerId="Windows Live" clId="Web-{0D98B61B-5663-45EC-BBB4-F56CF2AE196F}" dt="2022-06-09T08:01:43.021" v="75" actId="14100"/>
+          <ac:spMkLst>
+            <pc:docMk/>
+            <pc:sldMk cId="3302146440" sldId="269"/>
+            <ac:spMk id="6" creationId="{15A2A724-6CBD-6C61-E94E-5AB92EEF0AFA}"/>
+          </ac:spMkLst>
+        </pc:spChg>
+        <pc:spChg chg="add mod">
+          <ac:chgData name="Mélissa Zhou" userId="071ed09a453febb9" providerId="Windows Live" clId="Web-{0D98B61B-5663-45EC-BBB4-F56CF2AE196F}" dt="2022-06-09T08:05:12.636" v="93" actId="14100"/>
+          <ac:spMkLst>
+            <pc:docMk/>
+            <pc:sldMk cId="3302146440" sldId="269"/>
+            <ac:spMk id="8" creationId="{3793D12D-8689-63FC-246E-31DC2D3D67A3}"/>
+          </ac:spMkLst>
+        </pc:spChg>
+        <pc:spChg chg="mod">
+          <ac:chgData name="Mélissa Zhou" userId="071ed09a453febb9" providerId="Windows Live" clId="Web-{0D98B61B-5663-45EC-BBB4-F56CF2AE196F}" dt="2022-06-09T07:57:21.328" v="49" actId="1076"/>
+          <ac:spMkLst>
+            <pc:docMk/>
+            <pc:sldMk cId="3302146440" sldId="269"/>
+            <ac:spMk id="33" creationId="{4B70298E-32D9-6C9F-B084-BC570B0CA05B}"/>
+          </ac:spMkLst>
+        </pc:spChg>
+        <pc:spChg chg="mod">
+          <ac:chgData name="Mélissa Zhou" userId="071ed09a453febb9" providerId="Windows Live" clId="Web-{0D98B61B-5663-45EC-BBB4-F56CF2AE196F}" dt="2022-06-09T07:57:21.328" v="50" actId="1076"/>
+          <ac:spMkLst>
+            <pc:docMk/>
+            <pc:sldMk cId="3302146440" sldId="269"/>
+            <ac:spMk id="34" creationId="{4A9E1AC1-00F6-F06F-06DF-FCF8033D6EA0}"/>
+          </ac:spMkLst>
+        </pc:spChg>
+        <pc:spChg chg="add mod">
+          <ac:chgData name="Mélissa Zhou" userId="071ed09a453febb9" providerId="Windows Live" clId="Web-{0D98B61B-5663-45EC-BBB4-F56CF2AE196F}" dt="2022-06-09T08:01:53.740" v="77" actId="1076"/>
+          <ac:spMkLst>
+            <pc:docMk/>
+            <pc:sldMk cId="3302146440" sldId="269"/>
+            <ac:spMk id="37" creationId="{869F1A14-68E7-D580-0ECB-857D124FE3B9}"/>
+          </ac:spMkLst>
+        </pc:spChg>
+        <pc:spChg chg="mod">
+          <ac:chgData name="Mélissa Zhou" userId="071ed09a453febb9" providerId="Windows Live" clId="Web-{0D98B61B-5663-45EC-BBB4-F56CF2AE196F}" dt="2022-06-09T08:04:07.072" v="88" actId="14100"/>
+          <ac:spMkLst>
+            <pc:docMk/>
+            <pc:sldMk cId="3302146440" sldId="269"/>
+            <ac:spMk id="39" creationId="{921BB98C-A013-5348-3ACA-2F018A6582B0}"/>
+          </ac:spMkLst>
+        </pc:spChg>
+        <pc:spChg chg="mod">
+          <ac:chgData name="Mélissa Zhou" userId="071ed09a453febb9" providerId="Windows Live" clId="Web-{0D98B61B-5663-45EC-BBB4-F56CF2AE196F}" dt="2022-06-09T08:03:19.211" v="85" actId="14100"/>
+          <ac:spMkLst>
+            <pc:docMk/>
+            <pc:sldMk cId="3302146440" sldId="269"/>
+            <ac:spMk id="40" creationId="{4A718CEE-E54A-E8E1-C393-BC1E0BF9CA85}"/>
+          </ac:spMkLst>
+        </pc:spChg>
+        <pc:spChg chg="add mod">
+          <ac:chgData name="Mélissa Zhou" userId="071ed09a453febb9" providerId="Windows Live" clId="Web-{0D98B61B-5663-45EC-BBB4-F56CF2AE196F}" dt="2022-06-09T08:06:33.622" v="108" actId="20577"/>
+          <ac:spMkLst>
+            <pc:docMk/>
+            <pc:sldMk cId="3302146440" sldId="269"/>
+            <ac:spMk id="60" creationId="{3D1CF6F8-285E-ADAB-9FFF-35CB2C577FDB}"/>
+          </ac:spMkLst>
+        </pc:spChg>
+        <pc:grpChg chg="add mod">
+          <ac:chgData name="Mélissa Zhou" userId="071ed09a453febb9" providerId="Windows Live" clId="Web-{0D98B61B-5663-45EC-BBB4-F56CF2AE196F}" dt="2022-06-09T08:01:34.302" v="74" actId="1076"/>
+          <ac:grpSpMkLst>
+            <pc:docMk/>
+            <pc:sldMk cId="3302146440" sldId="269"/>
+            <ac:grpSpMk id="7" creationId="{37BCFF66-D7EE-DDFE-A20B-C9A4CC6083F4}"/>
+          </ac:grpSpMkLst>
+        </pc:grpChg>
+        <pc:grpChg chg="add mod">
+          <ac:chgData name="Mélissa Zhou" userId="071ed09a453febb9" providerId="Windows Live" clId="Web-{0D98B61B-5663-45EC-BBB4-F56CF2AE196F}" dt="2022-06-09T08:02:48.117" v="82" actId="1076"/>
+          <ac:grpSpMkLst>
+            <pc:docMk/>
+            <pc:sldMk cId="3302146440" sldId="269"/>
+            <ac:grpSpMk id="38" creationId="{53A0C757-52A0-B02D-8351-D247B470BD95}"/>
+          </ac:grpSpMkLst>
+        </pc:grpChg>
+        <pc:grpChg chg="add del">
+          <ac:chgData name="Mélissa Zhou" userId="071ed09a453febb9" providerId="Windows Live" clId="Web-{0D98B61B-5663-45EC-BBB4-F56CF2AE196F}" dt="2022-06-09T08:04:30.853" v="90"/>
+          <ac:grpSpMkLst>
+            <pc:docMk/>
+            <pc:sldMk cId="3302146440" sldId="269"/>
+            <ac:grpSpMk id="41" creationId="{1EFB0EC6-84DE-346C-5E6C-C3D5CDDBC395}"/>
+          </ac:grpSpMkLst>
+        </pc:grpChg>
+        <pc:picChg chg="add mod">
+          <ac:chgData name="Mélissa Zhou" userId="071ed09a453febb9" providerId="Windows Live" clId="Web-{0D98B61B-5663-45EC-BBB4-F56CF2AE196F}" dt="2022-06-09T07:57:06.374" v="47" actId="1076"/>
+          <ac:picMkLst>
+            <pc:docMk/>
+            <pc:sldMk cId="3302146440" sldId="269"/>
+            <ac:picMk id="3" creationId="{B985DB5F-C3FF-A481-9DE8-DBD26DB2C6F7}"/>
+          </ac:picMkLst>
+        </pc:picChg>
+        <pc:picChg chg="add mod">
+          <ac:chgData name="Mélissa Zhou" userId="071ed09a453febb9" providerId="Windows Live" clId="Web-{0D98B61B-5663-45EC-BBB4-F56CF2AE196F}" dt="2022-06-09T07:57:12.702" v="48" actId="1076"/>
+          <ac:picMkLst>
+            <pc:docMk/>
+            <pc:sldMk cId="3302146440" sldId="269"/>
+            <ac:picMk id="5" creationId="{DB87C213-73AF-DF57-9112-2BA858705C00}"/>
+          </ac:picMkLst>
+        </pc:picChg>
+        <pc:picChg chg="add mod">
+          <ac:chgData name="Mélissa Zhou" userId="071ed09a453febb9" providerId="Windows Live" clId="Web-{0D98B61B-5663-45EC-BBB4-F56CF2AE196F}" dt="2022-06-09T07:57:54.594" v="52" actId="1076"/>
+          <ac:picMkLst>
+            <pc:docMk/>
+            <pc:sldMk cId="3302146440" sldId="269"/>
+            <ac:picMk id="35" creationId="{0B258814-A5B4-EA02-027E-25F1C53D0E07}"/>
+          </ac:picMkLst>
+        </pc:picChg>
+        <pc:picChg chg="add mod">
+          <ac:chgData name="Mélissa Zhou" userId="071ed09a453febb9" providerId="Windows Live" clId="Web-{0D98B61B-5663-45EC-BBB4-F56CF2AE196F}" dt="2022-06-09T07:57:59.516" v="54" actId="1076"/>
+          <ac:picMkLst>
+            <pc:docMk/>
+            <pc:sldMk cId="3302146440" sldId="269"/>
+            <ac:picMk id="36" creationId="{BFCF9F32-81DC-FF39-1058-858E565FA51B}"/>
+          </ac:picMkLst>
+        </pc:picChg>
+      </pc:sldChg>
+      <pc:sldChg chg="add del replId">
+        <pc:chgData name="Mélissa Zhou" userId="071ed09a453febb9" providerId="Windows Live" clId="Web-{0D98B61B-5663-45EC-BBB4-F56CF2AE196F}" dt="2022-06-09T08:06:03.793" v="97"/>
+        <pc:sldMkLst>
+          <pc:docMk/>
+          <pc:sldMk cId="1742588664" sldId="270"/>
+        </pc:sldMkLst>
+      </pc:sldChg>
+      <pc:sldChg chg="addSp delSp modSp add ord replId">
+        <pc:chgData name="Mélissa Zhou" userId="071ed09a453febb9" providerId="Windows Live" clId="Web-{0D98B61B-5663-45EC-BBB4-F56CF2AE196F}" dt="2022-06-09T08:14:05.836" v="204" actId="1076"/>
+        <pc:sldMkLst>
+          <pc:docMk/>
+          <pc:sldMk cId="2986881299" sldId="270"/>
+        </pc:sldMkLst>
+        <pc:spChg chg="mod">
+          <ac:chgData name="Mélissa Zhou" userId="071ed09a453febb9" providerId="Windows Live" clId="Web-{0D98B61B-5663-45EC-BBB4-F56CF2AE196F}" dt="2022-06-09T08:09:14.798" v="112" actId="1076"/>
+          <ac:spMkLst>
+            <pc:docMk/>
+            <pc:sldMk cId="2986881299" sldId="270"/>
+            <ac:spMk id="9" creationId="{75A89977-E4CF-5E8F-9E3C-B192B1507F89}"/>
+          </ac:spMkLst>
+        </pc:spChg>
+        <pc:spChg chg="mod">
+          <ac:chgData name="Mélissa Zhou" userId="071ed09a453febb9" providerId="Windows Live" clId="Web-{0D98B61B-5663-45EC-BBB4-F56CF2AE196F}" dt="2022-06-09T08:09:14.813" v="113" actId="1076"/>
+          <ac:spMkLst>
+            <pc:docMk/>
+            <pc:sldMk cId="2986881299" sldId="270"/>
+            <ac:spMk id="10" creationId="{E82ACEA3-7655-8449-D679-96E78A031FCE}"/>
+          </ac:spMkLst>
+        </pc:spChg>
+        <pc:spChg chg="mod">
+          <ac:chgData name="Mélissa Zhou" userId="071ed09a453febb9" providerId="Windows Live" clId="Web-{0D98B61B-5663-45EC-BBB4-F56CF2AE196F}" dt="2022-06-09T08:09:14.829" v="114" actId="1076"/>
+          <ac:spMkLst>
+            <pc:docMk/>
+            <pc:sldMk cId="2986881299" sldId="270"/>
+            <ac:spMk id="12" creationId="{336D2EF3-485E-F901-7BD3-ACE7DFE5E3AD}"/>
+          </ac:spMkLst>
+        </pc:spChg>
+        <pc:spChg chg="mod">
+          <ac:chgData name="Mélissa Zhou" userId="071ed09a453febb9" providerId="Windows Live" clId="Web-{0D98B61B-5663-45EC-BBB4-F56CF2AE196F}" dt="2022-06-09T08:09:14.829" v="115" actId="1076"/>
+          <ac:spMkLst>
+            <pc:docMk/>
+            <pc:sldMk cId="2986881299" sldId="270"/>
+            <ac:spMk id="13" creationId="{14C40C07-EB8F-5F2F-A147-DDE20C858A73}"/>
+          </ac:spMkLst>
+        </pc:spChg>
+        <pc:spChg chg="mod">
+          <ac:chgData name="Mélissa Zhou" userId="071ed09a453febb9" providerId="Windows Live" clId="Web-{0D98B61B-5663-45EC-BBB4-F56CF2AE196F}" dt="2022-06-09T08:09:14.860" v="116" actId="1076"/>
+          <ac:spMkLst>
+            <pc:docMk/>
+            <pc:sldMk cId="2986881299" sldId="270"/>
+            <ac:spMk id="14" creationId="{E144B1E4-ABDD-93E9-BA42-4EEB720E699F}"/>
+          </ac:spMkLst>
+        </pc:spChg>
+        <pc:spChg chg="mod">
+          <ac:chgData name="Mélissa Zhou" userId="071ed09a453febb9" providerId="Windows Live" clId="Web-{0D98B61B-5663-45EC-BBB4-F56CF2AE196F}" dt="2022-06-09T08:09:14.876" v="117" actId="1076"/>
+          <ac:spMkLst>
+            <pc:docMk/>
+            <pc:sldMk cId="2986881299" sldId="270"/>
+            <ac:spMk id="15" creationId="{45C1E00D-5D81-0E87-E170-C810726294F4}"/>
+          </ac:spMkLst>
+        </pc:spChg>
+        <pc:spChg chg="mod">
+          <ac:chgData name="Mélissa Zhou" userId="071ed09a453febb9" providerId="Windows Live" clId="Web-{0D98B61B-5663-45EC-BBB4-F56CF2AE196F}" dt="2022-06-09T08:09:14.891" v="118" actId="1076"/>
+          <ac:spMkLst>
+            <pc:docMk/>
+            <pc:sldMk cId="2986881299" sldId="270"/>
+            <ac:spMk id="16" creationId="{6D6659A6-1DC2-FB43-362B-C23992EDEEBB}"/>
+          </ac:spMkLst>
+        </pc:spChg>
+        <pc:spChg chg="mod">
+          <ac:chgData name="Mélissa Zhou" userId="071ed09a453febb9" providerId="Windows Live" clId="Web-{0D98B61B-5663-45EC-BBB4-F56CF2AE196F}" dt="2022-06-09T08:09:14.923" v="119" actId="1076"/>
+          <ac:spMkLst>
+            <pc:docMk/>
+            <pc:sldMk cId="2986881299" sldId="270"/>
+            <ac:spMk id="17" creationId="{A72D8058-2B2A-2CA1-784D-1574D52FDC1D}"/>
+          </ac:spMkLst>
+        </pc:spChg>
+        <pc:spChg chg="mod">
+          <ac:chgData name="Mélissa Zhou" userId="071ed09a453febb9" providerId="Windows Live" clId="Web-{0D98B61B-5663-45EC-BBB4-F56CF2AE196F}" dt="2022-06-09T08:09:14.923" v="120" actId="1076"/>
+          <ac:spMkLst>
+            <pc:docMk/>
+            <pc:sldMk cId="2986881299" sldId="270"/>
+            <ac:spMk id="18" creationId="{F6E4A9A3-8BB5-F90A-B019-48A43DA8D3A9}"/>
+          </ac:spMkLst>
+        </pc:spChg>
+        <pc:spChg chg="mod">
+          <ac:chgData name="Mélissa Zhou" userId="071ed09a453febb9" providerId="Windows Live" clId="Web-{0D98B61B-5663-45EC-BBB4-F56CF2AE196F}" dt="2022-06-09T08:09:14.938" v="121" actId="1076"/>
+          <ac:spMkLst>
+            <pc:docMk/>
+            <pc:sldMk cId="2986881299" sldId="270"/>
+            <ac:spMk id="19" creationId="{1DA2E977-1203-9C27-4F66-A17C1CA345F3}"/>
+          </ac:spMkLst>
+        </pc:spChg>
+        <pc:spChg chg="mod">
+          <ac:chgData name="Mélissa Zhou" userId="071ed09a453febb9" providerId="Windows Live" clId="Web-{0D98B61B-5663-45EC-BBB4-F56CF2AE196F}" dt="2022-06-09T08:09:14.954" v="122" actId="1076"/>
+          <ac:spMkLst>
+            <pc:docMk/>
+            <pc:sldMk cId="2986881299" sldId="270"/>
+            <ac:spMk id="20" creationId="{5E788EAB-B51F-7B44-7557-CD1CCD5CC236}"/>
+          </ac:spMkLst>
+        </pc:spChg>
+        <pc:spChg chg="mod">
+          <ac:chgData name="Mélissa Zhou" userId="071ed09a453febb9" providerId="Windows Live" clId="Web-{0D98B61B-5663-45EC-BBB4-F56CF2AE196F}" dt="2022-06-09T08:09:14.969" v="123" actId="1076"/>
+          <ac:spMkLst>
+            <pc:docMk/>
+            <pc:sldMk cId="2986881299" sldId="270"/>
+            <ac:spMk id="21" creationId="{3014E63F-30B8-8673-00A8-A5A030BDC3DF}"/>
+          </ac:spMkLst>
+        </pc:spChg>
+        <pc:spChg chg="mod">
+          <ac:chgData name="Mélissa Zhou" userId="071ed09a453febb9" providerId="Windows Live" clId="Web-{0D98B61B-5663-45EC-BBB4-F56CF2AE196F}" dt="2022-06-09T08:09:14.969" v="124" actId="1076"/>
+          <ac:spMkLst>
+            <pc:docMk/>
+            <pc:sldMk cId="2986881299" sldId="270"/>
+            <ac:spMk id="22" creationId="{307D94C7-EB18-2CD1-80EE-BF7E7D9AEBAB}"/>
+          </ac:spMkLst>
+        </pc:spChg>
+        <pc:spChg chg="mod">
+          <ac:chgData name="Mélissa Zhou" userId="071ed09a453febb9" providerId="Windows Live" clId="Web-{0D98B61B-5663-45EC-BBB4-F56CF2AE196F}" dt="2022-06-09T08:09:14.985" v="125" actId="1076"/>
+          <ac:spMkLst>
+            <pc:docMk/>
+            <pc:sldMk cId="2986881299" sldId="270"/>
+            <ac:spMk id="23" creationId="{CA25827A-543D-EFFD-7B78-A73D4619C6F2}"/>
+          </ac:spMkLst>
+        </pc:spChg>
+        <pc:spChg chg="mod">
+          <ac:chgData name="Mélissa Zhou" userId="071ed09a453febb9" providerId="Windows Live" clId="Web-{0D98B61B-5663-45EC-BBB4-F56CF2AE196F}" dt="2022-06-09T08:09:15.001" v="126" actId="1076"/>
+          <ac:spMkLst>
+            <pc:docMk/>
+            <pc:sldMk cId="2986881299" sldId="270"/>
+            <ac:spMk id="24" creationId="{B95DEAFF-EFAE-0064-90F4-27E8466CF443}"/>
+          </ac:spMkLst>
+        </pc:spChg>
+        <pc:spChg chg="mod">
+          <ac:chgData name="Mélissa Zhou" userId="071ed09a453febb9" providerId="Windows Live" clId="Web-{0D98B61B-5663-45EC-BBB4-F56CF2AE196F}" dt="2022-06-09T08:09:15.016" v="127" actId="1076"/>
+          <ac:spMkLst>
+            <pc:docMk/>
+            <pc:sldMk cId="2986881299" sldId="270"/>
+            <ac:spMk id="25" creationId="{0B0D2BDF-04A2-5277-4900-6B0D9BABF412}"/>
+          </ac:spMkLst>
+        </pc:spChg>
+        <pc:spChg chg="mod">
+          <ac:chgData name="Mélissa Zhou" userId="071ed09a453febb9" providerId="Windows Live" clId="Web-{0D98B61B-5663-45EC-BBB4-F56CF2AE196F}" dt="2022-06-09T08:09:15.032" v="128" actId="1076"/>
+          <ac:spMkLst>
+            <pc:docMk/>
+            <pc:sldMk cId="2986881299" sldId="270"/>
+            <ac:spMk id="26" creationId="{2E8DA99F-7930-48B6-0D31-F7AF73F7B9B0}"/>
+          </ac:spMkLst>
+        </pc:spChg>
+        <pc:spChg chg="mod">
+          <ac:chgData name="Mélissa Zhou" userId="071ed09a453febb9" providerId="Windows Live" clId="Web-{0D98B61B-5663-45EC-BBB4-F56CF2AE196F}" dt="2022-06-09T08:09:15.032" v="129" actId="1076"/>
+          <ac:spMkLst>
+            <pc:docMk/>
+            <pc:sldMk cId="2986881299" sldId="270"/>
+            <ac:spMk id="27" creationId="{72CBDEFC-490F-2AF6-B3D4-483EDF85DDB1}"/>
+          </ac:spMkLst>
+        </pc:spChg>
+        <pc:spChg chg="del">
+          <ac:chgData name="Mélissa Zhou" userId="071ed09a453febb9" providerId="Windows Live" clId="Web-{0D98B61B-5663-45EC-BBB4-F56CF2AE196F}" dt="2022-06-09T08:07:47.483" v="111"/>
+          <ac:spMkLst>
+            <pc:docMk/>
+            <pc:sldMk cId="2986881299" sldId="270"/>
+            <ac:spMk id="28" creationId="{FF6A4160-7862-E2F8-2A69-40291CEBA7E2}"/>
+          </ac:spMkLst>
+        </pc:spChg>
+        <pc:spChg chg="add mod">
+          <ac:chgData name="Mélissa Zhou" userId="071ed09a453febb9" providerId="Windows Live" clId="Web-{0D98B61B-5663-45EC-BBB4-F56CF2AE196F}" dt="2022-06-09T08:10:52.550" v="157" actId="20577"/>
+          <ac:spMkLst>
+            <pc:docMk/>
+            <pc:sldMk cId="2986881299" sldId="270"/>
+            <ac:spMk id="29" creationId="{E8FBA4EC-E09C-128F-F634-25F0774EFD5A}"/>
+          </ac:spMkLst>
+        </pc:spChg>
+        <pc:spChg chg="add mod">
+          <ac:chgData name="Mélissa Zhou" userId="071ed09a453febb9" providerId="Windows Live" clId="Web-{0D98B61B-5663-45EC-BBB4-F56CF2AE196F}" dt="2022-06-09T08:09:36.126" v="140" actId="1076"/>
+          <ac:spMkLst>
+            <pc:docMk/>
+            <pc:sldMk cId="2986881299" sldId="270"/>
+            <ac:spMk id="30" creationId="{7A905E1A-3D81-1029-47E3-74C64E1FB0BD}"/>
+          </ac:spMkLst>
+        </pc:spChg>
+        <pc:spChg chg="add mod">
+          <ac:chgData name="Mélissa Zhou" userId="071ed09a453febb9" providerId="Windows Live" clId="Web-{0D98B61B-5663-45EC-BBB4-F56CF2AE196F}" dt="2022-06-09T08:09:36.142" v="141" actId="1076"/>
+          <ac:spMkLst>
+            <pc:docMk/>
+            <pc:sldMk cId="2986881299" sldId="270"/>
+            <ac:spMk id="31" creationId="{A8ED9FE2-4ABA-FC50-C65F-D74EFFAA07B3}"/>
+          </ac:spMkLst>
+        </pc:spChg>
+        <pc:spChg chg="add mod">
+          <ac:chgData name="Mélissa Zhou" userId="071ed09a453febb9" providerId="Windows Live" clId="Web-{0D98B61B-5663-45EC-BBB4-F56CF2AE196F}" dt="2022-06-09T08:09:36.158" v="142" actId="1076"/>
+          <ac:spMkLst>
+            <pc:docMk/>
+            <pc:sldMk cId="2986881299" sldId="270"/>
+            <ac:spMk id="32" creationId="{82593DB8-33F4-B131-2262-A7C42462D054}"/>
+          </ac:spMkLst>
+        </pc:spChg>
+        <pc:spChg chg="add mod">
+          <ac:chgData name="Mélissa Zhou" userId="071ed09a453febb9" providerId="Windows Live" clId="Web-{0D98B61B-5663-45EC-BBB4-F56CF2AE196F}" dt="2022-06-09T08:09:36.173" v="143" actId="1076"/>
+          <ac:spMkLst>
+            <pc:docMk/>
+            <pc:sldMk cId="2986881299" sldId="270"/>
+            <ac:spMk id="33" creationId="{331C58B8-D826-F25B-0B4A-0DBC107F4827}"/>
+          </ac:spMkLst>
+        </pc:spChg>
+        <pc:spChg chg="add mod">
+          <ac:chgData name="Mélissa Zhou" userId="071ed09a453febb9" providerId="Windows Live" clId="Web-{0D98B61B-5663-45EC-BBB4-F56CF2AE196F}" dt="2022-06-09T08:09:36.189" v="144" actId="1076"/>
+          <ac:spMkLst>
+            <pc:docMk/>
+            <pc:sldMk cId="2986881299" sldId="270"/>
+            <ac:spMk id="34" creationId="{FE8D99FF-7069-5AC2-09BF-C3CF45DB1DAE}"/>
+          </ac:spMkLst>
+        </pc:spChg>
+        <pc:spChg chg="add mod">
+          <ac:chgData name="Mélissa Zhou" userId="071ed09a453febb9" providerId="Windows Live" clId="Web-{0D98B61B-5663-45EC-BBB4-F56CF2AE196F}" dt="2022-06-09T08:09:36.204" v="145" actId="1076"/>
+          <ac:spMkLst>
+            <pc:docMk/>
+            <pc:sldMk cId="2986881299" sldId="270"/>
+            <ac:spMk id="35" creationId="{8AC07DB2-C7D7-718C-2267-5755BA278E53}"/>
+          </ac:spMkLst>
+        </pc:spChg>
+        <pc:spChg chg="add mod">
+          <ac:chgData name="Mélissa Zhou" userId="071ed09a453febb9" providerId="Windows Live" clId="Web-{0D98B61B-5663-45EC-BBB4-F56CF2AE196F}" dt="2022-06-09T08:09:36.220" v="146" actId="1076"/>
+          <ac:spMkLst>
+            <pc:docMk/>
+            <pc:sldMk cId="2986881299" sldId="270"/>
+            <ac:spMk id="36" creationId="{BAB892D5-8230-3300-D67E-BF7EADCB8085}"/>
+          </ac:spMkLst>
+        </pc:spChg>
+        <pc:spChg chg="add mod">
+          <ac:chgData name="Mélissa Zhou" userId="071ed09a453febb9" providerId="Windows Live" clId="Web-{0D98B61B-5663-45EC-BBB4-F56CF2AE196F}" dt="2022-06-09T08:09:36.236" v="147" actId="1076"/>
+          <ac:spMkLst>
+            <pc:docMk/>
+            <pc:sldMk cId="2986881299" sldId="270"/>
+            <ac:spMk id="37" creationId="{B9ED73F7-4B81-4FF6-6BDB-C691D12BE888}"/>
+          </ac:spMkLst>
+        </pc:spChg>
+        <pc:spChg chg="add mod">
+          <ac:chgData name="Mélissa Zhou" userId="071ed09a453febb9" providerId="Windows Live" clId="Web-{0D98B61B-5663-45EC-BBB4-F56CF2AE196F}" dt="2022-06-09T08:12:13.755" v="193" actId="1076"/>
+          <ac:spMkLst>
+            <pc:docMk/>
+            <pc:sldMk cId="2986881299" sldId="270"/>
+            <ac:spMk id="38" creationId="{CC5184C0-D398-A4CD-8681-00E99A4BAA50}"/>
+          </ac:spMkLst>
+        </pc:spChg>
+        <pc:spChg chg="add mod">
+          <ac:chgData name="Mélissa Zhou" userId="071ed09a453febb9" providerId="Windows Live" clId="Web-{0D98B61B-5663-45EC-BBB4-F56CF2AE196F}" dt="2022-06-09T08:13:33.522" v="196" actId="1076"/>
+          <ac:spMkLst>
+            <pc:docMk/>
+            <pc:sldMk cId="2986881299" sldId="270"/>
+            <ac:spMk id="39" creationId="{DCB00541-6799-4A3D-EC30-C23457AF45CF}"/>
+          </ac:spMkLst>
+        </pc:spChg>
+        <pc:spChg chg="add mod">
+          <ac:chgData name="Mélissa Zhou" userId="071ed09a453febb9" providerId="Windows Live" clId="Web-{0D98B61B-5663-45EC-BBB4-F56CF2AE196F}" dt="2022-06-09T08:13:41.820" v="198" actId="1076"/>
+          <ac:spMkLst>
+            <pc:docMk/>
+            <pc:sldMk cId="2986881299" sldId="270"/>
+            <ac:spMk id="40" creationId="{07093B10-0519-38C3-E50D-675264585EEF}"/>
+          </ac:spMkLst>
+        </pc:spChg>
+        <pc:spChg chg="add mod">
+          <ac:chgData name="Mélissa Zhou" userId="071ed09a453febb9" providerId="Windows Live" clId="Web-{0D98B61B-5663-45EC-BBB4-F56CF2AE196F}" dt="2022-06-09T08:13:48.851" v="200" actId="1076"/>
+          <ac:spMkLst>
+            <pc:docMk/>
+            <pc:sldMk cId="2986881299" sldId="270"/>
+            <ac:spMk id="41" creationId="{F2D1A592-656A-D532-CA02-49E9CC9AEC86}"/>
+          </ac:spMkLst>
+        </pc:spChg>
+        <pc:spChg chg="add mod">
+          <ac:chgData name="Mélissa Zhou" userId="071ed09a453febb9" providerId="Windows Live" clId="Web-{0D98B61B-5663-45EC-BBB4-F56CF2AE196F}" dt="2022-06-09T08:14:01.133" v="202" actId="1076"/>
+          <ac:spMkLst>
+            <pc:docMk/>
+            <pc:sldMk cId="2986881299" sldId="270"/>
+            <ac:spMk id="42" creationId="{8EA09A0C-C4B9-1AEF-6F4F-95951D6E9277}"/>
+          </ac:spMkLst>
+        </pc:spChg>
+        <pc:spChg chg="add mod">
+          <ac:chgData name="Mélissa Zhou" userId="071ed09a453febb9" providerId="Windows Live" clId="Web-{0D98B61B-5663-45EC-BBB4-F56CF2AE196F}" dt="2022-06-09T08:14:05.836" v="204" actId="1076"/>
+          <ac:spMkLst>
+            <pc:docMk/>
+            <pc:sldMk cId="2986881299" sldId="270"/>
+            <ac:spMk id="43" creationId="{61788CC7-4265-AC37-1973-8F00AFE18213}"/>
           </ac:spMkLst>
         </pc:spChg>
       </pc:sldChg>
@@ -1421,6 +1994,53 @@
             <pc:docMk/>
             <pc:sldMk cId="1880268220" sldId="263"/>
             <ac:spMk id="53" creationId="{21CFA479-CBC9-75D7-EACC-77E3F7DD5012}"/>
+          </ac:spMkLst>
+        </pc:spChg>
+      </pc:sldChg>
+    </pc:docChg>
+  </pc:docChgLst>
+  <pc:docChgLst>
+    <pc:chgData name="Utilisateur invité" providerId="Windows Live" clId="Web-{F7AABDE8-9DED-4371-A384-2932A2DC4568}"/>
+    <pc:docChg chg="modSld">
+      <pc:chgData name="Utilisateur invité" userId="" providerId="Windows Live" clId="Web-{F7AABDE8-9DED-4371-A384-2932A2DC4568}" dt="2022-06-08T13:44:16.663" v="94" actId="20577"/>
+      <pc:docMkLst>
+        <pc:docMk/>
+      </pc:docMkLst>
+      <pc:sldChg chg="addSp modSp">
+        <pc:chgData name="Utilisateur invité" userId="" providerId="Windows Live" clId="Web-{F7AABDE8-9DED-4371-A384-2932A2DC4568}" dt="2022-06-08T13:44:16.663" v="94" actId="20577"/>
+        <pc:sldMkLst>
+          <pc:docMk/>
+          <pc:sldMk cId="3145503830" sldId="259"/>
+        </pc:sldMkLst>
+        <pc:spChg chg="add mod">
+          <ac:chgData name="Utilisateur invité" userId="" providerId="Windows Live" clId="Web-{F7AABDE8-9DED-4371-A384-2932A2DC4568}" dt="2022-06-08T13:44:16.663" v="94" actId="20577"/>
+          <ac:spMkLst>
+            <pc:docMk/>
+            <pc:sldMk cId="3145503830" sldId="259"/>
+            <ac:spMk id="12" creationId="{8F70D023-1544-9A16-6958-380210C70CB0}"/>
+          </ac:spMkLst>
+        </pc:spChg>
+      </pc:sldChg>
+      <pc:sldChg chg="addSp delSp modSp">
+        <pc:chgData name="Utilisateur invité" userId="" providerId="Windows Live" clId="Web-{F7AABDE8-9DED-4371-A384-2932A2DC4568}" dt="2022-06-08T13:39:54.211" v="64" actId="20577"/>
+        <pc:sldMkLst>
+          <pc:docMk/>
+          <pc:sldMk cId="1362687017" sldId="261"/>
+        </pc:sldMkLst>
+        <pc:spChg chg="add del mod">
+          <ac:chgData name="Utilisateur invité" userId="" providerId="Windows Live" clId="Web-{F7AABDE8-9DED-4371-A384-2932A2DC4568}" dt="2022-06-08T13:39:01.852" v="2"/>
+          <ac:spMkLst>
+            <pc:docMk/>
+            <pc:sldMk cId="1362687017" sldId="261"/>
+            <ac:spMk id="2" creationId="{EE3ADC0D-3D5B-7AD8-77F3-D94529BD221C}"/>
+          </ac:spMkLst>
+        </pc:spChg>
+        <pc:spChg chg="add mod">
+          <ac:chgData name="Utilisateur invité" userId="" providerId="Windows Live" clId="Web-{F7AABDE8-9DED-4371-A384-2932A2DC4568}" dt="2022-06-08T13:39:54.211" v="64" actId="20577"/>
+          <ac:spMkLst>
+            <pc:docMk/>
+            <pc:sldMk cId="1362687017" sldId="261"/>
+            <ac:spMk id="19" creationId="{B1193514-7EDA-0DC3-8B12-DF51605DDDFC}"/>
           </ac:spMkLst>
         </pc:spChg>
       </pc:sldChg>
@@ -2123,7 +2743,7 @@
           </a:lstStyle>
           <a:p>
             <a:fld id="{4C0A6B73-368C-4AE4-B172-98645D69DAC5}" type="datetimeFigureOut">
-              <a:t>6/8/2022</a:t>
+              <a:t>6/9/2022</a:t>
             </a:fld>
             <a:endParaRPr lang="fr-FR"/>
           </a:p>
@@ -2514,7 +3134,7 @@
           <a:p>
             <a:fld id="{DA63055B-B41F-4580-8B0E-A9D7CE285253}" type="slidenum">
               <a:rPr lang="fr-FR"/>
-              <a:t>1</a:t>
+              <a:t>2</a:t>
             </a:fld>
             <a:endParaRPr lang="fr-FR"/>
           </a:p>
@@ -2601,7 +3221,7 @@
           <a:lstStyle/>
           <a:p>
             <a:fld id="{DA63055B-B41F-4580-8B0E-A9D7CE285253}" type="slidenum">
-              <a:t>2</a:t>
+              <a:t>3</a:t>
             </a:fld>
             <a:endParaRPr lang="fr-FR"/>
           </a:p>
@@ -2696,6 +3316,150 @@
     <p:extLst>
       <p:ext uri="{BB962C8B-B14F-4D97-AF65-F5344CB8AC3E}">
         <p14:creationId xmlns:p14="http://schemas.microsoft.com/office/powerpoint/2010/main" val="962881743"/>
+      </p:ext>
+    </p:extLst>
+  </p:cSld>
+  <p:clrMapOvr>
+    <a:masterClrMapping/>
+  </p:clrMapOvr>
+</p:notes>
+</file>
+
+<file path=ppt/notesSlides/notesSlide4.xml><?xml version="1.0" encoding="utf-8"?>
+<p:notes xmlns:a="http://schemas.openxmlformats.org/drawingml/2006/main" xmlns:r="http://schemas.openxmlformats.org/officeDocument/2006/relationships" xmlns:p="http://schemas.openxmlformats.org/presentationml/2006/main">
+  <p:cSld>
+    <p:spTree>
+      <p:nvGrpSpPr>
+        <p:cNvPr id="1" name=""/>
+        <p:cNvGrpSpPr/>
+        <p:nvPr/>
+      </p:nvGrpSpPr>
+      <p:grpSpPr>
+        <a:xfrm>
+          <a:off x="0" y="0"/>
+          <a:ext cx="0" cy="0"/>
+          <a:chOff x="0" y="0"/>
+          <a:chExt cx="0" cy="0"/>
+        </a:xfrm>
+      </p:grpSpPr>
+      <p:sp>
+        <p:nvSpPr>
+          <p:cNvPr id="2" name="Espace réservé de l'image des diapositives 1"/>
+          <p:cNvSpPr>
+            <a:spLocks noGrp="1" noRot="1" noChangeAspect="1"/>
+          </p:cNvSpPr>
+          <p:nvPr>
+            <p:ph type="sldImg"/>
+          </p:nvPr>
+        </p:nvSpPr>
+        <p:spPr/>
+      </p:sp>
+      <p:sp>
+        <p:nvSpPr>
+          <p:cNvPr id="3" name="Espace réservé des notes 2"/>
+          <p:cNvSpPr>
+            <a:spLocks noGrp="1"/>
+          </p:cNvSpPr>
+          <p:nvPr>
+            <p:ph type="body" idx="1"/>
+          </p:nvPr>
+        </p:nvSpPr>
+        <p:spPr/>
+        <p:txBody>
+          <a:bodyPr/>
+          <a:lstStyle/>
+          <a:p>
+            <a:r>
+              <a:rPr lang="en-US">
+                <a:cs typeface="Calibri"/>
+              </a:rPr>
+              <a:t>Bar de recherche : </a:t>
+            </a:r>
+            <a:endParaRPr lang="en-US"/>
+          </a:p>
+          <a:p>
+            <a:r>
+              <a:rPr lang="en-US"/>
+              <a:t>- </a:t>
+            </a:r>
+            <a:r>
+              <a:rPr lang="en-US">
+                <a:hlinkClick r:id="rId3"/>
+              </a:rPr>
+              <a:t>https://mdbootstrap.com/docs/standard/forms/search/</a:t>
+            </a:r>
+            <a:endParaRPr lang="en-US">
+              <a:cs typeface="Calibri"/>
+            </a:endParaRPr>
+          </a:p>
+          <a:p>
+            <a:r>
+              <a:rPr lang="en-US">
+                <a:cs typeface="Calibri"/>
+              </a:rPr>
+              <a:t>- </a:t>
+            </a:r>
+            <a:r>
+              <a:rPr lang="en-US">
+                <a:hlinkClick r:id="rId4"/>
+              </a:rPr>
+              <a:t>https://mdbootstrap.com/docs/standard/extended/search-expanding/</a:t>
+            </a:r>
+            <a:r>
+              <a:rPr lang="en-US"/>
+              <a:t> </a:t>
+            </a:r>
+          </a:p>
+          <a:p>
+            <a:r>
+              <a:rPr lang="en-US">
+                <a:cs typeface="Calibri"/>
+              </a:rPr>
+              <a:t>- </a:t>
+            </a:r>
+            <a:r>
+              <a:rPr lang="en-US">
+                <a:hlinkClick r:id="rId5"/>
+              </a:rPr>
+              <a:t>https://mdbootstrap.com/docs/b4/jquery/forms/search/</a:t>
+            </a:r>
+            <a:r>
+              <a:rPr lang="en-US"/>
+              <a:t> </a:t>
+            </a:r>
+            <a:endParaRPr lang="en-US">
+              <a:cs typeface="Calibri"/>
+            </a:endParaRPr>
+          </a:p>
+        </p:txBody>
+      </p:sp>
+      <p:sp>
+        <p:nvSpPr>
+          <p:cNvPr id="4" name="Espace réservé du numéro de diapositive 3"/>
+          <p:cNvSpPr>
+            <a:spLocks noGrp="1"/>
+          </p:cNvSpPr>
+          <p:nvPr>
+            <p:ph type="sldNum" sz="quarter" idx="5"/>
+          </p:nvPr>
+        </p:nvSpPr>
+        <p:spPr/>
+        <p:txBody>
+          <a:bodyPr/>
+          <a:lstStyle/>
+          <a:p>
+            <a:fld id="{DA63055B-B41F-4580-8B0E-A9D7CE285253}" type="slidenum">
+              <a:rPr lang="fr-FR"/>
+              <a:t>12</a:t>
+            </a:fld>
+            <a:endParaRPr lang="fr-FR"/>
+          </a:p>
+        </p:txBody>
+      </p:sp>
+    </p:spTree>
+    <p:extLst>
+      <p:ext uri="{BB962C8B-B14F-4D97-AF65-F5344CB8AC3E}">
+        <p14:creationId xmlns:p14="http://schemas.microsoft.com/office/powerpoint/2010/main" val="2797638043"/>
       </p:ext>
     </p:extLst>
   </p:cSld>
@@ -2852,7 +3616,7 @@
           <a:p>
             <a:fld id="{01D3DCB8-9272-4B59-BBA5-EE8745829236}" type="datetimeFigureOut">
               <a:rPr lang="fr-FR" smtClean="0"/>
-              <a:t>08/06/2022</a:t>
+              <a:t>09/06/2022</a:t>
             </a:fld>
             <a:endParaRPr lang="fr-FR"/>
           </a:p>
@@ -3050,7 +3814,7 @@
           <a:p>
             <a:fld id="{01D3DCB8-9272-4B59-BBA5-EE8745829236}" type="datetimeFigureOut">
               <a:rPr lang="fr-FR" smtClean="0"/>
-              <a:t>08/06/2022</a:t>
+              <a:t>09/06/2022</a:t>
             </a:fld>
             <a:endParaRPr lang="fr-FR"/>
           </a:p>
@@ -3258,7 +4022,7 @@
           <a:p>
             <a:fld id="{01D3DCB8-9272-4B59-BBA5-EE8745829236}" type="datetimeFigureOut">
               <a:rPr lang="fr-FR" smtClean="0"/>
-              <a:t>08/06/2022</a:t>
+              <a:t>09/06/2022</a:t>
             </a:fld>
             <a:endParaRPr lang="fr-FR"/>
           </a:p>
@@ -3456,7 +4220,7 @@
           <a:p>
             <a:fld id="{01D3DCB8-9272-4B59-BBA5-EE8745829236}" type="datetimeFigureOut">
               <a:rPr lang="fr-FR" smtClean="0"/>
-              <a:t>08/06/2022</a:t>
+              <a:t>09/06/2022</a:t>
             </a:fld>
             <a:endParaRPr lang="fr-FR"/>
           </a:p>
@@ -3731,7 +4495,7 @@
           <a:p>
             <a:fld id="{01D3DCB8-9272-4B59-BBA5-EE8745829236}" type="datetimeFigureOut">
               <a:rPr lang="fr-FR" smtClean="0"/>
-              <a:t>08/06/2022</a:t>
+              <a:t>09/06/2022</a:t>
             </a:fld>
             <a:endParaRPr lang="fr-FR"/>
           </a:p>
@@ -3996,7 +4760,7 @@
           <a:p>
             <a:fld id="{01D3DCB8-9272-4B59-BBA5-EE8745829236}" type="datetimeFigureOut">
               <a:rPr lang="fr-FR" smtClean="0"/>
-              <a:t>08/06/2022</a:t>
+              <a:t>09/06/2022</a:t>
             </a:fld>
             <a:endParaRPr lang="fr-FR"/>
           </a:p>
@@ -4408,7 +5172,7 @@
           <a:p>
             <a:fld id="{01D3DCB8-9272-4B59-BBA5-EE8745829236}" type="datetimeFigureOut">
               <a:rPr lang="fr-FR" smtClean="0"/>
-              <a:t>08/06/2022</a:t>
+              <a:t>09/06/2022</a:t>
             </a:fld>
             <a:endParaRPr lang="fr-FR"/>
           </a:p>
@@ -4549,7 +5313,7 @@
           <a:p>
             <a:fld id="{01D3DCB8-9272-4B59-BBA5-EE8745829236}" type="datetimeFigureOut">
               <a:rPr lang="fr-FR" smtClean="0"/>
-              <a:t>08/06/2022</a:t>
+              <a:t>09/06/2022</a:t>
             </a:fld>
             <a:endParaRPr lang="fr-FR"/>
           </a:p>
@@ -4662,7 +5426,7 @@
           <a:p>
             <a:fld id="{01D3DCB8-9272-4B59-BBA5-EE8745829236}" type="datetimeFigureOut">
               <a:rPr lang="fr-FR" smtClean="0"/>
-              <a:t>08/06/2022</a:t>
+              <a:t>09/06/2022</a:t>
             </a:fld>
             <a:endParaRPr lang="fr-FR"/>
           </a:p>
@@ -4973,7 +5737,7 @@
           <a:p>
             <a:fld id="{01D3DCB8-9272-4B59-BBA5-EE8745829236}" type="datetimeFigureOut">
               <a:rPr lang="fr-FR" smtClean="0"/>
-              <a:t>08/06/2022</a:t>
+              <a:t>09/06/2022</a:t>
             </a:fld>
             <a:endParaRPr lang="fr-FR"/>
           </a:p>
@@ -5261,7 +6025,7 @@
           <a:p>
             <a:fld id="{01D3DCB8-9272-4B59-BBA5-EE8745829236}" type="datetimeFigureOut">
               <a:rPr lang="fr-FR" smtClean="0"/>
-              <a:t>08/06/2022</a:t>
+              <a:t>09/06/2022</a:t>
             </a:fld>
             <a:endParaRPr lang="fr-FR"/>
           </a:p>
@@ -5502,7 +6266,7 @@
           <a:p>
             <a:fld id="{01D3DCB8-9272-4B59-BBA5-EE8745829236}" type="datetimeFigureOut">
               <a:rPr lang="fr-FR" smtClean="0"/>
-              <a:t>08/06/2022</a:t>
+              <a:t>09/06/2022</a:t>
             </a:fld>
             <a:endParaRPr lang="fr-FR"/>
           </a:p>
@@ -5903,6 +6667,2692 @@
 </file>
 
 <file path=ppt/slides/slide1.xml><?xml version="1.0" encoding="utf-8"?>
+<p:sld xmlns:a="http://schemas.openxmlformats.org/drawingml/2006/main" xmlns:r="http://schemas.openxmlformats.org/officeDocument/2006/relationships" xmlns:p="http://schemas.openxmlformats.org/presentationml/2006/main">
+  <p:cSld>
+    <p:spTree>
+      <p:nvGrpSpPr>
+        <p:cNvPr id="1" name=""/>
+        <p:cNvGrpSpPr/>
+        <p:nvPr/>
+      </p:nvGrpSpPr>
+      <p:grpSpPr>
+        <a:xfrm>
+          <a:off x="0" y="0"/>
+          <a:ext cx="0" cy="0"/>
+          <a:chOff x="0" y="0"/>
+          <a:chExt cx="0" cy="0"/>
+        </a:xfrm>
+      </p:grpSpPr>
+      <p:sp>
+        <p:nvSpPr>
+          <p:cNvPr id="2" name="ZoneTexte 1">
+            <a:extLst>
+              <a:ext uri="{FF2B5EF4-FFF2-40B4-BE49-F238E27FC236}">
+                <a16:creationId xmlns:a16="http://schemas.microsoft.com/office/drawing/2014/main" id="{23028B07-9D96-D53B-B58E-2E384F371EF4}"/>
+              </a:ext>
+            </a:extLst>
+          </p:cNvPr>
+          <p:cNvSpPr txBox="1"/>
+          <p:nvPr/>
+        </p:nvSpPr>
+        <p:spPr>
+          <a:xfrm>
+            <a:off x="4724400" y="3200400"/>
+            <a:ext cx="2743200" cy="646331"/>
+          </a:xfrm>
+          <a:prstGeom prst="rect">
+            <a:avLst/>
+          </a:prstGeom>
+          <a:noFill/>
+        </p:spPr>
+        <p:txBody>
+          <a:bodyPr rot="0" spcFirstLastPara="0" vertOverflow="overflow" horzOverflow="overflow" vert="horz" wrap="square" lIns="91440" tIns="45720" rIns="91440" bIns="45720" numCol="1" spcCol="0" rtlCol="0" fromWordArt="0" anchor="t" anchorCtr="0" forceAA="0" compatLnSpc="1">
+            <a:prstTxWarp prst="textNoShape">
+              <a:avLst/>
+            </a:prstTxWarp>
+            <a:spAutoFit/>
+          </a:bodyPr>
+          <a:lstStyle/>
+          <a:p>
+            <a:r>
+              <a:rPr lang="fr-FR"/>
+              <a:t>PAGES POUR LES UTILISATEURS LAMBDA </a:t>
+            </a:r>
+            <a:endParaRPr lang="fr-FR">
+              <a:cs typeface="Calibri"/>
+            </a:endParaRPr>
+          </a:p>
+        </p:txBody>
+      </p:sp>
+    </p:spTree>
+    <p:extLst>
+      <p:ext uri="{BB962C8B-B14F-4D97-AF65-F5344CB8AC3E}">
+        <p14:creationId xmlns:p14="http://schemas.microsoft.com/office/powerpoint/2010/main" val="534405091"/>
+      </p:ext>
+    </p:extLst>
+  </p:cSld>
+  <p:clrMapOvr>
+    <a:masterClrMapping/>
+  </p:clrMapOvr>
+</p:sld>
+</file>
+
+<file path=ppt/slides/slide10.xml><?xml version="1.0" encoding="utf-8"?>
+<p:sld xmlns:a="http://schemas.openxmlformats.org/drawingml/2006/main" xmlns:r="http://schemas.openxmlformats.org/officeDocument/2006/relationships" xmlns:p="http://schemas.openxmlformats.org/presentationml/2006/main">
+  <p:cSld>
+    <p:spTree>
+      <p:nvGrpSpPr>
+        <p:cNvPr id="1" name=""/>
+        <p:cNvGrpSpPr/>
+        <p:nvPr/>
+      </p:nvGrpSpPr>
+      <p:grpSpPr>
+        <a:xfrm>
+          <a:off x="0" y="0"/>
+          <a:ext cx="0" cy="0"/>
+          <a:chOff x="0" y="0"/>
+          <a:chExt cx="0" cy="0"/>
+        </a:xfrm>
+      </p:grpSpPr>
+      <p:sp>
+        <p:nvSpPr>
+          <p:cNvPr id="3" name="Rectangle 2">
+            <a:extLst>
+              <a:ext uri="{FF2B5EF4-FFF2-40B4-BE49-F238E27FC236}">
+                <a16:creationId xmlns:a16="http://schemas.microsoft.com/office/drawing/2014/main" id="{93E34F92-0D3E-2848-0D57-4249FF868880}"/>
+              </a:ext>
+            </a:extLst>
+          </p:cNvPr>
+          <p:cNvSpPr/>
+          <p:nvPr/>
+        </p:nvSpPr>
+        <p:spPr>
+          <a:xfrm>
+            <a:off x="213360" y="198120"/>
+            <a:ext cx="11755120" cy="579120"/>
+          </a:xfrm>
+          <a:prstGeom prst="rect">
+            <a:avLst/>
+          </a:prstGeom>
+        </p:spPr>
+        <p:style>
+          <a:lnRef idx="2">
+            <a:schemeClr val="accent1">
+              <a:shade val="50000"/>
+            </a:schemeClr>
+          </a:lnRef>
+          <a:fillRef idx="1">
+            <a:schemeClr val="accent1"/>
+          </a:fillRef>
+          <a:effectRef idx="0">
+            <a:schemeClr val="accent1"/>
+          </a:effectRef>
+          <a:fontRef idx="minor">
+            <a:schemeClr val="lt1"/>
+          </a:fontRef>
+        </p:style>
+        <p:txBody>
+          <a:bodyPr lIns="91440" tIns="45720" rIns="91440" bIns="45720" rtlCol="0" anchor="ctr"/>
+          <a:lstStyle/>
+          <a:p>
+            <a:pPr algn="ctr"/>
+            <a:endParaRPr lang="fr-FR">
+              <a:cs typeface="Calibri"/>
+            </a:endParaRPr>
+          </a:p>
+        </p:txBody>
+      </p:sp>
+      <p:sp>
+        <p:nvSpPr>
+          <p:cNvPr id="5" name="Rectangle 4">
+            <a:extLst>
+              <a:ext uri="{FF2B5EF4-FFF2-40B4-BE49-F238E27FC236}">
+                <a16:creationId xmlns:a16="http://schemas.microsoft.com/office/drawing/2014/main" id="{9994A2AC-5538-0EF9-E7DC-5D7EBF6596E6}"/>
+              </a:ext>
+            </a:extLst>
+          </p:cNvPr>
+          <p:cNvSpPr/>
+          <p:nvPr/>
+        </p:nvSpPr>
+        <p:spPr>
+          <a:xfrm>
+            <a:off x="6096000" y="259080"/>
+            <a:ext cx="2367280" cy="447040"/>
+          </a:xfrm>
+          <a:prstGeom prst="rect">
+            <a:avLst/>
+          </a:prstGeom>
+          <a:solidFill>
+            <a:schemeClr val="bg1"/>
+          </a:solidFill>
+        </p:spPr>
+        <p:style>
+          <a:lnRef idx="2">
+            <a:schemeClr val="accent1">
+              <a:shade val="50000"/>
+            </a:schemeClr>
+          </a:lnRef>
+          <a:fillRef idx="1">
+            <a:schemeClr val="accent1"/>
+          </a:fillRef>
+          <a:effectRef idx="0">
+            <a:schemeClr val="accent1"/>
+          </a:effectRef>
+          <a:fontRef idx="minor">
+            <a:schemeClr val="lt1"/>
+          </a:fontRef>
+        </p:style>
+        <p:txBody>
+          <a:bodyPr lIns="91440" tIns="45720" rIns="91440" bIns="45720" rtlCol="0" anchor="ctr"/>
+          <a:lstStyle/>
+          <a:p>
+            <a:pPr algn="ctr"/>
+            <a:r>
+              <a:rPr lang="fr-FR">
+                <a:solidFill>
+                  <a:srgbClr val="000000"/>
+                </a:solidFill>
+                <a:cs typeface="Calibri"/>
+              </a:rPr>
+              <a:t>Rechercher</a:t>
+            </a:r>
+          </a:p>
+        </p:txBody>
+      </p:sp>
+      <p:sp>
+        <p:nvSpPr>
+          <p:cNvPr id="7" name="Rectangle 6">
+            <a:extLst>
+              <a:ext uri="{FF2B5EF4-FFF2-40B4-BE49-F238E27FC236}">
+                <a16:creationId xmlns:a16="http://schemas.microsoft.com/office/drawing/2014/main" id="{4C9FFA8F-C0EE-6308-D102-F995E7E0A228}"/>
+              </a:ext>
+            </a:extLst>
+          </p:cNvPr>
+          <p:cNvSpPr/>
+          <p:nvPr/>
+        </p:nvSpPr>
+        <p:spPr>
+          <a:xfrm>
+            <a:off x="1493519" y="269239"/>
+            <a:ext cx="1158240" cy="447040"/>
+          </a:xfrm>
+          <a:prstGeom prst="rect">
+            <a:avLst/>
+          </a:prstGeom>
+          <a:solidFill>
+            <a:schemeClr val="bg1"/>
+          </a:solidFill>
+        </p:spPr>
+        <p:style>
+          <a:lnRef idx="2">
+            <a:schemeClr val="accent1">
+              <a:shade val="50000"/>
+            </a:schemeClr>
+          </a:lnRef>
+          <a:fillRef idx="1">
+            <a:schemeClr val="accent1"/>
+          </a:fillRef>
+          <a:effectRef idx="0">
+            <a:schemeClr val="accent1"/>
+          </a:effectRef>
+          <a:fontRef idx="minor">
+            <a:schemeClr val="lt1"/>
+          </a:fontRef>
+        </p:style>
+        <p:txBody>
+          <a:bodyPr lIns="91440" tIns="45720" rIns="91440" bIns="45720" rtlCol="0" anchor="ctr"/>
+          <a:lstStyle/>
+          <a:p>
+            <a:pPr algn="ctr"/>
+            <a:r>
+              <a:rPr lang="fr-FR">
+                <a:solidFill>
+                  <a:srgbClr val="000000"/>
+                </a:solidFill>
+                <a:cs typeface="Calibri"/>
+              </a:rPr>
+              <a:t>Accueil</a:t>
+            </a:r>
+          </a:p>
+        </p:txBody>
+      </p:sp>
+      <p:sp>
+        <p:nvSpPr>
+          <p:cNvPr id="9" name="Rectangle 8">
+            <a:extLst>
+              <a:ext uri="{FF2B5EF4-FFF2-40B4-BE49-F238E27FC236}">
+                <a16:creationId xmlns:a16="http://schemas.microsoft.com/office/drawing/2014/main" id="{C0C92A1A-E82E-502B-AAEA-B50848CCBF66}"/>
+              </a:ext>
+            </a:extLst>
+          </p:cNvPr>
+          <p:cNvSpPr/>
+          <p:nvPr/>
+        </p:nvSpPr>
+        <p:spPr>
+          <a:xfrm>
+            <a:off x="2905758" y="269238"/>
+            <a:ext cx="1158240" cy="447040"/>
+          </a:xfrm>
+          <a:prstGeom prst="rect">
+            <a:avLst/>
+          </a:prstGeom>
+          <a:solidFill>
+            <a:schemeClr val="bg1"/>
+          </a:solidFill>
+        </p:spPr>
+        <p:style>
+          <a:lnRef idx="2">
+            <a:schemeClr val="accent1">
+              <a:shade val="50000"/>
+            </a:schemeClr>
+          </a:lnRef>
+          <a:fillRef idx="1">
+            <a:schemeClr val="accent1"/>
+          </a:fillRef>
+          <a:effectRef idx="0">
+            <a:schemeClr val="accent1"/>
+          </a:effectRef>
+          <a:fontRef idx="minor">
+            <a:schemeClr val="lt1"/>
+          </a:fontRef>
+        </p:style>
+        <p:txBody>
+          <a:bodyPr lIns="91440" tIns="45720" rIns="91440" bIns="45720" rtlCol="0" anchor="ctr"/>
+          <a:lstStyle/>
+          <a:p>
+            <a:pPr algn="ctr"/>
+            <a:r>
+              <a:rPr lang="fr-FR">
+                <a:solidFill>
+                  <a:srgbClr val="000000"/>
+                </a:solidFill>
+                <a:cs typeface="Calibri"/>
+              </a:rPr>
+              <a:t>Films</a:t>
+            </a:r>
+          </a:p>
+        </p:txBody>
+      </p:sp>
+      <p:sp>
+        <p:nvSpPr>
+          <p:cNvPr id="11" name="Rectangle 10">
+            <a:extLst>
+              <a:ext uri="{FF2B5EF4-FFF2-40B4-BE49-F238E27FC236}">
+                <a16:creationId xmlns:a16="http://schemas.microsoft.com/office/drawing/2014/main" id="{52E49857-4B8A-C31E-42BB-852CC9F026F9}"/>
+              </a:ext>
+            </a:extLst>
+          </p:cNvPr>
+          <p:cNvSpPr/>
+          <p:nvPr/>
+        </p:nvSpPr>
+        <p:spPr>
+          <a:xfrm>
+            <a:off x="4317997" y="269237"/>
+            <a:ext cx="1158240" cy="447040"/>
+          </a:xfrm>
+          <a:prstGeom prst="rect">
+            <a:avLst/>
+          </a:prstGeom>
+          <a:solidFill>
+            <a:schemeClr val="bg1"/>
+          </a:solidFill>
+        </p:spPr>
+        <p:style>
+          <a:lnRef idx="2">
+            <a:schemeClr val="accent1">
+              <a:shade val="50000"/>
+            </a:schemeClr>
+          </a:lnRef>
+          <a:fillRef idx="1">
+            <a:schemeClr val="accent1"/>
+          </a:fillRef>
+          <a:effectRef idx="0">
+            <a:schemeClr val="accent1"/>
+          </a:effectRef>
+          <a:fontRef idx="minor">
+            <a:schemeClr val="lt1"/>
+          </a:fontRef>
+        </p:style>
+        <p:txBody>
+          <a:bodyPr lIns="91440" tIns="45720" rIns="91440" bIns="45720" rtlCol="0" anchor="ctr"/>
+          <a:lstStyle/>
+          <a:p>
+            <a:pPr algn="ctr"/>
+            <a:r>
+              <a:rPr lang="fr-FR">
+                <a:solidFill>
+                  <a:srgbClr val="000000"/>
+                </a:solidFill>
+                <a:cs typeface="Calibri"/>
+              </a:rPr>
+              <a:t>Séries</a:t>
+            </a:r>
+          </a:p>
+        </p:txBody>
+      </p:sp>
+      <p:sp>
+        <p:nvSpPr>
+          <p:cNvPr id="13" name="Rectangle 12">
+            <a:extLst>
+              <a:ext uri="{FF2B5EF4-FFF2-40B4-BE49-F238E27FC236}">
+                <a16:creationId xmlns:a16="http://schemas.microsoft.com/office/drawing/2014/main" id="{06024F13-0D2A-8CA3-C30A-381400821991}"/>
+              </a:ext>
+            </a:extLst>
+          </p:cNvPr>
+          <p:cNvSpPr/>
+          <p:nvPr/>
+        </p:nvSpPr>
+        <p:spPr>
+          <a:xfrm>
+            <a:off x="9438640" y="289560"/>
+            <a:ext cx="2367280" cy="396240"/>
+          </a:xfrm>
+          <a:prstGeom prst="rect">
+            <a:avLst/>
+          </a:prstGeom>
+          <a:solidFill>
+            <a:schemeClr val="bg1"/>
+          </a:solidFill>
+        </p:spPr>
+        <p:style>
+          <a:lnRef idx="2">
+            <a:schemeClr val="accent1">
+              <a:shade val="50000"/>
+            </a:schemeClr>
+          </a:lnRef>
+          <a:fillRef idx="1">
+            <a:schemeClr val="accent1"/>
+          </a:fillRef>
+          <a:effectRef idx="0">
+            <a:schemeClr val="accent1"/>
+          </a:effectRef>
+          <a:fontRef idx="minor">
+            <a:schemeClr val="lt1"/>
+          </a:fontRef>
+        </p:style>
+        <p:txBody>
+          <a:bodyPr lIns="91440" tIns="45720" rIns="91440" bIns="45720" rtlCol="0" anchor="ctr"/>
+          <a:lstStyle/>
+          <a:p>
+            <a:pPr algn="ctr"/>
+            <a:r>
+              <a:rPr lang="fr-FR">
+                <a:solidFill>
+                  <a:srgbClr val="000000"/>
+                </a:solidFill>
+                <a:cs typeface="Calibri"/>
+              </a:rPr>
+              <a:t>Mon compte</a:t>
+            </a:r>
+            <a:endParaRPr lang="fr-FR">
+              <a:solidFill>
+                <a:srgbClr val="000000"/>
+              </a:solidFill>
+            </a:endParaRPr>
+          </a:p>
+        </p:txBody>
+      </p:sp>
+      <p:sp>
+        <p:nvSpPr>
+          <p:cNvPr id="15" name="Ellipse 14">
+            <a:extLst>
+              <a:ext uri="{FF2B5EF4-FFF2-40B4-BE49-F238E27FC236}">
+                <a16:creationId xmlns:a16="http://schemas.microsoft.com/office/drawing/2014/main" id="{2EB16EB9-2B89-2CF5-4092-85FBF3B47CB5}"/>
+              </a:ext>
+            </a:extLst>
+          </p:cNvPr>
+          <p:cNvSpPr/>
+          <p:nvPr/>
+        </p:nvSpPr>
+        <p:spPr>
+          <a:xfrm>
+            <a:off x="315595" y="259715"/>
+            <a:ext cx="975360" cy="447040"/>
+          </a:xfrm>
+          <a:prstGeom prst="ellipse">
+            <a:avLst/>
+          </a:prstGeom>
+          <a:solidFill>
+            <a:schemeClr val="bg1"/>
+          </a:solidFill>
+        </p:spPr>
+        <p:style>
+          <a:lnRef idx="2">
+            <a:schemeClr val="accent1">
+              <a:shade val="50000"/>
+            </a:schemeClr>
+          </a:lnRef>
+          <a:fillRef idx="1">
+            <a:schemeClr val="accent1"/>
+          </a:fillRef>
+          <a:effectRef idx="0">
+            <a:schemeClr val="accent1"/>
+          </a:effectRef>
+          <a:fontRef idx="minor">
+            <a:schemeClr val="lt1"/>
+          </a:fontRef>
+        </p:style>
+        <p:txBody>
+          <a:bodyPr rtlCol="0" anchor="ctr"/>
+          <a:lstStyle/>
+          <a:p>
+            <a:pPr algn="ctr"/>
+            <a:r>
+              <a:rPr lang="fr-FR">
+                <a:solidFill>
+                  <a:srgbClr val="000000"/>
+                </a:solidFill>
+                <a:cs typeface="Calibri"/>
+              </a:rPr>
+              <a:t>Logo</a:t>
+            </a:r>
+            <a:endParaRPr lang="fr-FR">
+              <a:solidFill>
+                <a:srgbClr val="000000"/>
+              </a:solidFill>
+            </a:endParaRPr>
+          </a:p>
+        </p:txBody>
+      </p:sp>
+      <p:sp>
+        <p:nvSpPr>
+          <p:cNvPr id="17" name="Rectangle 16">
+            <a:extLst>
+              <a:ext uri="{FF2B5EF4-FFF2-40B4-BE49-F238E27FC236}">
+                <a16:creationId xmlns:a16="http://schemas.microsoft.com/office/drawing/2014/main" id="{F3D07159-C0A3-799B-AAEA-61A697749F66}"/>
+              </a:ext>
+            </a:extLst>
+          </p:cNvPr>
+          <p:cNvSpPr/>
+          <p:nvPr/>
+        </p:nvSpPr>
+        <p:spPr>
+          <a:xfrm>
+            <a:off x="563651" y="1106128"/>
+            <a:ext cx="10597796" cy="472108"/>
+          </a:xfrm>
+          <a:prstGeom prst="rect">
+            <a:avLst/>
+          </a:prstGeom>
+        </p:spPr>
+        <p:style>
+          <a:lnRef idx="2">
+            <a:schemeClr val="accent1">
+              <a:shade val="50000"/>
+            </a:schemeClr>
+          </a:lnRef>
+          <a:fillRef idx="1">
+            <a:schemeClr val="accent1"/>
+          </a:fillRef>
+          <a:effectRef idx="0">
+            <a:schemeClr val="accent1"/>
+          </a:effectRef>
+          <a:fontRef idx="minor">
+            <a:schemeClr val="lt1"/>
+          </a:fontRef>
+        </p:style>
+        <p:txBody>
+          <a:bodyPr rot="0" spcFirstLastPara="0" vertOverflow="overflow" horzOverflow="overflow" vert="horz" wrap="square" lIns="91440" tIns="45720" rIns="91440" bIns="45720" numCol="1" spcCol="0" rtlCol="0" fromWordArt="0" anchor="t" anchorCtr="0" forceAA="0" compatLnSpc="1">
+            <a:prstTxWarp prst="textNoShape">
+              <a:avLst/>
+            </a:prstTxWarp>
+            <a:noAutofit/>
+          </a:bodyPr>
+          <a:lstStyle/>
+          <a:p>
+            <a:r>
+              <a:rPr lang="fr-FR">
+                <a:cs typeface="Calibri" panose="020F0502020204030204"/>
+              </a:rPr>
+              <a:t>MON COMPTE</a:t>
+            </a:r>
+          </a:p>
+        </p:txBody>
+      </p:sp>
+      <p:sp>
+        <p:nvSpPr>
+          <p:cNvPr id="18" name="Rectangle 17">
+            <a:extLst>
+              <a:ext uri="{FF2B5EF4-FFF2-40B4-BE49-F238E27FC236}">
+                <a16:creationId xmlns:a16="http://schemas.microsoft.com/office/drawing/2014/main" id="{BE07366F-7AAE-1871-CBDA-AB56E095F47B}"/>
+              </a:ext>
+            </a:extLst>
+          </p:cNvPr>
+          <p:cNvSpPr/>
+          <p:nvPr/>
+        </p:nvSpPr>
+        <p:spPr>
+          <a:xfrm>
+            <a:off x="563650" y="1961816"/>
+            <a:ext cx="10597796" cy="1302812"/>
+          </a:xfrm>
+          <a:prstGeom prst="rect">
+            <a:avLst/>
+          </a:prstGeom>
+        </p:spPr>
+        <p:style>
+          <a:lnRef idx="2">
+            <a:schemeClr val="accent1">
+              <a:shade val="50000"/>
+            </a:schemeClr>
+          </a:lnRef>
+          <a:fillRef idx="1">
+            <a:schemeClr val="accent1"/>
+          </a:fillRef>
+          <a:effectRef idx="0">
+            <a:schemeClr val="accent1"/>
+          </a:effectRef>
+          <a:fontRef idx="minor">
+            <a:schemeClr val="lt1"/>
+          </a:fontRef>
+        </p:style>
+        <p:txBody>
+          <a:bodyPr rot="0" spcFirstLastPara="0" vertOverflow="overflow" horzOverflow="overflow" vert="horz" wrap="square" lIns="91440" tIns="45720" rIns="91440" bIns="45720" numCol="1" spcCol="0" rtlCol="0" fromWordArt="0" anchor="t" anchorCtr="0" forceAA="0" compatLnSpc="1">
+            <a:prstTxWarp prst="textNoShape">
+              <a:avLst/>
+            </a:prstTxWarp>
+            <a:noAutofit/>
+          </a:bodyPr>
+          <a:lstStyle/>
+          <a:p>
+            <a:r>
+              <a:rPr lang="fr-FR">
+                <a:cs typeface="Calibri" panose="020F0502020204030204"/>
+              </a:rPr>
+              <a:t>INFOS PERSO</a:t>
+            </a:r>
+          </a:p>
+          <a:p>
+            <a:r>
+              <a:rPr lang="fr-FR">
+                <a:cs typeface="Calibri" panose="020F0502020204030204"/>
+              </a:rPr>
+              <a:t>Nom</a:t>
+            </a:r>
+          </a:p>
+          <a:p>
+            <a:r>
+              <a:rPr lang="fr-FR" err="1">
+                <a:cs typeface="Calibri" panose="020F0502020204030204"/>
+              </a:rPr>
+              <a:t>Prenom</a:t>
+            </a:r>
+          </a:p>
+          <a:p>
+            <a:r>
+              <a:rPr lang="fr-FR">
+                <a:cs typeface="Calibri" panose="020F0502020204030204"/>
+              </a:rPr>
+              <a:t>Mail...</a:t>
+            </a:r>
+          </a:p>
+        </p:txBody>
+      </p:sp>
+      <p:sp>
+        <p:nvSpPr>
+          <p:cNvPr id="19" name="Rectangle 18">
+            <a:extLst>
+              <a:ext uri="{FF2B5EF4-FFF2-40B4-BE49-F238E27FC236}">
+                <a16:creationId xmlns:a16="http://schemas.microsoft.com/office/drawing/2014/main" id="{8174FFDB-12FC-1C87-C98D-DFB7EE65B377}"/>
+              </a:ext>
+            </a:extLst>
+          </p:cNvPr>
+          <p:cNvSpPr/>
+          <p:nvPr/>
+        </p:nvSpPr>
+        <p:spPr>
+          <a:xfrm>
+            <a:off x="563649" y="3685684"/>
+            <a:ext cx="10597796" cy="472108"/>
+          </a:xfrm>
+          <a:prstGeom prst="rect">
+            <a:avLst/>
+          </a:prstGeom>
+        </p:spPr>
+        <p:style>
+          <a:lnRef idx="2">
+            <a:schemeClr val="accent1">
+              <a:shade val="50000"/>
+            </a:schemeClr>
+          </a:lnRef>
+          <a:fillRef idx="1">
+            <a:schemeClr val="accent1"/>
+          </a:fillRef>
+          <a:effectRef idx="0">
+            <a:schemeClr val="accent1"/>
+          </a:effectRef>
+          <a:fontRef idx="minor">
+            <a:schemeClr val="lt1"/>
+          </a:fontRef>
+        </p:style>
+        <p:txBody>
+          <a:bodyPr rot="0" spcFirstLastPara="0" vertOverflow="overflow" horzOverflow="overflow" vert="horz" wrap="square" lIns="91440" tIns="45720" rIns="91440" bIns="45720" numCol="1" spcCol="0" rtlCol="0" fromWordArt="0" anchor="t" anchorCtr="0" forceAA="0" compatLnSpc="1">
+            <a:prstTxWarp prst="textNoShape">
+              <a:avLst/>
+            </a:prstTxWarp>
+            <a:noAutofit/>
+          </a:bodyPr>
+          <a:lstStyle/>
+          <a:p>
+            <a:r>
+              <a:rPr lang="fr-FR">
+                <a:cs typeface="Calibri" panose="020F0502020204030204"/>
+              </a:rPr>
+              <a:t>LISTE FAVORIS</a:t>
+            </a:r>
+          </a:p>
+        </p:txBody>
+      </p:sp>
+      <p:sp>
+        <p:nvSpPr>
+          <p:cNvPr id="12" name="Rectangle 11">
+            <a:extLst>
+              <a:ext uri="{FF2B5EF4-FFF2-40B4-BE49-F238E27FC236}">
+                <a16:creationId xmlns:a16="http://schemas.microsoft.com/office/drawing/2014/main" id="{8F70D023-1544-9A16-6958-380210C70CB0}"/>
+              </a:ext>
+            </a:extLst>
+          </p:cNvPr>
+          <p:cNvSpPr/>
+          <p:nvPr/>
+        </p:nvSpPr>
+        <p:spPr>
+          <a:xfrm>
+            <a:off x="563648" y="4594575"/>
+            <a:ext cx="10597796" cy="472108"/>
+          </a:xfrm>
+          <a:prstGeom prst="rect">
+            <a:avLst/>
+          </a:prstGeom>
+        </p:spPr>
+        <p:style>
+          <a:lnRef idx="2">
+            <a:schemeClr val="accent1">
+              <a:shade val="50000"/>
+            </a:schemeClr>
+          </a:lnRef>
+          <a:fillRef idx="1">
+            <a:schemeClr val="accent1"/>
+          </a:fillRef>
+          <a:effectRef idx="0">
+            <a:schemeClr val="accent1"/>
+          </a:effectRef>
+          <a:fontRef idx="minor">
+            <a:schemeClr val="lt1"/>
+          </a:fontRef>
+        </p:style>
+        <p:txBody>
+          <a:bodyPr rot="0" spcFirstLastPara="0" vertOverflow="overflow" horzOverflow="overflow" vert="horz" wrap="square" lIns="91440" tIns="45720" rIns="91440" bIns="45720" numCol="1" spcCol="0" rtlCol="0" fromWordArt="0" anchor="t" anchorCtr="0" forceAA="0" compatLnSpc="1">
+            <a:prstTxWarp prst="textNoShape">
+              <a:avLst/>
+            </a:prstTxWarp>
+            <a:noAutofit/>
+          </a:bodyPr>
+          <a:lstStyle/>
+          <a:p>
+            <a:r>
+              <a:rPr lang="fr-FR">
+                <a:cs typeface="Calibri" panose="020F0502020204030204"/>
+              </a:rPr>
+              <a:t>LISTE DEJA VU</a:t>
+            </a:r>
+          </a:p>
+        </p:txBody>
+      </p:sp>
+    </p:spTree>
+    <p:extLst>
+      <p:ext uri="{BB962C8B-B14F-4D97-AF65-F5344CB8AC3E}">
+        <p14:creationId xmlns:p14="http://schemas.microsoft.com/office/powerpoint/2010/main" val="3145503830"/>
+      </p:ext>
+    </p:extLst>
+  </p:cSld>
+  <p:clrMapOvr>
+    <a:masterClrMapping/>
+  </p:clrMapOvr>
+</p:sld>
+</file>
+
+<file path=ppt/slides/slide11.xml><?xml version="1.0" encoding="utf-8"?>
+<p:sld xmlns:a="http://schemas.openxmlformats.org/drawingml/2006/main" xmlns:r="http://schemas.openxmlformats.org/officeDocument/2006/relationships" xmlns:p="http://schemas.openxmlformats.org/presentationml/2006/main">
+  <p:cSld>
+    <p:spTree>
+      <p:nvGrpSpPr>
+        <p:cNvPr id="1" name=""/>
+        <p:cNvGrpSpPr/>
+        <p:nvPr/>
+      </p:nvGrpSpPr>
+      <p:grpSpPr>
+        <a:xfrm>
+          <a:off x="0" y="0"/>
+          <a:ext cx="0" cy="0"/>
+          <a:chOff x="0" y="0"/>
+          <a:chExt cx="0" cy="0"/>
+        </a:xfrm>
+      </p:grpSpPr>
+      <p:sp>
+        <p:nvSpPr>
+          <p:cNvPr id="69" name="Rectangle 68">
+            <a:extLst>
+              <a:ext uri="{FF2B5EF4-FFF2-40B4-BE49-F238E27FC236}">
+                <a16:creationId xmlns:a16="http://schemas.microsoft.com/office/drawing/2014/main" id="{DE7764BC-CB57-46BC-F37B-645A28DB7166}"/>
+              </a:ext>
+            </a:extLst>
+          </p:cNvPr>
+          <p:cNvSpPr/>
+          <p:nvPr/>
+        </p:nvSpPr>
+        <p:spPr>
+          <a:xfrm>
+            <a:off x="704850" y="3971925"/>
+            <a:ext cx="10848975" cy="2828925"/>
+          </a:xfrm>
+          <a:prstGeom prst="rect">
+            <a:avLst/>
+          </a:prstGeom>
+          <a:solidFill>
+            <a:schemeClr val="accent1">
+              <a:lumMod val="20000"/>
+              <a:lumOff val="80000"/>
+            </a:schemeClr>
+          </a:solidFill>
+          <a:ln>
+            <a:solidFill>
+              <a:schemeClr val="bg1">
+                <a:lumMod val="95000"/>
+              </a:schemeClr>
+            </a:solidFill>
+          </a:ln>
+        </p:spPr>
+        <p:style>
+          <a:lnRef idx="2">
+            <a:schemeClr val="accent1">
+              <a:shade val="50000"/>
+            </a:schemeClr>
+          </a:lnRef>
+          <a:fillRef idx="1">
+            <a:schemeClr val="accent1"/>
+          </a:fillRef>
+          <a:effectRef idx="0">
+            <a:schemeClr val="accent1"/>
+          </a:effectRef>
+          <a:fontRef idx="minor">
+            <a:schemeClr val="lt1"/>
+          </a:fontRef>
+        </p:style>
+        <p:txBody>
+          <a:bodyPr rtlCol="0" anchor="ctr"/>
+          <a:lstStyle/>
+          <a:p>
+            <a:pPr algn="ctr"/>
+            <a:endParaRPr lang="fr-FR"/>
+          </a:p>
+        </p:txBody>
+      </p:sp>
+      <p:grpSp>
+        <p:nvGrpSpPr>
+          <p:cNvPr id="50" name="Groupe 49">
+            <a:extLst>
+              <a:ext uri="{FF2B5EF4-FFF2-40B4-BE49-F238E27FC236}">
+                <a16:creationId xmlns:a16="http://schemas.microsoft.com/office/drawing/2014/main" id="{775B9020-2E49-BE20-F409-B9B1467E3FF9}"/>
+              </a:ext>
+            </a:extLst>
+          </p:cNvPr>
+          <p:cNvGrpSpPr/>
+          <p:nvPr/>
+        </p:nvGrpSpPr>
+        <p:grpSpPr>
+          <a:xfrm>
+            <a:off x="213360" y="198120"/>
+            <a:ext cx="11755120" cy="579120"/>
+            <a:chOff x="213360" y="198120"/>
+            <a:chExt cx="11755120" cy="579120"/>
+          </a:xfrm>
+        </p:grpSpPr>
+        <p:sp>
+          <p:nvSpPr>
+            <p:cNvPr id="43" name="Rectangle 42">
+              <a:extLst>
+                <a:ext uri="{FF2B5EF4-FFF2-40B4-BE49-F238E27FC236}">
+                  <a16:creationId xmlns:a16="http://schemas.microsoft.com/office/drawing/2014/main" id="{FEB59C71-834B-AD74-71D2-0B60695575F4}"/>
+                </a:ext>
+              </a:extLst>
+            </p:cNvPr>
+            <p:cNvSpPr/>
+            <p:nvPr/>
+          </p:nvSpPr>
+          <p:spPr>
+            <a:xfrm>
+              <a:off x="213360" y="198120"/>
+              <a:ext cx="11755120" cy="579120"/>
+            </a:xfrm>
+            <a:prstGeom prst="rect">
+              <a:avLst/>
+            </a:prstGeom>
+          </p:spPr>
+          <p:style>
+            <a:lnRef idx="2">
+              <a:schemeClr val="accent1">
+                <a:shade val="50000"/>
+              </a:schemeClr>
+            </a:lnRef>
+            <a:fillRef idx="1">
+              <a:schemeClr val="accent1"/>
+            </a:fillRef>
+            <a:effectRef idx="0">
+              <a:schemeClr val="accent1"/>
+            </a:effectRef>
+            <a:fontRef idx="minor">
+              <a:schemeClr val="lt1"/>
+            </a:fontRef>
+          </p:style>
+          <p:txBody>
+            <a:bodyPr lIns="91440" tIns="45720" rIns="91440" bIns="45720" rtlCol="0" anchor="ctr"/>
+            <a:lstStyle/>
+            <a:p>
+              <a:pPr algn="ctr"/>
+              <a:endParaRPr lang="fr-FR">
+                <a:cs typeface="Calibri"/>
+              </a:endParaRPr>
+            </a:p>
+          </p:txBody>
+        </p:sp>
+        <p:sp>
+          <p:nvSpPr>
+            <p:cNvPr id="44" name="Rectangle 43">
+              <a:extLst>
+                <a:ext uri="{FF2B5EF4-FFF2-40B4-BE49-F238E27FC236}">
+                  <a16:creationId xmlns:a16="http://schemas.microsoft.com/office/drawing/2014/main" id="{ADF2C034-6B49-1FDF-9456-78CD68659D56}"/>
+                </a:ext>
+              </a:extLst>
+            </p:cNvPr>
+            <p:cNvSpPr/>
+            <p:nvPr/>
+          </p:nvSpPr>
+          <p:spPr>
+            <a:xfrm>
+              <a:off x="6096000" y="259080"/>
+              <a:ext cx="2367280" cy="447040"/>
+            </a:xfrm>
+            <a:prstGeom prst="rect">
+              <a:avLst/>
+            </a:prstGeom>
+            <a:solidFill>
+              <a:schemeClr val="bg1"/>
+            </a:solidFill>
+          </p:spPr>
+          <p:style>
+            <a:lnRef idx="2">
+              <a:schemeClr val="accent1">
+                <a:shade val="50000"/>
+              </a:schemeClr>
+            </a:lnRef>
+            <a:fillRef idx="1">
+              <a:schemeClr val="accent1"/>
+            </a:fillRef>
+            <a:effectRef idx="0">
+              <a:schemeClr val="accent1"/>
+            </a:effectRef>
+            <a:fontRef idx="minor">
+              <a:schemeClr val="lt1"/>
+            </a:fontRef>
+          </p:style>
+          <p:txBody>
+            <a:bodyPr lIns="91440" tIns="45720" rIns="91440" bIns="45720" rtlCol="0" anchor="ctr"/>
+            <a:lstStyle/>
+            <a:p>
+              <a:pPr algn="ctr"/>
+              <a:r>
+                <a:rPr lang="fr-FR">
+                  <a:solidFill>
+                    <a:srgbClr val="000000"/>
+                  </a:solidFill>
+                  <a:cs typeface="Calibri"/>
+                </a:rPr>
+                <a:t>Rechercher</a:t>
+              </a:r>
+            </a:p>
+          </p:txBody>
+        </p:sp>
+        <p:sp>
+          <p:nvSpPr>
+            <p:cNvPr id="45" name="Rectangle 44">
+              <a:extLst>
+                <a:ext uri="{FF2B5EF4-FFF2-40B4-BE49-F238E27FC236}">
+                  <a16:creationId xmlns:a16="http://schemas.microsoft.com/office/drawing/2014/main" id="{E4E17B2C-43B7-FCAC-F249-5F2752920654}"/>
+                </a:ext>
+              </a:extLst>
+            </p:cNvPr>
+            <p:cNvSpPr/>
+            <p:nvPr/>
+          </p:nvSpPr>
+          <p:spPr>
+            <a:xfrm>
+              <a:off x="1493519" y="269239"/>
+              <a:ext cx="1158240" cy="447040"/>
+            </a:xfrm>
+            <a:prstGeom prst="rect">
+              <a:avLst/>
+            </a:prstGeom>
+            <a:solidFill>
+              <a:schemeClr val="bg1"/>
+            </a:solidFill>
+          </p:spPr>
+          <p:style>
+            <a:lnRef idx="2">
+              <a:schemeClr val="accent1">
+                <a:shade val="50000"/>
+              </a:schemeClr>
+            </a:lnRef>
+            <a:fillRef idx="1">
+              <a:schemeClr val="accent1"/>
+            </a:fillRef>
+            <a:effectRef idx="0">
+              <a:schemeClr val="accent1"/>
+            </a:effectRef>
+            <a:fontRef idx="minor">
+              <a:schemeClr val="lt1"/>
+            </a:fontRef>
+          </p:style>
+          <p:txBody>
+            <a:bodyPr lIns="91440" tIns="45720" rIns="91440" bIns="45720" rtlCol="0" anchor="ctr"/>
+            <a:lstStyle/>
+            <a:p>
+              <a:pPr algn="ctr"/>
+              <a:r>
+                <a:rPr lang="fr-FR">
+                  <a:solidFill>
+                    <a:srgbClr val="000000"/>
+                  </a:solidFill>
+                  <a:cs typeface="Calibri"/>
+                </a:rPr>
+                <a:t>Accueil</a:t>
+              </a:r>
+            </a:p>
+          </p:txBody>
+        </p:sp>
+        <p:sp>
+          <p:nvSpPr>
+            <p:cNvPr id="46" name="Rectangle 45">
+              <a:extLst>
+                <a:ext uri="{FF2B5EF4-FFF2-40B4-BE49-F238E27FC236}">
+                  <a16:creationId xmlns:a16="http://schemas.microsoft.com/office/drawing/2014/main" id="{F3CDF443-14EB-89D6-89C4-3660C11C9477}"/>
+                </a:ext>
+              </a:extLst>
+            </p:cNvPr>
+            <p:cNvSpPr/>
+            <p:nvPr/>
+          </p:nvSpPr>
+          <p:spPr>
+            <a:xfrm>
+              <a:off x="2905758" y="269238"/>
+              <a:ext cx="1158240" cy="447040"/>
+            </a:xfrm>
+            <a:prstGeom prst="rect">
+              <a:avLst/>
+            </a:prstGeom>
+            <a:solidFill>
+              <a:schemeClr val="bg1"/>
+            </a:solidFill>
+          </p:spPr>
+          <p:style>
+            <a:lnRef idx="2">
+              <a:schemeClr val="accent1">
+                <a:shade val="50000"/>
+              </a:schemeClr>
+            </a:lnRef>
+            <a:fillRef idx="1">
+              <a:schemeClr val="accent1"/>
+            </a:fillRef>
+            <a:effectRef idx="0">
+              <a:schemeClr val="accent1"/>
+            </a:effectRef>
+            <a:fontRef idx="minor">
+              <a:schemeClr val="lt1"/>
+            </a:fontRef>
+          </p:style>
+          <p:txBody>
+            <a:bodyPr lIns="91440" tIns="45720" rIns="91440" bIns="45720" rtlCol="0" anchor="ctr"/>
+            <a:lstStyle/>
+            <a:p>
+              <a:pPr algn="ctr"/>
+              <a:r>
+                <a:rPr lang="fr-FR">
+                  <a:solidFill>
+                    <a:srgbClr val="000000"/>
+                  </a:solidFill>
+                  <a:cs typeface="Calibri"/>
+                </a:rPr>
+                <a:t>Films</a:t>
+              </a:r>
+            </a:p>
+          </p:txBody>
+        </p:sp>
+        <p:sp>
+          <p:nvSpPr>
+            <p:cNvPr id="47" name="Rectangle 46">
+              <a:extLst>
+                <a:ext uri="{FF2B5EF4-FFF2-40B4-BE49-F238E27FC236}">
+                  <a16:creationId xmlns:a16="http://schemas.microsoft.com/office/drawing/2014/main" id="{E2EA9D7F-5AE7-3B2A-47D3-0A23ACB9AC98}"/>
+                </a:ext>
+              </a:extLst>
+            </p:cNvPr>
+            <p:cNvSpPr/>
+            <p:nvPr/>
+          </p:nvSpPr>
+          <p:spPr>
+            <a:xfrm>
+              <a:off x="4317997" y="269237"/>
+              <a:ext cx="1158240" cy="447040"/>
+            </a:xfrm>
+            <a:prstGeom prst="rect">
+              <a:avLst/>
+            </a:prstGeom>
+            <a:solidFill>
+              <a:schemeClr val="bg1"/>
+            </a:solidFill>
+          </p:spPr>
+          <p:style>
+            <a:lnRef idx="2">
+              <a:schemeClr val="accent1">
+                <a:shade val="50000"/>
+              </a:schemeClr>
+            </a:lnRef>
+            <a:fillRef idx="1">
+              <a:schemeClr val="accent1"/>
+            </a:fillRef>
+            <a:effectRef idx="0">
+              <a:schemeClr val="accent1"/>
+            </a:effectRef>
+            <a:fontRef idx="minor">
+              <a:schemeClr val="lt1"/>
+            </a:fontRef>
+          </p:style>
+          <p:txBody>
+            <a:bodyPr lIns="91440" tIns="45720" rIns="91440" bIns="45720" rtlCol="0" anchor="ctr"/>
+            <a:lstStyle/>
+            <a:p>
+              <a:pPr algn="ctr"/>
+              <a:r>
+                <a:rPr lang="fr-FR">
+                  <a:solidFill>
+                    <a:srgbClr val="000000"/>
+                  </a:solidFill>
+                  <a:cs typeface="Calibri"/>
+                </a:rPr>
+                <a:t>Séries</a:t>
+              </a:r>
+            </a:p>
+          </p:txBody>
+        </p:sp>
+        <p:sp>
+          <p:nvSpPr>
+            <p:cNvPr id="48" name="Rectangle 47">
+              <a:extLst>
+                <a:ext uri="{FF2B5EF4-FFF2-40B4-BE49-F238E27FC236}">
+                  <a16:creationId xmlns:a16="http://schemas.microsoft.com/office/drawing/2014/main" id="{C20C5309-D24A-8E40-52FA-958445B7BB6F}"/>
+                </a:ext>
+              </a:extLst>
+            </p:cNvPr>
+            <p:cNvSpPr/>
+            <p:nvPr/>
+          </p:nvSpPr>
+          <p:spPr>
+            <a:xfrm>
+              <a:off x="9438640" y="289560"/>
+              <a:ext cx="2367280" cy="396240"/>
+            </a:xfrm>
+            <a:prstGeom prst="rect">
+              <a:avLst/>
+            </a:prstGeom>
+            <a:solidFill>
+              <a:schemeClr val="bg1"/>
+            </a:solidFill>
+          </p:spPr>
+          <p:style>
+            <a:lnRef idx="2">
+              <a:schemeClr val="accent1">
+                <a:shade val="50000"/>
+              </a:schemeClr>
+            </a:lnRef>
+            <a:fillRef idx="1">
+              <a:schemeClr val="accent1"/>
+            </a:fillRef>
+            <a:effectRef idx="0">
+              <a:schemeClr val="accent1"/>
+            </a:effectRef>
+            <a:fontRef idx="minor">
+              <a:schemeClr val="lt1"/>
+            </a:fontRef>
+          </p:style>
+          <p:txBody>
+            <a:bodyPr rtlCol="0" anchor="ctr"/>
+            <a:lstStyle/>
+            <a:p>
+              <a:pPr algn="ctr"/>
+              <a:r>
+                <a:rPr lang="fr-FR">
+                  <a:solidFill>
+                    <a:srgbClr val="000000"/>
+                  </a:solidFill>
+                  <a:cs typeface="Calibri"/>
+                </a:rPr>
+                <a:t>Se connecter</a:t>
+              </a:r>
+              <a:endParaRPr lang="fr-FR">
+                <a:solidFill>
+                  <a:srgbClr val="000000"/>
+                </a:solidFill>
+              </a:endParaRPr>
+            </a:p>
+          </p:txBody>
+        </p:sp>
+        <p:sp>
+          <p:nvSpPr>
+            <p:cNvPr id="49" name="Ellipse 48">
+              <a:extLst>
+                <a:ext uri="{FF2B5EF4-FFF2-40B4-BE49-F238E27FC236}">
+                  <a16:creationId xmlns:a16="http://schemas.microsoft.com/office/drawing/2014/main" id="{72AC2D75-FCAA-E6BA-0BF0-D193BE886FF4}"/>
+                </a:ext>
+              </a:extLst>
+            </p:cNvPr>
+            <p:cNvSpPr/>
+            <p:nvPr/>
+          </p:nvSpPr>
+          <p:spPr>
+            <a:xfrm>
+              <a:off x="315595" y="259715"/>
+              <a:ext cx="975360" cy="447040"/>
+            </a:xfrm>
+            <a:prstGeom prst="ellipse">
+              <a:avLst/>
+            </a:prstGeom>
+            <a:solidFill>
+              <a:schemeClr val="bg1"/>
+            </a:solidFill>
+          </p:spPr>
+          <p:style>
+            <a:lnRef idx="2">
+              <a:schemeClr val="accent1">
+                <a:shade val="50000"/>
+              </a:schemeClr>
+            </a:lnRef>
+            <a:fillRef idx="1">
+              <a:schemeClr val="accent1"/>
+            </a:fillRef>
+            <a:effectRef idx="0">
+              <a:schemeClr val="accent1"/>
+            </a:effectRef>
+            <a:fontRef idx="minor">
+              <a:schemeClr val="lt1"/>
+            </a:fontRef>
+          </p:style>
+          <p:txBody>
+            <a:bodyPr rtlCol="0" anchor="ctr"/>
+            <a:lstStyle/>
+            <a:p>
+              <a:pPr algn="ctr"/>
+              <a:r>
+                <a:rPr lang="fr-FR">
+                  <a:solidFill>
+                    <a:srgbClr val="000000"/>
+                  </a:solidFill>
+                  <a:cs typeface="Calibri"/>
+                </a:rPr>
+                <a:t>Logo</a:t>
+              </a:r>
+              <a:endParaRPr lang="fr-FR">
+                <a:solidFill>
+                  <a:srgbClr val="000000"/>
+                </a:solidFill>
+              </a:endParaRPr>
+            </a:p>
+          </p:txBody>
+        </p:sp>
+      </p:grpSp>
+      <p:sp>
+        <p:nvSpPr>
+          <p:cNvPr id="52" name="Rectangle 51">
+            <a:extLst>
+              <a:ext uri="{FF2B5EF4-FFF2-40B4-BE49-F238E27FC236}">
+                <a16:creationId xmlns:a16="http://schemas.microsoft.com/office/drawing/2014/main" id="{2262A72F-7CCE-9D76-C0AC-F428F0C30DDD}"/>
+              </a:ext>
+            </a:extLst>
+          </p:cNvPr>
+          <p:cNvSpPr/>
+          <p:nvPr/>
+        </p:nvSpPr>
+        <p:spPr>
+          <a:xfrm>
+            <a:off x="708845" y="1222252"/>
+            <a:ext cx="1890414" cy="2311072"/>
+          </a:xfrm>
+          <a:prstGeom prst="rect">
+            <a:avLst/>
+          </a:prstGeom>
+        </p:spPr>
+        <p:style>
+          <a:lnRef idx="3">
+            <a:schemeClr val="lt1"/>
+          </a:lnRef>
+          <a:fillRef idx="1">
+            <a:schemeClr val="accent4"/>
+          </a:fillRef>
+          <a:effectRef idx="1">
+            <a:schemeClr val="accent4"/>
+          </a:effectRef>
+          <a:fontRef idx="minor">
+            <a:schemeClr val="lt1"/>
+          </a:fontRef>
+        </p:style>
+        <p:txBody>
+          <a:bodyPr lIns="91440" tIns="45720" rIns="91440" bIns="45720" rtlCol="0" anchor="ctr"/>
+          <a:lstStyle/>
+          <a:p>
+            <a:pPr algn="ctr"/>
+            <a:r>
+              <a:rPr lang="fr-FR">
+                <a:cs typeface="Calibri"/>
+              </a:rPr>
+              <a:t>FILM OU SERIE</a:t>
+            </a:r>
+          </a:p>
+        </p:txBody>
+      </p:sp>
+      <p:sp>
+        <p:nvSpPr>
+          <p:cNvPr id="53" name="ZoneTexte 52">
+            <a:extLst>
+              <a:ext uri="{FF2B5EF4-FFF2-40B4-BE49-F238E27FC236}">
+                <a16:creationId xmlns:a16="http://schemas.microsoft.com/office/drawing/2014/main" id="{21CFA479-CBC9-75D7-EACC-77E3F7DD5012}"/>
+              </a:ext>
+            </a:extLst>
+          </p:cNvPr>
+          <p:cNvSpPr txBox="1"/>
+          <p:nvPr/>
+        </p:nvSpPr>
+        <p:spPr>
+          <a:xfrm>
+            <a:off x="2684206" y="1270818"/>
+            <a:ext cx="2743200" cy="584775"/>
+          </a:xfrm>
+          <a:prstGeom prst="rect">
+            <a:avLst/>
+          </a:prstGeom>
+          <a:noFill/>
+        </p:spPr>
+        <p:txBody>
+          <a:bodyPr rot="0" spcFirstLastPara="0" vertOverflow="overflow" horzOverflow="overflow" vert="horz" wrap="square" lIns="91440" tIns="45720" rIns="91440" bIns="45720" numCol="1" spcCol="0" rtlCol="0" fromWordArt="0" anchor="t" anchorCtr="0" forceAA="0" compatLnSpc="1">
+            <a:prstTxWarp prst="textNoShape">
+              <a:avLst/>
+            </a:prstTxWarp>
+            <a:spAutoFit/>
+          </a:bodyPr>
+          <a:lstStyle/>
+          <a:p>
+            <a:r>
+              <a:rPr lang="fr-FR" sz="3200">
+                <a:cs typeface="Calibri"/>
+              </a:rPr>
+              <a:t>TITRE</a:t>
+            </a:r>
+          </a:p>
+        </p:txBody>
+      </p:sp>
+      <p:sp>
+        <p:nvSpPr>
+          <p:cNvPr id="54" name="ZoneTexte 53">
+            <a:extLst>
+              <a:ext uri="{FF2B5EF4-FFF2-40B4-BE49-F238E27FC236}">
+                <a16:creationId xmlns:a16="http://schemas.microsoft.com/office/drawing/2014/main" id="{7E35F6AB-F6AB-A161-8DDF-B39D8E9D8C62}"/>
+              </a:ext>
+            </a:extLst>
+          </p:cNvPr>
+          <p:cNvSpPr txBox="1"/>
+          <p:nvPr/>
+        </p:nvSpPr>
+        <p:spPr>
+          <a:xfrm>
+            <a:off x="2684205" y="3224979"/>
+            <a:ext cx="2743200" cy="307777"/>
+          </a:xfrm>
+          <a:prstGeom prst="rect">
+            <a:avLst/>
+          </a:prstGeom>
+          <a:noFill/>
+        </p:spPr>
+        <p:txBody>
+          <a:bodyPr rot="0" spcFirstLastPara="0" vertOverflow="overflow" horzOverflow="overflow" vert="horz" wrap="square" lIns="91440" tIns="45720" rIns="91440" bIns="45720" numCol="1" spcCol="0" rtlCol="0" fromWordArt="0" anchor="t" anchorCtr="0" forceAA="0" compatLnSpc="1">
+            <a:prstTxWarp prst="textNoShape">
+              <a:avLst/>
+            </a:prstTxWarp>
+            <a:spAutoFit/>
+          </a:bodyPr>
+          <a:lstStyle/>
+          <a:p>
+            <a:r>
+              <a:rPr lang="fr-FR" sz="1400">
+                <a:cs typeface="Calibri"/>
+              </a:rPr>
+              <a:t>DUREE/ Nb de saison</a:t>
+            </a:r>
+          </a:p>
+        </p:txBody>
+      </p:sp>
+      <p:sp>
+        <p:nvSpPr>
+          <p:cNvPr id="55" name="ZoneTexte 54">
+            <a:extLst>
+              <a:ext uri="{FF2B5EF4-FFF2-40B4-BE49-F238E27FC236}">
+                <a16:creationId xmlns:a16="http://schemas.microsoft.com/office/drawing/2014/main" id="{1792FAA7-07CD-4F04-4B54-51677FBC9034}"/>
+              </a:ext>
+            </a:extLst>
+          </p:cNvPr>
+          <p:cNvSpPr txBox="1"/>
+          <p:nvPr/>
+        </p:nvSpPr>
+        <p:spPr>
+          <a:xfrm>
+            <a:off x="2684204" y="1908377"/>
+            <a:ext cx="2743200" cy="584775"/>
+          </a:xfrm>
+          <a:prstGeom prst="rect">
+            <a:avLst/>
+          </a:prstGeom>
+          <a:noFill/>
+        </p:spPr>
+        <p:txBody>
+          <a:bodyPr rot="0" spcFirstLastPara="0" vertOverflow="overflow" horzOverflow="overflow" vert="horz" wrap="square" lIns="91440" tIns="45720" rIns="91440" bIns="45720" numCol="1" spcCol="0" rtlCol="0" fromWordArt="0" anchor="t" anchorCtr="0" forceAA="0" compatLnSpc="1">
+            <a:prstTxWarp prst="textNoShape">
+              <a:avLst/>
+            </a:prstTxWarp>
+            <a:spAutoFit/>
+          </a:bodyPr>
+          <a:lstStyle/>
+          <a:p>
+            <a:r>
+              <a:rPr lang="fr-FR" sz="1600">
+                <a:cs typeface="Calibri"/>
+              </a:rPr>
+              <a:t>Date de sortie</a:t>
+            </a:r>
+            <a:endParaRPr lang="fr-FR"/>
+          </a:p>
+          <a:p>
+            <a:r>
+              <a:rPr lang="fr-FR" sz="1600">
+                <a:cs typeface="Calibri"/>
+              </a:rPr>
+              <a:t>Catégorie</a:t>
+            </a:r>
+          </a:p>
+        </p:txBody>
+      </p:sp>
+      <p:sp>
+        <p:nvSpPr>
+          <p:cNvPr id="56" name="Rectangle 55">
+            <a:extLst>
+              <a:ext uri="{FF2B5EF4-FFF2-40B4-BE49-F238E27FC236}">
+                <a16:creationId xmlns:a16="http://schemas.microsoft.com/office/drawing/2014/main" id="{FC78A91E-F51B-A737-C2B0-38DBEDF6598C}"/>
+              </a:ext>
+            </a:extLst>
+          </p:cNvPr>
+          <p:cNvSpPr/>
+          <p:nvPr/>
+        </p:nvSpPr>
+        <p:spPr>
+          <a:xfrm>
+            <a:off x="6681941" y="1222251"/>
+            <a:ext cx="4805678" cy="2433975"/>
+          </a:xfrm>
+          <a:prstGeom prst="rect">
+            <a:avLst/>
+          </a:prstGeom>
+          <a:solidFill>
+            <a:schemeClr val="bg1">
+              <a:lumMod val="95000"/>
+            </a:schemeClr>
+          </a:solidFill>
+          <a:ln>
+            <a:solidFill>
+              <a:schemeClr val="bg1">
+                <a:lumMod val="95000"/>
+              </a:schemeClr>
+            </a:solidFill>
+          </a:ln>
+        </p:spPr>
+        <p:style>
+          <a:lnRef idx="3">
+            <a:schemeClr val="lt1"/>
+          </a:lnRef>
+          <a:fillRef idx="1">
+            <a:schemeClr val="accent4"/>
+          </a:fillRef>
+          <a:effectRef idx="1">
+            <a:schemeClr val="accent4"/>
+          </a:effectRef>
+          <a:fontRef idx="minor">
+            <a:schemeClr val="lt1"/>
+          </a:fontRef>
+        </p:style>
+        <p:txBody>
+          <a:bodyPr lIns="91440" tIns="45720" rIns="91440" bIns="45720" rtlCol="0" anchor="t"/>
+          <a:lstStyle/>
+          <a:p>
+            <a:r>
+              <a:rPr lang="fr-FR">
+                <a:cs typeface="Calibri"/>
+              </a:rPr>
+              <a:t>OU VOIR ?</a:t>
+            </a:r>
+            <a:endParaRPr lang="fr-FR"/>
+          </a:p>
+        </p:txBody>
+      </p:sp>
+      <p:sp>
+        <p:nvSpPr>
+          <p:cNvPr id="57" name="Rectangle : coins arrondis 56">
+            <a:extLst>
+              <a:ext uri="{FF2B5EF4-FFF2-40B4-BE49-F238E27FC236}">
+                <a16:creationId xmlns:a16="http://schemas.microsoft.com/office/drawing/2014/main" id="{00922118-46BE-553D-57BB-E15CAD3A1306}"/>
+              </a:ext>
+            </a:extLst>
+          </p:cNvPr>
+          <p:cNvSpPr/>
+          <p:nvPr/>
+        </p:nvSpPr>
+        <p:spPr>
+          <a:xfrm>
+            <a:off x="6986126" y="1713578"/>
+            <a:ext cx="1585451" cy="503903"/>
+          </a:xfrm>
+          <a:prstGeom prst="roundRect">
+            <a:avLst/>
+          </a:prstGeom>
+          <a:solidFill>
+            <a:schemeClr val="accent2"/>
+          </a:solidFill>
+        </p:spPr>
+        <p:style>
+          <a:lnRef idx="2">
+            <a:schemeClr val="accent1">
+              <a:shade val="50000"/>
+            </a:schemeClr>
+          </a:lnRef>
+          <a:fillRef idx="1">
+            <a:schemeClr val="accent1"/>
+          </a:fillRef>
+          <a:effectRef idx="0">
+            <a:schemeClr val="accent1"/>
+          </a:effectRef>
+          <a:fontRef idx="minor">
+            <a:schemeClr val="lt1"/>
+          </a:fontRef>
+        </p:style>
+        <p:txBody>
+          <a:bodyPr rtlCol="0" anchor="ctr"/>
+          <a:lstStyle/>
+          <a:p>
+            <a:r>
+              <a:rPr lang="fr-FR">
+                <a:solidFill>
+                  <a:srgbClr val="000000"/>
+                </a:solidFill>
+                <a:cs typeface="Calibri"/>
+              </a:rPr>
+              <a:t>      YOUTUBE</a:t>
+            </a:r>
+          </a:p>
+        </p:txBody>
+      </p:sp>
+      <p:sp>
+        <p:nvSpPr>
+          <p:cNvPr id="58" name="Rectangle : coins arrondis 57">
+            <a:extLst>
+              <a:ext uri="{FF2B5EF4-FFF2-40B4-BE49-F238E27FC236}">
+                <a16:creationId xmlns:a16="http://schemas.microsoft.com/office/drawing/2014/main" id="{F1A761A3-A7E6-C60D-D911-787F2941A616}"/>
+              </a:ext>
+            </a:extLst>
+          </p:cNvPr>
+          <p:cNvSpPr/>
+          <p:nvPr/>
+        </p:nvSpPr>
+        <p:spPr>
+          <a:xfrm>
+            <a:off x="9186093" y="1713577"/>
+            <a:ext cx="1388806" cy="491613"/>
+          </a:xfrm>
+          <a:prstGeom prst="roundRect">
+            <a:avLst/>
+          </a:prstGeom>
+          <a:solidFill>
+            <a:srgbClr val="FF0000"/>
+          </a:solidFill>
+        </p:spPr>
+        <p:style>
+          <a:lnRef idx="2">
+            <a:schemeClr val="accent1">
+              <a:shade val="50000"/>
+            </a:schemeClr>
+          </a:lnRef>
+          <a:fillRef idx="1">
+            <a:schemeClr val="accent1"/>
+          </a:fillRef>
+          <a:effectRef idx="0">
+            <a:schemeClr val="accent1"/>
+          </a:effectRef>
+          <a:fontRef idx="minor">
+            <a:schemeClr val="lt1"/>
+          </a:fontRef>
+        </p:style>
+        <p:txBody>
+          <a:bodyPr lIns="91440" tIns="45720" rIns="91440" bIns="45720" rtlCol="0" anchor="ctr"/>
+          <a:lstStyle/>
+          <a:p>
+            <a:r>
+              <a:rPr lang="fr-FR">
+                <a:solidFill>
+                  <a:srgbClr val="000000"/>
+                </a:solidFill>
+                <a:cs typeface="Calibri"/>
+              </a:rPr>
+              <a:t>      NETFLIX</a:t>
+            </a:r>
+          </a:p>
+        </p:txBody>
+      </p:sp>
+      <p:pic>
+        <p:nvPicPr>
+          <p:cNvPr id="61" name="Image 61">
+            <a:extLst>
+              <a:ext uri="{FF2B5EF4-FFF2-40B4-BE49-F238E27FC236}">
+                <a16:creationId xmlns:a16="http://schemas.microsoft.com/office/drawing/2014/main" id="{D913FB1E-729A-F75A-7A7B-F7E4D66C8FC9}"/>
+              </a:ext>
+            </a:extLst>
+          </p:cNvPr>
+          <p:cNvPicPr>
+            <a:picLocks noChangeAspect="1"/>
+          </p:cNvPicPr>
+          <p:nvPr/>
+        </p:nvPicPr>
+        <p:blipFill>
+          <a:blip r:embed="rId2"/>
+          <a:stretch>
+            <a:fillRect/>
+          </a:stretch>
+        </p:blipFill>
+        <p:spPr>
+          <a:xfrm>
+            <a:off x="6946900" y="1708150"/>
+            <a:ext cx="501650" cy="508000"/>
+          </a:xfrm>
+          <a:prstGeom prst="rect">
+            <a:avLst/>
+          </a:prstGeom>
+        </p:spPr>
+      </p:pic>
+      <p:pic>
+        <p:nvPicPr>
+          <p:cNvPr id="63" name="Image 61">
+            <a:extLst>
+              <a:ext uri="{FF2B5EF4-FFF2-40B4-BE49-F238E27FC236}">
+                <a16:creationId xmlns:a16="http://schemas.microsoft.com/office/drawing/2014/main" id="{81B50640-00A5-26ED-6133-42FD647F1DE4}"/>
+              </a:ext>
+            </a:extLst>
+          </p:cNvPr>
+          <p:cNvPicPr>
+            <a:picLocks noChangeAspect="1"/>
+          </p:cNvPicPr>
+          <p:nvPr/>
+        </p:nvPicPr>
+        <p:blipFill>
+          <a:blip r:embed="rId2"/>
+          <a:stretch>
+            <a:fillRect/>
+          </a:stretch>
+        </p:blipFill>
+        <p:spPr>
+          <a:xfrm>
+            <a:off x="9143999" y="1701799"/>
+            <a:ext cx="501650" cy="508000"/>
+          </a:xfrm>
+          <a:prstGeom prst="rect">
+            <a:avLst/>
+          </a:prstGeom>
+        </p:spPr>
+      </p:pic>
+      <p:sp>
+        <p:nvSpPr>
+          <p:cNvPr id="64" name="Rectangle : coins arrondis 63">
+            <a:extLst>
+              <a:ext uri="{FF2B5EF4-FFF2-40B4-BE49-F238E27FC236}">
+                <a16:creationId xmlns:a16="http://schemas.microsoft.com/office/drawing/2014/main" id="{9AB20461-19D8-D314-5BCE-E4230792E717}"/>
+              </a:ext>
+            </a:extLst>
+          </p:cNvPr>
+          <p:cNvSpPr/>
+          <p:nvPr/>
+        </p:nvSpPr>
+        <p:spPr>
+          <a:xfrm>
+            <a:off x="2733675" y="2628900"/>
+            <a:ext cx="866775" cy="466725"/>
+          </a:xfrm>
+          <a:prstGeom prst="roundRect">
+            <a:avLst/>
+          </a:prstGeom>
+        </p:spPr>
+        <p:style>
+          <a:lnRef idx="2">
+            <a:schemeClr val="accent1">
+              <a:shade val="50000"/>
+            </a:schemeClr>
+          </a:lnRef>
+          <a:fillRef idx="1">
+            <a:schemeClr val="accent1"/>
+          </a:fillRef>
+          <a:effectRef idx="0">
+            <a:schemeClr val="accent1"/>
+          </a:effectRef>
+          <a:fontRef idx="minor">
+            <a:schemeClr val="lt1"/>
+          </a:fontRef>
+        </p:style>
+        <p:txBody>
+          <a:bodyPr rtlCol="0" anchor="ctr"/>
+          <a:lstStyle/>
+          <a:p>
+            <a:pPr algn="ctr"/>
+            <a:r>
+              <a:rPr lang="fr-FR">
+                <a:cs typeface="Calibri"/>
+              </a:rPr>
+              <a:t>4,5/5</a:t>
+            </a:r>
+            <a:endParaRPr lang="fr-FR"/>
+          </a:p>
+        </p:txBody>
+      </p:sp>
+      <p:sp>
+        <p:nvSpPr>
+          <p:cNvPr id="70" name="Rectangle 69">
+            <a:extLst>
+              <a:ext uri="{FF2B5EF4-FFF2-40B4-BE49-F238E27FC236}">
+                <a16:creationId xmlns:a16="http://schemas.microsoft.com/office/drawing/2014/main" id="{DAA1A4B3-CF3F-C60A-9A16-A5F0F5A1DE7E}"/>
+              </a:ext>
+            </a:extLst>
+          </p:cNvPr>
+          <p:cNvSpPr/>
+          <p:nvPr/>
+        </p:nvSpPr>
+        <p:spPr>
+          <a:xfrm>
+            <a:off x="6115050" y="3971925"/>
+            <a:ext cx="5438775" cy="495300"/>
+          </a:xfrm>
+          <a:prstGeom prst="rect">
+            <a:avLst/>
+          </a:prstGeom>
+          <a:noFill/>
+          <a:ln>
+            <a:noFill/>
+          </a:ln>
+        </p:spPr>
+        <p:style>
+          <a:lnRef idx="2">
+            <a:schemeClr val="accent1">
+              <a:shade val="50000"/>
+            </a:schemeClr>
+          </a:lnRef>
+          <a:fillRef idx="1">
+            <a:schemeClr val="accent1"/>
+          </a:fillRef>
+          <a:effectRef idx="0">
+            <a:schemeClr val="accent1"/>
+          </a:effectRef>
+          <a:fontRef idx="minor">
+            <a:schemeClr val="lt1"/>
+          </a:fontRef>
+        </p:style>
+        <p:txBody>
+          <a:bodyPr rtlCol="0" anchor="ctr"/>
+          <a:lstStyle/>
+          <a:p>
+            <a:pPr algn="ctr"/>
+            <a:r>
+              <a:rPr lang="fr-FR">
+                <a:cs typeface="Calibri"/>
+              </a:rPr>
+              <a:t>EPISODES</a:t>
+            </a:r>
+            <a:endParaRPr lang="fr-FR"/>
+          </a:p>
+        </p:txBody>
+      </p:sp>
+      <p:sp>
+        <p:nvSpPr>
+          <p:cNvPr id="71" name="Rectangle 70">
+            <a:extLst>
+              <a:ext uri="{FF2B5EF4-FFF2-40B4-BE49-F238E27FC236}">
+                <a16:creationId xmlns:a16="http://schemas.microsoft.com/office/drawing/2014/main" id="{6E5AE176-CC61-8D0E-9139-4C1C4C8B5378}"/>
+              </a:ext>
+            </a:extLst>
+          </p:cNvPr>
+          <p:cNvSpPr/>
+          <p:nvPr/>
+        </p:nvSpPr>
+        <p:spPr>
+          <a:xfrm>
+            <a:off x="704850" y="3971925"/>
+            <a:ext cx="5438775" cy="495300"/>
+          </a:xfrm>
+          <a:prstGeom prst="rect">
+            <a:avLst/>
+          </a:prstGeom>
+          <a:solidFill>
+            <a:schemeClr val="accent1"/>
+          </a:solidFill>
+          <a:ln>
+            <a:noFill/>
+          </a:ln>
+        </p:spPr>
+        <p:style>
+          <a:lnRef idx="2">
+            <a:schemeClr val="accent1">
+              <a:shade val="50000"/>
+            </a:schemeClr>
+          </a:lnRef>
+          <a:fillRef idx="1">
+            <a:schemeClr val="accent1"/>
+          </a:fillRef>
+          <a:effectRef idx="0">
+            <a:schemeClr val="accent1"/>
+          </a:effectRef>
+          <a:fontRef idx="minor">
+            <a:schemeClr val="lt1"/>
+          </a:fontRef>
+        </p:style>
+        <p:txBody>
+          <a:bodyPr lIns="91440" tIns="45720" rIns="91440" bIns="45720" rtlCol="0" anchor="ctr"/>
+          <a:lstStyle/>
+          <a:p>
+            <a:pPr algn="ctr"/>
+            <a:r>
+              <a:rPr lang="fr-FR">
+                <a:cs typeface="Calibri"/>
+              </a:rPr>
+              <a:t>A PROPOS</a:t>
+            </a:r>
+            <a:endParaRPr lang="fr-FR"/>
+          </a:p>
+        </p:txBody>
+      </p:sp>
+      <p:sp>
+        <p:nvSpPr>
+          <p:cNvPr id="2" name="Rectangle : coins arrondis 1">
+            <a:extLst>
+              <a:ext uri="{FF2B5EF4-FFF2-40B4-BE49-F238E27FC236}">
+                <a16:creationId xmlns:a16="http://schemas.microsoft.com/office/drawing/2014/main" id="{A17C1C89-070D-DE8F-6FAA-DE517565B20A}"/>
+              </a:ext>
+            </a:extLst>
+          </p:cNvPr>
+          <p:cNvSpPr/>
+          <p:nvPr/>
+        </p:nvSpPr>
+        <p:spPr>
+          <a:xfrm>
+            <a:off x="885825" y="4600575"/>
+            <a:ext cx="10496550" cy="438150"/>
+          </a:xfrm>
+          <a:prstGeom prst="roundRect">
+            <a:avLst/>
+          </a:prstGeom>
+          <a:solidFill>
+            <a:schemeClr val="accent4">
+              <a:lumMod val="60000"/>
+              <a:lumOff val="40000"/>
+            </a:schemeClr>
+          </a:solidFill>
+        </p:spPr>
+        <p:style>
+          <a:lnRef idx="2">
+            <a:schemeClr val="accent1">
+              <a:shade val="50000"/>
+            </a:schemeClr>
+          </a:lnRef>
+          <a:fillRef idx="1">
+            <a:schemeClr val="accent1"/>
+          </a:fillRef>
+          <a:effectRef idx="0">
+            <a:schemeClr val="accent1"/>
+          </a:effectRef>
+          <a:fontRef idx="minor">
+            <a:schemeClr val="lt1"/>
+          </a:fontRef>
+        </p:style>
+        <p:txBody>
+          <a:bodyPr lIns="91440" tIns="45720" rIns="91440" bIns="45720" rtlCol="0" anchor="ctr"/>
+          <a:lstStyle/>
+          <a:p>
+            <a:r>
+              <a:rPr lang="fr-FR">
+                <a:solidFill>
+                  <a:schemeClr val="tx1"/>
+                </a:solidFill>
+                <a:cs typeface="Calibri" panose="020F0502020204030204"/>
+              </a:rPr>
+              <a:t>    SAISON 1</a:t>
+            </a:r>
+            <a:r>
+              <a:rPr lang="fr-FR">
+                <a:cs typeface="Calibri" panose="020F0502020204030204"/>
+              </a:rPr>
+              <a:t> </a:t>
+            </a:r>
+          </a:p>
+        </p:txBody>
+      </p:sp>
+      <p:sp>
+        <p:nvSpPr>
+          <p:cNvPr id="27" name="Rectangle : coins arrondis 26">
+            <a:extLst>
+              <a:ext uri="{FF2B5EF4-FFF2-40B4-BE49-F238E27FC236}">
+                <a16:creationId xmlns:a16="http://schemas.microsoft.com/office/drawing/2014/main" id="{1CA23700-5871-4D64-98C0-B0D2D4DD747F}"/>
+              </a:ext>
+            </a:extLst>
+          </p:cNvPr>
+          <p:cNvSpPr/>
+          <p:nvPr/>
+        </p:nvSpPr>
+        <p:spPr>
+          <a:xfrm>
+            <a:off x="860425" y="6133041"/>
+            <a:ext cx="10496550" cy="438150"/>
+          </a:xfrm>
+          <a:prstGeom prst="roundRect">
+            <a:avLst/>
+          </a:prstGeom>
+          <a:solidFill>
+            <a:schemeClr val="accent4">
+              <a:lumMod val="60000"/>
+              <a:lumOff val="40000"/>
+            </a:schemeClr>
+          </a:solidFill>
+        </p:spPr>
+        <p:style>
+          <a:lnRef idx="2">
+            <a:schemeClr val="accent1">
+              <a:shade val="50000"/>
+            </a:schemeClr>
+          </a:lnRef>
+          <a:fillRef idx="1">
+            <a:schemeClr val="accent1"/>
+          </a:fillRef>
+          <a:effectRef idx="0">
+            <a:schemeClr val="accent1"/>
+          </a:effectRef>
+          <a:fontRef idx="minor">
+            <a:schemeClr val="lt1"/>
+          </a:fontRef>
+        </p:style>
+        <p:txBody>
+          <a:bodyPr lIns="91440" tIns="45720" rIns="91440" bIns="45720" rtlCol="0" anchor="ctr"/>
+          <a:lstStyle/>
+          <a:p>
+            <a:r>
+              <a:rPr lang="fr-FR">
+                <a:solidFill>
+                  <a:schemeClr val="tx1"/>
+                </a:solidFill>
+                <a:cs typeface="Calibri" panose="020F0502020204030204"/>
+              </a:rPr>
+              <a:t>    SAISON 2 </a:t>
+            </a:r>
+          </a:p>
+        </p:txBody>
+      </p:sp>
+      <p:pic>
+        <p:nvPicPr>
+          <p:cNvPr id="4" name="Image 4">
+            <a:extLst>
+              <a:ext uri="{FF2B5EF4-FFF2-40B4-BE49-F238E27FC236}">
+                <a16:creationId xmlns:a16="http://schemas.microsoft.com/office/drawing/2014/main" id="{BF0532A9-62EB-5E7F-723E-24EA7A996D1A}"/>
+              </a:ext>
+            </a:extLst>
+          </p:cNvPr>
+          <p:cNvPicPr>
+            <a:picLocks noChangeAspect="1"/>
+          </p:cNvPicPr>
+          <p:nvPr/>
+        </p:nvPicPr>
+        <p:blipFill>
+          <a:blip r:embed="rId3"/>
+          <a:stretch>
+            <a:fillRect/>
+          </a:stretch>
+        </p:blipFill>
+        <p:spPr>
+          <a:xfrm rot="5400000">
+            <a:off x="2184401" y="6197600"/>
+            <a:ext cx="296334" cy="313267"/>
+          </a:xfrm>
+          <a:prstGeom prst="rect">
+            <a:avLst/>
+          </a:prstGeom>
+        </p:spPr>
+      </p:pic>
+      <p:pic>
+        <p:nvPicPr>
+          <p:cNvPr id="30" name="Image 4">
+            <a:extLst>
+              <a:ext uri="{FF2B5EF4-FFF2-40B4-BE49-F238E27FC236}">
+                <a16:creationId xmlns:a16="http://schemas.microsoft.com/office/drawing/2014/main" id="{8B24CB38-63D4-C92E-CCF6-571AD8DA8F71}"/>
+              </a:ext>
+            </a:extLst>
+          </p:cNvPr>
+          <p:cNvPicPr>
+            <a:picLocks noChangeAspect="1"/>
+          </p:cNvPicPr>
+          <p:nvPr/>
+        </p:nvPicPr>
+        <p:blipFill>
+          <a:blip r:embed="rId3"/>
+          <a:stretch>
+            <a:fillRect/>
+          </a:stretch>
+        </p:blipFill>
+        <p:spPr>
+          <a:xfrm rot="-5400000">
+            <a:off x="2235201" y="4665133"/>
+            <a:ext cx="296334" cy="313267"/>
+          </a:xfrm>
+          <a:prstGeom prst="rect">
+            <a:avLst/>
+          </a:prstGeom>
+        </p:spPr>
+      </p:pic>
+      <p:sp>
+        <p:nvSpPr>
+          <p:cNvPr id="31" name="Rectangle : coins arrondis 30">
+            <a:extLst>
+              <a:ext uri="{FF2B5EF4-FFF2-40B4-BE49-F238E27FC236}">
+                <a16:creationId xmlns:a16="http://schemas.microsoft.com/office/drawing/2014/main" id="{FB47B937-95BE-A1BD-922F-6C8AC51AA365}"/>
+              </a:ext>
+            </a:extLst>
+          </p:cNvPr>
+          <p:cNvSpPr/>
+          <p:nvPr/>
+        </p:nvSpPr>
+        <p:spPr>
+          <a:xfrm>
+            <a:off x="1292225" y="5133975"/>
+            <a:ext cx="9590617" cy="438150"/>
+          </a:xfrm>
+          <a:prstGeom prst="roundRect">
+            <a:avLst/>
+          </a:prstGeom>
+          <a:solidFill>
+            <a:schemeClr val="accent4">
+              <a:lumMod val="20000"/>
+              <a:lumOff val="80000"/>
+            </a:schemeClr>
+          </a:solidFill>
+        </p:spPr>
+        <p:style>
+          <a:lnRef idx="2">
+            <a:schemeClr val="accent1">
+              <a:shade val="50000"/>
+            </a:schemeClr>
+          </a:lnRef>
+          <a:fillRef idx="1">
+            <a:schemeClr val="accent1"/>
+          </a:fillRef>
+          <a:effectRef idx="0">
+            <a:schemeClr val="accent1"/>
+          </a:effectRef>
+          <a:fontRef idx="minor">
+            <a:schemeClr val="lt1"/>
+          </a:fontRef>
+        </p:style>
+        <p:txBody>
+          <a:bodyPr lIns="91440" tIns="45720" rIns="91440" bIns="45720" rtlCol="0" anchor="ctr"/>
+          <a:lstStyle/>
+          <a:p>
+            <a:r>
+              <a:rPr lang="fr-FR">
+                <a:solidFill>
+                  <a:schemeClr val="tx1"/>
+                </a:solidFill>
+                <a:cs typeface="Calibri" panose="020F0502020204030204"/>
+              </a:rPr>
+              <a:t>    S01 | Episode 1 : Titre 1</a:t>
+            </a:r>
+          </a:p>
+        </p:txBody>
+      </p:sp>
+      <p:sp>
+        <p:nvSpPr>
+          <p:cNvPr id="32" name="Rectangle : coins arrondis 31">
+            <a:extLst>
+              <a:ext uri="{FF2B5EF4-FFF2-40B4-BE49-F238E27FC236}">
+                <a16:creationId xmlns:a16="http://schemas.microsoft.com/office/drawing/2014/main" id="{EBC8AD3A-1C18-132F-29CF-2FF9B4F843F7}"/>
+              </a:ext>
+            </a:extLst>
+          </p:cNvPr>
+          <p:cNvSpPr/>
+          <p:nvPr/>
+        </p:nvSpPr>
+        <p:spPr>
+          <a:xfrm>
+            <a:off x="1292225" y="5625041"/>
+            <a:ext cx="9590617" cy="438150"/>
+          </a:xfrm>
+          <a:prstGeom prst="roundRect">
+            <a:avLst/>
+          </a:prstGeom>
+          <a:solidFill>
+            <a:schemeClr val="accent4">
+              <a:lumMod val="20000"/>
+              <a:lumOff val="80000"/>
+            </a:schemeClr>
+          </a:solidFill>
+        </p:spPr>
+        <p:style>
+          <a:lnRef idx="2">
+            <a:schemeClr val="accent1">
+              <a:shade val="50000"/>
+            </a:schemeClr>
+          </a:lnRef>
+          <a:fillRef idx="1">
+            <a:schemeClr val="accent1"/>
+          </a:fillRef>
+          <a:effectRef idx="0">
+            <a:schemeClr val="accent1"/>
+          </a:effectRef>
+          <a:fontRef idx="minor">
+            <a:schemeClr val="lt1"/>
+          </a:fontRef>
+        </p:style>
+        <p:txBody>
+          <a:bodyPr lIns="91440" tIns="45720" rIns="91440" bIns="45720" rtlCol="0" anchor="ctr"/>
+          <a:lstStyle/>
+          <a:p>
+            <a:r>
+              <a:rPr lang="fr-FR">
+                <a:solidFill>
+                  <a:schemeClr val="tx1"/>
+                </a:solidFill>
+                <a:cs typeface="Calibri" panose="020F0502020204030204"/>
+              </a:rPr>
+              <a:t>    S01 | Episode 2 : Titre 2</a:t>
+            </a:r>
+          </a:p>
+        </p:txBody>
+      </p:sp>
+      <p:sp>
+        <p:nvSpPr>
+          <p:cNvPr id="33" name="ZoneTexte 32">
+            <a:extLst>
+              <a:ext uri="{FF2B5EF4-FFF2-40B4-BE49-F238E27FC236}">
+                <a16:creationId xmlns:a16="http://schemas.microsoft.com/office/drawing/2014/main" id="{4B70298E-32D9-6C9F-B084-BC570B0CA05B}"/>
+              </a:ext>
+            </a:extLst>
+          </p:cNvPr>
+          <p:cNvSpPr txBox="1"/>
+          <p:nvPr/>
+        </p:nvSpPr>
+        <p:spPr>
+          <a:xfrm>
+            <a:off x="8554947" y="5231578"/>
+            <a:ext cx="1765300" cy="307777"/>
+          </a:xfrm>
+          <a:prstGeom prst="rect">
+            <a:avLst/>
+          </a:prstGeom>
+          <a:noFill/>
+        </p:spPr>
+        <p:txBody>
+          <a:bodyPr rot="0" spcFirstLastPara="0" vertOverflow="overflow" horzOverflow="overflow" vert="horz" wrap="square" lIns="91440" tIns="45720" rIns="91440" bIns="45720" numCol="1" spcCol="0" rtlCol="0" fromWordArt="0" anchor="t" anchorCtr="0" forceAA="0" compatLnSpc="1">
+            <a:prstTxWarp prst="textNoShape">
+              <a:avLst/>
+            </a:prstTxWarp>
+            <a:spAutoFit/>
+          </a:bodyPr>
+          <a:lstStyle/>
+          <a:p>
+            <a:pPr algn="r"/>
+            <a:r>
+              <a:rPr lang="fr-FR" sz="1400">
+                <a:cs typeface="Calibri"/>
+              </a:rPr>
+              <a:t>DUREE</a:t>
+            </a:r>
+            <a:endParaRPr lang="fr-FR"/>
+          </a:p>
+        </p:txBody>
+      </p:sp>
+      <p:sp>
+        <p:nvSpPr>
+          <p:cNvPr id="34" name="ZoneTexte 33">
+            <a:extLst>
+              <a:ext uri="{FF2B5EF4-FFF2-40B4-BE49-F238E27FC236}">
+                <a16:creationId xmlns:a16="http://schemas.microsoft.com/office/drawing/2014/main" id="{4A9E1AC1-00F6-F06F-06DF-FCF8033D6EA0}"/>
+              </a:ext>
+            </a:extLst>
+          </p:cNvPr>
+          <p:cNvSpPr txBox="1"/>
+          <p:nvPr/>
+        </p:nvSpPr>
+        <p:spPr>
+          <a:xfrm>
+            <a:off x="8554947" y="5688778"/>
+            <a:ext cx="1765300" cy="307777"/>
+          </a:xfrm>
+          <a:prstGeom prst="rect">
+            <a:avLst/>
+          </a:prstGeom>
+          <a:noFill/>
+        </p:spPr>
+        <p:txBody>
+          <a:bodyPr rot="0" spcFirstLastPara="0" vertOverflow="overflow" horzOverflow="overflow" vert="horz" wrap="square" lIns="91440" tIns="45720" rIns="91440" bIns="45720" numCol="1" spcCol="0" rtlCol="0" fromWordArt="0" anchor="t" anchorCtr="0" forceAA="0" compatLnSpc="1">
+            <a:prstTxWarp prst="textNoShape">
+              <a:avLst/>
+            </a:prstTxWarp>
+            <a:spAutoFit/>
+          </a:bodyPr>
+          <a:lstStyle/>
+          <a:p>
+            <a:pPr algn="r"/>
+            <a:r>
+              <a:rPr lang="fr-FR" sz="1400">
+                <a:cs typeface="Calibri"/>
+              </a:rPr>
+              <a:t>DUREE</a:t>
+            </a:r>
+            <a:endParaRPr lang="fr-FR"/>
+          </a:p>
+        </p:txBody>
+      </p:sp>
+      <p:pic>
+        <p:nvPicPr>
+          <p:cNvPr id="3" name="Image 4">
+            <a:extLst>
+              <a:ext uri="{FF2B5EF4-FFF2-40B4-BE49-F238E27FC236}">
+                <a16:creationId xmlns:a16="http://schemas.microsoft.com/office/drawing/2014/main" id="{B985DB5F-C3FF-A481-9DE8-DBD26DB2C6F7}"/>
+              </a:ext>
+            </a:extLst>
+          </p:cNvPr>
+          <p:cNvPicPr>
+            <a:picLocks noChangeAspect="1"/>
+          </p:cNvPicPr>
+          <p:nvPr/>
+        </p:nvPicPr>
+        <p:blipFill>
+          <a:blip r:embed="rId4"/>
+          <a:stretch>
+            <a:fillRect/>
+          </a:stretch>
+        </p:blipFill>
+        <p:spPr>
+          <a:xfrm>
+            <a:off x="10439400" y="5717005"/>
+            <a:ext cx="276727" cy="276727"/>
+          </a:xfrm>
+          <a:prstGeom prst="rect">
+            <a:avLst/>
+          </a:prstGeom>
+        </p:spPr>
+      </p:pic>
+      <p:pic>
+        <p:nvPicPr>
+          <p:cNvPr id="5" name="Image 5">
+            <a:extLst>
+              <a:ext uri="{FF2B5EF4-FFF2-40B4-BE49-F238E27FC236}">
+                <a16:creationId xmlns:a16="http://schemas.microsoft.com/office/drawing/2014/main" id="{DB87C213-73AF-DF57-9112-2BA858705C00}"/>
+              </a:ext>
+            </a:extLst>
+          </p:cNvPr>
+          <p:cNvPicPr>
+            <a:picLocks noChangeAspect="1"/>
+          </p:cNvPicPr>
+          <p:nvPr/>
+        </p:nvPicPr>
+        <p:blipFill>
+          <a:blip r:embed="rId5"/>
+          <a:stretch>
+            <a:fillRect/>
+          </a:stretch>
+        </p:blipFill>
+        <p:spPr>
+          <a:xfrm>
+            <a:off x="10439400" y="5235741"/>
+            <a:ext cx="276727" cy="276727"/>
+          </a:xfrm>
+          <a:prstGeom prst="rect">
+            <a:avLst/>
+          </a:prstGeom>
+        </p:spPr>
+      </p:pic>
+      <p:pic>
+        <p:nvPicPr>
+          <p:cNvPr id="35" name="Image 4">
+            <a:extLst>
+              <a:ext uri="{FF2B5EF4-FFF2-40B4-BE49-F238E27FC236}">
+                <a16:creationId xmlns:a16="http://schemas.microsoft.com/office/drawing/2014/main" id="{0B258814-A5B4-EA02-027E-25F1C53D0E07}"/>
+              </a:ext>
+            </a:extLst>
+          </p:cNvPr>
+          <p:cNvPicPr>
+            <a:picLocks noChangeAspect="1"/>
+          </p:cNvPicPr>
+          <p:nvPr/>
+        </p:nvPicPr>
+        <p:blipFill>
+          <a:blip r:embed="rId4"/>
+          <a:stretch>
+            <a:fillRect/>
+          </a:stretch>
+        </p:blipFill>
+        <p:spPr>
+          <a:xfrm>
+            <a:off x="10970794" y="4674268"/>
+            <a:ext cx="276727" cy="276727"/>
+          </a:xfrm>
+          <a:prstGeom prst="rect">
+            <a:avLst/>
+          </a:prstGeom>
+        </p:spPr>
+      </p:pic>
+      <p:pic>
+        <p:nvPicPr>
+          <p:cNvPr id="36" name="Image 4">
+            <a:extLst>
+              <a:ext uri="{FF2B5EF4-FFF2-40B4-BE49-F238E27FC236}">
+                <a16:creationId xmlns:a16="http://schemas.microsoft.com/office/drawing/2014/main" id="{BFCF9F32-81DC-FF39-1058-858E565FA51B}"/>
+              </a:ext>
+            </a:extLst>
+          </p:cNvPr>
+          <p:cNvPicPr>
+            <a:picLocks noChangeAspect="1"/>
+          </p:cNvPicPr>
+          <p:nvPr/>
+        </p:nvPicPr>
+        <p:blipFill>
+          <a:blip r:embed="rId4"/>
+          <a:stretch>
+            <a:fillRect/>
+          </a:stretch>
+        </p:blipFill>
+        <p:spPr>
+          <a:xfrm>
+            <a:off x="10970794" y="6228347"/>
+            <a:ext cx="276727" cy="276727"/>
+          </a:xfrm>
+          <a:prstGeom prst="rect">
+            <a:avLst/>
+          </a:prstGeom>
+        </p:spPr>
+      </p:pic>
+      <p:grpSp>
+        <p:nvGrpSpPr>
+          <p:cNvPr id="7" name="Groupe 6">
+            <a:extLst>
+              <a:ext uri="{FF2B5EF4-FFF2-40B4-BE49-F238E27FC236}">
+                <a16:creationId xmlns:a16="http://schemas.microsoft.com/office/drawing/2014/main" id="{37BCFF66-D7EE-DDFE-A20B-C9A4CC6083F4}"/>
+              </a:ext>
+            </a:extLst>
+          </p:cNvPr>
+          <p:cNvGrpSpPr/>
+          <p:nvPr/>
+        </p:nvGrpSpPr>
+        <p:grpSpPr>
+          <a:xfrm>
+            <a:off x="705853" y="3917949"/>
+            <a:ext cx="10848472" cy="67623"/>
+            <a:chOff x="705853" y="4468282"/>
+            <a:chExt cx="10848472" cy="67623"/>
+          </a:xfrm>
+        </p:grpSpPr>
+        <p:sp>
+          <p:nvSpPr>
+            <p:cNvPr id="6" name="Rectangle 5">
+              <a:extLst>
+                <a:ext uri="{FF2B5EF4-FFF2-40B4-BE49-F238E27FC236}">
+                  <a16:creationId xmlns:a16="http://schemas.microsoft.com/office/drawing/2014/main" id="{15A2A724-6CBD-6C61-E94E-5AB92EEF0AFA}"/>
+                </a:ext>
+              </a:extLst>
+            </p:cNvPr>
+            <p:cNvSpPr/>
+            <p:nvPr/>
+          </p:nvSpPr>
+          <p:spPr>
+            <a:xfrm>
+              <a:off x="705853" y="4475747"/>
+              <a:ext cx="2671009" cy="60158"/>
+            </a:xfrm>
+            <a:prstGeom prst="rect">
+              <a:avLst/>
+            </a:prstGeom>
+            <a:solidFill>
+              <a:srgbClr val="92D050"/>
+            </a:solidFill>
+            <a:ln>
+              <a:noFill/>
+            </a:ln>
+          </p:spPr>
+          <p:style>
+            <a:lnRef idx="2">
+              <a:schemeClr val="accent1">
+                <a:shade val="50000"/>
+              </a:schemeClr>
+            </a:lnRef>
+            <a:fillRef idx="1">
+              <a:schemeClr val="accent1"/>
+            </a:fillRef>
+            <a:effectRef idx="0">
+              <a:schemeClr val="accent1"/>
+            </a:effectRef>
+            <a:fontRef idx="minor">
+              <a:schemeClr val="lt1"/>
+            </a:fontRef>
+          </p:style>
+          <p:txBody>
+            <a:bodyPr rtlCol="0" anchor="ctr"/>
+            <a:lstStyle/>
+            <a:p>
+              <a:pPr algn="ctr"/>
+              <a:endParaRPr lang="fr-FR"/>
+            </a:p>
+          </p:txBody>
+        </p:sp>
+        <p:sp>
+          <p:nvSpPr>
+            <p:cNvPr id="37" name="Rectangle 36">
+              <a:extLst>
+                <a:ext uri="{FF2B5EF4-FFF2-40B4-BE49-F238E27FC236}">
+                  <a16:creationId xmlns:a16="http://schemas.microsoft.com/office/drawing/2014/main" id="{869F1A14-68E7-D580-0ECB-857D124FE3B9}"/>
+                </a:ext>
+              </a:extLst>
+            </p:cNvPr>
+            <p:cNvSpPr/>
+            <p:nvPr/>
+          </p:nvSpPr>
+          <p:spPr>
+            <a:xfrm>
+              <a:off x="3351463" y="4468282"/>
+              <a:ext cx="8202862" cy="58598"/>
+            </a:xfrm>
+            <a:prstGeom prst="rect">
+              <a:avLst/>
+            </a:prstGeom>
+            <a:solidFill>
+              <a:schemeClr val="bg1">
+                <a:lumMod val="75000"/>
+              </a:schemeClr>
+            </a:solidFill>
+            <a:ln>
+              <a:noFill/>
+            </a:ln>
+          </p:spPr>
+          <p:style>
+            <a:lnRef idx="2">
+              <a:schemeClr val="accent1">
+                <a:shade val="50000"/>
+              </a:schemeClr>
+            </a:lnRef>
+            <a:fillRef idx="1">
+              <a:schemeClr val="accent1"/>
+            </a:fillRef>
+            <a:effectRef idx="0">
+              <a:schemeClr val="accent1"/>
+            </a:effectRef>
+            <a:fontRef idx="minor">
+              <a:schemeClr val="lt1"/>
+            </a:fontRef>
+          </p:style>
+          <p:txBody>
+            <a:bodyPr rtlCol="0" anchor="ctr"/>
+            <a:lstStyle/>
+            <a:p>
+              <a:pPr algn="ctr"/>
+              <a:endParaRPr lang="fr-FR"/>
+            </a:p>
+          </p:txBody>
+        </p:sp>
+      </p:grpSp>
+      <p:grpSp>
+        <p:nvGrpSpPr>
+          <p:cNvPr id="38" name="Groupe 37">
+            <a:extLst>
+              <a:ext uri="{FF2B5EF4-FFF2-40B4-BE49-F238E27FC236}">
+                <a16:creationId xmlns:a16="http://schemas.microsoft.com/office/drawing/2014/main" id="{53A0C757-52A0-B02D-8351-D247B470BD95}"/>
+              </a:ext>
+            </a:extLst>
+          </p:cNvPr>
+          <p:cNvGrpSpPr/>
+          <p:nvPr/>
+        </p:nvGrpSpPr>
+        <p:grpSpPr>
+          <a:xfrm>
+            <a:off x="909053" y="4990260"/>
+            <a:ext cx="10442072" cy="48435"/>
+            <a:chOff x="705853" y="4499193"/>
+            <a:chExt cx="10442072" cy="48435"/>
+          </a:xfrm>
+        </p:grpSpPr>
+        <p:sp>
+          <p:nvSpPr>
+            <p:cNvPr id="39" name="Rectangle 38">
+              <a:extLst>
+                <a:ext uri="{FF2B5EF4-FFF2-40B4-BE49-F238E27FC236}">
+                  <a16:creationId xmlns:a16="http://schemas.microsoft.com/office/drawing/2014/main" id="{921BB98C-A013-5348-3ACA-2F018A6582B0}"/>
+                </a:ext>
+              </a:extLst>
+            </p:cNvPr>
+            <p:cNvSpPr/>
+            <p:nvPr/>
+          </p:nvSpPr>
+          <p:spPr>
+            <a:xfrm>
+              <a:off x="705853" y="4499193"/>
+              <a:ext cx="5226639" cy="48435"/>
+            </a:xfrm>
+            <a:prstGeom prst="rect">
+              <a:avLst/>
+            </a:prstGeom>
+            <a:solidFill>
+              <a:srgbClr val="92D050"/>
+            </a:solidFill>
+            <a:ln>
+              <a:noFill/>
+            </a:ln>
+          </p:spPr>
+          <p:style>
+            <a:lnRef idx="2">
+              <a:schemeClr val="accent1">
+                <a:shade val="50000"/>
+              </a:schemeClr>
+            </a:lnRef>
+            <a:fillRef idx="1">
+              <a:schemeClr val="accent1"/>
+            </a:fillRef>
+            <a:effectRef idx="0">
+              <a:schemeClr val="accent1"/>
+            </a:effectRef>
+            <a:fontRef idx="minor">
+              <a:schemeClr val="lt1"/>
+            </a:fontRef>
+          </p:style>
+          <p:txBody>
+            <a:bodyPr rtlCol="0" anchor="ctr"/>
+            <a:lstStyle/>
+            <a:p>
+              <a:pPr algn="ctr"/>
+              <a:endParaRPr lang="fr-FR"/>
+            </a:p>
+          </p:txBody>
+        </p:sp>
+        <p:sp>
+          <p:nvSpPr>
+            <p:cNvPr id="40" name="Rectangle 39">
+              <a:extLst>
+                <a:ext uri="{FF2B5EF4-FFF2-40B4-BE49-F238E27FC236}">
+                  <a16:creationId xmlns:a16="http://schemas.microsoft.com/office/drawing/2014/main" id="{4A718CEE-E54A-E8E1-C393-BC1E0BF9CA85}"/>
+                </a:ext>
+              </a:extLst>
+            </p:cNvPr>
+            <p:cNvSpPr/>
+            <p:nvPr/>
+          </p:nvSpPr>
+          <p:spPr>
+            <a:xfrm>
+              <a:off x="5907094" y="4500846"/>
+              <a:ext cx="5240831" cy="46223"/>
+            </a:xfrm>
+            <a:prstGeom prst="rect">
+              <a:avLst/>
+            </a:prstGeom>
+            <a:solidFill>
+              <a:schemeClr val="bg1">
+                <a:lumMod val="75000"/>
+              </a:schemeClr>
+            </a:solidFill>
+            <a:ln>
+              <a:noFill/>
+            </a:ln>
+          </p:spPr>
+          <p:style>
+            <a:lnRef idx="2">
+              <a:schemeClr val="accent1">
+                <a:shade val="50000"/>
+              </a:schemeClr>
+            </a:lnRef>
+            <a:fillRef idx="1">
+              <a:schemeClr val="accent1"/>
+            </a:fillRef>
+            <a:effectRef idx="0">
+              <a:schemeClr val="accent1"/>
+            </a:effectRef>
+            <a:fontRef idx="minor">
+              <a:schemeClr val="lt1"/>
+            </a:fontRef>
+          </p:style>
+          <p:txBody>
+            <a:bodyPr rtlCol="0" anchor="ctr"/>
+            <a:lstStyle/>
+            <a:p>
+              <a:pPr algn="ctr"/>
+              <a:endParaRPr lang="fr-FR"/>
+            </a:p>
+          </p:txBody>
+        </p:sp>
+      </p:grpSp>
+      <p:sp>
+        <p:nvSpPr>
+          <p:cNvPr id="8" name="Rectangle 7">
+            <a:extLst>
+              <a:ext uri="{FF2B5EF4-FFF2-40B4-BE49-F238E27FC236}">
+                <a16:creationId xmlns:a16="http://schemas.microsoft.com/office/drawing/2014/main" id="{3793D12D-8689-63FC-246E-31DC2D3D67A3}"/>
+              </a:ext>
+            </a:extLst>
+          </p:cNvPr>
+          <p:cNvSpPr/>
+          <p:nvPr/>
+        </p:nvSpPr>
+        <p:spPr>
+          <a:xfrm>
+            <a:off x="882974" y="6508293"/>
+            <a:ext cx="10452911" cy="53843"/>
+          </a:xfrm>
+          <a:prstGeom prst="rect">
+            <a:avLst/>
+          </a:prstGeom>
+          <a:solidFill>
+            <a:schemeClr val="bg1">
+              <a:lumMod val="75000"/>
+            </a:schemeClr>
+          </a:solidFill>
+          <a:ln>
+            <a:noFill/>
+          </a:ln>
+        </p:spPr>
+        <p:style>
+          <a:lnRef idx="2">
+            <a:schemeClr val="accent1">
+              <a:shade val="50000"/>
+            </a:schemeClr>
+          </a:lnRef>
+          <a:fillRef idx="1">
+            <a:schemeClr val="accent1"/>
+          </a:fillRef>
+          <a:effectRef idx="0">
+            <a:schemeClr val="accent1"/>
+          </a:effectRef>
+          <a:fontRef idx="minor">
+            <a:schemeClr val="lt1"/>
+          </a:fontRef>
+        </p:style>
+        <p:txBody>
+          <a:bodyPr rtlCol="0" anchor="ctr"/>
+          <a:lstStyle/>
+          <a:p>
+            <a:pPr algn="ctr"/>
+            <a:endParaRPr lang="fr-FR"/>
+          </a:p>
+        </p:txBody>
+      </p:sp>
+      <p:sp>
+        <p:nvSpPr>
+          <p:cNvPr id="60" name="ZoneTexte 59">
+            <a:extLst>
+              <a:ext uri="{FF2B5EF4-FFF2-40B4-BE49-F238E27FC236}">
+                <a16:creationId xmlns:a16="http://schemas.microsoft.com/office/drawing/2014/main" id="{3D1CF6F8-285E-ADAB-9FFF-35CB2C577FDB}"/>
+              </a:ext>
+            </a:extLst>
+          </p:cNvPr>
+          <p:cNvSpPr txBox="1"/>
+          <p:nvPr/>
+        </p:nvSpPr>
+        <p:spPr>
+          <a:xfrm>
+            <a:off x="11150024" y="3659318"/>
+            <a:ext cx="982980" cy="307777"/>
+          </a:xfrm>
+          <a:prstGeom prst="rect">
+            <a:avLst/>
+          </a:prstGeom>
+          <a:noFill/>
+        </p:spPr>
+        <p:txBody>
+          <a:bodyPr rot="0" spcFirstLastPara="0" vertOverflow="overflow" horzOverflow="overflow" vert="horz" wrap="square" lIns="91440" tIns="45720" rIns="91440" bIns="45720" numCol="1" spcCol="0" rtlCol="0" fromWordArt="0" anchor="t" anchorCtr="0" forceAA="0" compatLnSpc="1">
+            <a:prstTxWarp prst="textNoShape">
+              <a:avLst/>
+            </a:prstTxWarp>
+            <a:spAutoFit/>
+          </a:bodyPr>
+          <a:lstStyle/>
+          <a:p>
+            <a:r>
+              <a:rPr lang="fr-FR" sz="1400" i="1">
+                <a:cs typeface="Calibri"/>
+              </a:rPr>
+              <a:t>10%</a:t>
+            </a:r>
+          </a:p>
+        </p:txBody>
+      </p:sp>
+    </p:spTree>
+    <p:extLst>
+      <p:ext uri="{BB962C8B-B14F-4D97-AF65-F5344CB8AC3E}">
+        <p14:creationId xmlns:p14="http://schemas.microsoft.com/office/powerpoint/2010/main" val="3302146440"/>
+      </p:ext>
+    </p:extLst>
+  </p:cSld>
+  <p:clrMapOvr>
+    <a:masterClrMapping/>
+  </p:clrMapOvr>
+</p:sld>
+</file>
+
+<file path=ppt/slides/slide12.xml><?xml version="1.0" encoding="utf-8"?>
 <p:sld xmlns:a="http://schemas.openxmlformats.org/drawingml/2006/main" xmlns:r="http://schemas.openxmlformats.org/officeDocument/2006/relationships" xmlns:p="http://schemas.openxmlformats.org/presentationml/2006/main">
   <p:cSld>
     <p:spTree>
@@ -6354,7 +9804,7 @@
         </p:nvSpPr>
         <p:spPr>
           <a:xfrm>
-            <a:off x="1007110" y="1256030"/>
+            <a:off x="1017996" y="3139259"/>
             <a:ext cx="9966960" cy="2052320"/>
           </a:xfrm>
           <a:prstGeom prst="rect">
@@ -6409,7 +9859,7 @@
         </p:nvSpPr>
         <p:spPr>
           <a:xfrm>
-            <a:off x="1007109" y="3511549"/>
+            <a:off x="1017995" y="5394778"/>
             <a:ext cx="9966960" cy="2052320"/>
           </a:xfrm>
           <a:prstGeom prst="rect">
@@ -6465,7 +9915,7 @@
         </p:nvSpPr>
         <p:spPr>
           <a:xfrm>
-            <a:off x="1495425" y="1713865"/>
+            <a:off x="1506311" y="3597094"/>
             <a:ext cx="1300480" cy="1463040"/>
           </a:xfrm>
           <a:prstGeom prst="rect">
@@ -6514,7 +9964,7 @@
         </p:nvSpPr>
         <p:spPr>
           <a:xfrm>
-            <a:off x="3049904" y="1713864"/>
+            <a:off x="3060790" y="3597093"/>
             <a:ext cx="1300480" cy="1463040"/>
           </a:xfrm>
           <a:prstGeom prst="rect">
@@ -6563,7 +10013,7 @@
         </p:nvSpPr>
         <p:spPr>
           <a:xfrm>
-            <a:off x="4604383" y="1713863"/>
+            <a:off x="4615269" y="3597092"/>
             <a:ext cx="1300480" cy="1463040"/>
           </a:xfrm>
           <a:prstGeom prst="rect">
@@ -6612,7 +10062,7 @@
         </p:nvSpPr>
         <p:spPr>
           <a:xfrm>
-            <a:off x="6158862" y="1713862"/>
+            <a:off x="6169748" y="3597091"/>
             <a:ext cx="1300480" cy="1463040"/>
           </a:xfrm>
           <a:prstGeom prst="rect">
@@ -6661,7 +10111,7 @@
         </p:nvSpPr>
         <p:spPr>
           <a:xfrm>
-            <a:off x="7713341" y="1713861"/>
+            <a:off x="7724227" y="3597090"/>
             <a:ext cx="1300480" cy="1463040"/>
           </a:xfrm>
           <a:prstGeom prst="rect">
@@ -6710,7 +10160,7 @@
         </p:nvSpPr>
         <p:spPr>
           <a:xfrm>
-            <a:off x="9267821" y="1713861"/>
+            <a:off x="9278707" y="3597090"/>
             <a:ext cx="1300480" cy="1463040"/>
           </a:xfrm>
           <a:prstGeom prst="rect">
@@ -6759,7 +10209,7 @@
         </p:nvSpPr>
         <p:spPr>
           <a:xfrm>
-            <a:off x="1485264" y="3938904"/>
+            <a:off x="1496150" y="5822133"/>
             <a:ext cx="1300480" cy="1463040"/>
           </a:xfrm>
           <a:prstGeom prst="rect">
@@ -6808,7 +10258,7 @@
         </p:nvSpPr>
         <p:spPr>
           <a:xfrm>
-            <a:off x="3039743" y="3938903"/>
+            <a:off x="3050629" y="5822132"/>
             <a:ext cx="1300480" cy="1463040"/>
           </a:xfrm>
           <a:prstGeom prst="rect">
@@ -6857,7 +10307,7 @@
         </p:nvSpPr>
         <p:spPr>
           <a:xfrm>
-            <a:off x="4594222" y="3938902"/>
+            <a:off x="4605108" y="5822131"/>
             <a:ext cx="1300480" cy="1463040"/>
           </a:xfrm>
           <a:prstGeom prst="rect">
@@ -6906,7 +10356,7 @@
         </p:nvSpPr>
         <p:spPr>
           <a:xfrm>
-            <a:off x="6148701" y="3938901"/>
+            <a:off x="6159587" y="5822130"/>
             <a:ext cx="1300480" cy="1463040"/>
           </a:xfrm>
           <a:prstGeom prst="rect">
@@ -6955,7 +10405,7 @@
         </p:nvSpPr>
         <p:spPr>
           <a:xfrm>
-            <a:off x="7703181" y="3938901"/>
+            <a:off x="7714067" y="5822130"/>
             <a:ext cx="1300480" cy="1463040"/>
           </a:xfrm>
           <a:prstGeom prst="rect">
@@ -7004,7 +10454,7 @@
         </p:nvSpPr>
         <p:spPr>
           <a:xfrm>
-            <a:off x="9257661" y="3938901"/>
+            <a:off x="9268547" y="5822130"/>
             <a:ext cx="1300480" cy="1463040"/>
           </a:xfrm>
           <a:prstGeom prst="rect">
@@ -7053,7 +10503,7 @@
         </p:nvSpPr>
         <p:spPr>
           <a:xfrm>
-            <a:off x="10669016" y="4479543"/>
+            <a:off x="10679902" y="6362772"/>
             <a:ext cx="162560" cy="375920"/>
           </a:xfrm>
           <a:prstGeom prst="homePlate">
@@ -7102,7 +10552,7 @@
         </p:nvSpPr>
         <p:spPr>
           <a:xfrm>
-            <a:off x="10669016" y="2284982"/>
+            <a:off x="10679902" y="4168211"/>
             <a:ext cx="162560" cy="375920"/>
           </a:xfrm>
           <a:prstGeom prst="homePlate">
@@ -7151,7 +10601,7 @@
         </p:nvSpPr>
         <p:spPr>
           <a:xfrm rot="10800000">
-            <a:off x="1133989" y="4479543"/>
+            <a:off x="1144875" y="6362772"/>
             <a:ext cx="162560" cy="375920"/>
           </a:xfrm>
           <a:prstGeom prst="homePlate">
@@ -7200,7 +10650,7 @@
         </p:nvSpPr>
         <p:spPr>
           <a:xfrm rot="10800000">
-            <a:off x="1133989" y="2263727"/>
+            <a:off x="1144875" y="4146956"/>
             <a:ext cx="162560" cy="375920"/>
           </a:xfrm>
           <a:prstGeom prst="homePlate">
@@ -7237,10 +10687,10 @@
       </p:sp>
       <p:sp>
         <p:nvSpPr>
-          <p:cNvPr id="28" name="Rectangle 27">
-            <a:extLst>
-              <a:ext uri="{FF2B5EF4-FFF2-40B4-BE49-F238E27FC236}">
-                <a16:creationId xmlns:a16="http://schemas.microsoft.com/office/drawing/2014/main" id="{FF6A4160-7862-E2F8-2A69-40291CEBA7E2}"/>
+          <p:cNvPr id="29" name="Rectangle 28">
+            <a:extLst>
+              <a:ext uri="{FF2B5EF4-FFF2-40B4-BE49-F238E27FC236}">
+                <a16:creationId xmlns:a16="http://schemas.microsoft.com/office/drawing/2014/main" id="{E8FBA4EC-E09C-128F-F634-25F0774EFD5A}"/>
               </a:ext>
             </a:extLst>
           </p:cNvPr>
@@ -7249,8 +10699,8 @@
         </p:nvSpPr>
         <p:spPr>
           <a:xfrm>
-            <a:off x="1007108" y="5772564"/>
-            <a:ext cx="9966960" cy="646993"/>
+            <a:off x="1007110" y="1005659"/>
+            <a:ext cx="9966960" cy="2052320"/>
           </a:xfrm>
           <a:prstGeom prst="rect">
             <a:avLst/>
@@ -7273,28 +10723,683 @@
           </a:fontRef>
         </p:style>
         <p:txBody>
-          <a:bodyPr lIns="91440" tIns="45720" rIns="91440" bIns="45720" rtlCol="0" anchor="t"/>
+          <a:bodyPr rot="0" spcFirstLastPara="0" vertOverflow="overflow" horzOverflow="overflow" vert="horz" wrap="square" lIns="91440" tIns="45720" rIns="91440" bIns="45720" numCol="1" spcCol="0" rtlCol="0" fromWordArt="0" anchor="t" anchorCtr="0" forceAA="0" compatLnSpc="1">
+            <a:prstTxWarp prst="textNoShape">
+              <a:avLst/>
+            </a:prstTxWarp>
+            <a:noAutofit/>
+          </a:bodyPr>
           <a:lstStyle/>
           <a:p>
             <a:r>
               <a:rPr lang="fr-FR">
+                <a:cs typeface="Calibri" panose="020F0502020204030204"/>
+              </a:rPr>
+              <a:t>CONTINUER MES SERIES</a:t>
+            </a:r>
+          </a:p>
+        </p:txBody>
+      </p:sp>
+      <p:sp>
+        <p:nvSpPr>
+          <p:cNvPr id="30" name="Rectangle 29">
+            <a:extLst>
+              <a:ext uri="{FF2B5EF4-FFF2-40B4-BE49-F238E27FC236}">
+                <a16:creationId xmlns:a16="http://schemas.microsoft.com/office/drawing/2014/main" id="{7A905E1A-3D81-1029-47E3-74C64E1FB0BD}"/>
+              </a:ext>
+            </a:extLst>
+          </p:cNvPr>
+          <p:cNvSpPr/>
+          <p:nvPr/>
+        </p:nvSpPr>
+        <p:spPr>
+          <a:xfrm>
+            <a:off x="1495425" y="1463494"/>
+            <a:ext cx="1300480" cy="1463040"/>
+          </a:xfrm>
+          <a:prstGeom prst="rect">
+            <a:avLst/>
+          </a:prstGeom>
+        </p:spPr>
+        <p:style>
+          <a:lnRef idx="3">
+            <a:schemeClr val="lt1"/>
+          </a:lnRef>
+          <a:fillRef idx="1">
+            <a:schemeClr val="accent4"/>
+          </a:fillRef>
+          <a:effectRef idx="1">
+            <a:schemeClr val="accent4"/>
+          </a:effectRef>
+          <a:fontRef idx="minor">
+            <a:schemeClr val="lt1"/>
+          </a:fontRef>
+        </p:style>
+        <p:txBody>
+          <a:bodyPr rtlCol="0" anchor="ctr"/>
+          <a:lstStyle/>
+          <a:p>
+            <a:pPr algn="ctr"/>
+            <a:r>
+              <a:rPr lang="fr-FR">
+                <a:cs typeface="Calibri"/>
+              </a:rPr>
+              <a:t>SERIE 1</a:t>
+            </a:r>
+          </a:p>
+        </p:txBody>
+      </p:sp>
+      <p:sp>
+        <p:nvSpPr>
+          <p:cNvPr id="31" name="Rectangle 30">
+            <a:extLst>
+              <a:ext uri="{FF2B5EF4-FFF2-40B4-BE49-F238E27FC236}">
+                <a16:creationId xmlns:a16="http://schemas.microsoft.com/office/drawing/2014/main" id="{A8ED9FE2-4ABA-FC50-C65F-D74EFFAA07B3}"/>
+              </a:ext>
+            </a:extLst>
+          </p:cNvPr>
+          <p:cNvSpPr/>
+          <p:nvPr/>
+        </p:nvSpPr>
+        <p:spPr>
+          <a:xfrm>
+            <a:off x="3049904" y="1463493"/>
+            <a:ext cx="1300480" cy="1463040"/>
+          </a:xfrm>
+          <a:prstGeom prst="rect">
+            <a:avLst/>
+          </a:prstGeom>
+        </p:spPr>
+        <p:style>
+          <a:lnRef idx="3">
+            <a:schemeClr val="lt1"/>
+          </a:lnRef>
+          <a:fillRef idx="1">
+            <a:schemeClr val="accent4"/>
+          </a:fillRef>
+          <a:effectRef idx="1">
+            <a:schemeClr val="accent4"/>
+          </a:effectRef>
+          <a:fontRef idx="minor">
+            <a:schemeClr val="lt1"/>
+          </a:fontRef>
+        </p:style>
+        <p:txBody>
+          <a:bodyPr lIns="91440" tIns="45720" rIns="91440" bIns="45720" rtlCol="0" anchor="ctr"/>
+          <a:lstStyle/>
+          <a:p>
+            <a:pPr algn="ctr"/>
+            <a:r>
+              <a:rPr lang="fr-FR">
+                <a:cs typeface="Calibri"/>
+              </a:rPr>
+              <a:t>SERIE 2</a:t>
+            </a:r>
+          </a:p>
+        </p:txBody>
+      </p:sp>
+      <p:sp>
+        <p:nvSpPr>
+          <p:cNvPr id="32" name="Rectangle 31">
+            <a:extLst>
+              <a:ext uri="{FF2B5EF4-FFF2-40B4-BE49-F238E27FC236}">
+                <a16:creationId xmlns:a16="http://schemas.microsoft.com/office/drawing/2014/main" id="{82593DB8-33F4-B131-2262-A7C42462D054}"/>
+              </a:ext>
+            </a:extLst>
+          </p:cNvPr>
+          <p:cNvSpPr/>
+          <p:nvPr/>
+        </p:nvSpPr>
+        <p:spPr>
+          <a:xfrm>
+            <a:off x="4604383" y="1463492"/>
+            <a:ext cx="1300480" cy="1463040"/>
+          </a:xfrm>
+          <a:prstGeom prst="rect">
+            <a:avLst/>
+          </a:prstGeom>
+        </p:spPr>
+        <p:style>
+          <a:lnRef idx="3">
+            <a:schemeClr val="lt1"/>
+          </a:lnRef>
+          <a:fillRef idx="1">
+            <a:schemeClr val="accent4"/>
+          </a:fillRef>
+          <a:effectRef idx="1">
+            <a:schemeClr val="accent4"/>
+          </a:effectRef>
+          <a:fontRef idx="minor">
+            <a:schemeClr val="lt1"/>
+          </a:fontRef>
+        </p:style>
+        <p:txBody>
+          <a:bodyPr lIns="91440" tIns="45720" rIns="91440" bIns="45720" rtlCol="0" anchor="ctr"/>
+          <a:lstStyle/>
+          <a:p>
+            <a:pPr algn="ctr"/>
+            <a:r>
+              <a:rPr lang="fr-FR">
+                <a:cs typeface="Calibri"/>
+              </a:rPr>
+              <a:t>SERIE 3</a:t>
+            </a:r>
+          </a:p>
+        </p:txBody>
+      </p:sp>
+      <p:sp>
+        <p:nvSpPr>
+          <p:cNvPr id="33" name="Rectangle 32">
+            <a:extLst>
+              <a:ext uri="{FF2B5EF4-FFF2-40B4-BE49-F238E27FC236}">
+                <a16:creationId xmlns:a16="http://schemas.microsoft.com/office/drawing/2014/main" id="{331C58B8-D826-F25B-0B4A-0DBC107F4827}"/>
+              </a:ext>
+            </a:extLst>
+          </p:cNvPr>
+          <p:cNvSpPr/>
+          <p:nvPr/>
+        </p:nvSpPr>
+        <p:spPr>
+          <a:xfrm>
+            <a:off x="6158862" y="1463491"/>
+            <a:ext cx="1300480" cy="1463040"/>
+          </a:xfrm>
+          <a:prstGeom prst="rect">
+            <a:avLst/>
+          </a:prstGeom>
+        </p:spPr>
+        <p:style>
+          <a:lnRef idx="3">
+            <a:schemeClr val="lt1"/>
+          </a:lnRef>
+          <a:fillRef idx="1">
+            <a:schemeClr val="accent4"/>
+          </a:fillRef>
+          <a:effectRef idx="1">
+            <a:schemeClr val="accent4"/>
+          </a:effectRef>
+          <a:fontRef idx="minor">
+            <a:schemeClr val="lt1"/>
+          </a:fontRef>
+        </p:style>
+        <p:txBody>
+          <a:bodyPr lIns="91440" tIns="45720" rIns="91440" bIns="45720" rtlCol="0" anchor="ctr"/>
+          <a:lstStyle/>
+          <a:p>
+            <a:pPr algn="ctr"/>
+            <a:r>
+              <a:rPr lang="fr-FR">
+                <a:cs typeface="Calibri"/>
+              </a:rPr>
+              <a:t>SERIE 4</a:t>
+            </a:r>
+          </a:p>
+        </p:txBody>
+      </p:sp>
+      <p:sp>
+        <p:nvSpPr>
+          <p:cNvPr id="34" name="Rectangle 33">
+            <a:extLst>
+              <a:ext uri="{FF2B5EF4-FFF2-40B4-BE49-F238E27FC236}">
+                <a16:creationId xmlns:a16="http://schemas.microsoft.com/office/drawing/2014/main" id="{FE8D99FF-7069-5AC2-09BF-C3CF45DB1DAE}"/>
+              </a:ext>
+            </a:extLst>
+          </p:cNvPr>
+          <p:cNvSpPr/>
+          <p:nvPr/>
+        </p:nvSpPr>
+        <p:spPr>
+          <a:xfrm>
+            <a:off x="7713341" y="1463490"/>
+            <a:ext cx="1300480" cy="1463040"/>
+          </a:xfrm>
+          <a:prstGeom prst="rect">
+            <a:avLst/>
+          </a:prstGeom>
+        </p:spPr>
+        <p:style>
+          <a:lnRef idx="3">
+            <a:schemeClr val="lt1"/>
+          </a:lnRef>
+          <a:fillRef idx="1">
+            <a:schemeClr val="accent4"/>
+          </a:fillRef>
+          <a:effectRef idx="1">
+            <a:schemeClr val="accent4"/>
+          </a:effectRef>
+          <a:fontRef idx="minor">
+            <a:schemeClr val="lt1"/>
+          </a:fontRef>
+        </p:style>
+        <p:txBody>
+          <a:bodyPr lIns="91440" tIns="45720" rIns="91440" bIns="45720" rtlCol="0" anchor="ctr"/>
+          <a:lstStyle/>
+          <a:p>
+            <a:pPr algn="ctr"/>
+            <a:r>
+              <a:rPr lang="fr-FR">
+                <a:cs typeface="Calibri"/>
+              </a:rPr>
+              <a:t>SERIE 5</a:t>
+            </a:r>
+          </a:p>
+        </p:txBody>
+      </p:sp>
+      <p:sp>
+        <p:nvSpPr>
+          <p:cNvPr id="35" name="Rectangle 34">
+            <a:extLst>
+              <a:ext uri="{FF2B5EF4-FFF2-40B4-BE49-F238E27FC236}">
+                <a16:creationId xmlns:a16="http://schemas.microsoft.com/office/drawing/2014/main" id="{8AC07DB2-C7D7-718C-2267-5755BA278E53}"/>
+              </a:ext>
+            </a:extLst>
+          </p:cNvPr>
+          <p:cNvSpPr/>
+          <p:nvPr/>
+        </p:nvSpPr>
+        <p:spPr>
+          <a:xfrm>
+            <a:off x="9267821" y="1463490"/>
+            <a:ext cx="1300480" cy="1463040"/>
+          </a:xfrm>
+          <a:prstGeom prst="rect">
+            <a:avLst/>
+          </a:prstGeom>
+        </p:spPr>
+        <p:style>
+          <a:lnRef idx="3">
+            <a:schemeClr val="lt1"/>
+          </a:lnRef>
+          <a:fillRef idx="1">
+            <a:schemeClr val="accent4"/>
+          </a:fillRef>
+          <a:effectRef idx="1">
+            <a:schemeClr val="accent4"/>
+          </a:effectRef>
+          <a:fontRef idx="minor">
+            <a:schemeClr val="lt1"/>
+          </a:fontRef>
+        </p:style>
+        <p:txBody>
+          <a:bodyPr lIns="91440" tIns="45720" rIns="91440" bIns="45720" rtlCol="0" anchor="ctr"/>
+          <a:lstStyle/>
+          <a:p>
+            <a:pPr algn="ctr"/>
+            <a:r>
+              <a:rPr lang="fr-FR">
+                <a:cs typeface="Calibri"/>
+              </a:rPr>
+              <a:t>SERIE 6</a:t>
+            </a:r>
+          </a:p>
+        </p:txBody>
+      </p:sp>
+      <p:sp>
+        <p:nvSpPr>
+          <p:cNvPr id="36" name="Flèche : pentagone 35">
+            <a:extLst>
+              <a:ext uri="{FF2B5EF4-FFF2-40B4-BE49-F238E27FC236}">
+                <a16:creationId xmlns:a16="http://schemas.microsoft.com/office/drawing/2014/main" id="{BAB892D5-8230-3300-D67E-BF7EADCB8085}"/>
+              </a:ext>
+            </a:extLst>
+          </p:cNvPr>
+          <p:cNvSpPr/>
+          <p:nvPr/>
+        </p:nvSpPr>
+        <p:spPr>
+          <a:xfrm>
+            <a:off x="10669016" y="2034611"/>
+            <a:ext cx="162560" cy="375920"/>
+          </a:xfrm>
+          <a:prstGeom prst="homePlate">
+            <a:avLst/>
+          </a:prstGeom>
+          <a:solidFill>
+            <a:schemeClr val="bg1"/>
+          </a:solidFill>
+        </p:spPr>
+        <p:style>
+          <a:lnRef idx="2">
+            <a:schemeClr val="accent1">
+              <a:shade val="50000"/>
+            </a:schemeClr>
+          </a:lnRef>
+          <a:fillRef idx="1">
+            <a:schemeClr val="accent1"/>
+          </a:fillRef>
+          <a:effectRef idx="0">
+            <a:schemeClr val="accent1"/>
+          </a:effectRef>
+          <a:fontRef idx="minor">
+            <a:schemeClr val="lt1"/>
+          </a:fontRef>
+        </p:style>
+        <p:txBody>
+          <a:bodyPr rtlCol="0" anchor="ctr"/>
+          <a:lstStyle/>
+          <a:p>
+            <a:pPr algn="ctr"/>
+            <a:endParaRPr lang="fr-FR"/>
+          </a:p>
+        </p:txBody>
+      </p:sp>
+      <p:sp>
+        <p:nvSpPr>
+          <p:cNvPr id="37" name="Flèche : pentagone 36">
+            <a:extLst>
+              <a:ext uri="{FF2B5EF4-FFF2-40B4-BE49-F238E27FC236}">
+                <a16:creationId xmlns:a16="http://schemas.microsoft.com/office/drawing/2014/main" id="{B9ED73F7-4B81-4FF6-6BDB-C691D12BE888}"/>
+              </a:ext>
+            </a:extLst>
+          </p:cNvPr>
+          <p:cNvSpPr/>
+          <p:nvPr/>
+        </p:nvSpPr>
+        <p:spPr>
+          <a:xfrm rot="10800000">
+            <a:off x="1133989" y="2013356"/>
+            <a:ext cx="162560" cy="375920"/>
+          </a:xfrm>
+          <a:prstGeom prst="homePlate">
+            <a:avLst/>
+          </a:prstGeom>
+          <a:solidFill>
+            <a:schemeClr val="bg1"/>
+          </a:solidFill>
+        </p:spPr>
+        <p:style>
+          <a:lnRef idx="2">
+            <a:schemeClr val="accent1">
+              <a:shade val="50000"/>
+            </a:schemeClr>
+          </a:lnRef>
+          <a:fillRef idx="1">
+            <a:schemeClr val="accent1"/>
+          </a:fillRef>
+          <a:effectRef idx="0">
+            <a:schemeClr val="accent1"/>
+          </a:effectRef>
+          <a:fontRef idx="minor">
+            <a:schemeClr val="lt1"/>
+          </a:fontRef>
+        </p:style>
+        <p:txBody>
+          <a:bodyPr rtlCol="0" anchor="ctr"/>
+          <a:lstStyle/>
+          <a:p>
+            <a:pPr algn="ctr"/>
+            <a:endParaRPr lang="fr-FR"/>
+          </a:p>
+        </p:txBody>
+      </p:sp>
+      <p:sp>
+        <p:nvSpPr>
+          <p:cNvPr id="38" name="ZoneTexte 37">
+            <a:extLst>
+              <a:ext uri="{FF2B5EF4-FFF2-40B4-BE49-F238E27FC236}">
+                <a16:creationId xmlns:a16="http://schemas.microsoft.com/office/drawing/2014/main" id="{CC5184C0-D398-A4CD-8681-00E99A4BAA50}"/>
+              </a:ext>
+            </a:extLst>
+          </p:cNvPr>
+          <p:cNvSpPr txBox="1"/>
+          <p:nvPr/>
+        </p:nvSpPr>
+        <p:spPr>
+          <a:xfrm>
+            <a:off x="1426029" y="2623457"/>
+            <a:ext cx="1371600" cy="307777"/>
+          </a:xfrm>
+          <a:prstGeom prst="rect">
+            <a:avLst/>
+          </a:prstGeom>
+          <a:noFill/>
+        </p:spPr>
+        <p:txBody>
+          <a:bodyPr rot="0" spcFirstLastPara="0" vertOverflow="overflow" horzOverflow="overflow" vert="horz" wrap="square" lIns="91440" tIns="45720" rIns="91440" bIns="45720" numCol="1" spcCol="0" rtlCol="0" fromWordArt="0" anchor="t" anchorCtr="0" forceAA="0" compatLnSpc="1">
+            <a:prstTxWarp prst="textNoShape">
+              <a:avLst/>
+            </a:prstTxWarp>
+            <a:spAutoFit/>
+          </a:bodyPr>
+          <a:lstStyle/>
+          <a:p>
+            <a:pPr algn="ctr"/>
+            <a:r>
+              <a:rPr lang="fr-FR" sz="1400">
                 <a:solidFill>
                   <a:srgbClr val="FFFFFF"/>
                 </a:solidFill>
-                <a:latin typeface="Calibri"/>
+                <a:cs typeface="Calibri"/>
               </a:rPr>
-              <a:t>DERNIERES NEWS films / séries</a:t>
-            </a:r>
-            <a:endParaRPr lang="fr-FR">
-              <a:cs typeface="Calibri"/>
-            </a:endParaRPr>
+              <a:t>S01: EP05</a:t>
+            </a:r>
+          </a:p>
+        </p:txBody>
+      </p:sp>
+      <p:sp>
+        <p:nvSpPr>
+          <p:cNvPr id="39" name="ZoneTexte 38">
+            <a:extLst>
+              <a:ext uri="{FF2B5EF4-FFF2-40B4-BE49-F238E27FC236}">
+                <a16:creationId xmlns:a16="http://schemas.microsoft.com/office/drawing/2014/main" id="{DCB00541-6799-4A3D-EC30-C23457AF45CF}"/>
+              </a:ext>
+            </a:extLst>
+          </p:cNvPr>
+          <p:cNvSpPr txBox="1"/>
+          <p:nvPr/>
+        </p:nvSpPr>
+        <p:spPr>
+          <a:xfrm>
+            <a:off x="2993572" y="2623457"/>
+            <a:ext cx="1371600" cy="307777"/>
+          </a:xfrm>
+          <a:prstGeom prst="rect">
+            <a:avLst/>
+          </a:prstGeom>
+          <a:noFill/>
+        </p:spPr>
+        <p:txBody>
+          <a:bodyPr rot="0" spcFirstLastPara="0" vertOverflow="overflow" horzOverflow="overflow" vert="horz" wrap="square" lIns="91440" tIns="45720" rIns="91440" bIns="45720" numCol="1" spcCol="0" rtlCol="0" fromWordArt="0" anchor="t" anchorCtr="0" forceAA="0" compatLnSpc="1">
+            <a:prstTxWarp prst="textNoShape">
+              <a:avLst/>
+            </a:prstTxWarp>
+            <a:spAutoFit/>
+          </a:bodyPr>
+          <a:lstStyle/>
+          <a:p>
+            <a:pPr algn="ctr"/>
+            <a:r>
+              <a:rPr lang="fr-FR" sz="1400">
+                <a:solidFill>
+                  <a:srgbClr val="FFFFFF"/>
+                </a:solidFill>
+                <a:cs typeface="Calibri"/>
+              </a:rPr>
+              <a:t>S01: EP05</a:t>
+            </a:r>
+          </a:p>
+        </p:txBody>
+      </p:sp>
+      <p:sp>
+        <p:nvSpPr>
+          <p:cNvPr id="40" name="ZoneTexte 39">
+            <a:extLst>
+              <a:ext uri="{FF2B5EF4-FFF2-40B4-BE49-F238E27FC236}">
+                <a16:creationId xmlns:a16="http://schemas.microsoft.com/office/drawing/2014/main" id="{07093B10-0519-38C3-E50D-675264585EEF}"/>
+              </a:ext>
+            </a:extLst>
+          </p:cNvPr>
+          <p:cNvSpPr txBox="1"/>
+          <p:nvPr/>
+        </p:nvSpPr>
+        <p:spPr>
+          <a:xfrm>
+            <a:off x="4528457" y="2623457"/>
+            <a:ext cx="1371600" cy="307777"/>
+          </a:xfrm>
+          <a:prstGeom prst="rect">
+            <a:avLst/>
+          </a:prstGeom>
+          <a:noFill/>
+        </p:spPr>
+        <p:txBody>
+          <a:bodyPr rot="0" spcFirstLastPara="0" vertOverflow="overflow" horzOverflow="overflow" vert="horz" wrap="square" lIns="91440" tIns="45720" rIns="91440" bIns="45720" numCol="1" spcCol="0" rtlCol="0" fromWordArt="0" anchor="t" anchorCtr="0" forceAA="0" compatLnSpc="1">
+            <a:prstTxWarp prst="textNoShape">
+              <a:avLst/>
+            </a:prstTxWarp>
+            <a:spAutoFit/>
+          </a:bodyPr>
+          <a:lstStyle/>
+          <a:p>
+            <a:pPr algn="ctr"/>
+            <a:r>
+              <a:rPr lang="fr-FR" sz="1400">
+                <a:solidFill>
+                  <a:srgbClr val="FFFFFF"/>
+                </a:solidFill>
+                <a:cs typeface="Calibri"/>
+              </a:rPr>
+              <a:t>S01: EP05</a:t>
+            </a:r>
+          </a:p>
+        </p:txBody>
+      </p:sp>
+      <p:sp>
+        <p:nvSpPr>
+          <p:cNvPr id="41" name="ZoneTexte 40">
+            <a:extLst>
+              <a:ext uri="{FF2B5EF4-FFF2-40B4-BE49-F238E27FC236}">
+                <a16:creationId xmlns:a16="http://schemas.microsoft.com/office/drawing/2014/main" id="{F2D1A592-656A-D532-CA02-49E9CC9AEC86}"/>
+              </a:ext>
+            </a:extLst>
+          </p:cNvPr>
+          <p:cNvSpPr txBox="1"/>
+          <p:nvPr/>
+        </p:nvSpPr>
+        <p:spPr>
+          <a:xfrm>
+            <a:off x="6096000" y="2623457"/>
+            <a:ext cx="1371600" cy="307777"/>
+          </a:xfrm>
+          <a:prstGeom prst="rect">
+            <a:avLst/>
+          </a:prstGeom>
+          <a:noFill/>
+        </p:spPr>
+        <p:txBody>
+          <a:bodyPr rot="0" spcFirstLastPara="0" vertOverflow="overflow" horzOverflow="overflow" vert="horz" wrap="square" lIns="91440" tIns="45720" rIns="91440" bIns="45720" numCol="1" spcCol="0" rtlCol="0" fromWordArt="0" anchor="t" anchorCtr="0" forceAA="0" compatLnSpc="1">
+            <a:prstTxWarp prst="textNoShape">
+              <a:avLst/>
+            </a:prstTxWarp>
+            <a:spAutoFit/>
+          </a:bodyPr>
+          <a:lstStyle/>
+          <a:p>
+            <a:pPr algn="ctr"/>
+            <a:r>
+              <a:rPr lang="fr-FR" sz="1400">
+                <a:solidFill>
+                  <a:srgbClr val="FFFFFF"/>
+                </a:solidFill>
+                <a:cs typeface="Calibri"/>
+              </a:rPr>
+              <a:t>S01: EP05</a:t>
+            </a:r>
+          </a:p>
+        </p:txBody>
+      </p:sp>
+      <p:sp>
+        <p:nvSpPr>
+          <p:cNvPr id="42" name="ZoneTexte 41">
+            <a:extLst>
+              <a:ext uri="{FF2B5EF4-FFF2-40B4-BE49-F238E27FC236}">
+                <a16:creationId xmlns:a16="http://schemas.microsoft.com/office/drawing/2014/main" id="{8EA09A0C-C4B9-1AEF-6F4F-95951D6E9277}"/>
+              </a:ext>
+            </a:extLst>
+          </p:cNvPr>
+          <p:cNvSpPr txBox="1"/>
+          <p:nvPr/>
+        </p:nvSpPr>
+        <p:spPr>
+          <a:xfrm>
+            <a:off x="7685314" y="2623457"/>
+            <a:ext cx="1371600" cy="307777"/>
+          </a:xfrm>
+          <a:prstGeom prst="rect">
+            <a:avLst/>
+          </a:prstGeom>
+          <a:noFill/>
+        </p:spPr>
+        <p:txBody>
+          <a:bodyPr rot="0" spcFirstLastPara="0" vertOverflow="overflow" horzOverflow="overflow" vert="horz" wrap="square" lIns="91440" tIns="45720" rIns="91440" bIns="45720" numCol="1" spcCol="0" rtlCol="0" fromWordArt="0" anchor="t" anchorCtr="0" forceAA="0" compatLnSpc="1">
+            <a:prstTxWarp prst="textNoShape">
+              <a:avLst/>
+            </a:prstTxWarp>
+            <a:spAutoFit/>
+          </a:bodyPr>
+          <a:lstStyle/>
+          <a:p>
+            <a:pPr algn="ctr"/>
+            <a:r>
+              <a:rPr lang="fr-FR" sz="1400">
+                <a:solidFill>
+                  <a:srgbClr val="FFFFFF"/>
+                </a:solidFill>
+                <a:cs typeface="Calibri"/>
+              </a:rPr>
+              <a:t>S01: EP05</a:t>
+            </a:r>
+          </a:p>
+        </p:txBody>
+      </p:sp>
+      <p:sp>
+        <p:nvSpPr>
+          <p:cNvPr id="43" name="ZoneTexte 42">
+            <a:extLst>
+              <a:ext uri="{FF2B5EF4-FFF2-40B4-BE49-F238E27FC236}">
+                <a16:creationId xmlns:a16="http://schemas.microsoft.com/office/drawing/2014/main" id="{61788CC7-4265-AC37-1973-8F00AFE18213}"/>
+              </a:ext>
+            </a:extLst>
+          </p:cNvPr>
+          <p:cNvSpPr txBox="1"/>
+          <p:nvPr/>
+        </p:nvSpPr>
+        <p:spPr>
+          <a:xfrm>
+            <a:off x="9198428" y="2623457"/>
+            <a:ext cx="1371600" cy="307777"/>
+          </a:xfrm>
+          <a:prstGeom prst="rect">
+            <a:avLst/>
+          </a:prstGeom>
+          <a:noFill/>
+        </p:spPr>
+        <p:txBody>
+          <a:bodyPr rot="0" spcFirstLastPara="0" vertOverflow="overflow" horzOverflow="overflow" vert="horz" wrap="square" lIns="91440" tIns="45720" rIns="91440" bIns="45720" numCol="1" spcCol="0" rtlCol="0" fromWordArt="0" anchor="t" anchorCtr="0" forceAA="0" compatLnSpc="1">
+            <a:prstTxWarp prst="textNoShape">
+              <a:avLst/>
+            </a:prstTxWarp>
+            <a:spAutoFit/>
+          </a:bodyPr>
+          <a:lstStyle/>
+          <a:p>
+            <a:pPr algn="ctr"/>
+            <a:r>
+              <a:rPr lang="fr-FR" sz="1400">
+                <a:solidFill>
+                  <a:srgbClr val="FFFFFF"/>
+                </a:solidFill>
+                <a:cs typeface="Calibri"/>
+              </a:rPr>
+              <a:t>S01: EP05</a:t>
+            </a:r>
           </a:p>
         </p:txBody>
       </p:sp>
     </p:spTree>
     <p:extLst>
       <p:ext uri="{BB962C8B-B14F-4D97-AF65-F5344CB8AC3E}">
-        <p14:creationId xmlns:p14="http://schemas.microsoft.com/office/powerpoint/2010/main" val="91787558"/>
+        <p14:creationId xmlns:p14="http://schemas.microsoft.com/office/powerpoint/2010/main" val="2986881299"/>
       </p:ext>
     </p:extLst>
   </p:cSld>
@@ -7321,12 +11426,433 @@
           <a:chExt cx="0" cy="0"/>
         </a:xfrm>
       </p:grpSpPr>
-      <p:sp>
-        <p:nvSpPr>
-          <p:cNvPr id="2" name="Rectangle : coins arrondis 1">
-            <a:extLst>
-              <a:ext uri="{FF2B5EF4-FFF2-40B4-BE49-F238E27FC236}">
-                <a16:creationId xmlns:a16="http://schemas.microsoft.com/office/drawing/2014/main" id="{59028AFE-893D-3809-CDC1-B4A49123E134}"/>
+      <p:grpSp>
+        <p:nvGrpSpPr>
+          <p:cNvPr id="11" name="Groupe 10">
+            <a:extLst>
+              <a:ext uri="{FF2B5EF4-FFF2-40B4-BE49-F238E27FC236}">
+                <a16:creationId xmlns:a16="http://schemas.microsoft.com/office/drawing/2014/main" id="{10F2C6C6-FB76-29EE-E74B-8DE5FF32055F}"/>
+              </a:ext>
+            </a:extLst>
+          </p:cNvPr>
+          <p:cNvGrpSpPr/>
+          <p:nvPr/>
+        </p:nvGrpSpPr>
+        <p:grpSpPr>
+          <a:xfrm>
+            <a:off x="213360" y="198120"/>
+            <a:ext cx="11755120" cy="579120"/>
+            <a:chOff x="213360" y="198120"/>
+            <a:chExt cx="11755120" cy="579120"/>
+          </a:xfrm>
+        </p:grpSpPr>
+        <p:sp>
+          <p:nvSpPr>
+            <p:cNvPr id="3" name="Rectangle 2">
+              <a:extLst>
+                <a:ext uri="{FF2B5EF4-FFF2-40B4-BE49-F238E27FC236}">
+                  <a16:creationId xmlns:a16="http://schemas.microsoft.com/office/drawing/2014/main" id="{E29BA9C8-174A-7FB8-2C33-9ADA8D33FDF1}"/>
+                </a:ext>
+              </a:extLst>
+            </p:cNvPr>
+            <p:cNvSpPr/>
+            <p:nvPr/>
+          </p:nvSpPr>
+          <p:spPr>
+            <a:xfrm>
+              <a:off x="213360" y="198120"/>
+              <a:ext cx="11755120" cy="579120"/>
+            </a:xfrm>
+            <a:prstGeom prst="rect">
+              <a:avLst/>
+            </a:prstGeom>
+          </p:spPr>
+          <p:style>
+            <a:lnRef idx="2">
+              <a:schemeClr val="accent1">
+                <a:shade val="50000"/>
+              </a:schemeClr>
+            </a:lnRef>
+            <a:fillRef idx="1">
+              <a:schemeClr val="accent1"/>
+            </a:fillRef>
+            <a:effectRef idx="0">
+              <a:schemeClr val="accent1"/>
+            </a:effectRef>
+            <a:fontRef idx="minor">
+              <a:schemeClr val="lt1"/>
+            </a:fontRef>
+          </p:style>
+          <p:txBody>
+            <a:bodyPr lIns="91440" tIns="45720" rIns="91440" bIns="45720" rtlCol="0" anchor="ctr"/>
+            <a:lstStyle/>
+            <a:p>
+              <a:pPr algn="ctr"/>
+              <a:endParaRPr lang="fr-FR">
+                <a:cs typeface="Calibri"/>
+              </a:endParaRPr>
+            </a:p>
+          </p:txBody>
+        </p:sp>
+        <p:sp>
+          <p:nvSpPr>
+            <p:cNvPr id="4" name="Rectangle 3">
+              <a:extLst>
+                <a:ext uri="{FF2B5EF4-FFF2-40B4-BE49-F238E27FC236}">
+                  <a16:creationId xmlns:a16="http://schemas.microsoft.com/office/drawing/2014/main" id="{381245A0-2780-0CE5-7B64-9DEBEC4C696E}"/>
+                </a:ext>
+              </a:extLst>
+            </p:cNvPr>
+            <p:cNvSpPr/>
+            <p:nvPr/>
+          </p:nvSpPr>
+          <p:spPr>
+            <a:xfrm>
+              <a:off x="6096000" y="259080"/>
+              <a:ext cx="2367280" cy="447040"/>
+            </a:xfrm>
+            <a:prstGeom prst="rect">
+              <a:avLst/>
+            </a:prstGeom>
+            <a:solidFill>
+              <a:schemeClr val="bg1"/>
+            </a:solidFill>
+          </p:spPr>
+          <p:style>
+            <a:lnRef idx="2">
+              <a:schemeClr val="accent1">
+                <a:shade val="50000"/>
+              </a:schemeClr>
+            </a:lnRef>
+            <a:fillRef idx="1">
+              <a:schemeClr val="accent1"/>
+            </a:fillRef>
+            <a:effectRef idx="0">
+              <a:schemeClr val="accent1"/>
+            </a:effectRef>
+            <a:fontRef idx="minor">
+              <a:schemeClr val="lt1"/>
+            </a:fontRef>
+          </p:style>
+          <p:txBody>
+            <a:bodyPr lIns="91440" tIns="45720" rIns="91440" bIns="45720" rtlCol="0" anchor="ctr"/>
+            <a:lstStyle/>
+            <a:p>
+              <a:pPr algn="ctr"/>
+              <a:r>
+                <a:rPr lang="fr-FR">
+                  <a:solidFill>
+                    <a:srgbClr val="000000"/>
+                  </a:solidFill>
+                  <a:cs typeface="Calibri"/>
+                </a:rPr>
+                <a:t>Rechercher</a:t>
+              </a:r>
+            </a:p>
+          </p:txBody>
+        </p:sp>
+        <p:sp>
+          <p:nvSpPr>
+            <p:cNvPr id="5" name="Rectangle 4">
+              <a:extLst>
+                <a:ext uri="{FF2B5EF4-FFF2-40B4-BE49-F238E27FC236}">
+                  <a16:creationId xmlns:a16="http://schemas.microsoft.com/office/drawing/2014/main" id="{A785B304-0177-875A-0B44-A4F34482F5BD}"/>
+                </a:ext>
+              </a:extLst>
+            </p:cNvPr>
+            <p:cNvSpPr/>
+            <p:nvPr/>
+          </p:nvSpPr>
+          <p:spPr>
+            <a:xfrm>
+              <a:off x="1493519" y="269239"/>
+              <a:ext cx="1158240" cy="447040"/>
+            </a:xfrm>
+            <a:prstGeom prst="rect">
+              <a:avLst/>
+            </a:prstGeom>
+            <a:solidFill>
+              <a:schemeClr val="bg1"/>
+            </a:solidFill>
+          </p:spPr>
+          <p:style>
+            <a:lnRef idx="2">
+              <a:schemeClr val="accent1">
+                <a:shade val="50000"/>
+              </a:schemeClr>
+            </a:lnRef>
+            <a:fillRef idx="1">
+              <a:schemeClr val="accent1"/>
+            </a:fillRef>
+            <a:effectRef idx="0">
+              <a:schemeClr val="accent1"/>
+            </a:effectRef>
+            <a:fontRef idx="minor">
+              <a:schemeClr val="lt1"/>
+            </a:fontRef>
+          </p:style>
+          <p:txBody>
+            <a:bodyPr lIns="91440" tIns="45720" rIns="91440" bIns="45720" rtlCol="0" anchor="ctr"/>
+            <a:lstStyle/>
+            <a:p>
+              <a:pPr algn="ctr"/>
+              <a:r>
+                <a:rPr lang="fr-FR">
+                  <a:solidFill>
+                    <a:srgbClr val="000000"/>
+                  </a:solidFill>
+                  <a:cs typeface="Calibri"/>
+                </a:rPr>
+                <a:t>Accueil</a:t>
+              </a:r>
+            </a:p>
+          </p:txBody>
+        </p:sp>
+        <p:sp>
+          <p:nvSpPr>
+            <p:cNvPr id="6" name="Rectangle 5">
+              <a:extLst>
+                <a:ext uri="{FF2B5EF4-FFF2-40B4-BE49-F238E27FC236}">
+                  <a16:creationId xmlns:a16="http://schemas.microsoft.com/office/drawing/2014/main" id="{21EB1BD6-100D-C612-AFCE-780DCF4E0645}"/>
+                </a:ext>
+              </a:extLst>
+            </p:cNvPr>
+            <p:cNvSpPr/>
+            <p:nvPr/>
+          </p:nvSpPr>
+          <p:spPr>
+            <a:xfrm>
+              <a:off x="2905758" y="269238"/>
+              <a:ext cx="1158240" cy="447040"/>
+            </a:xfrm>
+            <a:prstGeom prst="rect">
+              <a:avLst/>
+            </a:prstGeom>
+            <a:solidFill>
+              <a:schemeClr val="bg1"/>
+            </a:solidFill>
+          </p:spPr>
+          <p:style>
+            <a:lnRef idx="2">
+              <a:schemeClr val="accent1">
+                <a:shade val="50000"/>
+              </a:schemeClr>
+            </a:lnRef>
+            <a:fillRef idx="1">
+              <a:schemeClr val="accent1"/>
+            </a:fillRef>
+            <a:effectRef idx="0">
+              <a:schemeClr val="accent1"/>
+            </a:effectRef>
+            <a:fontRef idx="minor">
+              <a:schemeClr val="lt1"/>
+            </a:fontRef>
+          </p:style>
+          <p:txBody>
+            <a:bodyPr lIns="91440" tIns="45720" rIns="91440" bIns="45720" rtlCol="0" anchor="ctr"/>
+            <a:lstStyle/>
+            <a:p>
+              <a:pPr algn="ctr"/>
+              <a:r>
+                <a:rPr lang="fr-FR">
+                  <a:solidFill>
+                    <a:srgbClr val="000000"/>
+                  </a:solidFill>
+                  <a:cs typeface="Calibri"/>
+                </a:rPr>
+                <a:t>Films</a:t>
+              </a:r>
+            </a:p>
+          </p:txBody>
+        </p:sp>
+        <p:sp>
+          <p:nvSpPr>
+            <p:cNvPr id="7" name="Rectangle 6">
+              <a:extLst>
+                <a:ext uri="{FF2B5EF4-FFF2-40B4-BE49-F238E27FC236}">
+                  <a16:creationId xmlns:a16="http://schemas.microsoft.com/office/drawing/2014/main" id="{773D13E0-8A2A-AA67-6C63-0424CC326538}"/>
+                </a:ext>
+              </a:extLst>
+            </p:cNvPr>
+            <p:cNvSpPr/>
+            <p:nvPr/>
+          </p:nvSpPr>
+          <p:spPr>
+            <a:xfrm>
+              <a:off x="4317997" y="269237"/>
+              <a:ext cx="1158240" cy="447040"/>
+            </a:xfrm>
+            <a:prstGeom prst="rect">
+              <a:avLst/>
+            </a:prstGeom>
+            <a:solidFill>
+              <a:schemeClr val="bg1"/>
+            </a:solidFill>
+          </p:spPr>
+          <p:style>
+            <a:lnRef idx="2">
+              <a:schemeClr val="accent1">
+                <a:shade val="50000"/>
+              </a:schemeClr>
+            </a:lnRef>
+            <a:fillRef idx="1">
+              <a:schemeClr val="accent1"/>
+            </a:fillRef>
+            <a:effectRef idx="0">
+              <a:schemeClr val="accent1"/>
+            </a:effectRef>
+            <a:fontRef idx="minor">
+              <a:schemeClr val="lt1"/>
+            </a:fontRef>
+          </p:style>
+          <p:txBody>
+            <a:bodyPr lIns="91440" tIns="45720" rIns="91440" bIns="45720" rtlCol="0" anchor="ctr"/>
+            <a:lstStyle/>
+            <a:p>
+              <a:pPr algn="ctr"/>
+              <a:r>
+                <a:rPr lang="fr-FR">
+                  <a:solidFill>
+                    <a:srgbClr val="000000"/>
+                  </a:solidFill>
+                  <a:cs typeface="Calibri"/>
+                </a:rPr>
+                <a:t>Séries</a:t>
+              </a:r>
+            </a:p>
+          </p:txBody>
+        </p:sp>
+        <p:sp>
+          <p:nvSpPr>
+            <p:cNvPr id="2" name="Rectangle 1">
+              <a:extLst>
+                <a:ext uri="{FF2B5EF4-FFF2-40B4-BE49-F238E27FC236}">
+                  <a16:creationId xmlns:a16="http://schemas.microsoft.com/office/drawing/2014/main" id="{31E46385-E87E-13D4-55E4-0888F1876B8F}"/>
+                </a:ext>
+              </a:extLst>
+            </p:cNvPr>
+            <p:cNvSpPr/>
+            <p:nvPr/>
+          </p:nvSpPr>
+          <p:spPr>
+            <a:xfrm>
+              <a:off x="9438640" y="289560"/>
+              <a:ext cx="2367280" cy="396240"/>
+            </a:xfrm>
+            <a:prstGeom prst="rect">
+              <a:avLst/>
+            </a:prstGeom>
+            <a:solidFill>
+              <a:schemeClr val="bg1"/>
+            </a:solidFill>
+          </p:spPr>
+          <p:style>
+            <a:lnRef idx="2">
+              <a:schemeClr val="accent1">
+                <a:shade val="50000"/>
+              </a:schemeClr>
+            </a:lnRef>
+            <a:fillRef idx="1">
+              <a:schemeClr val="accent1"/>
+            </a:fillRef>
+            <a:effectRef idx="0">
+              <a:schemeClr val="accent1"/>
+            </a:effectRef>
+            <a:fontRef idx="minor">
+              <a:schemeClr val="lt1"/>
+            </a:fontRef>
+          </p:style>
+          <p:txBody>
+            <a:bodyPr rtlCol="0" anchor="ctr"/>
+            <a:lstStyle/>
+            <a:p>
+              <a:pPr algn="ctr"/>
+              <a:r>
+                <a:rPr lang="fr-FR">
+                  <a:solidFill>
+                    <a:srgbClr val="000000"/>
+                  </a:solidFill>
+                  <a:cs typeface="Calibri"/>
+                </a:rPr>
+                <a:t>Se connecter</a:t>
+              </a:r>
+              <a:endParaRPr lang="fr-FR">
+                <a:solidFill>
+                  <a:srgbClr val="000000"/>
+                </a:solidFill>
+              </a:endParaRPr>
+            </a:p>
+          </p:txBody>
+        </p:sp>
+        <p:sp>
+          <p:nvSpPr>
+            <p:cNvPr id="8" name="Ellipse 7">
+              <a:extLst>
+                <a:ext uri="{FF2B5EF4-FFF2-40B4-BE49-F238E27FC236}">
+                  <a16:creationId xmlns:a16="http://schemas.microsoft.com/office/drawing/2014/main" id="{9056594E-5061-D04C-A322-0AC6E858DC96}"/>
+                </a:ext>
+              </a:extLst>
+            </p:cNvPr>
+            <p:cNvSpPr/>
+            <p:nvPr/>
+          </p:nvSpPr>
+          <p:spPr>
+            <a:xfrm>
+              <a:off x="315595" y="259715"/>
+              <a:ext cx="975360" cy="447040"/>
+            </a:xfrm>
+            <a:prstGeom prst="ellipse">
+              <a:avLst/>
+            </a:prstGeom>
+            <a:solidFill>
+              <a:schemeClr val="bg1"/>
+            </a:solidFill>
+          </p:spPr>
+          <p:style>
+            <a:lnRef idx="2">
+              <a:schemeClr val="accent1">
+                <a:shade val="50000"/>
+              </a:schemeClr>
+            </a:lnRef>
+            <a:fillRef idx="1">
+              <a:schemeClr val="accent1"/>
+            </a:fillRef>
+            <a:effectRef idx="0">
+              <a:schemeClr val="accent1"/>
+            </a:effectRef>
+            <a:fontRef idx="minor">
+              <a:schemeClr val="lt1"/>
+            </a:fontRef>
+          </p:style>
+          <p:txBody>
+            <a:bodyPr rtlCol="0" anchor="ctr"/>
+            <a:lstStyle/>
+            <a:p>
+              <a:pPr algn="ctr"/>
+              <a:r>
+                <a:rPr lang="fr-FR">
+                  <a:solidFill>
+                    <a:srgbClr val="000000"/>
+                  </a:solidFill>
+                  <a:cs typeface="Calibri"/>
+                </a:rPr>
+                <a:t>Logo</a:t>
+              </a:r>
+              <a:endParaRPr lang="fr-FR">
+                <a:solidFill>
+                  <a:srgbClr val="000000"/>
+                </a:solidFill>
+              </a:endParaRPr>
+            </a:p>
+          </p:txBody>
+        </p:sp>
+      </p:grpSp>
+      <p:sp>
+        <p:nvSpPr>
+          <p:cNvPr id="9" name="Rectangle 8">
+            <a:extLst>
+              <a:ext uri="{FF2B5EF4-FFF2-40B4-BE49-F238E27FC236}">
+                <a16:creationId xmlns:a16="http://schemas.microsoft.com/office/drawing/2014/main" id="{75A89977-E4CF-5E8F-9E3C-B192B1507F89}"/>
               </a:ext>
             </a:extLst>
           </p:cNvPr>
@@ -7335,17 +11861,12 @@
         </p:nvSpPr>
         <p:spPr>
           <a:xfrm>
-            <a:off x="339437" y="87746"/>
-            <a:ext cx="11569930" cy="6660803"/>
-          </a:xfrm>
-          <a:prstGeom prst="roundRect">
+            <a:off x="1007110" y="1256030"/>
+            <a:ext cx="9966960" cy="2052320"/>
+          </a:xfrm>
+          <a:prstGeom prst="rect">
             <a:avLst/>
           </a:prstGeom>
-          <a:solidFill>
-            <a:schemeClr val="bg1">
-              <a:lumMod val="95000"/>
-            </a:schemeClr>
-          </a:solidFill>
         </p:spPr>
         <p:style>
           <a:lnRef idx="2">
@@ -7372,22 +11893,21 @@
           </a:bodyPr>
           <a:lstStyle/>
           <a:p>
-            <a:pPr algn="ctr"/>
-            <a:r>
-              <a:rPr lang="fr-FR" sz="3600">
-                <a:cs typeface="Calibri"/>
+            <a:r>
+              <a:rPr lang="fr-FR">
+                <a:cs typeface="Calibri" panose="020F0502020204030204"/>
               </a:rPr>
-              <a:t>INSCRIPTION</a:t>
-            </a:r>
-          </a:p>
-        </p:txBody>
-      </p:sp>
-      <p:sp>
-        <p:nvSpPr>
-          <p:cNvPr id="3" name="Rectangle 2">
-            <a:extLst>
-              <a:ext uri="{FF2B5EF4-FFF2-40B4-BE49-F238E27FC236}">
-                <a16:creationId xmlns:a16="http://schemas.microsoft.com/office/drawing/2014/main" id="{79D81ADD-B400-E075-2BC9-2FA937387615}"/>
+              <a:t>DECOUVRIR SERIES</a:t>
+            </a:r>
+          </a:p>
+        </p:txBody>
+      </p:sp>
+      <p:sp>
+        <p:nvSpPr>
+          <p:cNvPr id="10" name="Rectangle 9">
+            <a:extLst>
+              <a:ext uri="{FF2B5EF4-FFF2-40B4-BE49-F238E27FC236}">
+                <a16:creationId xmlns:a16="http://schemas.microsoft.com/office/drawing/2014/main" id="{E82ACEA3-7655-8449-D679-96E78A031FCE}"/>
               </a:ext>
             </a:extLst>
           </p:cNvPr>
@@ -7396,546 +11916,10 @@
         </p:nvSpPr>
         <p:spPr>
           <a:xfrm>
-            <a:off x="2229772" y="1359021"/>
-            <a:ext cx="3527321" cy="392918"/>
+            <a:off x="1007109" y="3511549"/>
+            <a:ext cx="9966960" cy="2052320"/>
           </a:xfrm>
           <a:prstGeom prst="rect">
-            <a:avLst/>
-          </a:prstGeom>
-        </p:spPr>
-        <p:style>
-          <a:lnRef idx="2">
-            <a:schemeClr val="dk1"/>
-          </a:lnRef>
-          <a:fillRef idx="1">
-            <a:schemeClr val="lt1"/>
-          </a:fillRef>
-          <a:effectRef idx="0">
-            <a:schemeClr val="dk1"/>
-          </a:effectRef>
-          <a:fontRef idx="minor">
-            <a:schemeClr val="dk1"/>
-          </a:fontRef>
-        </p:style>
-        <p:txBody>
-          <a:bodyPr rtlCol="0" anchor="ctr"/>
-          <a:lstStyle/>
-          <a:p>
-            <a:pPr algn="ctr"/>
-            <a:endParaRPr lang="fr-FR">
-              <a:cs typeface="Calibri"/>
-            </a:endParaRPr>
-          </a:p>
-        </p:txBody>
-      </p:sp>
-      <p:sp>
-        <p:nvSpPr>
-          <p:cNvPr id="4" name="Rectangle 3">
-            <a:extLst>
-              <a:ext uri="{FF2B5EF4-FFF2-40B4-BE49-F238E27FC236}">
-                <a16:creationId xmlns:a16="http://schemas.microsoft.com/office/drawing/2014/main" id="{31105FF5-8B7D-95DF-5116-7485C4501080}"/>
-              </a:ext>
-            </a:extLst>
-          </p:cNvPr>
-          <p:cNvSpPr/>
-          <p:nvPr/>
-        </p:nvSpPr>
-        <p:spPr>
-          <a:xfrm>
-            <a:off x="6580545" y="1359019"/>
-            <a:ext cx="3379838" cy="392918"/>
-          </a:xfrm>
-          <a:prstGeom prst="rect">
-            <a:avLst/>
-          </a:prstGeom>
-        </p:spPr>
-        <p:style>
-          <a:lnRef idx="2">
-            <a:schemeClr val="dk1"/>
-          </a:lnRef>
-          <a:fillRef idx="1">
-            <a:schemeClr val="lt1"/>
-          </a:fillRef>
-          <a:effectRef idx="0">
-            <a:schemeClr val="dk1"/>
-          </a:effectRef>
-          <a:fontRef idx="minor">
-            <a:schemeClr val="dk1"/>
-          </a:fontRef>
-        </p:style>
-        <p:txBody>
-          <a:bodyPr rtlCol="0" anchor="ctr"/>
-          <a:lstStyle/>
-          <a:p>
-            <a:pPr algn="ctr"/>
-            <a:endParaRPr lang="fr-FR">
-              <a:cs typeface="Calibri"/>
-            </a:endParaRPr>
-          </a:p>
-        </p:txBody>
-      </p:sp>
-      <p:sp>
-        <p:nvSpPr>
-          <p:cNvPr id="5" name="Rectangle 4">
-            <a:extLst>
-              <a:ext uri="{FF2B5EF4-FFF2-40B4-BE49-F238E27FC236}">
-                <a16:creationId xmlns:a16="http://schemas.microsoft.com/office/drawing/2014/main" id="{28C1A5DB-EF7F-E9F2-7BB5-87F5202655CD}"/>
-              </a:ext>
-            </a:extLst>
-          </p:cNvPr>
-          <p:cNvSpPr/>
-          <p:nvPr/>
-        </p:nvSpPr>
-        <p:spPr>
-          <a:xfrm>
-            <a:off x="2229770" y="3073332"/>
-            <a:ext cx="7730612" cy="392918"/>
-          </a:xfrm>
-          <a:prstGeom prst="rect">
-            <a:avLst/>
-          </a:prstGeom>
-        </p:spPr>
-        <p:style>
-          <a:lnRef idx="2">
-            <a:schemeClr val="dk1"/>
-          </a:lnRef>
-          <a:fillRef idx="1">
-            <a:schemeClr val="lt1"/>
-          </a:fillRef>
-          <a:effectRef idx="0">
-            <a:schemeClr val="dk1"/>
-          </a:effectRef>
-          <a:fontRef idx="minor">
-            <a:schemeClr val="dk1"/>
-          </a:fontRef>
-        </p:style>
-        <p:txBody>
-          <a:bodyPr rtlCol="0" anchor="ctr"/>
-          <a:lstStyle/>
-          <a:p>
-            <a:pPr algn="ctr"/>
-            <a:endParaRPr lang="fr-FR">
-              <a:cs typeface="Calibri"/>
-            </a:endParaRPr>
-          </a:p>
-        </p:txBody>
-      </p:sp>
-      <p:sp>
-        <p:nvSpPr>
-          <p:cNvPr id="6" name="Rectangle 5">
-            <a:extLst>
-              <a:ext uri="{FF2B5EF4-FFF2-40B4-BE49-F238E27FC236}">
-                <a16:creationId xmlns:a16="http://schemas.microsoft.com/office/drawing/2014/main" id="{42D94E88-F801-7189-0F88-9E5F2D3932B7}"/>
-              </a:ext>
-            </a:extLst>
-          </p:cNvPr>
-          <p:cNvSpPr/>
-          <p:nvPr/>
-        </p:nvSpPr>
-        <p:spPr>
-          <a:xfrm>
-            <a:off x="2229769" y="4039425"/>
-            <a:ext cx="7730612" cy="392918"/>
-          </a:xfrm>
-          <a:prstGeom prst="rect">
-            <a:avLst/>
-          </a:prstGeom>
-        </p:spPr>
-        <p:style>
-          <a:lnRef idx="2">
-            <a:schemeClr val="dk1"/>
-          </a:lnRef>
-          <a:fillRef idx="1">
-            <a:schemeClr val="lt1"/>
-          </a:fillRef>
-          <a:effectRef idx="0">
-            <a:schemeClr val="dk1"/>
-          </a:effectRef>
-          <a:fontRef idx="minor">
-            <a:schemeClr val="dk1"/>
-          </a:fontRef>
-        </p:style>
-        <p:txBody>
-          <a:bodyPr rtlCol="0" anchor="ctr"/>
-          <a:lstStyle/>
-          <a:p>
-            <a:pPr algn="ctr"/>
-            <a:endParaRPr lang="fr-FR">
-              <a:cs typeface="Calibri"/>
-            </a:endParaRPr>
-          </a:p>
-        </p:txBody>
-      </p:sp>
-      <p:sp>
-        <p:nvSpPr>
-          <p:cNvPr id="7" name="Rectangle 6">
-            <a:extLst>
-              <a:ext uri="{FF2B5EF4-FFF2-40B4-BE49-F238E27FC236}">
-                <a16:creationId xmlns:a16="http://schemas.microsoft.com/office/drawing/2014/main" id="{8312EB00-F4B0-3BF1-3014-3262A2D7534F}"/>
-              </a:ext>
-            </a:extLst>
-          </p:cNvPr>
-          <p:cNvSpPr/>
-          <p:nvPr/>
-        </p:nvSpPr>
-        <p:spPr>
-          <a:xfrm>
-            <a:off x="2242058" y="4946301"/>
-            <a:ext cx="7730612" cy="392918"/>
-          </a:xfrm>
-          <a:prstGeom prst="rect">
-            <a:avLst/>
-          </a:prstGeom>
-        </p:spPr>
-        <p:style>
-          <a:lnRef idx="2">
-            <a:schemeClr val="dk1"/>
-          </a:lnRef>
-          <a:fillRef idx="1">
-            <a:schemeClr val="lt1"/>
-          </a:fillRef>
-          <a:effectRef idx="0">
-            <a:schemeClr val="dk1"/>
-          </a:effectRef>
-          <a:fontRef idx="minor">
-            <a:schemeClr val="dk1"/>
-          </a:fontRef>
-        </p:style>
-        <p:txBody>
-          <a:bodyPr rtlCol="0" anchor="ctr"/>
-          <a:lstStyle/>
-          <a:p>
-            <a:pPr algn="ctr"/>
-            <a:endParaRPr lang="fr-FR">
-              <a:cs typeface="Calibri"/>
-            </a:endParaRPr>
-          </a:p>
-        </p:txBody>
-      </p:sp>
-      <p:sp>
-        <p:nvSpPr>
-          <p:cNvPr id="8" name="ZoneTexte 7">
-            <a:extLst>
-              <a:ext uri="{FF2B5EF4-FFF2-40B4-BE49-F238E27FC236}">
-                <a16:creationId xmlns:a16="http://schemas.microsoft.com/office/drawing/2014/main" id="{77EA091A-4BC7-E33D-E314-000840EB0735}"/>
-              </a:ext>
-            </a:extLst>
-          </p:cNvPr>
-          <p:cNvSpPr txBox="1"/>
-          <p:nvPr/>
-        </p:nvSpPr>
-        <p:spPr>
-          <a:xfrm>
-            <a:off x="2244828" y="1066818"/>
-            <a:ext cx="3505199" cy="369332"/>
-          </a:xfrm>
-          <a:prstGeom prst="rect">
-            <a:avLst/>
-          </a:prstGeom>
-          <a:noFill/>
-        </p:spPr>
-        <p:txBody>
-          <a:bodyPr rot="0" spcFirstLastPara="0" vertOverflow="overflow" horzOverflow="overflow" vert="horz" wrap="square" lIns="91440" tIns="45720" rIns="91440" bIns="45720" numCol="1" spcCol="0" rtlCol="0" fromWordArt="0" anchor="t" anchorCtr="0" forceAA="0" compatLnSpc="1">
-            <a:prstTxWarp prst="textNoShape">
-              <a:avLst/>
-            </a:prstTxWarp>
-            <a:spAutoFit/>
-          </a:bodyPr>
-          <a:lstStyle/>
-          <a:p>
-            <a:pPr algn="ctr"/>
-            <a:r>
-              <a:rPr lang="fr-FR"/>
-              <a:t>Nom</a:t>
-            </a:r>
-            <a:endParaRPr lang="fr-FR">
-              <a:cs typeface="Calibri"/>
-            </a:endParaRPr>
-          </a:p>
-        </p:txBody>
-      </p:sp>
-      <p:sp>
-        <p:nvSpPr>
-          <p:cNvPr id="9" name="ZoneTexte 8">
-            <a:extLst>
-              <a:ext uri="{FF2B5EF4-FFF2-40B4-BE49-F238E27FC236}">
-                <a16:creationId xmlns:a16="http://schemas.microsoft.com/office/drawing/2014/main" id="{F776E253-0468-9008-A7CD-B5D5520CBDBE}"/>
-              </a:ext>
-            </a:extLst>
-          </p:cNvPr>
-          <p:cNvSpPr txBox="1"/>
-          <p:nvPr/>
-        </p:nvSpPr>
-        <p:spPr>
-          <a:xfrm>
-            <a:off x="6521860" y="1054526"/>
-            <a:ext cx="3505199" cy="369332"/>
-          </a:xfrm>
-          <a:prstGeom prst="rect">
-            <a:avLst/>
-          </a:prstGeom>
-          <a:noFill/>
-        </p:spPr>
-        <p:txBody>
-          <a:bodyPr rot="0" spcFirstLastPara="0" vertOverflow="overflow" horzOverflow="overflow" vert="horz" wrap="square" lIns="91440" tIns="45720" rIns="91440" bIns="45720" numCol="1" spcCol="0" rtlCol="0" fromWordArt="0" anchor="t" anchorCtr="0" forceAA="0" compatLnSpc="1">
-            <a:prstTxWarp prst="textNoShape">
-              <a:avLst/>
-            </a:prstTxWarp>
-            <a:spAutoFit/>
-          </a:bodyPr>
-          <a:lstStyle/>
-          <a:p>
-            <a:pPr algn="ctr"/>
-            <a:r>
-              <a:rPr lang="fr-FR"/>
-              <a:t>Prénom</a:t>
-            </a:r>
-            <a:endParaRPr lang="fr-FR">
-              <a:cs typeface="Calibri"/>
-            </a:endParaRPr>
-          </a:p>
-        </p:txBody>
-      </p:sp>
-      <p:sp>
-        <p:nvSpPr>
-          <p:cNvPr id="10" name="ZoneTexte 9">
-            <a:extLst>
-              <a:ext uri="{FF2B5EF4-FFF2-40B4-BE49-F238E27FC236}">
-                <a16:creationId xmlns:a16="http://schemas.microsoft.com/office/drawing/2014/main" id="{02FB3C48-5973-E3E0-77E6-F986DB71E9D8}"/>
-              </a:ext>
-            </a:extLst>
-          </p:cNvPr>
-          <p:cNvSpPr txBox="1"/>
-          <p:nvPr/>
-        </p:nvSpPr>
-        <p:spPr>
-          <a:xfrm>
-            <a:off x="2232538" y="2793419"/>
-            <a:ext cx="7733068" cy="369332"/>
-          </a:xfrm>
-          <a:prstGeom prst="rect">
-            <a:avLst/>
-          </a:prstGeom>
-          <a:noFill/>
-        </p:spPr>
-        <p:txBody>
-          <a:bodyPr rot="0" spcFirstLastPara="0" vertOverflow="overflow" horzOverflow="overflow" vert="horz" wrap="square" lIns="91440" tIns="45720" rIns="91440" bIns="45720" numCol="1" spcCol="0" rtlCol="0" fromWordArt="0" anchor="t" anchorCtr="0" forceAA="0" compatLnSpc="1">
-            <a:prstTxWarp prst="textNoShape">
-              <a:avLst/>
-            </a:prstTxWarp>
-            <a:spAutoFit/>
-          </a:bodyPr>
-          <a:lstStyle/>
-          <a:p>
-            <a:pPr algn="ctr"/>
-            <a:r>
-              <a:rPr lang="fr-FR"/>
-              <a:t>Email</a:t>
-            </a:r>
-            <a:endParaRPr lang="fr-FR">
-              <a:cs typeface="Calibri"/>
-            </a:endParaRPr>
-          </a:p>
-        </p:txBody>
-      </p:sp>
-      <p:sp>
-        <p:nvSpPr>
-          <p:cNvPr id="11" name="ZoneTexte 10">
-            <a:extLst>
-              <a:ext uri="{FF2B5EF4-FFF2-40B4-BE49-F238E27FC236}">
-                <a16:creationId xmlns:a16="http://schemas.microsoft.com/office/drawing/2014/main" id="{E9BBF7C2-27E3-2E23-FD99-36F1DDD59743}"/>
-              </a:ext>
-            </a:extLst>
-          </p:cNvPr>
-          <p:cNvSpPr txBox="1"/>
-          <p:nvPr/>
-        </p:nvSpPr>
-        <p:spPr>
-          <a:xfrm>
-            <a:off x="2232537" y="3734932"/>
-            <a:ext cx="7733068" cy="369332"/>
-          </a:xfrm>
-          <a:prstGeom prst="rect">
-            <a:avLst/>
-          </a:prstGeom>
-          <a:noFill/>
-        </p:spPr>
-        <p:txBody>
-          <a:bodyPr rot="0" spcFirstLastPara="0" vertOverflow="overflow" horzOverflow="overflow" vert="horz" wrap="square" lIns="91440" tIns="45720" rIns="91440" bIns="45720" numCol="1" spcCol="0" rtlCol="0" fromWordArt="0" anchor="t" anchorCtr="0" forceAA="0" compatLnSpc="1">
-            <a:prstTxWarp prst="textNoShape">
-              <a:avLst/>
-            </a:prstTxWarp>
-            <a:spAutoFit/>
-          </a:bodyPr>
-          <a:lstStyle/>
-          <a:p>
-            <a:pPr algn="ctr"/>
-            <a:r>
-              <a:rPr lang="fr-FR"/>
-              <a:t>Mot de passe</a:t>
-            </a:r>
-            <a:endParaRPr lang="fr-FR">
-              <a:cs typeface="Calibri"/>
-            </a:endParaRPr>
-          </a:p>
-        </p:txBody>
-      </p:sp>
-      <p:sp>
-        <p:nvSpPr>
-          <p:cNvPr id="12" name="ZoneTexte 11">
-            <a:extLst>
-              <a:ext uri="{FF2B5EF4-FFF2-40B4-BE49-F238E27FC236}">
-                <a16:creationId xmlns:a16="http://schemas.microsoft.com/office/drawing/2014/main" id="{FA7B7C8D-0B66-ABCD-A0BA-4F59F7FB13E8}"/>
-              </a:ext>
-            </a:extLst>
-          </p:cNvPr>
-          <p:cNvSpPr txBox="1"/>
-          <p:nvPr/>
-        </p:nvSpPr>
-        <p:spPr>
-          <a:xfrm>
-            <a:off x="2232536" y="4654098"/>
-            <a:ext cx="7733068" cy="369332"/>
-          </a:xfrm>
-          <a:prstGeom prst="rect">
-            <a:avLst/>
-          </a:prstGeom>
-          <a:noFill/>
-        </p:spPr>
-        <p:txBody>
-          <a:bodyPr rot="0" spcFirstLastPara="0" vertOverflow="overflow" horzOverflow="overflow" vert="horz" wrap="square" lIns="91440" tIns="45720" rIns="91440" bIns="45720" numCol="1" spcCol="0" rtlCol="0" fromWordArt="0" anchor="t" anchorCtr="0" forceAA="0" compatLnSpc="1">
-            <a:prstTxWarp prst="textNoShape">
-              <a:avLst/>
-            </a:prstTxWarp>
-            <a:spAutoFit/>
-          </a:bodyPr>
-          <a:lstStyle/>
-          <a:p>
-            <a:pPr algn="ctr"/>
-            <a:r>
-              <a:rPr lang="fr-FR"/>
-              <a:t>Confirmation de mot de passe</a:t>
-            </a:r>
-            <a:endParaRPr lang="fr-FR">
-              <a:cs typeface="Calibri"/>
-            </a:endParaRPr>
-          </a:p>
-        </p:txBody>
-      </p:sp>
-      <p:sp>
-        <p:nvSpPr>
-          <p:cNvPr id="13" name="Rectangle 12">
-            <a:extLst>
-              <a:ext uri="{FF2B5EF4-FFF2-40B4-BE49-F238E27FC236}">
-                <a16:creationId xmlns:a16="http://schemas.microsoft.com/office/drawing/2014/main" id="{EAC46B22-0B25-C9E9-9771-514E682634E4}"/>
-              </a:ext>
-            </a:extLst>
-          </p:cNvPr>
-          <p:cNvSpPr/>
-          <p:nvPr/>
-        </p:nvSpPr>
-        <p:spPr>
-          <a:xfrm>
-            <a:off x="2245880" y="5721061"/>
-            <a:ext cx="230909" cy="230909"/>
-          </a:xfrm>
-          <a:prstGeom prst="rect">
-            <a:avLst/>
-          </a:prstGeom>
-        </p:spPr>
-        <p:style>
-          <a:lnRef idx="2">
-            <a:schemeClr val="dk1"/>
-          </a:lnRef>
-          <a:fillRef idx="1">
-            <a:schemeClr val="lt1"/>
-          </a:fillRef>
-          <a:effectRef idx="0">
-            <a:schemeClr val="dk1"/>
-          </a:effectRef>
-          <a:fontRef idx="minor">
-            <a:schemeClr val="dk1"/>
-          </a:fontRef>
-        </p:style>
-        <p:txBody>
-          <a:bodyPr rtlCol="0" anchor="ctr"/>
-          <a:lstStyle/>
-          <a:p>
-            <a:pPr algn="ctr"/>
-            <a:endParaRPr lang="fr-FR"/>
-          </a:p>
-        </p:txBody>
-      </p:sp>
-      <p:sp>
-        <p:nvSpPr>
-          <p:cNvPr id="14" name="ZoneTexte 13">
-            <a:extLst>
-              <a:ext uri="{FF2B5EF4-FFF2-40B4-BE49-F238E27FC236}">
-                <a16:creationId xmlns:a16="http://schemas.microsoft.com/office/drawing/2014/main" id="{2A5BE4C0-EB2E-9E54-32B8-761ECD997F3C}"/>
-              </a:ext>
-            </a:extLst>
-          </p:cNvPr>
-          <p:cNvSpPr txBox="1"/>
-          <p:nvPr/>
-        </p:nvSpPr>
-        <p:spPr>
-          <a:xfrm>
-            <a:off x="2509628" y="5679783"/>
-            <a:ext cx="7733068" cy="338554"/>
-          </a:xfrm>
-          <a:prstGeom prst="rect">
-            <a:avLst/>
-          </a:prstGeom>
-          <a:noFill/>
-        </p:spPr>
-        <p:txBody>
-          <a:bodyPr rot="0" spcFirstLastPara="0" vertOverflow="overflow" horzOverflow="overflow" vert="horz" wrap="square" lIns="91440" tIns="45720" rIns="91440" bIns="45720" numCol="1" spcCol="0" rtlCol="0" fromWordArt="0" anchor="t" anchorCtr="0" forceAA="0" compatLnSpc="1">
-            <a:prstTxWarp prst="textNoShape">
-              <a:avLst/>
-            </a:prstTxWarp>
-            <a:spAutoFit/>
-          </a:bodyPr>
-          <a:lstStyle/>
-          <a:p>
-            <a:r>
-              <a:rPr lang="fr-FR" sz="1600" i="1"/>
-              <a:t>J'accepte les </a:t>
-            </a:r>
-            <a:r>
-              <a:rPr lang="fr-FR" sz="1600" b="1" i="1">
-                <a:solidFill>
-                  <a:srgbClr val="00B0F0"/>
-                </a:solidFill>
-              </a:rPr>
-              <a:t>termes et conditions d'utilisation</a:t>
-            </a:r>
-            <a:endParaRPr lang="fr-FR" sz="1600" b="1" i="1">
-              <a:solidFill>
-                <a:srgbClr val="00B0F0"/>
-              </a:solidFill>
-              <a:cs typeface="Calibri"/>
-            </a:endParaRPr>
-          </a:p>
-        </p:txBody>
-      </p:sp>
-      <p:sp>
-        <p:nvSpPr>
-          <p:cNvPr id="16" name="Rectangle : coins arrondis 15">
-            <a:extLst>
-              <a:ext uri="{FF2B5EF4-FFF2-40B4-BE49-F238E27FC236}">
-                <a16:creationId xmlns:a16="http://schemas.microsoft.com/office/drawing/2014/main" id="{776D0C0A-9270-AA6B-E61D-A5548E1F5DC7}"/>
-              </a:ext>
-            </a:extLst>
-          </p:cNvPr>
-          <p:cNvSpPr/>
-          <p:nvPr/>
-        </p:nvSpPr>
-        <p:spPr>
-          <a:xfrm>
-            <a:off x="7207539" y="5556539"/>
-            <a:ext cx="2759362" cy="554181"/>
-          </a:xfrm>
-          <a:prstGeom prst="roundRect">
             <a:avLst/>
           </a:prstGeom>
         </p:spPr>
@@ -7956,6 +11940,60 @@
           </a:fontRef>
         </p:style>
         <p:txBody>
+          <a:bodyPr lIns="91440" tIns="45720" rIns="91440" bIns="45720" rtlCol="0" anchor="t"/>
+          <a:lstStyle/>
+          <a:p>
+            <a:r>
+              <a:rPr lang="fr-FR">
+                <a:solidFill>
+                  <a:srgbClr val="FFFFFF"/>
+                </a:solidFill>
+                <a:latin typeface="Calibri"/>
+              </a:rPr>
+              <a:t>DECOUVRIR FILMS</a:t>
+            </a:r>
+            <a:endParaRPr lang="fr-FR">
+              <a:cs typeface="Calibri"/>
+            </a:endParaRPr>
+          </a:p>
+        </p:txBody>
+      </p:sp>
+      <p:sp>
+        <p:nvSpPr>
+          <p:cNvPr id="12" name="Rectangle 11">
+            <a:extLst>
+              <a:ext uri="{FF2B5EF4-FFF2-40B4-BE49-F238E27FC236}">
+                <a16:creationId xmlns:a16="http://schemas.microsoft.com/office/drawing/2014/main" id="{336D2EF3-485E-F901-7BD3-ACE7DFE5E3AD}"/>
+              </a:ext>
+            </a:extLst>
+          </p:cNvPr>
+          <p:cNvSpPr/>
+          <p:nvPr/>
+        </p:nvSpPr>
+        <p:spPr>
+          <a:xfrm>
+            <a:off x="1495425" y="1713865"/>
+            <a:ext cx="1300480" cy="1463040"/>
+          </a:xfrm>
+          <a:prstGeom prst="rect">
+            <a:avLst/>
+          </a:prstGeom>
+        </p:spPr>
+        <p:style>
+          <a:lnRef idx="3">
+            <a:schemeClr val="lt1"/>
+          </a:lnRef>
+          <a:fillRef idx="1">
+            <a:schemeClr val="accent4"/>
+          </a:fillRef>
+          <a:effectRef idx="1">
+            <a:schemeClr val="accent4"/>
+          </a:effectRef>
+          <a:fontRef idx="minor">
+            <a:schemeClr val="lt1"/>
+          </a:fontRef>
+        </p:style>
+        <p:txBody>
           <a:bodyPr rtlCol="0" anchor="ctr"/>
           <a:lstStyle/>
           <a:p>
@@ -7964,18 +12002,17 @@
               <a:rPr lang="fr-FR">
                 <a:cs typeface="Calibri"/>
               </a:rPr>
-              <a:t>S'inscrire</a:t>
-            </a:r>
-            <a:endParaRPr lang="fr-FR"/>
-          </a:p>
-        </p:txBody>
-      </p:sp>
-      <p:sp>
-        <p:nvSpPr>
-          <p:cNvPr id="17" name="Rectangle 16">
-            <a:extLst>
-              <a:ext uri="{FF2B5EF4-FFF2-40B4-BE49-F238E27FC236}">
-                <a16:creationId xmlns:a16="http://schemas.microsoft.com/office/drawing/2014/main" id="{6F8F2F11-1A98-9995-000A-6F3C6256AC8A}"/>
+              <a:t>SERIE 1</a:t>
+            </a:r>
+          </a:p>
+        </p:txBody>
+      </p:sp>
+      <p:sp>
+        <p:nvSpPr>
+          <p:cNvPr id="13" name="Rectangle 12">
+            <a:extLst>
+              <a:ext uri="{FF2B5EF4-FFF2-40B4-BE49-F238E27FC236}">
+                <a16:creationId xmlns:a16="http://schemas.microsoft.com/office/drawing/2014/main" id="{14C40C07-EB8F-5F2F-A147-DDE20C858A73}"/>
               </a:ext>
             </a:extLst>
           </p:cNvPr>
@@ -7984,25 +12021,569 @@
         </p:nvSpPr>
         <p:spPr>
           <a:xfrm>
-            <a:off x="2229770" y="2172785"/>
-            <a:ext cx="7730612" cy="392918"/>
+            <a:off x="3049904" y="1713864"/>
+            <a:ext cx="1300480" cy="1463040"/>
           </a:xfrm>
           <a:prstGeom prst="rect">
             <a:avLst/>
           </a:prstGeom>
         </p:spPr>
         <p:style>
-          <a:lnRef idx="2">
-            <a:schemeClr val="dk1"/>
+          <a:lnRef idx="3">
+            <a:schemeClr val="lt1"/>
           </a:lnRef>
           <a:fillRef idx="1">
+            <a:schemeClr val="accent4"/>
+          </a:fillRef>
+          <a:effectRef idx="1">
+            <a:schemeClr val="accent4"/>
+          </a:effectRef>
+          <a:fontRef idx="minor">
             <a:schemeClr val="lt1"/>
+          </a:fontRef>
+        </p:style>
+        <p:txBody>
+          <a:bodyPr lIns="91440" tIns="45720" rIns="91440" bIns="45720" rtlCol="0" anchor="ctr"/>
+          <a:lstStyle/>
+          <a:p>
+            <a:pPr algn="ctr"/>
+            <a:r>
+              <a:rPr lang="fr-FR">
+                <a:cs typeface="Calibri"/>
+              </a:rPr>
+              <a:t>SERIE 2</a:t>
+            </a:r>
+          </a:p>
+        </p:txBody>
+      </p:sp>
+      <p:sp>
+        <p:nvSpPr>
+          <p:cNvPr id="14" name="Rectangle 13">
+            <a:extLst>
+              <a:ext uri="{FF2B5EF4-FFF2-40B4-BE49-F238E27FC236}">
+                <a16:creationId xmlns:a16="http://schemas.microsoft.com/office/drawing/2014/main" id="{E144B1E4-ABDD-93E9-BA42-4EEB720E699F}"/>
+              </a:ext>
+            </a:extLst>
+          </p:cNvPr>
+          <p:cNvSpPr/>
+          <p:nvPr/>
+        </p:nvSpPr>
+        <p:spPr>
+          <a:xfrm>
+            <a:off x="4604383" y="1713863"/>
+            <a:ext cx="1300480" cy="1463040"/>
+          </a:xfrm>
+          <a:prstGeom prst="rect">
+            <a:avLst/>
+          </a:prstGeom>
+        </p:spPr>
+        <p:style>
+          <a:lnRef idx="3">
+            <a:schemeClr val="lt1"/>
+          </a:lnRef>
+          <a:fillRef idx="1">
+            <a:schemeClr val="accent4"/>
+          </a:fillRef>
+          <a:effectRef idx="1">
+            <a:schemeClr val="accent4"/>
+          </a:effectRef>
+          <a:fontRef idx="minor">
+            <a:schemeClr val="lt1"/>
+          </a:fontRef>
+        </p:style>
+        <p:txBody>
+          <a:bodyPr lIns="91440" tIns="45720" rIns="91440" bIns="45720" rtlCol="0" anchor="ctr"/>
+          <a:lstStyle/>
+          <a:p>
+            <a:pPr algn="ctr"/>
+            <a:r>
+              <a:rPr lang="fr-FR">
+                <a:cs typeface="Calibri"/>
+              </a:rPr>
+              <a:t>SERIE 3</a:t>
+            </a:r>
+          </a:p>
+        </p:txBody>
+      </p:sp>
+      <p:sp>
+        <p:nvSpPr>
+          <p:cNvPr id="15" name="Rectangle 14">
+            <a:extLst>
+              <a:ext uri="{FF2B5EF4-FFF2-40B4-BE49-F238E27FC236}">
+                <a16:creationId xmlns:a16="http://schemas.microsoft.com/office/drawing/2014/main" id="{45C1E00D-5D81-0E87-E170-C810726294F4}"/>
+              </a:ext>
+            </a:extLst>
+          </p:cNvPr>
+          <p:cNvSpPr/>
+          <p:nvPr/>
+        </p:nvSpPr>
+        <p:spPr>
+          <a:xfrm>
+            <a:off x="6158862" y="1713862"/>
+            <a:ext cx="1300480" cy="1463040"/>
+          </a:xfrm>
+          <a:prstGeom prst="rect">
+            <a:avLst/>
+          </a:prstGeom>
+        </p:spPr>
+        <p:style>
+          <a:lnRef idx="3">
+            <a:schemeClr val="lt1"/>
+          </a:lnRef>
+          <a:fillRef idx="1">
+            <a:schemeClr val="accent4"/>
+          </a:fillRef>
+          <a:effectRef idx="1">
+            <a:schemeClr val="accent4"/>
+          </a:effectRef>
+          <a:fontRef idx="minor">
+            <a:schemeClr val="lt1"/>
+          </a:fontRef>
+        </p:style>
+        <p:txBody>
+          <a:bodyPr lIns="91440" tIns="45720" rIns="91440" bIns="45720" rtlCol="0" anchor="ctr"/>
+          <a:lstStyle/>
+          <a:p>
+            <a:pPr algn="ctr"/>
+            <a:r>
+              <a:rPr lang="fr-FR">
+                <a:cs typeface="Calibri"/>
+              </a:rPr>
+              <a:t>SERIE 4</a:t>
+            </a:r>
+          </a:p>
+        </p:txBody>
+      </p:sp>
+      <p:sp>
+        <p:nvSpPr>
+          <p:cNvPr id="16" name="Rectangle 15">
+            <a:extLst>
+              <a:ext uri="{FF2B5EF4-FFF2-40B4-BE49-F238E27FC236}">
+                <a16:creationId xmlns:a16="http://schemas.microsoft.com/office/drawing/2014/main" id="{6D6659A6-1DC2-FB43-362B-C23992EDEEBB}"/>
+              </a:ext>
+            </a:extLst>
+          </p:cNvPr>
+          <p:cNvSpPr/>
+          <p:nvPr/>
+        </p:nvSpPr>
+        <p:spPr>
+          <a:xfrm>
+            <a:off x="7713341" y="1713861"/>
+            <a:ext cx="1300480" cy="1463040"/>
+          </a:xfrm>
+          <a:prstGeom prst="rect">
+            <a:avLst/>
+          </a:prstGeom>
+        </p:spPr>
+        <p:style>
+          <a:lnRef idx="3">
+            <a:schemeClr val="lt1"/>
+          </a:lnRef>
+          <a:fillRef idx="1">
+            <a:schemeClr val="accent4"/>
+          </a:fillRef>
+          <a:effectRef idx="1">
+            <a:schemeClr val="accent4"/>
+          </a:effectRef>
+          <a:fontRef idx="minor">
+            <a:schemeClr val="lt1"/>
+          </a:fontRef>
+        </p:style>
+        <p:txBody>
+          <a:bodyPr lIns="91440" tIns="45720" rIns="91440" bIns="45720" rtlCol="0" anchor="ctr"/>
+          <a:lstStyle/>
+          <a:p>
+            <a:pPr algn="ctr"/>
+            <a:r>
+              <a:rPr lang="fr-FR">
+                <a:cs typeface="Calibri"/>
+              </a:rPr>
+              <a:t>SERIE 5</a:t>
+            </a:r>
+          </a:p>
+        </p:txBody>
+      </p:sp>
+      <p:sp>
+        <p:nvSpPr>
+          <p:cNvPr id="17" name="Rectangle 16">
+            <a:extLst>
+              <a:ext uri="{FF2B5EF4-FFF2-40B4-BE49-F238E27FC236}">
+                <a16:creationId xmlns:a16="http://schemas.microsoft.com/office/drawing/2014/main" id="{A72D8058-2B2A-2CA1-784D-1574D52FDC1D}"/>
+              </a:ext>
+            </a:extLst>
+          </p:cNvPr>
+          <p:cNvSpPr/>
+          <p:nvPr/>
+        </p:nvSpPr>
+        <p:spPr>
+          <a:xfrm>
+            <a:off x="9267821" y="1713861"/>
+            <a:ext cx="1300480" cy="1463040"/>
+          </a:xfrm>
+          <a:prstGeom prst="rect">
+            <a:avLst/>
+          </a:prstGeom>
+        </p:spPr>
+        <p:style>
+          <a:lnRef idx="3">
+            <a:schemeClr val="lt1"/>
+          </a:lnRef>
+          <a:fillRef idx="1">
+            <a:schemeClr val="accent4"/>
+          </a:fillRef>
+          <a:effectRef idx="1">
+            <a:schemeClr val="accent4"/>
+          </a:effectRef>
+          <a:fontRef idx="minor">
+            <a:schemeClr val="lt1"/>
+          </a:fontRef>
+        </p:style>
+        <p:txBody>
+          <a:bodyPr lIns="91440" tIns="45720" rIns="91440" bIns="45720" rtlCol="0" anchor="ctr"/>
+          <a:lstStyle/>
+          <a:p>
+            <a:pPr algn="ctr"/>
+            <a:r>
+              <a:rPr lang="fr-FR">
+                <a:cs typeface="Calibri"/>
+              </a:rPr>
+              <a:t>SERIE 6</a:t>
+            </a:r>
+          </a:p>
+        </p:txBody>
+      </p:sp>
+      <p:sp>
+        <p:nvSpPr>
+          <p:cNvPr id="18" name="Rectangle 17">
+            <a:extLst>
+              <a:ext uri="{FF2B5EF4-FFF2-40B4-BE49-F238E27FC236}">
+                <a16:creationId xmlns:a16="http://schemas.microsoft.com/office/drawing/2014/main" id="{F6E4A9A3-8BB5-F90A-B019-48A43DA8D3A9}"/>
+              </a:ext>
+            </a:extLst>
+          </p:cNvPr>
+          <p:cNvSpPr/>
+          <p:nvPr/>
+        </p:nvSpPr>
+        <p:spPr>
+          <a:xfrm>
+            <a:off x="1485264" y="3938904"/>
+            <a:ext cx="1300480" cy="1463040"/>
+          </a:xfrm>
+          <a:prstGeom prst="rect">
+            <a:avLst/>
+          </a:prstGeom>
+        </p:spPr>
+        <p:style>
+          <a:lnRef idx="3">
+            <a:schemeClr val="lt1"/>
+          </a:lnRef>
+          <a:fillRef idx="1">
+            <a:schemeClr val="accent4"/>
+          </a:fillRef>
+          <a:effectRef idx="1">
+            <a:schemeClr val="accent4"/>
+          </a:effectRef>
+          <a:fontRef idx="minor">
+            <a:schemeClr val="lt1"/>
+          </a:fontRef>
+        </p:style>
+        <p:txBody>
+          <a:bodyPr lIns="91440" tIns="45720" rIns="91440" bIns="45720" rtlCol="0" anchor="ctr"/>
+          <a:lstStyle/>
+          <a:p>
+            <a:pPr algn="ctr"/>
+            <a:r>
+              <a:rPr lang="fr-FR">
+                <a:cs typeface="Calibri"/>
+              </a:rPr>
+              <a:t>FILM 1</a:t>
+            </a:r>
+          </a:p>
+        </p:txBody>
+      </p:sp>
+      <p:sp>
+        <p:nvSpPr>
+          <p:cNvPr id="19" name="Rectangle 18">
+            <a:extLst>
+              <a:ext uri="{FF2B5EF4-FFF2-40B4-BE49-F238E27FC236}">
+                <a16:creationId xmlns:a16="http://schemas.microsoft.com/office/drawing/2014/main" id="{1DA2E977-1203-9C27-4F66-A17C1CA345F3}"/>
+              </a:ext>
+            </a:extLst>
+          </p:cNvPr>
+          <p:cNvSpPr/>
+          <p:nvPr/>
+        </p:nvSpPr>
+        <p:spPr>
+          <a:xfrm>
+            <a:off x="3039743" y="3938903"/>
+            <a:ext cx="1300480" cy="1463040"/>
+          </a:xfrm>
+          <a:prstGeom prst="rect">
+            <a:avLst/>
+          </a:prstGeom>
+        </p:spPr>
+        <p:style>
+          <a:lnRef idx="3">
+            <a:schemeClr val="lt1"/>
+          </a:lnRef>
+          <a:fillRef idx="1">
+            <a:schemeClr val="accent4"/>
+          </a:fillRef>
+          <a:effectRef idx="1">
+            <a:schemeClr val="accent4"/>
+          </a:effectRef>
+          <a:fontRef idx="minor">
+            <a:schemeClr val="lt1"/>
+          </a:fontRef>
+        </p:style>
+        <p:txBody>
+          <a:bodyPr lIns="91440" tIns="45720" rIns="91440" bIns="45720" rtlCol="0" anchor="ctr"/>
+          <a:lstStyle/>
+          <a:p>
+            <a:pPr algn="ctr"/>
+            <a:r>
+              <a:rPr lang="fr-FR">
+                <a:cs typeface="Calibri"/>
+              </a:rPr>
+              <a:t>FILM 2</a:t>
+            </a:r>
+          </a:p>
+        </p:txBody>
+      </p:sp>
+      <p:sp>
+        <p:nvSpPr>
+          <p:cNvPr id="20" name="Rectangle 19">
+            <a:extLst>
+              <a:ext uri="{FF2B5EF4-FFF2-40B4-BE49-F238E27FC236}">
+                <a16:creationId xmlns:a16="http://schemas.microsoft.com/office/drawing/2014/main" id="{5E788EAB-B51F-7B44-7557-CD1CCD5CC236}"/>
+              </a:ext>
+            </a:extLst>
+          </p:cNvPr>
+          <p:cNvSpPr/>
+          <p:nvPr/>
+        </p:nvSpPr>
+        <p:spPr>
+          <a:xfrm>
+            <a:off x="4594222" y="3938902"/>
+            <a:ext cx="1300480" cy="1463040"/>
+          </a:xfrm>
+          <a:prstGeom prst="rect">
+            <a:avLst/>
+          </a:prstGeom>
+        </p:spPr>
+        <p:style>
+          <a:lnRef idx="3">
+            <a:schemeClr val="lt1"/>
+          </a:lnRef>
+          <a:fillRef idx="1">
+            <a:schemeClr val="accent4"/>
+          </a:fillRef>
+          <a:effectRef idx="1">
+            <a:schemeClr val="accent4"/>
+          </a:effectRef>
+          <a:fontRef idx="minor">
+            <a:schemeClr val="lt1"/>
+          </a:fontRef>
+        </p:style>
+        <p:txBody>
+          <a:bodyPr lIns="91440" tIns="45720" rIns="91440" bIns="45720" rtlCol="0" anchor="ctr"/>
+          <a:lstStyle/>
+          <a:p>
+            <a:pPr algn="ctr"/>
+            <a:r>
+              <a:rPr lang="fr-FR">
+                <a:cs typeface="Calibri"/>
+              </a:rPr>
+              <a:t>FILM 3</a:t>
+            </a:r>
+          </a:p>
+        </p:txBody>
+      </p:sp>
+      <p:sp>
+        <p:nvSpPr>
+          <p:cNvPr id="21" name="Rectangle 20">
+            <a:extLst>
+              <a:ext uri="{FF2B5EF4-FFF2-40B4-BE49-F238E27FC236}">
+                <a16:creationId xmlns:a16="http://schemas.microsoft.com/office/drawing/2014/main" id="{3014E63F-30B8-8673-00A8-A5A030BDC3DF}"/>
+              </a:ext>
+            </a:extLst>
+          </p:cNvPr>
+          <p:cNvSpPr/>
+          <p:nvPr/>
+        </p:nvSpPr>
+        <p:spPr>
+          <a:xfrm>
+            <a:off x="6148701" y="3938901"/>
+            <a:ext cx="1300480" cy="1463040"/>
+          </a:xfrm>
+          <a:prstGeom prst="rect">
+            <a:avLst/>
+          </a:prstGeom>
+        </p:spPr>
+        <p:style>
+          <a:lnRef idx="3">
+            <a:schemeClr val="lt1"/>
+          </a:lnRef>
+          <a:fillRef idx="1">
+            <a:schemeClr val="accent4"/>
+          </a:fillRef>
+          <a:effectRef idx="1">
+            <a:schemeClr val="accent4"/>
+          </a:effectRef>
+          <a:fontRef idx="minor">
+            <a:schemeClr val="lt1"/>
+          </a:fontRef>
+        </p:style>
+        <p:txBody>
+          <a:bodyPr lIns="91440" tIns="45720" rIns="91440" bIns="45720" rtlCol="0" anchor="ctr"/>
+          <a:lstStyle/>
+          <a:p>
+            <a:pPr algn="ctr"/>
+            <a:r>
+              <a:rPr lang="fr-FR">
+                <a:cs typeface="Calibri"/>
+              </a:rPr>
+              <a:t>FILM 4</a:t>
+            </a:r>
+          </a:p>
+        </p:txBody>
+      </p:sp>
+      <p:sp>
+        <p:nvSpPr>
+          <p:cNvPr id="22" name="Rectangle 21">
+            <a:extLst>
+              <a:ext uri="{FF2B5EF4-FFF2-40B4-BE49-F238E27FC236}">
+                <a16:creationId xmlns:a16="http://schemas.microsoft.com/office/drawing/2014/main" id="{307D94C7-EB18-2CD1-80EE-BF7E7D9AEBAB}"/>
+              </a:ext>
+            </a:extLst>
+          </p:cNvPr>
+          <p:cNvSpPr/>
+          <p:nvPr/>
+        </p:nvSpPr>
+        <p:spPr>
+          <a:xfrm>
+            <a:off x="7703181" y="3938901"/>
+            <a:ext cx="1300480" cy="1463040"/>
+          </a:xfrm>
+          <a:prstGeom prst="rect">
+            <a:avLst/>
+          </a:prstGeom>
+        </p:spPr>
+        <p:style>
+          <a:lnRef idx="3">
+            <a:schemeClr val="lt1"/>
+          </a:lnRef>
+          <a:fillRef idx="1">
+            <a:schemeClr val="accent4"/>
+          </a:fillRef>
+          <a:effectRef idx="1">
+            <a:schemeClr val="accent4"/>
+          </a:effectRef>
+          <a:fontRef idx="minor">
+            <a:schemeClr val="lt1"/>
+          </a:fontRef>
+        </p:style>
+        <p:txBody>
+          <a:bodyPr lIns="91440" tIns="45720" rIns="91440" bIns="45720" rtlCol="0" anchor="ctr"/>
+          <a:lstStyle/>
+          <a:p>
+            <a:pPr algn="ctr"/>
+            <a:r>
+              <a:rPr lang="fr-FR">
+                <a:cs typeface="Calibri"/>
+              </a:rPr>
+              <a:t>FILM 5</a:t>
+            </a:r>
+          </a:p>
+        </p:txBody>
+      </p:sp>
+      <p:sp>
+        <p:nvSpPr>
+          <p:cNvPr id="23" name="Rectangle 22">
+            <a:extLst>
+              <a:ext uri="{FF2B5EF4-FFF2-40B4-BE49-F238E27FC236}">
+                <a16:creationId xmlns:a16="http://schemas.microsoft.com/office/drawing/2014/main" id="{CA25827A-543D-EFFD-7B78-A73D4619C6F2}"/>
+              </a:ext>
+            </a:extLst>
+          </p:cNvPr>
+          <p:cNvSpPr/>
+          <p:nvPr/>
+        </p:nvSpPr>
+        <p:spPr>
+          <a:xfrm>
+            <a:off x="9257661" y="3938901"/>
+            <a:ext cx="1300480" cy="1463040"/>
+          </a:xfrm>
+          <a:prstGeom prst="rect">
+            <a:avLst/>
+          </a:prstGeom>
+        </p:spPr>
+        <p:style>
+          <a:lnRef idx="3">
+            <a:schemeClr val="lt1"/>
+          </a:lnRef>
+          <a:fillRef idx="1">
+            <a:schemeClr val="accent4"/>
+          </a:fillRef>
+          <a:effectRef idx="1">
+            <a:schemeClr val="accent4"/>
+          </a:effectRef>
+          <a:fontRef idx="minor">
+            <a:schemeClr val="lt1"/>
+          </a:fontRef>
+        </p:style>
+        <p:txBody>
+          <a:bodyPr lIns="91440" tIns="45720" rIns="91440" bIns="45720" rtlCol="0" anchor="ctr"/>
+          <a:lstStyle/>
+          <a:p>
+            <a:pPr algn="ctr"/>
+            <a:r>
+              <a:rPr lang="fr-FR">
+                <a:cs typeface="Calibri"/>
+              </a:rPr>
+              <a:t>FILM 6</a:t>
+            </a:r>
+          </a:p>
+        </p:txBody>
+      </p:sp>
+      <p:sp>
+        <p:nvSpPr>
+          <p:cNvPr id="24" name="Flèche : pentagone 23">
+            <a:extLst>
+              <a:ext uri="{FF2B5EF4-FFF2-40B4-BE49-F238E27FC236}">
+                <a16:creationId xmlns:a16="http://schemas.microsoft.com/office/drawing/2014/main" id="{B95DEAFF-EFAE-0064-90F4-27E8466CF443}"/>
+              </a:ext>
+            </a:extLst>
+          </p:cNvPr>
+          <p:cNvSpPr/>
+          <p:nvPr/>
+        </p:nvSpPr>
+        <p:spPr>
+          <a:xfrm>
+            <a:off x="10669016" y="4479543"/>
+            <a:ext cx="162560" cy="375920"/>
+          </a:xfrm>
+          <a:prstGeom prst="homePlate">
+            <a:avLst/>
+          </a:prstGeom>
+          <a:solidFill>
+            <a:schemeClr val="bg1"/>
+          </a:solidFill>
+        </p:spPr>
+        <p:style>
+          <a:lnRef idx="2">
+            <a:schemeClr val="accent1">
+              <a:shade val="50000"/>
+            </a:schemeClr>
+          </a:lnRef>
+          <a:fillRef idx="1">
+            <a:schemeClr val="accent1"/>
           </a:fillRef>
           <a:effectRef idx="0">
-            <a:schemeClr val="dk1"/>
+            <a:schemeClr val="accent1"/>
           </a:effectRef>
           <a:fontRef idx="minor">
-            <a:schemeClr val="dk1"/>
+            <a:schemeClr val="lt1"/>
           </a:fontRef>
         </p:style>
         <p:txBody>
@@ -8010,58 +12591,217 @@
           <a:lstStyle/>
           <a:p>
             <a:pPr algn="ctr"/>
+            <a:endParaRPr lang="fr-FR"/>
+          </a:p>
+        </p:txBody>
+      </p:sp>
+      <p:sp>
+        <p:nvSpPr>
+          <p:cNvPr id="25" name="Flèche : pentagone 24">
+            <a:extLst>
+              <a:ext uri="{FF2B5EF4-FFF2-40B4-BE49-F238E27FC236}">
+                <a16:creationId xmlns:a16="http://schemas.microsoft.com/office/drawing/2014/main" id="{0B0D2BDF-04A2-5277-4900-6B0D9BABF412}"/>
+              </a:ext>
+            </a:extLst>
+          </p:cNvPr>
+          <p:cNvSpPr/>
+          <p:nvPr/>
+        </p:nvSpPr>
+        <p:spPr>
+          <a:xfrm>
+            <a:off x="10669016" y="2284982"/>
+            <a:ext cx="162560" cy="375920"/>
+          </a:xfrm>
+          <a:prstGeom prst="homePlate">
+            <a:avLst/>
+          </a:prstGeom>
+          <a:solidFill>
+            <a:schemeClr val="bg1"/>
+          </a:solidFill>
+        </p:spPr>
+        <p:style>
+          <a:lnRef idx="2">
+            <a:schemeClr val="accent1">
+              <a:shade val="50000"/>
+            </a:schemeClr>
+          </a:lnRef>
+          <a:fillRef idx="1">
+            <a:schemeClr val="accent1"/>
+          </a:fillRef>
+          <a:effectRef idx="0">
+            <a:schemeClr val="accent1"/>
+          </a:effectRef>
+          <a:fontRef idx="minor">
+            <a:schemeClr val="lt1"/>
+          </a:fontRef>
+        </p:style>
+        <p:txBody>
+          <a:bodyPr rtlCol="0" anchor="ctr"/>
+          <a:lstStyle/>
+          <a:p>
+            <a:pPr algn="ctr"/>
+            <a:endParaRPr lang="fr-FR"/>
+          </a:p>
+        </p:txBody>
+      </p:sp>
+      <p:sp>
+        <p:nvSpPr>
+          <p:cNvPr id="26" name="Flèche : pentagone 25">
+            <a:extLst>
+              <a:ext uri="{FF2B5EF4-FFF2-40B4-BE49-F238E27FC236}">
+                <a16:creationId xmlns:a16="http://schemas.microsoft.com/office/drawing/2014/main" id="{2E8DA99F-7930-48B6-0D31-F7AF73F7B9B0}"/>
+              </a:ext>
+            </a:extLst>
+          </p:cNvPr>
+          <p:cNvSpPr/>
+          <p:nvPr/>
+        </p:nvSpPr>
+        <p:spPr>
+          <a:xfrm rot="10800000">
+            <a:off x="1133989" y="4479543"/>
+            <a:ext cx="162560" cy="375920"/>
+          </a:xfrm>
+          <a:prstGeom prst="homePlate">
+            <a:avLst/>
+          </a:prstGeom>
+          <a:solidFill>
+            <a:schemeClr val="bg1"/>
+          </a:solidFill>
+        </p:spPr>
+        <p:style>
+          <a:lnRef idx="2">
+            <a:schemeClr val="accent1">
+              <a:shade val="50000"/>
+            </a:schemeClr>
+          </a:lnRef>
+          <a:fillRef idx="1">
+            <a:schemeClr val="accent1"/>
+          </a:fillRef>
+          <a:effectRef idx="0">
+            <a:schemeClr val="accent1"/>
+          </a:effectRef>
+          <a:fontRef idx="minor">
+            <a:schemeClr val="lt1"/>
+          </a:fontRef>
+        </p:style>
+        <p:txBody>
+          <a:bodyPr rtlCol="0" anchor="ctr"/>
+          <a:lstStyle/>
+          <a:p>
+            <a:pPr algn="ctr"/>
+            <a:endParaRPr lang="fr-FR"/>
+          </a:p>
+        </p:txBody>
+      </p:sp>
+      <p:sp>
+        <p:nvSpPr>
+          <p:cNvPr id="27" name="Flèche : pentagone 26">
+            <a:extLst>
+              <a:ext uri="{FF2B5EF4-FFF2-40B4-BE49-F238E27FC236}">
+                <a16:creationId xmlns:a16="http://schemas.microsoft.com/office/drawing/2014/main" id="{72CBDEFC-490F-2AF6-B3D4-483EDF85DDB1}"/>
+              </a:ext>
+            </a:extLst>
+          </p:cNvPr>
+          <p:cNvSpPr/>
+          <p:nvPr/>
+        </p:nvSpPr>
+        <p:spPr>
+          <a:xfrm rot="10800000">
+            <a:off x="1133989" y="2263727"/>
+            <a:ext cx="162560" cy="375920"/>
+          </a:xfrm>
+          <a:prstGeom prst="homePlate">
+            <a:avLst/>
+          </a:prstGeom>
+          <a:solidFill>
+            <a:schemeClr val="bg1"/>
+          </a:solidFill>
+        </p:spPr>
+        <p:style>
+          <a:lnRef idx="2">
+            <a:schemeClr val="accent1">
+              <a:shade val="50000"/>
+            </a:schemeClr>
+          </a:lnRef>
+          <a:fillRef idx="1">
+            <a:schemeClr val="accent1"/>
+          </a:fillRef>
+          <a:effectRef idx="0">
+            <a:schemeClr val="accent1"/>
+          </a:effectRef>
+          <a:fontRef idx="minor">
+            <a:schemeClr val="lt1"/>
+          </a:fontRef>
+        </p:style>
+        <p:txBody>
+          <a:bodyPr rtlCol="0" anchor="ctr"/>
+          <a:lstStyle/>
+          <a:p>
+            <a:pPr algn="ctr"/>
+            <a:endParaRPr lang="fr-FR"/>
+          </a:p>
+        </p:txBody>
+      </p:sp>
+      <p:sp>
+        <p:nvSpPr>
+          <p:cNvPr id="28" name="Rectangle 27">
+            <a:extLst>
+              <a:ext uri="{FF2B5EF4-FFF2-40B4-BE49-F238E27FC236}">
+                <a16:creationId xmlns:a16="http://schemas.microsoft.com/office/drawing/2014/main" id="{FF6A4160-7862-E2F8-2A69-40291CEBA7E2}"/>
+              </a:ext>
+            </a:extLst>
+          </p:cNvPr>
+          <p:cNvSpPr/>
+          <p:nvPr/>
+        </p:nvSpPr>
+        <p:spPr>
+          <a:xfrm>
+            <a:off x="1007108" y="5772564"/>
+            <a:ext cx="9966960" cy="646993"/>
+          </a:xfrm>
+          <a:prstGeom prst="rect">
+            <a:avLst/>
+          </a:prstGeom>
+        </p:spPr>
+        <p:style>
+          <a:lnRef idx="2">
+            <a:schemeClr val="accent1">
+              <a:shade val="50000"/>
+            </a:schemeClr>
+          </a:lnRef>
+          <a:fillRef idx="1">
+            <a:schemeClr val="accent1"/>
+          </a:fillRef>
+          <a:effectRef idx="0">
+            <a:schemeClr val="accent1"/>
+          </a:effectRef>
+          <a:fontRef idx="minor">
+            <a:schemeClr val="lt1"/>
+          </a:fontRef>
+        </p:style>
+        <p:txBody>
+          <a:bodyPr lIns="91440" tIns="45720" rIns="91440" bIns="45720" rtlCol="0" anchor="t"/>
+          <a:lstStyle/>
+          <a:p>
+            <a:r>
+              <a:rPr lang="fr-FR">
+                <a:solidFill>
+                  <a:srgbClr val="FFFFFF"/>
+                </a:solidFill>
+                <a:latin typeface="Calibri"/>
+              </a:rPr>
+              <a:t>DERNIERES NEWS films / séries</a:t>
+            </a:r>
             <a:endParaRPr lang="fr-FR">
               <a:cs typeface="Calibri"/>
             </a:endParaRPr>
           </a:p>
         </p:txBody>
       </p:sp>
-      <p:sp>
-        <p:nvSpPr>
-          <p:cNvPr id="18" name="ZoneTexte 17">
-            <a:extLst>
-              <a:ext uri="{FF2B5EF4-FFF2-40B4-BE49-F238E27FC236}">
-                <a16:creationId xmlns:a16="http://schemas.microsoft.com/office/drawing/2014/main" id="{C59EB301-9DDB-A2EF-2FD0-3CAE59C00296}"/>
-              </a:ext>
-            </a:extLst>
-          </p:cNvPr>
-          <p:cNvSpPr txBox="1"/>
-          <p:nvPr/>
-        </p:nvSpPr>
-        <p:spPr>
-          <a:xfrm>
-            <a:off x="2232538" y="1892873"/>
-            <a:ext cx="7733068" cy="369332"/>
-          </a:xfrm>
-          <a:prstGeom prst="rect">
-            <a:avLst/>
-          </a:prstGeom>
-          <a:noFill/>
-        </p:spPr>
-        <p:txBody>
-          <a:bodyPr rot="0" spcFirstLastPara="0" vertOverflow="overflow" horzOverflow="overflow" vert="horz" wrap="square" lIns="91440" tIns="45720" rIns="91440" bIns="45720" numCol="1" spcCol="0" rtlCol="0" fromWordArt="0" anchor="t" anchorCtr="0" forceAA="0" compatLnSpc="1">
-            <a:prstTxWarp prst="textNoShape">
-              <a:avLst/>
-            </a:prstTxWarp>
-            <a:spAutoFit/>
-          </a:bodyPr>
-          <a:lstStyle/>
-          <a:p>
-            <a:pPr algn="ctr"/>
-            <a:r>
-              <a:rPr lang="fr-FR"/>
-              <a:t>Date de naissance</a:t>
-            </a:r>
-            <a:endParaRPr lang="fr-FR">
-              <a:cs typeface="Calibri"/>
-            </a:endParaRPr>
-          </a:p>
-        </p:txBody>
-      </p:sp>
     </p:spTree>
     <p:extLst>
       <p:ext uri="{BB962C8B-B14F-4D97-AF65-F5344CB8AC3E}">
-        <p14:creationId xmlns:p14="http://schemas.microsoft.com/office/powerpoint/2010/main" val="152930187"/>
+        <p14:creationId xmlns:p14="http://schemas.microsoft.com/office/powerpoint/2010/main" val="91787558"/>
       </p:ext>
     </p:extLst>
   </p:cSld>
@@ -8090,10 +12830,10 @@
       </p:grpSpPr>
       <p:sp>
         <p:nvSpPr>
-          <p:cNvPr id="3" name="Rectangle 2">
-            <a:extLst>
-              <a:ext uri="{FF2B5EF4-FFF2-40B4-BE49-F238E27FC236}">
-                <a16:creationId xmlns:a16="http://schemas.microsoft.com/office/drawing/2014/main" id="{93E34F92-0D3E-2848-0D57-4249FF868880}"/>
+          <p:cNvPr id="2" name="Rectangle : coins arrondis 1">
+            <a:extLst>
+              <a:ext uri="{FF2B5EF4-FFF2-40B4-BE49-F238E27FC236}">
+                <a16:creationId xmlns:a16="http://schemas.microsoft.com/office/drawing/2014/main" id="{59028AFE-893D-3809-CDC1-B4A49123E134}"/>
               </a:ext>
             </a:extLst>
           </p:cNvPr>
@@ -8102,12 +12842,17 @@
         </p:nvSpPr>
         <p:spPr>
           <a:xfrm>
-            <a:off x="213360" y="198120"/>
-            <a:ext cx="11755120" cy="579120"/>
-          </a:xfrm>
-          <a:prstGeom prst="rect">
+            <a:off x="339437" y="87746"/>
+            <a:ext cx="11569930" cy="6660803"/>
+          </a:xfrm>
+          <a:prstGeom prst="roundRect">
             <a:avLst/>
           </a:prstGeom>
+          <a:solidFill>
+            <a:schemeClr val="bg1">
+              <a:lumMod val="95000"/>
+            </a:schemeClr>
+          </a:solidFill>
         </p:spPr>
         <p:style>
           <a:lnRef idx="2">
@@ -8126,7 +12871,61 @@
           </a:fontRef>
         </p:style>
         <p:txBody>
-          <a:bodyPr lIns="91440" tIns="45720" rIns="91440" bIns="45720" rtlCol="0" anchor="ctr"/>
+          <a:bodyPr rot="0" spcFirstLastPara="0" vertOverflow="overflow" horzOverflow="overflow" vert="horz" wrap="square" lIns="91440" tIns="45720" rIns="91440" bIns="45720" numCol="1" spcCol="0" rtlCol="0" fromWordArt="0" anchor="t" anchorCtr="0" forceAA="0" compatLnSpc="1">
+            <a:prstTxWarp prst="textNoShape">
+              <a:avLst/>
+            </a:prstTxWarp>
+            <a:noAutofit/>
+          </a:bodyPr>
+          <a:lstStyle/>
+          <a:p>
+            <a:pPr algn="ctr"/>
+            <a:r>
+              <a:rPr lang="fr-FR" sz="3600">
+                <a:cs typeface="Calibri"/>
+              </a:rPr>
+              <a:t>INSCRIPTION</a:t>
+            </a:r>
+          </a:p>
+        </p:txBody>
+      </p:sp>
+      <p:sp>
+        <p:nvSpPr>
+          <p:cNvPr id="3" name="Rectangle 2">
+            <a:extLst>
+              <a:ext uri="{FF2B5EF4-FFF2-40B4-BE49-F238E27FC236}">
+                <a16:creationId xmlns:a16="http://schemas.microsoft.com/office/drawing/2014/main" id="{79D81ADD-B400-E075-2BC9-2FA937387615}"/>
+              </a:ext>
+            </a:extLst>
+          </p:cNvPr>
+          <p:cNvSpPr/>
+          <p:nvPr/>
+        </p:nvSpPr>
+        <p:spPr>
+          <a:xfrm>
+            <a:off x="2229772" y="1359021"/>
+            <a:ext cx="3527321" cy="392918"/>
+          </a:xfrm>
+          <a:prstGeom prst="rect">
+            <a:avLst/>
+          </a:prstGeom>
+        </p:spPr>
+        <p:style>
+          <a:lnRef idx="2">
+            <a:schemeClr val="dk1"/>
+          </a:lnRef>
+          <a:fillRef idx="1">
+            <a:schemeClr val="lt1"/>
+          </a:fillRef>
+          <a:effectRef idx="0">
+            <a:schemeClr val="dk1"/>
+          </a:effectRef>
+          <a:fontRef idx="minor">
+            <a:schemeClr val="dk1"/>
+          </a:fontRef>
+        </p:style>
+        <p:txBody>
+          <a:bodyPr rtlCol="0" anchor="ctr"/>
           <a:lstStyle/>
           <a:p>
             <a:pPr algn="ctr"/>
@@ -8138,10 +12937,10 @@
       </p:sp>
       <p:sp>
         <p:nvSpPr>
-          <p:cNvPr id="5" name="Rectangle 4">
-            <a:extLst>
-              <a:ext uri="{FF2B5EF4-FFF2-40B4-BE49-F238E27FC236}">
-                <a16:creationId xmlns:a16="http://schemas.microsoft.com/office/drawing/2014/main" id="{9994A2AC-5538-0EF9-E7DC-5D7EBF6596E6}"/>
+          <p:cNvPr id="4" name="Rectangle 3">
+            <a:extLst>
+              <a:ext uri="{FF2B5EF4-FFF2-40B4-BE49-F238E27FC236}">
+                <a16:creationId xmlns:a16="http://schemas.microsoft.com/office/drawing/2014/main" id="{31105FF5-8B7D-95DF-5116-7485C4501080}"/>
               </a:ext>
             </a:extLst>
           </p:cNvPr>
@@ -8150,15 +12949,502 @@
         </p:nvSpPr>
         <p:spPr>
           <a:xfrm>
-            <a:off x="6096000" y="259080"/>
-            <a:ext cx="2367280" cy="447040"/>
+            <a:off x="6580545" y="1359019"/>
+            <a:ext cx="3379838" cy="392918"/>
           </a:xfrm>
           <a:prstGeom prst="rect">
             <a:avLst/>
           </a:prstGeom>
-          <a:solidFill>
-            <a:schemeClr val="bg1"/>
-          </a:solidFill>
+        </p:spPr>
+        <p:style>
+          <a:lnRef idx="2">
+            <a:schemeClr val="dk1"/>
+          </a:lnRef>
+          <a:fillRef idx="1">
+            <a:schemeClr val="lt1"/>
+          </a:fillRef>
+          <a:effectRef idx="0">
+            <a:schemeClr val="dk1"/>
+          </a:effectRef>
+          <a:fontRef idx="minor">
+            <a:schemeClr val="dk1"/>
+          </a:fontRef>
+        </p:style>
+        <p:txBody>
+          <a:bodyPr rtlCol="0" anchor="ctr"/>
+          <a:lstStyle/>
+          <a:p>
+            <a:pPr algn="ctr"/>
+            <a:endParaRPr lang="fr-FR">
+              <a:cs typeface="Calibri"/>
+            </a:endParaRPr>
+          </a:p>
+        </p:txBody>
+      </p:sp>
+      <p:sp>
+        <p:nvSpPr>
+          <p:cNvPr id="5" name="Rectangle 4">
+            <a:extLst>
+              <a:ext uri="{FF2B5EF4-FFF2-40B4-BE49-F238E27FC236}">
+                <a16:creationId xmlns:a16="http://schemas.microsoft.com/office/drawing/2014/main" id="{28C1A5DB-EF7F-E9F2-7BB5-87F5202655CD}"/>
+              </a:ext>
+            </a:extLst>
+          </p:cNvPr>
+          <p:cNvSpPr/>
+          <p:nvPr/>
+        </p:nvSpPr>
+        <p:spPr>
+          <a:xfrm>
+            <a:off x="2229770" y="2790303"/>
+            <a:ext cx="7730612" cy="392918"/>
+          </a:xfrm>
+          <a:prstGeom prst="rect">
+            <a:avLst/>
+          </a:prstGeom>
+        </p:spPr>
+        <p:style>
+          <a:lnRef idx="2">
+            <a:schemeClr val="dk1"/>
+          </a:lnRef>
+          <a:fillRef idx="1">
+            <a:schemeClr val="lt1"/>
+          </a:fillRef>
+          <a:effectRef idx="0">
+            <a:schemeClr val="dk1"/>
+          </a:effectRef>
+          <a:fontRef idx="minor">
+            <a:schemeClr val="dk1"/>
+          </a:fontRef>
+        </p:style>
+        <p:txBody>
+          <a:bodyPr rtlCol="0" anchor="ctr"/>
+          <a:lstStyle/>
+          <a:p>
+            <a:pPr algn="ctr"/>
+            <a:endParaRPr lang="fr-FR">
+              <a:cs typeface="Calibri"/>
+            </a:endParaRPr>
+          </a:p>
+        </p:txBody>
+      </p:sp>
+      <p:sp>
+        <p:nvSpPr>
+          <p:cNvPr id="6" name="Rectangle 5">
+            <a:extLst>
+              <a:ext uri="{FF2B5EF4-FFF2-40B4-BE49-F238E27FC236}">
+                <a16:creationId xmlns:a16="http://schemas.microsoft.com/office/drawing/2014/main" id="{42D94E88-F801-7189-0F88-9E5F2D3932B7}"/>
+              </a:ext>
+            </a:extLst>
+          </p:cNvPr>
+          <p:cNvSpPr/>
+          <p:nvPr/>
+        </p:nvSpPr>
+        <p:spPr>
+          <a:xfrm>
+            <a:off x="2229769" y="4148282"/>
+            <a:ext cx="7730612" cy="392918"/>
+          </a:xfrm>
+          <a:prstGeom prst="rect">
+            <a:avLst/>
+          </a:prstGeom>
+        </p:spPr>
+        <p:style>
+          <a:lnRef idx="2">
+            <a:schemeClr val="dk1"/>
+          </a:lnRef>
+          <a:fillRef idx="1">
+            <a:schemeClr val="lt1"/>
+          </a:fillRef>
+          <a:effectRef idx="0">
+            <a:schemeClr val="dk1"/>
+          </a:effectRef>
+          <a:fontRef idx="minor">
+            <a:schemeClr val="dk1"/>
+          </a:fontRef>
+        </p:style>
+        <p:txBody>
+          <a:bodyPr rtlCol="0" anchor="ctr"/>
+          <a:lstStyle/>
+          <a:p>
+            <a:pPr algn="ctr"/>
+            <a:endParaRPr lang="fr-FR">
+              <a:cs typeface="Calibri"/>
+            </a:endParaRPr>
+          </a:p>
+        </p:txBody>
+      </p:sp>
+      <p:sp>
+        <p:nvSpPr>
+          <p:cNvPr id="7" name="Rectangle 6">
+            <a:extLst>
+              <a:ext uri="{FF2B5EF4-FFF2-40B4-BE49-F238E27FC236}">
+                <a16:creationId xmlns:a16="http://schemas.microsoft.com/office/drawing/2014/main" id="{8312EB00-F4B0-3BF1-3014-3262A2D7534F}"/>
+              </a:ext>
+            </a:extLst>
+          </p:cNvPr>
+          <p:cNvSpPr/>
+          <p:nvPr/>
+        </p:nvSpPr>
+        <p:spPr>
+          <a:xfrm>
+            <a:off x="2242058" y="4946301"/>
+            <a:ext cx="7730612" cy="392918"/>
+          </a:xfrm>
+          <a:prstGeom prst="rect">
+            <a:avLst/>
+          </a:prstGeom>
+        </p:spPr>
+        <p:style>
+          <a:lnRef idx="2">
+            <a:schemeClr val="dk1"/>
+          </a:lnRef>
+          <a:fillRef idx="1">
+            <a:schemeClr val="lt1"/>
+          </a:fillRef>
+          <a:effectRef idx="0">
+            <a:schemeClr val="dk1"/>
+          </a:effectRef>
+          <a:fontRef idx="minor">
+            <a:schemeClr val="dk1"/>
+          </a:fontRef>
+        </p:style>
+        <p:txBody>
+          <a:bodyPr rtlCol="0" anchor="ctr"/>
+          <a:lstStyle/>
+          <a:p>
+            <a:pPr algn="ctr"/>
+            <a:endParaRPr lang="fr-FR">
+              <a:cs typeface="Calibri"/>
+            </a:endParaRPr>
+          </a:p>
+        </p:txBody>
+      </p:sp>
+      <p:sp>
+        <p:nvSpPr>
+          <p:cNvPr id="8" name="ZoneTexte 7">
+            <a:extLst>
+              <a:ext uri="{FF2B5EF4-FFF2-40B4-BE49-F238E27FC236}">
+                <a16:creationId xmlns:a16="http://schemas.microsoft.com/office/drawing/2014/main" id="{77EA091A-4BC7-E33D-E314-000840EB0735}"/>
+              </a:ext>
+            </a:extLst>
+          </p:cNvPr>
+          <p:cNvSpPr txBox="1"/>
+          <p:nvPr/>
+        </p:nvSpPr>
+        <p:spPr>
+          <a:xfrm>
+            <a:off x="2244828" y="1066818"/>
+            <a:ext cx="3505199" cy="369332"/>
+          </a:xfrm>
+          <a:prstGeom prst="rect">
+            <a:avLst/>
+          </a:prstGeom>
+          <a:noFill/>
+        </p:spPr>
+        <p:txBody>
+          <a:bodyPr rot="0" spcFirstLastPara="0" vertOverflow="overflow" horzOverflow="overflow" vert="horz" wrap="square" lIns="91440" tIns="45720" rIns="91440" bIns="45720" numCol="1" spcCol="0" rtlCol="0" fromWordArt="0" anchor="t" anchorCtr="0" forceAA="0" compatLnSpc="1">
+            <a:prstTxWarp prst="textNoShape">
+              <a:avLst/>
+            </a:prstTxWarp>
+            <a:spAutoFit/>
+          </a:bodyPr>
+          <a:lstStyle/>
+          <a:p>
+            <a:pPr algn="ctr"/>
+            <a:r>
+              <a:rPr lang="fr-FR"/>
+              <a:t>Nom</a:t>
+            </a:r>
+            <a:endParaRPr lang="fr-FR">
+              <a:cs typeface="Calibri"/>
+            </a:endParaRPr>
+          </a:p>
+        </p:txBody>
+      </p:sp>
+      <p:sp>
+        <p:nvSpPr>
+          <p:cNvPr id="9" name="ZoneTexte 8">
+            <a:extLst>
+              <a:ext uri="{FF2B5EF4-FFF2-40B4-BE49-F238E27FC236}">
+                <a16:creationId xmlns:a16="http://schemas.microsoft.com/office/drawing/2014/main" id="{F776E253-0468-9008-A7CD-B5D5520CBDBE}"/>
+              </a:ext>
+            </a:extLst>
+          </p:cNvPr>
+          <p:cNvSpPr txBox="1"/>
+          <p:nvPr/>
+        </p:nvSpPr>
+        <p:spPr>
+          <a:xfrm>
+            <a:off x="6521860" y="1054526"/>
+            <a:ext cx="3505199" cy="369332"/>
+          </a:xfrm>
+          <a:prstGeom prst="rect">
+            <a:avLst/>
+          </a:prstGeom>
+          <a:noFill/>
+        </p:spPr>
+        <p:txBody>
+          <a:bodyPr rot="0" spcFirstLastPara="0" vertOverflow="overflow" horzOverflow="overflow" vert="horz" wrap="square" lIns="91440" tIns="45720" rIns="91440" bIns="45720" numCol="1" spcCol="0" rtlCol="0" fromWordArt="0" anchor="t" anchorCtr="0" forceAA="0" compatLnSpc="1">
+            <a:prstTxWarp prst="textNoShape">
+              <a:avLst/>
+            </a:prstTxWarp>
+            <a:spAutoFit/>
+          </a:bodyPr>
+          <a:lstStyle/>
+          <a:p>
+            <a:pPr algn="ctr"/>
+            <a:r>
+              <a:rPr lang="fr-FR"/>
+              <a:t>Prénom</a:t>
+            </a:r>
+            <a:endParaRPr lang="fr-FR">
+              <a:cs typeface="Calibri"/>
+            </a:endParaRPr>
+          </a:p>
+        </p:txBody>
+      </p:sp>
+      <p:sp>
+        <p:nvSpPr>
+          <p:cNvPr id="10" name="ZoneTexte 9">
+            <a:extLst>
+              <a:ext uri="{FF2B5EF4-FFF2-40B4-BE49-F238E27FC236}">
+                <a16:creationId xmlns:a16="http://schemas.microsoft.com/office/drawing/2014/main" id="{02FB3C48-5973-E3E0-77E6-F986DB71E9D8}"/>
+              </a:ext>
+            </a:extLst>
+          </p:cNvPr>
+          <p:cNvSpPr txBox="1"/>
+          <p:nvPr/>
+        </p:nvSpPr>
+        <p:spPr>
+          <a:xfrm>
+            <a:off x="2232538" y="2510390"/>
+            <a:ext cx="7733068" cy="369332"/>
+          </a:xfrm>
+          <a:prstGeom prst="rect">
+            <a:avLst/>
+          </a:prstGeom>
+          <a:noFill/>
+        </p:spPr>
+        <p:txBody>
+          <a:bodyPr rot="0" spcFirstLastPara="0" vertOverflow="overflow" horzOverflow="overflow" vert="horz" wrap="square" lIns="91440" tIns="45720" rIns="91440" bIns="45720" numCol="1" spcCol="0" rtlCol="0" fromWordArt="0" anchor="t" anchorCtr="0" forceAA="0" compatLnSpc="1">
+            <a:prstTxWarp prst="textNoShape">
+              <a:avLst/>
+            </a:prstTxWarp>
+            <a:spAutoFit/>
+          </a:bodyPr>
+          <a:lstStyle/>
+          <a:p>
+            <a:pPr algn="ctr"/>
+            <a:r>
+              <a:rPr lang="fr-FR"/>
+              <a:t>Email</a:t>
+            </a:r>
+            <a:endParaRPr lang="fr-FR">
+              <a:cs typeface="Calibri"/>
+            </a:endParaRPr>
+          </a:p>
+        </p:txBody>
+      </p:sp>
+      <p:sp>
+        <p:nvSpPr>
+          <p:cNvPr id="11" name="ZoneTexte 10">
+            <a:extLst>
+              <a:ext uri="{FF2B5EF4-FFF2-40B4-BE49-F238E27FC236}">
+                <a16:creationId xmlns:a16="http://schemas.microsoft.com/office/drawing/2014/main" id="{E9BBF7C2-27E3-2E23-FD99-36F1DDD59743}"/>
+              </a:ext>
+            </a:extLst>
+          </p:cNvPr>
+          <p:cNvSpPr txBox="1"/>
+          <p:nvPr/>
+        </p:nvSpPr>
+        <p:spPr>
+          <a:xfrm>
+            <a:off x="2232537" y="3843789"/>
+            <a:ext cx="7733068" cy="369332"/>
+          </a:xfrm>
+          <a:prstGeom prst="rect">
+            <a:avLst/>
+          </a:prstGeom>
+          <a:noFill/>
+        </p:spPr>
+        <p:txBody>
+          <a:bodyPr rot="0" spcFirstLastPara="0" vertOverflow="overflow" horzOverflow="overflow" vert="horz" wrap="square" lIns="91440" tIns="45720" rIns="91440" bIns="45720" numCol="1" spcCol="0" rtlCol="0" fromWordArt="0" anchor="t" anchorCtr="0" forceAA="0" compatLnSpc="1">
+            <a:prstTxWarp prst="textNoShape">
+              <a:avLst/>
+            </a:prstTxWarp>
+            <a:spAutoFit/>
+          </a:bodyPr>
+          <a:lstStyle/>
+          <a:p>
+            <a:pPr algn="ctr"/>
+            <a:r>
+              <a:rPr lang="fr-FR"/>
+              <a:t>Mot de passe</a:t>
+            </a:r>
+            <a:endParaRPr lang="fr-FR">
+              <a:cs typeface="Calibri"/>
+            </a:endParaRPr>
+          </a:p>
+        </p:txBody>
+      </p:sp>
+      <p:sp>
+        <p:nvSpPr>
+          <p:cNvPr id="12" name="ZoneTexte 11">
+            <a:extLst>
+              <a:ext uri="{FF2B5EF4-FFF2-40B4-BE49-F238E27FC236}">
+                <a16:creationId xmlns:a16="http://schemas.microsoft.com/office/drawing/2014/main" id="{FA7B7C8D-0B66-ABCD-A0BA-4F59F7FB13E8}"/>
+              </a:ext>
+            </a:extLst>
+          </p:cNvPr>
+          <p:cNvSpPr txBox="1"/>
+          <p:nvPr/>
+        </p:nvSpPr>
+        <p:spPr>
+          <a:xfrm>
+            <a:off x="2232536" y="4599669"/>
+            <a:ext cx="7733068" cy="369332"/>
+          </a:xfrm>
+          <a:prstGeom prst="rect">
+            <a:avLst/>
+          </a:prstGeom>
+          <a:noFill/>
+        </p:spPr>
+        <p:txBody>
+          <a:bodyPr rot="0" spcFirstLastPara="0" vertOverflow="overflow" horzOverflow="overflow" vert="horz" wrap="square" lIns="91440" tIns="45720" rIns="91440" bIns="45720" numCol="1" spcCol="0" rtlCol="0" fromWordArt="0" anchor="t" anchorCtr="0" forceAA="0" compatLnSpc="1">
+            <a:prstTxWarp prst="textNoShape">
+              <a:avLst/>
+            </a:prstTxWarp>
+            <a:spAutoFit/>
+          </a:bodyPr>
+          <a:lstStyle/>
+          <a:p>
+            <a:pPr algn="ctr"/>
+            <a:r>
+              <a:rPr lang="fr-FR"/>
+              <a:t>Confirmation de mot de passe</a:t>
+            </a:r>
+            <a:endParaRPr lang="fr-FR">
+              <a:cs typeface="Calibri"/>
+            </a:endParaRPr>
+          </a:p>
+        </p:txBody>
+      </p:sp>
+      <p:sp>
+        <p:nvSpPr>
+          <p:cNvPr id="13" name="Rectangle 12">
+            <a:extLst>
+              <a:ext uri="{FF2B5EF4-FFF2-40B4-BE49-F238E27FC236}">
+                <a16:creationId xmlns:a16="http://schemas.microsoft.com/office/drawing/2014/main" id="{EAC46B22-0B25-C9E9-9771-514E682634E4}"/>
+              </a:ext>
+            </a:extLst>
+          </p:cNvPr>
+          <p:cNvSpPr/>
+          <p:nvPr/>
+        </p:nvSpPr>
+        <p:spPr>
+          <a:xfrm>
+            <a:off x="2245880" y="5721061"/>
+            <a:ext cx="230909" cy="230909"/>
+          </a:xfrm>
+          <a:prstGeom prst="rect">
+            <a:avLst/>
+          </a:prstGeom>
+        </p:spPr>
+        <p:style>
+          <a:lnRef idx="2">
+            <a:schemeClr val="dk1"/>
+          </a:lnRef>
+          <a:fillRef idx="1">
+            <a:schemeClr val="lt1"/>
+          </a:fillRef>
+          <a:effectRef idx="0">
+            <a:schemeClr val="dk1"/>
+          </a:effectRef>
+          <a:fontRef idx="minor">
+            <a:schemeClr val="dk1"/>
+          </a:fontRef>
+        </p:style>
+        <p:txBody>
+          <a:bodyPr rtlCol="0" anchor="ctr"/>
+          <a:lstStyle/>
+          <a:p>
+            <a:pPr algn="ctr"/>
+            <a:endParaRPr lang="fr-FR"/>
+          </a:p>
+        </p:txBody>
+      </p:sp>
+      <p:sp>
+        <p:nvSpPr>
+          <p:cNvPr id="14" name="ZoneTexte 13">
+            <a:extLst>
+              <a:ext uri="{FF2B5EF4-FFF2-40B4-BE49-F238E27FC236}">
+                <a16:creationId xmlns:a16="http://schemas.microsoft.com/office/drawing/2014/main" id="{2A5BE4C0-EB2E-9E54-32B8-761ECD997F3C}"/>
+              </a:ext>
+            </a:extLst>
+          </p:cNvPr>
+          <p:cNvSpPr txBox="1"/>
+          <p:nvPr/>
+        </p:nvSpPr>
+        <p:spPr>
+          <a:xfrm>
+            <a:off x="2509628" y="5679783"/>
+            <a:ext cx="7733068" cy="338554"/>
+          </a:xfrm>
+          <a:prstGeom prst="rect">
+            <a:avLst/>
+          </a:prstGeom>
+          <a:noFill/>
+        </p:spPr>
+        <p:txBody>
+          <a:bodyPr rot="0" spcFirstLastPara="0" vertOverflow="overflow" horzOverflow="overflow" vert="horz" wrap="square" lIns="91440" tIns="45720" rIns="91440" bIns="45720" numCol="1" spcCol="0" rtlCol="0" fromWordArt="0" anchor="t" anchorCtr="0" forceAA="0" compatLnSpc="1">
+            <a:prstTxWarp prst="textNoShape">
+              <a:avLst/>
+            </a:prstTxWarp>
+            <a:spAutoFit/>
+          </a:bodyPr>
+          <a:lstStyle/>
+          <a:p>
+            <a:r>
+              <a:rPr lang="fr-FR" sz="1600" i="1"/>
+              <a:t>J'accepte les </a:t>
+            </a:r>
+            <a:r>
+              <a:rPr lang="fr-FR" sz="1600" b="1" i="1">
+                <a:solidFill>
+                  <a:srgbClr val="00B0F0"/>
+                </a:solidFill>
+              </a:rPr>
+              <a:t>termes et conditions d'utilisation</a:t>
+            </a:r>
+            <a:endParaRPr lang="fr-FR" sz="1600" b="1" i="1">
+              <a:solidFill>
+                <a:srgbClr val="00B0F0"/>
+              </a:solidFill>
+              <a:cs typeface="Calibri"/>
+            </a:endParaRPr>
+          </a:p>
+        </p:txBody>
+      </p:sp>
+      <p:sp>
+        <p:nvSpPr>
+          <p:cNvPr id="16" name="Rectangle : coins arrondis 15">
+            <a:extLst>
+              <a:ext uri="{FF2B5EF4-FFF2-40B4-BE49-F238E27FC236}">
+                <a16:creationId xmlns:a16="http://schemas.microsoft.com/office/drawing/2014/main" id="{776D0C0A-9270-AA6B-E61D-A5548E1F5DC7}"/>
+              </a:ext>
+            </a:extLst>
+          </p:cNvPr>
+          <p:cNvSpPr/>
+          <p:nvPr/>
+        </p:nvSpPr>
+        <p:spPr>
+          <a:xfrm>
+            <a:off x="7207539" y="5556539"/>
+            <a:ext cx="2759362" cy="554181"/>
+          </a:xfrm>
+          <a:prstGeom prst="roundRect">
+            <a:avLst/>
+          </a:prstGeom>
         </p:spPr>
         <p:style>
           <a:lnRef idx="2">
@@ -8177,28 +13463,26 @@
           </a:fontRef>
         </p:style>
         <p:txBody>
-          <a:bodyPr lIns="91440" tIns="45720" rIns="91440" bIns="45720" rtlCol="0" anchor="ctr"/>
+          <a:bodyPr rtlCol="0" anchor="ctr"/>
           <a:lstStyle/>
           <a:p>
             <a:pPr algn="ctr"/>
             <a:r>
               <a:rPr lang="fr-FR">
-                <a:solidFill>
-                  <a:srgbClr val="000000"/>
-                </a:solidFill>
                 <a:cs typeface="Calibri"/>
               </a:rPr>
-              <a:t>Rechercher</a:t>
-            </a:r>
-          </a:p>
-        </p:txBody>
-      </p:sp>
-      <p:sp>
-        <p:nvSpPr>
-          <p:cNvPr id="7" name="Rectangle 6">
-            <a:extLst>
-              <a:ext uri="{FF2B5EF4-FFF2-40B4-BE49-F238E27FC236}">
-                <a16:creationId xmlns:a16="http://schemas.microsoft.com/office/drawing/2014/main" id="{4C9FFA8F-C0EE-6308-D102-F995E7E0A228}"/>
+              <a:t>S'inscrire</a:t>
+            </a:r>
+            <a:endParaRPr lang="fr-FR"/>
+          </a:p>
+        </p:txBody>
+      </p:sp>
+      <p:sp>
+        <p:nvSpPr>
+          <p:cNvPr id="17" name="Rectangle 16">
+            <a:extLst>
+              <a:ext uri="{FF2B5EF4-FFF2-40B4-BE49-F238E27FC236}">
+                <a16:creationId xmlns:a16="http://schemas.microsoft.com/office/drawing/2014/main" id="{6F8F2F11-1A98-9995-000A-6F3C6256AC8A}"/>
               </a:ext>
             </a:extLst>
           </p:cNvPr>
@@ -8207,30 +13491,25 @@
         </p:nvSpPr>
         <p:spPr>
           <a:xfrm>
-            <a:off x="1493519" y="269239"/>
-            <a:ext cx="1158240" cy="447040"/>
+            <a:off x="2229770" y="2172785"/>
+            <a:ext cx="3528727" cy="327604"/>
           </a:xfrm>
           <a:prstGeom prst="rect">
             <a:avLst/>
           </a:prstGeom>
-          <a:solidFill>
-            <a:schemeClr val="bg1"/>
-          </a:solidFill>
         </p:spPr>
         <p:style>
           <a:lnRef idx="2">
-            <a:schemeClr val="accent1">
-              <a:shade val="50000"/>
-            </a:schemeClr>
+            <a:schemeClr val="dk1"/>
           </a:lnRef>
           <a:fillRef idx="1">
-            <a:schemeClr val="accent1"/>
+            <a:schemeClr val="lt1"/>
           </a:fillRef>
           <a:effectRef idx="0">
-            <a:schemeClr val="accent1"/>
+            <a:schemeClr val="dk1"/>
           </a:effectRef>
           <a:fontRef idx="minor">
-            <a:schemeClr val="lt1"/>
+            <a:schemeClr val="dk1"/>
           </a:fontRef>
         </p:style>
         <p:txBody>
@@ -8240,315 +13519,63 @@
             <a:pPr algn="ctr"/>
             <a:r>
               <a:rPr lang="fr-FR">
-                <a:solidFill>
-                  <a:srgbClr val="000000"/>
-                </a:solidFill>
-                <a:cs typeface="Calibri"/>
+                <a:ea typeface="+mn-lt"/>
+                <a:cs typeface="+mn-lt"/>
               </a:rPr>
-              <a:t>Accueil</a:t>
-            </a:r>
-          </a:p>
-        </p:txBody>
-      </p:sp>
-      <p:sp>
-        <p:nvSpPr>
-          <p:cNvPr id="9" name="Rectangle 8">
-            <a:extLst>
-              <a:ext uri="{FF2B5EF4-FFF2-40B4-BE49-F238E27FC236}">
-                <a16:creationId xmlns:a16="http://schemas.microsoft.com/office/drawing/2014/main" id="{C0C92A1A-E82E-502B-AAEA-B50848CCBF66}"/>
-              </a:ext>
-            </a:extLst>
-          </p:cNvPr>
-          <p:cNvSpPr/>
-          <p:nvPr/>
-        </p:nvSpPr>
-        <p:spPr>
-          <a:xfrm>
-            <a:off x="2905758" y="269238"/>
-            <a:ext cx="1158240" cy="447040"/>
+              <a:t>JJ/MM/AAAA</a:t>
+            </a:r>
+            <a:endParaRPr lang="fr-FR"/>
+          </a:p>
+        </p:txBody>
+      </p:sp>
+      <p:sp>
+        <p:nvSpPr>
+          <p:cNvPr id="18" name="ZoneTexte 17">
+            <a:extLst>
+              <a:ext uri="{FF2B5EF4-FFF2-40B4-BE49-F238E27FC236}">
+                <a16:creationId xmlns:a16="http://schemas.microsoft.com/office/drawing/2014/main" id="{C59EB301-9DDB-A2EF-2FD0-3CAE59C00296}"/>
+              </a:ext>
+            </a:extLst>
+          </p:cNvPr>
+          <p:cNvSpPr txBox="1"/>
+          <p:nvPr/>
+        </p:nvSpPr>
+        <p:spPr>
+          <a:xfrm>
+            <a:off x="2232537" y="1871102"/>
+            <a:ext cx="3531184" cy="369332"/>
           </a:xfrm>
           <a:prstGeom prst="rect">
             <a:avLst/>
           </a:prstGeom>
-          <a:solidFill>
-            <a:schemeClr val="bg1"/>
-          </a:solidFill>
-        </p:spPr>
-        <p:style>
-          <a:lnRef idx="2">
-            <a:schemeClr val="accent1">
-              <a:shade val="50000"/>
-            </a:schemeClr>
-          </a:lnRef>
-          <a:fillRef idx="1">
-            <a:schemeClr val="accent1"/>
-          </a:fillRef>
-          <a:effectRef idx="0">
-            <a:schemeClr val="accent1"/>
-          </a:effectRef>
-          <a:fontRef idx="minor">
-            <a:schemeClr val="lt1"/>
-          </a:fontRef>
-        </p:style>
-        <p:txBody>
-          <a:bodyPr lIns="91440" tIns="45720" rIns="91440" bIns="45720" rtlCol="0" anchor="ctr"/>
-          <a:lstStyle/>
-          <a:p>
-            <a:pPr algn="ctr"/>
-            <a:r>
-              <a:rPr lang="fr-FR">
-                <a:solidFill>
-                  <a:srgbClr val="000000"/>
-                </a:solidFill>
-                <a:cs typeface="Calibri"/>
-              </a:rPr>
-              <a:t>Films</a:t>
-            </a:r>
-          </a:p>
-        </p:txBody>
-      </p:sp>
-      <p:sp>
-        <p:nvSpPr>
-          <p:cNvPr id="11" name="Rectangle 10">
-            <a:extLst>
-              <a:ext uri="{FF2B5EF4-FFF2-40B4-BE49-F238E27FC236}">
-                <a16:creationId xmlns:a16="http://schemas.microsoft.com/office/drawing/2014/main" id="{52E49857-4B8A-C31E-42BB-852CC9F026F9}"/>
-              </a:ext>
-            </a:extLst>
-          </p:cNvPr>
-          <p:cNvSpPr/>
-          <p:nvPr/>
-        </p:nvSpPr>
-        <p:spPr>
-          <a:xfrm>
-            <a:off x="4317997" y="269237"/>
-            <a:ext cx="1158240" cy="447040"/>
-          </a:xfrm>
-          <a:prstGeom prst="rect">
-            <a:avLst/>
-          </a:prstGeom>
-          <a:solidFill>
-            <a:schemeClr val="bg1"/>
-          </a:solidFill>
-        </p:spPr>
-        <p:style>
-          <a:lnRef idx="2">
-            <a:schemeClr val="accent1">
-              <a:shade val="50000"/>
-            </a:schemeClr>
-          </a:lnRef>
-          <a:fillRef idx="1">
-            <a:schemeClr val="accent1"/>
-          </a:fillRef>
-          <a:effectRef idx="0">
-            <a:schemeClr val="accent1"/>
-          </a:effectRef>
-          <a:fontRef idx="minor">
-            <a:schemeClr val="lt1"/>
-          </a:fontRef>
-        </p:style>
-        <p:txBody>
-          <a:bodyPr lIns="91440" tIns="45720" rIns="91440" bIns="45720" rtlCol="0" anchor="ctr"/>
-          <a:lstStyle/>
-          <a:p>
-            <a:pPr algn="ctr"/>
-            <a:r>
-              <a:rPr lang="fr-FR">
-                <a:solidFill>
-                  <a:srgbClr val="000000"/>
-                </a:solidFill>
-                <a:cs typeface="Calibri"/>
-              </a:rPr>
-              <a:t>Séries</a:t>
-            </a:r>
-          </a:p>
-        </p:txBody>
-      </p:sp>
-      <p:sp>
-        <p:nvSpPr>
-          <p:cNvPr id="13" name="Rectangle 12">
-            <a:extLst>
-              <a:ext uri="{FF2B5EF4-FFF2-40B4-BE49-F238E27FC236}">
-                <a16:creationId xmlns:a16="http://schemas.microsoft.com/office/drawing/2014/main" id="{06024F13-0D2A-8CA3-C30A-381400821991}"/>
-              </a:ext>
-            </a:extLst>
-          </p:cNvPr>
-          <p:cNvSpPr/>
-          <p:nvPr/>
-        </p:nvSpPr>
-        <p:spPr>
-          <a:xfrm>
-            <a:off x="9438640" y="289560"/>
-            <a:ext cx="2367280" cy="396240"/>
-          </a:xfrm>
-          <a:prstGeom prst="rect">
-            <a:avLst/>
-          </a:prstGeom>
-          <a:solidFill>
-            <a:schemeClr val="bg1"/>
-          </a:solidFill>
-        </p:spPr>
-        <p:style>
-          <a:lnRef idx="2">
-            <a:schemeClr val="accent1">
-              <a:shade val="50000"/>
-            </a:schemeClr>
-          </a:lnRef>
-          <a:fillRef idx="1">
-            <a:schemeClr val="accent1"/>
-          </a:fillRef>
-          <a:effectRef idx="0">
-            <a:schemeClr val="accent1"/>
-          </a:effectRef>
-          <a:fontRef idx="minor">
-            <a:schemeClr val="lt1"/>
-          </a:fontRef>
-        </p:style>
-        <p:txBody>
-          <a:bodyPr lIns="91440" tIns="45720" rIns="91440" bIns="45720" rtlCol="0" anchor="ctr"/>
-          <a:lstStyle/>
-          <a:p>
-            <a:pPr algn="ctr"/>
-            <a:r>
-              <a:rPr lang="fr-FR">
-                <a:solidFill>
-                  <a:srgbClr val="000000"/>
-                </a:solidFill>
-                <a:cs typeface="Calibri"/>
-              </a:rPr>
-              <a:t>Mon compte</a:t>
-            </a:r>
-            <a:endParaRPr lang="fr-FR">
-              <a:solidFill>
-                <a:srgbClr val="000000"/>
-              </a:solidFill>
-            </a:endParaRPr>
-          </a:p>
-        </p:txBody>
-      </p:sp>
-      <p:sp>
-        <p:nvSpPr>
-          <p:cNvPr id="15" name="Ellipse 14">
-            <a:extLst>
-              <a:ext uri="{FF2B5EF4-FFF2-40B4-BE49-F238E27FC236}">
-                <a16:creationId xmlns:a16="http://schemas.microsoft.com/office/drawing/2014/main" id="{2EB16EB9-2B89-2CF5-4092-85FBF3B47CB5}"/>
-              </a:ext>
-            </a:extLst>
-          </p:cNvPr>
-          <p:cNvSpPr/>
-          <p:nvPr/>
-        </p:nvSpPr>
-        <p:spPr>
-          <a:xfrm>
-            <a:off x="315595" y="259715"/>
-            <a:ext cx="975360" cy="447040"/>
-          </a:xfrm>
-          <a:prstGeom prst="ellipse">
-            <a:avLst/>
-          </a:prstGeom>
-          <a:solidFill>
-            <a:schemeClr val="bg1"/>
-          </a:solidFill>
-        </p:spPr>
-        <p:style>
-          <a:lnRef idx="2">
-            <a:schemeClr val="accent1">
-              <a:shade val="50000"/>
-            </a:schemeClr>
-          </a:lnRef>
-          <a:fillRef idx="1">
-            <a:schemeClr val="accent1"/>
-          </a:fillRef>
-          <a:effectRef idx="0">
-            <a:schemeClr val="accent1"/>
-          </a:effectRef>
-          <a:fontRef idx="minor">
-            <a:schemeClr val="lt1"/>
-          </a:fontRef>
-        </p:style>
-        <p:txBody>
-          <a:bodyPr rtlCol="0" anchor="ctr"/>
-          <a:lstStyle/>
-          <a:p>
-            <a:pPr algn="ctr"/>
-            <a:r>
-              <a:rPr lang="fr-FR">
-                <a:solidFill>
-                  <a:srgbClr val="000000"/>
-                </a:solidFill>
-                <a:cs typeface="Calibri"/>
-              </a:rPr>
-              <a:t>Logo</a:t>
-            </a:r>
-            <a:endParaRPr lang="fr-FR">
-              <a:solidFill>
-                <a:srgbClr val="000000"/>
-              </a:solidFill>
-            </a:endParaRPr>
-          </a:p>
-        </p:txBody>
-      </p:sp>
-      <p:sp>
-        <p:nvSpPr>
-          <p:cNvPr id="17" name="Rectangle 16">
-            <a:extLst>
-              <a:ext uri="{FF2B5EF4-FFF2-40B4-BE49-F238E27FC236}">
-                <a16:creationId xmlns:a16="http://schemas.microsoft.com/office/drawing/2014/main" id="{F3D07159-C0A3-799B-AAEA-61A697749F66}"/>
-              </a:ext>
-            </a:extLst>
-          </p:cNvPr>
-          <p:cNvSpPr/>
-          <p:nvPr/>
-        </p:nvSpPr>
-        <p:spPr>
-          <a:xfrm>
-            <a:off x="563651" y="1106128"/>
-            <a:ext cx="10597796" cy="472108"/>
-          </a:xfrm>
-          <a:prstGeom prst="rect">
-            <a:avLst/>
-          </a:prstGeom>
-        </p:spPr>
-        <p:style>
-          <a:lnRef idx="2">
-            <a:schemeClr val="accent1">
-              <a:shade val="50000"/>
-            </a:schemeClr>
-          </a:lnRef>
-          <a:fillRef idx="1">
-            <a:schemeClr val="accent1"/>
-          </a:fillRef>
-          <a:effectRef idx="0">
-            <a:schemeClr val="accent1"/>
-          </a:effectRef>
-          <a:fontRef idx="minor">
-            <a:schemeClr val="lt1"/>
-          </a:fontRef>
-        </p:style>
+          <a:noFill/>
+        </p:spPr>
         <p:txBody>
           <a:bodyPr rot="0" spcFirstLastPara="0" vertOverflow="overflow" horzOverflow="overflow" vert="horz" wrap="square" lIns="91440" tIns="45720" rIns="91440" bIns="45720" numCol="1" spcCol="0" rtlCol="0" fromWordArt="0" anchor="t" anchorCtr="0" forceAA="0" compatLnSpc="1">
             <a:prstTxWarp prst="textNoShape">
               <a:avLst/>
             </a:prstTxWarp>
-            <a:noAutofit/>
+            <a:spAutoFit/>
           </a:bodyPr>
           <a:lstStyle/>
           <a:p>
-            <a:r>
-              <a:rPr lang="fr-FR">
-                <a:cs typeface="Calibri" panose="020F0502020204030204"/>
-              </a:rPr>
-              <a:t>MON COMPTE</a:t>
-            </a:r>
-          </a:p>
-        </p:txBody>
-      </p:sp>
-      <p:sp>
-        <p:nvSpPr>
-          <p:cNvPr id="18" name="Rectangle 17">
-            <a:extLst>
-              <a:ext uri="{FF2B5EF4-FFF2-40B4-BE49-F238E27FC236}">
-                <a16:creationId xmlns:a16="http://schemas.microsoft.com/office/drawing/2014/main" id="{BE07366F-7AAE-1871-CBDA-AB56E095F47B}"/>
+            <a:pPr algn="ctr"/>
+            <a:r>
+              <a:rPr lang="fr-FR"/>
+              <a:t>Date de naissance</a:t>
+            </a:r>
+            <a:endParaRPr lang="fr-FR">
+              <a:cs typeface="Calibri"/>
+            </a:endParaRPr>
+          </a:p>
+        </p:txBody>
+      </p:sp>
+      <p:sp>
+        <p:nvSpPr>
+          <p:cNvPr id="29" name="Rectangle 28">
+            <a:extLst>
+              <a:ext uri="{FF2B5EF4-FFF2-40B4-BE49-F238E27FC236}">
+                <a16:creationId xmlns:a16="http://schemas.microsoft.com/office/drawing/2014/main" id="{D892E227-837C-FD92-9D10-C99CEF33AE36}"/>
               </a:ext>
             </a:extLst>
           </p:cNvPr>
@@ -8557,8 +13584,8 @@
         </p:nvSpPr>
         <p:spPr>
           <a:xfrm>
-            <a:off x="563650" y="1961816"/>
-            <a:ext cx="10597796" cy="1302812"/>
+            <a:off x="6578611" y="2175261"/>
+            <a:ext cx="3374512" cy="323976"/>
           </a:xfrm>
           <a:prstGeom prst="rect">
             <a:avLst/>
@@ -8566,68 +13593,111 @@
         </p:spPr>
         <p:style>
           <a:lnRef idx="2">
-            <a:schemeClr val="accent1">
-              <a:shade val="50000"/>
-            </a:schemeClr>
+            <a:schemeClr val="dk1"/>
           </a:lnRef>
           <a:fillRef idx="1">
-            <a:schemeClr val="accent1"/>
+            <a:schemeClr val="lt1"/>
           </a:fillRef>
           <a:effectRef idx="0">
-            <a:schemeClr val="accent1"/>
+            <a:schemeClr val="dk1"/>
           </a:effectRef>
           <a:fontRef idx="minor">
-            <a:schemeClr val="lt1"/>
+            <a:schemeClr val="dk1"/>
           </a:fontRef>
         </p:style>
+        <p:txBody>
+          <a:bodyPr lIns="91440" tIns="45720" rIns="91440" bIns="45720" rtlCol="0" anchor="ctr"/>
+          <a:lstStyle/>
+          <a:p>
+            <a:pPr algn="ctr"/>
+            <a:r>
+              <a:rPr lang="fr-FR" sz="1600" i="1">
+                <a:cs typeface="Calibri"/>
+              </a:rPr>
+              <a:t>Sélectionnez votre nationalité</a:t>
+            </a:r>
+          </a:p>
+        </p:txBody>
+      </p:sp>
+      <p:pic>
+        <p:nvPicPr>
+          <p:cNvPr id="23" name="Image 4">
+            <a:extLst>
+              <a:ext uri="{FF2B5EF4-FFF2-40B4-BE49-F238E27FC236}">
+                <a16:creationId xmlns:a16="http://schemas.microsoft.com/office/drawing/2014/main" id="{1F9132D7-5310-34D1-5D35-F61E5ACE9FD9}"/>
+              </a:ext>
+            </a:extLst>
+          </p:cNvPr>
+          <p:cNvPicPr>
+            <a:picLocks noChangeAspect="1"/>
+          </p:cNvPicPr>
+          <p:nvPr/>
+        </p:nvPicPr>
+        <p:blipFill>
+          <a:blip r:embed="rId3"/>
+          <a:stretch>
+            <a:fillRect/>
+          </a:stretch>
+        </p:blipFill>
+        <p:spPr>
+          <a:xfrm rot="5400000">
+            <a:off x="9653815" y="2185004"/>
+            <a:ext cx="296334" cy="313267"/>
+          </a:xfrm>
+          <a:prstGeom prst="rect">
+            <a:avLst/>
+          </a:prstGeom>
+        </p:spPr>
+      </p:pic>
+      <p:sp>
+        <p:nvSpPr>
+          <p:cNvPr id="30" name="ZoneTexte 29">
+            <a:extLst>
+              <a:ext uri="{FF2B5EF4-FFF2-40B4-BE49-F238E27FC236}">
+                <a16:creationId xmlns:a16="http://schemas.microsoft.com/office/drawing/2014/main" id="{38CFC823-E39B-DCDD-0EDC-B20BBD4A3FF0}"/>
+              </a:ext>
+            </a:extLst>
+          </p:cNvPr>
+          <p:cNvSpPr txBox="1"/>
+          <p:nvPr/>
+        </p:nvSpPr>
+        <p:spPr>
+          <a:xfrm>
+            <a:off x="6575937" y="1871102"/>
+            <a:ext cx="3389670" cy="369332"/>
+          </a:xfrm>
+          <a:prstGeom prst="rect">
+            <a:avLst/>
+          </a:prstGeom>
+          <a:noFill/>
+        </p:spPr>
         <p:txBody>
           <a:bodyPr rot="0" spcFirstLastPara="0" vertOverflow="overflow" horzOverflow="overflow" vert="horz" wrap="square" lIns="91440" tIns="45720" rIns="91440" bIns="45720" numCol="1" spcCol="0" rtlCol="0" fromWordArt="0" anchor="t" anchorCtr="0" forceAA="0" compatLnSpc="1">
             <a:prstTxWarp prst="textNoShape">
               <a:avLst/>
             </a:prstTxWarp>
-            <a:noAutofit/>
+            <a:spAutoFit/>
           </a:bodyPr>
           <a:lstStyle/>
           <a:p>
-            <a:r>
-              <a:rPr lang="fr-FR">
-                <a:cs typeface="Calibri" panose="020F0502020204030204"/>
-              </a:rPr>
-              <a:t>INFOS PERSO</a:t>
-            </a:r>
-          </a:p>
-          <a:p>
-            <a:r>
-              <a:rPr lang="fr-FR">
-                <a:cs typeface="Calibri" panose="020F0502020204030204"/>
-              </a:rPr>
-              <a:t>Nom</a:t>
-            </a:r>
-          </a:p>
-          <a:p>
-            <a:r>
-              <a:rPr lang="fr-FR" err="1">
-                <a:cs typeface="Calibri" panose="020F0502020204030204"/>
-              </a:rPr>
-              <a:t>Prenom</a:t>
-            </a:r>
-          </a:p>
-          <a:p>
-            <a:r>
-              <a:rPr lang="fr-FR">
-                <a:cs typeface="Calibri" panose="020F0502020204030204"/>
-              </a:rPr>
-              <a:t>Mail...</a:t>
-            </a:r>
-          </a:p>
-        </p:txBody>
-      </p:sp>
-      <p:sp>
-        <p:nvSpPr>
-          <p:cNvPr id="19" name="Rectangle 18">
-            <a:extLst>
-              <a:ext uri="{FF2B5EF4-FFF2-40B4-BE49-F238E27FC236}">
-                <a16:creationId xmlns:a16="http://schemas.microsoft.com/office/drawing/2014/main" id="{8174FFDB-12FC-1C87-C98D-DFB7EE65B377}"/>
+            <a:pPr algn="ctr"/>
+            <a:r>
+              <a:rPr lang="fr-FR"/>
+              <a:t>Nationalité </a:t>
+            </a:r>
+            <a:r>
+              <a:rPr lang="fr-FR" sz="1200"/>
+              <a:t>(plusieurs choix possibles)</a:t>
+            </a:r>
+          </a:p>
+        </p:txBody>
+      </p:sp>
+      <p:sp>
+        <p:nvSpPr>
+          <p:cNvPr id="31" name="Rectangle 30">
+            <a:extLst>
+              <a:ext uri="{FF2B5EF4-FFF2-40B4-BE49-F238E27FC236}">
+                <a16:creationId xmlns:a16="http://schemas.microsoft.com/office/drawing/2014/main" id="{2F0EADCE-86A7-2FEE-574D-5ADE0E2FB1D8}"/>
               </a:ext>
             </a:extLst>
           </p:cNvPr>
@@ -8636,8 +13706,8 @@
         </p:nvSpPr>
         <p:spPr>
           <a:xfrm>
-            <a:off x="563649" y="3685684"/>
-            <a:ext cx="10597796" cy="472108"/>
+            <a:off x="2240654" y="3473368"/>
+            <a:ext cx="7730612" cy="392918"/>
           </a:xfrm>
           <a:prstGeom prst="rect">
             <a:avLst/>
@@ -8645,97 +13715,75 @@
         </p:spPr>
         <p:style>
           <a:lnRef idx="2">
-            <a:schemeClr val="accent1">
-              <a:shade val="50000"/>
-            </a:schemeClr>
+            <a:schemeClr val="dk1"/>
           </a:lnRef>
           <a:fillRef idx="1">
-            <a:schemeClr val="accent1"/>
+            <a:schemeClr val="lt1"/>
           </a:fillRef>
           <a:effectRef idx="0">
-            <a:schemeClr val="accent1"/>
+            <a:schemeClr val="dk1"/>
           </a:effectRef>
           <a:fontRef idx="minor">
-            <a:schemeClr val="lt1"/>
+            <a:schemeClr val="dk1"/>
           </a:fontRef>
         </p:style>
+        <p:txBody>
+          <a:bodyPr rtlCol="0" anchor="ctr"/>
+          <a:lstStyle/>
+          <a:p>
+            <a:pPr algn="ctr"/>
+            <a:endParaRPr lang="fr-FR">
+              <a:cs typeface="Calibri"/>
+            </a:endParaRPr>
+          </a:p>
+        </p:txBody>
+      </p:sp>
+      <p:sp>
+        <p:nvSpPr>
+          <p:cNvPr id="32" name="ZoneTexte 31">
+            <a:extLst>
+              <a:ext uri="{FF2B5EF4-FFF2-40B4-BE49-F238E27FC236}">
+                <a16:creationId xmlns:a16="http://schemas.microsoft.com/office/drawing/2014/main" id="{F0FD14AA-64B2-B883-0F84-8C09C5532867}"/>
+              </a:ext>
+            </a:extLst>
+          </p:cNvPr>
+          <p:cNvSpPr txBox="1"/>
+          <p:nvPr/>
+        </p:nvSpPr>
+        <p:spPr>
+          <a:xfrm>
+            <a:off x="2243422" y="3168875"/>
+            <a:ext cx="7733068" cy="369332"/>
+          </a:xfrm>
+          <a:prstGeom prst="rect">
+            <a:avLst/>
+          </a:prstGeom>
+          <a:noFill/>
+        </p:spPr>
         <p:txBody>
           <a:bodyPr rot="0" spcFirstLastPara="0" vertOverflow="overflow" horzOverflow="overflow" vert="horz" wrap="square" lIns="91440" tIns="45720" rIns="91440" bIns="45720" numCol="1" spcCol="0" rtlCol="0" fromWordArt="0" anchor="t" anchorCtr="0" forceAA="0" compatLnSpc="1">
             <a:prstTxWarp prst="textNoShape">
               <a:avLst/>
             </a:prstTxWarp>
-            <a:noAutofit/>
+            <a:spAutoFit/>
           </a:bodyPr>
           <a:lstStyle/>
           <a:p>
-            <a:r>
-              <a:rPr lang="fr-FR">
-                <a:cs typeface="Calibri" panose="020F0502020204030204"/>
-              </a:rPr>
-              <a:t>LISTE FAVORIS</a:t>
-            </a:r>
-          </a:p>
-        </p:txBody>
-      </p:sp>
-      <p:sp>
-        <p:nvSpPr>
-          <p:cNvPr id="12" name="Rectangle 11">
-            <a:extLst>
-              <a:ext uri="{FF2B5EF4-FFF2-40B4-BE49-F238E27FC236}">
-                <a16:creationId xmlns:a16="http://schemas.microsoft.com/office/drawing/2014/main" id="{8F70D023-1544-9A16-6958-380210C70CB0}"/>
-              </a:ext>
-            </a:extLst>
-          </p:cNvPr>
-          <p:cNvSpPr/>
-          <p:nvPr/>
-        </p:nvSpPr>
-        <p:spPr>
-          <a:xfrm>
-            <a:off x="563648" y="4594575"/>
-            <a:ext cx="10597796" cy="472108"/>
-          </a:xfrm>
-          <a:prstGeom prst="rect">
-            <a:avLst/>
-          </a:prstGeom>
-        </p:spPr>
-        <p:style>
-          <a:lnRef idx="2">
-            <a:schemeClr val="accent1">
-              <a:shade val="50000"/>
-            </a:schemeClr>
-          </a:lnRef>
-          <a:fillRef idx="1">
-            <a:schemeClr val="accent1"/>
-          </a:fillRef>
-          <a:effectRef idx="0">
-            <a:schemeClr val="accent1"/>
-          </a:effectRef>
-          <a:fontRef idx="minor">
-            <a:schemeClr val="lt1"/>
-          </a:fontRef>
-        </p:style>
-        <p:txBody>
-          <a:bodyPr rot="0" spcFirstLastPara="0" vertOverflow="overflow" horzOverflow="overflow" vert="horz" wrap="square" lIns="91440" tIns="45720" rIns="91440" bIns="45720" numCol="1" spcCol="0" rtlCol="0" fromWordArt="0" anchor="t" anchorCtr="0" forceAA="0" compatLnSpc="1">
-            <a:prstTxWarp prst="textNoShape">
-              <a:avLst/>
-            </a:prstTxWarp>
-            <a:noAutofit/>
-          </a:bodyPr>
-          <a:lstStyle/>
-          <a:p>
-            <a:r>
-              <a:rPr lang="fr-FR">
-                <a:cs typeface="Calibri" panose="020F0502020204030204"/>
-              </a:rPr>
-              <a:t>LISTE DEJA VU</a:t>
-            </a:r>
+            <a:pPr algn="ctr"/>
+            <a:r>
+              <a:rPr lang="fr-FR"/>
+              <a:t>Login</a:t>
+            </a:r>
+            <a:endParaRPr lang="fr-FR">
+              <a:cs typeface="Calibri"/>
+            </a:endParaRPr>
           </a:p>
         </p:txBody>
       </p:sp>
     </p:spTree>
     <p:extLst>
       <p:ext uri="{BB962C8B-B14F-4D97-AF65-F5344CB8AC3E}">
-        <p14:creationId xmlns:p14="http://schemas.microsoft.com/office/powerpoint/2010/main" val="3145503830"/>
+        <p14:creationId xmlns:p14="http://schemas.microsoft.com/office/powerpoint/2010/main" val="152930187"/>
       </p:ext>
     </p:extLst>
   </p:cSld>
@@ -16282,6 +21330,55 @@
           </a:prstGeom>
         </p:spPr>
       </p:pic>
+      <p:sp>
+        <p:nvSpPr>
+          <p:cNvPr id="3" name="ZoneTexte 2">
+            <a:extLst>
+              <a:ext uri="{FF2B5EF4-FFF2-40B4-BE49-F238E27FC236}">
+                <a16:creationId xmlns:a16="http://schemas.microsoft.com/office/drawing/2014/main" id="{9ACB79C5-FADF-E509-6308-9A5248B15F73}"/>
+              </a:ext>
+            </a:extLst>
+          </p:cNvPr>
+          <p:cNvSpPr txBox="1"/>
+          <p:nvPr/>
+        </p:nvSpPr>
+        <p:spPr>
+          <a:xfrm>
+            <a:off x="8511015" y="5683671"/>
+            <a:ext cx="1777245" cy="369332"/>
+          </a:xfrm>
+          <a:prstGeom prst="rect">
+            <a:avLst/>
+          </a:prstGeom>
+          <a:noFill/>
+        </p:spPr>
+        <p:txBody>
+          <a:bodyPr rot="0" spcFirstLastPara="0" vertOverflow="overflow" horzOverflow="overflow" vert="horz" wrap="square" lIns="91440" tIns="45720" rIns="91440" bIns="45720" numCol="1" spcCol="0" rtlCol="0" fromWordArt="0" anchor="t" anchorCtr="0" forceAA="0" compatLnSpc="1">
+            <a:prstTxWarp prst="textNoShape">
+              <a:avLst/>
+            </a:prstTxWarp>
+            <a:spAutoFit/>
+          </a:bodyPr>
+          <a:lstStyle/>
+          <a:p>
+            <a:pPr algn="r"/>
+            <a:r>
+              <a:rPr lang="fr-FR" i="1">
+                <a:solidFill>
+                  <a:srgbClr val="FF0000"/>
+                </a:solidFill>
+              </a:rPr>
+              <a:t>Autres? </a:t>
+            </a:r>
+            <a:endParaRPr lang="fr-FR" i="1">
+              <a:solidFill>
+                <a:srgbClr val="FF0000"/>
+              </a:solidFill>
+              <a:cs typeface="Calibri"/>
+            </a:endParaRPr>
+          </a:p>
+        </p:txBody>
+      </p:sp>
     </p:spTree>
     <p:extLst>
       <p:ext uri="{BB962C8B-B14F-4D97-AF65-F5344CB8AC3E}">
@@ -16312,10 +21409,51 @@
           <a:chExt cx="0" cy="0"/>
         </a:xfrm>
       </p:grpSpPr>
+      <p:sp>
+        <p:nvSpPr>
+          <p:cNvPr id="2" name="ZoneTexte 1">
+            <a:extLst>
+              <a:ext uri="{FF2B5EF4-FFF2-40B4-BE49-F238E27FC236}">
+                <a16:creationId xmlns:a16="http://schemas.microsoft.com/office/drawing/2014/main" id="{23028B07-9D96-D53B-B58E-2E384F371EF4}"/>
+              </a:ext>
+            </a:extLst>
+          </p:cNvPr>
+          <p:cNvSpPr txBox="1"/>
+          <p:nvPr/>
+        </p:nvSpPr>
+        <p:spPr>
+          <a:xfrm>
+            <a:off x="4724400" y="3200400"/>
+            <a:ext cx="2743200" cy="646331"/>
+          </a:xfrm>
+          <a:prstGeom prst="rect">
+            <a:avLst/>
+          </a:prstGeom>
+          <a:noFill/>
+        </p:spPr>
+        <p:txBody>
+          <a:bodyPr rot="0" spcFirstLastPara="0" vertOverflow="overflow" horzOverflow="overflow" vert="horz" wrap="square" lIns="91440" tIns="45720" rIns="91440" bIns="45720" numCol="1" spcCol="0" rtlCol="0" fromWordArt="0" anchor="t" anchorCtr="0" forceAA="0" compatLnSpc="1">
+            <a:prstTxWarp prst="textNoShape">
+              <a:avLst/>
+            </a:prstTxWarp>
+            <a:spAutoFit/>
+          </a:bodyPr>
+          <a:lstStyle/>
+          <a:p>
+            <a:r>
+              <a:rPr lang="fr-FR"/>
+              <a:t>PAGES POUR LES UTILISATEURS INSCRITS </a:t>
+            </a:r>
+            <a:endParaRPr lang="fr-FR">
+              <a:cs typeface="Calibri"/>
+            </a:endParaRPr>
+          </a:p>
+        </p:txBody>
+      </p:sp>
     </p:spTree>
     <p:extLst>
       <p:ext uri="{BB962C8B-B14F-4D97-AF65-F5344CB8AC3E}">
-        <p14:creationId xmlns:p14="http://schemas.microsoft.com/office/powerpoint/2010/main" val="534405091"/>
+        <p14:creationId xmlns:p14="http://schemas.microsoft.com/office/powerpoint/2010/main" val="4179463568"/>
       </p:ext>
     </p:extLst>
   </p:cSld>

--- a/docs/Projet_Preview.pptx
+++ b/docs/Projet_Preview.pptx
@@ -132,6 +132,7 @@
     <p1510:client id="{0D98B61B-5663-45EC-BBB4-F56CF2AE196F}" v="452" dt="2022-06-09T08:24:20.178"/>
     <p1510:client id="{1C388195-A1A7-4899-9338-E87931C62D44}" v="555" dt="2022-06-08T10:57:01.545"/>
     <p1510:client id="{4218B602-E08B-44B5-A144-A8EA265E5EFC}" v="22" dt="2022-06-08T13:27:16.912"/>
+    <p1510:client id="{6570FDFD-365E-4556-B4F4-64B3C7BF1416}" v="23" dt="2022-06-10T13:46:33.298"/>
     <p1510:client id="{7953949E-32BC-4D51-86D9-1832C2A4BE9C}" v="1310" dt="2022-06-08T15:27:16.615"/>
     <p1510:client id="{832AC5C1-F587-4411-895C-51681DCD4172}" v="9" dt="2022-06-08T10:07:35.539"/>
     <p1510:client id="{C54A902A-A71C-4E25-980B-9031DA333BBD}" v="85" dt="2022-06-08T13:09:14.313"/>
@@ -143,6 +144,622 @@
 
 <file path=ppt/changesInfos/changesInfo1.xml><?xml version="1.0" encoding="utf-8"?>
 <pc:chgInfo xmlns:a="http://schemas.openxmlformats.org/drawingml/2006/main" xmlns:r="http://schemas.openxmlformats.org/officeDocument/2006/relationships" xmlns:ac="http://schemas.microsoft.com/office/drawing/2013/main/command" xmlns:pc="http://schemas.microsoft.com/office/powerpoint/2013/main/command">
+  <pc:docChgLst>
+    <pc:chgData name="Mélissa Zhou" userId="071ed09a453febb9" providerId="Windows Live" clId="Web-{0D98B61B-5663-45EC-BBB4-F56CF2AE196F}"/>
+    <pc:docChg chg="addSld delSld modSld sldOrd">
+      <pc:chgData name="Mélissa Zhou" userId="071ed09a453febb9" providerId="Windows Live" clId="Web-{0D98B61B-5663-45EC-BBB4-F56CF2AE196F}" dt="2022-06-09T08:24:20.178" v="332" actId="1076"/>
+      <pc:docMkLst>
+        <pc:docMk/>
+      </pc:docMkLst>
+      <pc:sldChg chg="addSp delSp modSp">
+        <pc:chgData name="Mélissa Zhou" userId="071ed09a453febb9" providerId="Windows Live" clId="Web-{0D98B61B-5663-45EC-BBB4-F56CF2AE196F}" dt="2022-06-09T08:24:20.178" v="332" actId="1076"/>
+        <pc:sldMkLst>
+          <pc:docMk/>
+          <pc:sldMk cId="152930187" sldId="258"/>
+        </pc:sldMkLst>
+        <pc:spChg chg="mod">
+          <ac:chgData name="Mélissa Zhou" userId="071ed09a453febb9" providerId="Windows Live" clId="Web-{0D98B61B-5663-45EC-BBB4-F56CF2AE196F}" dt="2022-06-09T08:23:34.865" v="322" actId="1076"/>
+          <ac:spMkLst>
+            <pc:docMk/>
+            <pc:sldMk cId="152930187" sldId="258"/>
+            <ac:spMk id="5" creationId="{28C1A5DB-EF7F-E9F2-7BB5-87F5202655CD}"/>
+          </ac:spMkLst>
+        </pc:spChg>
+        <pc:spChg chg="mod">
+          <ac:chgData name="Mélissa Zhou" userId="071ed09a453febb9" providerId="Windows Live" clId="Web-{0D98B61B-5663-45EC-BBB4-F56CF2AE196F}" dt="2022-06-09T08:24:08.084" v="329" actId="1076"/>
+          <ac:spMkLst>
+            <pc:docMk/>
+            <pc:sldMk cId="152930187" sldId="258"/>
+            <ac:spMk id="6" creationId="{42D94E88-F801-7189-0F88-9E5F2D3932B7}"/>
+          </ac:spMkLst>
+        </pc:spChg>
+        <pc:spChg chg="mod">
+          <ac:chgData name="Mélissa Zhou" userId="071ed09a453febb9" providerId="Windows Live" clId="Web-{0D98B61B-5663-45EC-BBB4-F56CF2AE196F}" dt="2022-06-09T08:24:20.178" v="332" actId="1076"/>
+          <ac:spMkLst>
+            <pc:docMk/>
+            <pc:sldMk cId="152930187" sldId="258"/>
+            <ac:spMk id="7" creationId="{8312EB00-F4B0-3BF1-3014-3262A2D7534F}"/>
+          </ac:spMkLst>
+        </pc:spChg>
+        <pc:spChg chg="mod">
+          <ac:chgData name="Mélissa Zhou" userId="071ed09a453febb9" providerId="Windows Live" clId="Web-{0D98B61B-5663-45EC-BBB4-F56CF2AE196F}" dt="2022-06-09T08:23:34.880" v="323" actId="1076"/>
+          <ac:spMkLst>
+            <pc:docMk/>
+            <pc:sldMk cId="152930187" sldId="258"/>
+            <ac:spMk id="10" creationId="{02FB3C48-5973-E3E0-77E6-F986DB71E9D8}"/>
+          </ac:spMkLst>
+        </pc:spChg>
+        <pc:spChg chg="mod">
+          <ac:chgData name="Mélissa Zhou" userId="071ed09a453febb9" providerId="Windows Live" clId="Web-{0D98B61B-5663-45EC-BBB4-F56CF2AE196F}" dt="2022-06-09T08:24:08.100" v="330" actId="1076"/>
+          <ac:spMkLst>
+            <pc:docMk/>
+            <pc:sldMk cId="152930187" sldId="258"/>
+            <ac:spMk id="11" creationId="{E9BBF7C2-27E3-2E23-FD99-36F1DDD59743}"/>
+          </ac:spMkLst>
+        </pc:spChg>
+        <pc:spChg chg="mod">
+          <ac:chgData name="Mélissa Zhou" userId="071ed09a453febb9" providerId="Windows Live" clId="Web-{0D98B61B-5663-45EC-BBB4-F56CF2AE196F}" dt="2022-06-09T08:24:14.053" v="331" actId="1076"/>
+          <ac:spMkLst>
+            <pc:docMk/>
+            <pc:sldMk cId="152930187" sldId="258"/>
+            <ac:spMk id="12" creationId="{FA7B7C8D-0B66-ABCD-A0BA-4F59F7FB13E8}"/>
+          </ac:spMkLst>
+        </pc:spChg>
+        <pc:spChg chg="mod">
+          <ac:chgData name="Mélissa Zhou" userId="071ed09a453febb9" providerId="Windows Live" clId="Web-{0D98B61B-5663-45EC-BBB4-F56CF2AE196F}" dt="2022-06-09T08:15:15.603" v="216" actId="20577"/>
+          <ac:spMkLst>
+            <pc:docMk/>
+            <pc:sldMk cId="152930187" sldId="258"/>
+            <ac:spMk id="17" creationId="{6F8F2F11-1A98-9995-000A-6F3C6256AC8A}"/>
+          </ac:spMkLst>
+        </pc:spChg>
+        <pc:spChg chg="mod">
+          <ac:chgData name="Mélissa Zhou" userId="071ed09a453febb9" providerId="Windows Live" clId="Web-{0D98B61B-5663-45EC-BBB4-F56CF2AE196F}" dt="2022-06-09T08:14:48.009" v="210" actId="1076"/>
+          <ac:spMkLst>
+            <pc:docMk/>
+            <pc:sldMk cId="152930187" sldId="258"/>
+            <ac:spMk id="18" creationId="{C59EB301-9DDB-A2EF-2FD0-3CAE59C00296}"/>
+          </ac:spMkLst>
+        </pc:spChg>
+        <pc:spChg chg="add mod">
+          <ac:chgData name="Mélissa Zhou" userId="071ed09a453febb9" providerId="Windows Live" clId="Web-{0D98B61B-5663-45EC-BBB4-F56CF2AE196F}" dt="2022-06-09T08:16:52.402" v="271" actId="20577"/>
+          <ac:spMkLst>
+            <pc:docMk/>
+            <pc:sldMk cId="152930187" sldId="258"/>
+            <ac:spMk id="29" creationId="{D892E227-837C-FD92-9D10-C99CEF33AE36}"/>
+          </ac:spMkLst>
+        </pc:spChg>
+        <pc:spChg chg="add mod">
+          <ac:chgData name="Mélissa Zhou" userId="071ed09a453febb9" providerId="Windows Live" clId="Web-{0D98B61B-5663-45EC-BBB4-F56CF2AE196F}" dt="2022-06-09T08:17:43.263" v="314" actId="20577"/>
+          <ac:spMkLst>
+            <pc:docMk/>
+            <pc:sldMk cId="152930187" sldId="258"/>
+            <ac:spMk id="30" creationId="{38CFC823-E39B-DCDD-0EDC-B20BBD4A3FF0}"/>
+          </ac:spMkLst>
+        </pc:spChg>
+        <pc:spChg chg="add mod">
+          <ac:chgData name="Mélissa Zhou" userId="071ed09a453febb9" providerId="Windows Live" clId="Web-{0D98B61B-5663-45EC-BBB4-F56CF2AE196F}" dt="2022-06-09T08:23:48.990" v="326" actId="1076"/>
+          <ac:spMkLst>
+            <pc:docMk/>
+            <pc:sldMk cId="152930187" sldId="258"/>
+            <ac:spMk id="31" creationId="{2F0EADCE-86A7-2FEE-574D-5ADE0E2FB1D8}"/>
+          </ac:spMkLst>
+        </pc:spChg>
+        <pc:spChg chg="add mod">
+          <ac:chgData name="Mélissa Zhou" userId="071ed09a453febb9" providerId="Windows Live" clId="Web-{0D98B61B-5663-45EC-BBB4-F56CF2AE196F}" dt="2022-06-09T08:23:54.365" v="328" actId="20577"/>
+          <ac:spMkLst>
+            <pc:docMk/>
+            <pc:sldMk cId="152930187" sldId="258"/>
+            <ac:spMk id="32" creationId="{F0FD14AA-64B2-B883-0F84-8C09C5532867}"/>
+          </ac:spMkLst>
+        </pc:spChg>
+        <pc:grpChg chg="add del">
+          <ac:chgData name="Mélissa Zhou" userId="071ed09a453febb9" providerId="Windows Live" clId="Web-{0D98B61B-5663-45EC-BBB4-F56CF2AE196F}" dt="2022-06-09T08:16:54.683" v="272"/>
+          <ac:grpSpMkLst>
+            <pc:docMk/>
+            <pc:sldMk cId="152930187" sldId="258"/>
+            <ac:grpSpMk id="15" creationId="{7A6F0002-A333-ABB3-160B-09F1021B8738}"/>
+          </ac:grpSpMkLst>
+        </pc:grpChg>
+        <pc:grpChg chg="add del">
+          <ac:chgData name="Mélissa Zhou" userId="071ed09a453febb9" providerId="Windows Live" clId="Web-{0D98B61B-5663-45EC-BBB4-F56CF2AE196F}" dt="2022-06-09T08:16:57.340" v="273"/>
+          <ac:grpSpMkLst>
+            <pc:docMk/>
+            <pc:sldMk cId="152930187" sldId="258"/>
+            <ac:grpSpMk id="27" creationId="{420A2D39-5D37-C47B-D6C3-EF01ACC3E24C}"/>
+          </ac:grpSpMkLst>
+        </pc:grpChg>
+        <pc:picChg chg="add mod ord">
+          <ac:chgData name="Mélissa Zhou" userId="071ed09a453febb9" providerId="Windows Live" clId="Web-{0D98B61B-5663-45EC-BBB4-F56CF2AE196F}" dt="2022-06-09T08:16:17.808" v="269" actId="1076"/>
+          <ac:picMkLst>
+            <pc:docMk/>
+            <pc:sldMk cId="152930187" sldId="258"/>
+            <ac:picMk id="23" creationId="{1F9132D7-5310-34D1-5D35-F61E5ACE9FD9}"/>
+          </ac:picMkLst>
+        </pc:picChg>
+      </pc:sldChg>
+      <pc:sldChg chg="ord">
+        <pc:chgData name="Mélissa Zhou" userId="071ed09a453febb9" providerId="Windows Live" clId="Web-{0D98B61B-5663-45EC-BBB4-F56CF2AE196F}" dt="2022-06-09T07:51:14.147" v="29"/>
+        <pc:sldMkLst>
+          <pc:docMk/>
+          <pc:sldMk cId="3145503830" sldId="259"/>
+        </pc:sldMkLst>
+      </pc:sldChg>
+      <pc:sldChg chg="addSp modSp ord">
+        <pc:chgData name="Mélissa Zhou" userId="071ed09a453febb9" providerId="Windows Live" clId="Web-{0D98B61B-5663-45EC-BBB4-F56CF2AE196F}" dt="2022-06-09T07:50:09.833" v="21"/>
+        <pc:sldMkLst>
+          <pc:docMk/>
+          <pc:sldMk cId="534405091" sldId="262"/>
+        </pc:sldMkLst>
+        <pc:spChg chg="add mod">
+          <ac:chgData name="Mélissa Zhou" userId="071ed09a453febb9" providerId="Windows Live" clId="Web-{0D98B61B-5663-45EC-BBB4-F56CF2AE196F}" dt="2022-06-09T07:50:03.802" v="20" actId="20577"/>
+          <ac:spMkLst>
+            <pc:docMk/>
+            <pc:sldMk cId="534405091" sldId="262"/>
+            <ac:spMk id="2" creationId="{23028B07-9D96-D53B-B58E-2E384F371EF4}"/>
+          </ac:spMkLst>
+        </pc:spChg>
+      </pc:sldChg>
+      <pc:sldChg chg="addSp modSp">
+        <pc:chgData name="Mélissa Zhou" userId="071ed09a453febb9" providerId="Windows Live" clId="Web-{0D98B61B-5663-45EC-BBB4-F56CF2AE196F}" dt="2022-06-09T08:14:55.571" v="212" actId="1076"/>
+        <pc:sldMkLst>
+          <pc:docMk/>
+          <pc:sldMk cId="324133708" sldId="265"/>
+        </pc:sldMkLst>
+        <pc:spChg chg="mod">
+          <ac:chgData name="Mélissa Zhou" userId="071ed09a453febb9" providerId="Windows Live" clId="Web-{0D98B61B-5663-45EC-BBB4-F56CF2AE196F}" dt="2022-06-09T08:14:55.571" v="212" actId="1076"/>
+          <ac:spMkLst>
+            <pc:docMk/>
+            <pc:sldMk cId="324133708" sldId="265"/>
+            <ac:spMk id="2" creationId="{59028AFE-893D-3809-CDC1-B4A49123E134}"/>
+          </ac:spMkLst>
+        </pc:spChg>
+        <pc:spChg chg="add mod">
+          <ac:chgData name="Mélissa Zhou" userId="071ed09a453febb9" providerId="Windows Live" clId="Web-{0D98B61B-5663-45EC-BBB4-F56CF2AE196F}" dt="2022-06-09T07:47:24.767" v="6" actId="20577"/>
+          <ac:spMkLst>
+            <pc:docMk/>
+            <pc:sldMk cId="324133708" sldId="265"/>
+            <ac:spMk id="3" creationId="{9ACB79C5-FADF-E509-6308-9A5248B15F73}"/>
+          </ac:spMkLst>
+        </pc:spChg>
+      </pc:sldChg>
+      <pc:sldChg chg="modSp add ord replId">
+        <pc:chgData name="Mélissa Zhou" userId="071ed09a453febb9" providerId="Windows Live" clId="Web-{0D98B61B-5663-45EC-BBB4-F56CF2AE196F}" dt="2022-06-09T07:51:04.881" v="28"/>
+        <pc:sldMkLst>
+          <pc:docMk/>
+          <pc:sldMk cId="4179463568" sldId="267"/>
+        </pc:sldMkLst>
+        <pc:spChg chg="mod">
+          <ac:chgData name="Mélissa Zhou" userId="071ed09a453febb9" providerId="Windows Live" clId="Web-{0D98B61B-5663-45EC-BBB4-F56CF2AE196F}" dt="2022-06-09T07:51:00.787" v="27" actId="20577"/>
+          <ac:spMkLst>
+            <pc:docMk/>
+            <pc:sldMk cId="4179463568" sldId="267"/>
+            <ac:spMk id="2" creationId="{23028B07-9D96-D53B-B58E-2E384F371EF4}"/>
+          </ac:spMkLst>
+        </pc:spChg>
+      </pc:sldChg>
+      <pc:sldChg chg="add del replId">
+        <pc:chgData name="Mélissa Zhou" userId="071ed09a453febb9" providerId="Windows Live" clId="Web-{0D98B61B-5663-45EC-BBB4-F56CF2AE196F}" dt="2022-06-09T08:05:53.387" v="94"/>
+        <pc:sldMkLst>
+          <pc:docMk/>
+          <pc:sldMk cId="2214178824" sldId="268"/>
+        </pc:sldMkLst>
+      </pc:sldChg>
+      <pc:sldChg chg="addSp delSp modSp add del replId">
+        <pc:chgData name="Mélissa Zhou" userId="071ed09a453febb9" providerId="Windows Live" clId="Web-{0D98B61B-5663-45EC-BBB4-F56CF2AE196F}" dt="2022-06-09T08:06:33.622" v="108" actId="20577"/>
+        <pc:sldMkLst>
+          <pc:docMk/>
+          <pc:sldMk cId="3302146440" sldId="269"/>
+        </pc:sldMkLst>
+        <pc:spChg chg="add mod">
+          <ac:chgData name="Mélissa Zhou" userId="071ed09a453febb9" providerId="Windows Live" clId="Web-{0D98B61B-5663-45EC-BBB4-F56CF2AE196F}" dt="2022-06-09T08:01:43.021" v="75" actId="14100"/>
+          <ac:spMkLst>
+            <pc:docMk/>
+            <pc:sldMk cId="3302146440" sldId="269"/>
+            <ac:spMk id="6" creationId="{15A2A724-6CBD-6C61-E94E-5AB92EEF0AFA}"/>
+          </ac:spMkLst>
+        </pc:spChg>
+        <pc:spChg chg="add mod">
+          <ac:chgData name="Mélissa Zhou" userId="071ed09a453febb9" providerId="Windows Live" clId="Web-{0D98B61B-5663-45EC-BBB4-F56CF2AE196F}" dt="2022-06-09T08:05:12.636" v="93" actId="14100"/>
+          <ac:spMkLst>
+            <pc:docMk/>
+            <pc:sldMk cId="3302146440" sldId="269"/>
+            <ac:spMk id="8" creationId="{3793D12D-8689-63FC-246E-31DC2D3D67A3}"/>
+          </ac:spMkLst>
+        </pc:spChg>
+        <pc:spChg chg="mod">
+          <ac:chgData name="Mélissa Zhou" userId="071ed09a453febb9" providerId="Windows Live" clId="Web-{0D98B61B-5663-45EC-BBB4-F56CF2AE196F}" dt="2022-06-09T07:57:21.328" v="49" actId="1076"/>
+          <ac:spMkLst>
+            <pc:docMk/>
+            <pc:sldMk cId="3302146440" sldId="269"/>
+            <ac:spMk id="33" creationId="{4B70298E-32D9-6C9F-B084-BC570B0CA05B}"/>
+          </ac:spMkLst>
+        </pc:spChg>
+        <pc:spChg chg="mod">
+          <ac:chgData name="Mélissa Zhou" userId="071ed09a453febb9" providerId="Windows Live" clId="Web-{0D98B61B-5663-45EC-BBB4-F56CF2AE196F}" dt="2022-06-09T07:57:21.328" v="50" actId="1076"/>
+          <ac:spMkLst>
+            <pc:docMk/>
+            <pc:sldMk cId="3302146440" sldId="269"/>
+            <ac:spMk id="34" creationId="{4A9E1AC1-00F6-F06F-06DF-FCF8033D6EA0}"/>
+          </ac:spMkLst>
+        </pc:spChg>
+        <pc:spChg chg="add mod">
+          <ac:chgData name="Mélissa Zhou" userId="071ed09a453febb9" providerId="Windows Live" clId="Web-{0D98B61B-5663-45EC-BBB4-F56CF2AE196F}" dt="2022-06-09T08:01:53.740" v="77" actId="1076"/>
+          <ac:spMkLst>
+            <pc:docMk/>
+            <pc:sldMk cId="3302146440" sldId="269"/>
+            <ac:spMk id="37" creationId="{869F1A14-68E7-D580-0ECB-857D124FE3B9}"/>
+          </ac:spMkLst>
+        </pc:spChg>
+        <pc:spChg chg="mod">
+          <ac:chgData name="Mélissa Zhou" userId="071ed09a453febb9" providerId="Windows Live" clId="Web-{0D98B61B-5663-45EC-BBB4-F56CF2AE196F}" dt="2022-06-09T08:04:07.072" v="88" actId="14100"/>
+          <ac:spMkLst>
+            <pc:docMk/>
+            <pc:sldMk cId="3302146440" sldId="269"/>
+            <ac:spMk id="39" creationId="{921BB98C-A013-5348-3ACA-2F018A6582B0}"/>
+          </ac:spMkLst>
+        </pc:spChg>
+        <pc:spChg chg="mod">
+          <ac:chgData name="Mélissa Zhou" userId="071ed09a453febb9" providerId="Windows Live" clId="Web-{0D98B61B-5663-45EC-BBB4-F56CF2AE196F}" dt="2022-06-09T08:03:19.211" v="85" actId="14100"/>
+          <ac:spMkLst>
+            <pc:docMk/>
+            <pc:sldMk cId="3302146440" sldId="269"/>
+            <ac:spMk id="40" creationId="{4A718CEE-E54A-E8E1-C393-BC1E0BF9CA85}"/>
+          </ac:spMkLst>
+        </pc:spChg>
+        <pc:spChg chg="add mod">
+          <ac:chgData name="Mélissa Zhou" userId="071ed09a453febb9" providerId="Windows Live" clId="Web-{0D98B61B-5663-45EC-BBB4-F56CF2AE196F}" dt="2022-06-09T08:06:33.622" v="108" actId="20577"/>
+          <ac:spMkLst>
+            <pc:docMk/>
+            <pc:sldMk cId="3302146440" sldId="269"/>
+            <ac:spMk id="60" creationId="{3D1CF6F8-285E-ADAB-9FFF-35CB2C577FDB}"/>
+          </ac:spMkLst>
+        </pc:spChg>
+        <pc:grpChg chg="add mod">
+          <ac:chgData name="Mélissa Zhou" userId="071ed09a453febb9" providerId="Windows Live" clId="Web-{0D98B61B-5663-45EC-BBB4-F56CF2AE196F}" dt="2022-06-09T08:01:34.302" v="74" actId="1076"/>
+          <ac:grpSpMkLst>
+            <pc:docMk/>
+            <pc:sldMk cId="3302146440" sldId="269"/>
+            <ac:grpSpMk id="7" creationId="{37BCFF66-D7EE-DDFE-A20B-C9A4CC6083F4}"/>
+          </ac:grpSpMkLst>
+        </pc:grpChg>
+        <pc:grpChg chg="add mod">
+          <ac:chgData name="Mélissa Zhou" userId="071ed09a453febb9" providerId="Windows Live" clId="Web-{0D98B61B-5663-45EC-BBB4-F56CF2AE196F}" dt="2022-06-09T08:02:48.117" v="82" actId="1076"/>
+          <ac:grpSpMkLst>
+            <pc:docMk/>
+            <pc:sldMk cId="3302146440" sldId="269"/>
+            <ac:grpSpMk id="38" creationId="{53A0C757-52A0-B02D-8351-D247B470BD95}"/>
+          </ac:grpSpMkLst>
+        </pc:grpChg>
+        <pc:grpChg chg="add del">
+          <ac:chgData name="Mélissa Zhou" userId="071ed09a453febb9" providerId="Windows Live" clId="Web-{0D98B61B-5663-45EC-BBB4-F56CF2AE196F}" dt="2022-06-09T08:04:30.853" v="90"/>
+          <ac:grpSpMkLst>
+            <pc:docMk/>
+            <pc:sldMk cId="3302146440" sldId="269"/>
+            <ac:grpSpMk id="41" creationId="{1EFB0EC6-84DE-346C-5E6C-C3D5CDDBC395}"/>
+          </ac:grpSpMkLst>
+        </pc:grpChg>
+        <pc:picChg chg="add mod">
+          <ac:chgData name="Mélissa Zhou" userId="071ed09a453febb9" providerId="Windows Live" clId="Web-{0D98B61B-5663-45EC-BBB4-F56CF2AE196F}" dt="2022-06-09T07:57:06.374" v="47" actId="1076"/>
+          <ac:picMkLst>
+            <pc:docMk/>
+            <pc:sldMk cId="3302146440" sldId="269"/>
+            <ac:picMk id="3" creationId="{B985DB5F-C3FF-A481-9DE8-DBD26DB2C6F7}"/>
+          </ac:picMkLst>
+        </pc:picChg>
+        <pc:picChg chg="add mod">
+          <ac:chgData name="Mélissa Zhou" userId="071ed09a453febb9" providerId="Windows Live" clId="Web-{0D98B61B-5663-45EC-BBB4-F56CF2AE196F}" dt="2022-06-09T07:57:12.702" v="48" actId="1076"/>
+          <ac:picMkLst>
+            <pc:docMk/>
+            <pc:sldMk cId="3302146440" sldId="269"/>
+            <ac:picMk id="5" creationId="{DB87C213-73AF-DF57-9112-2BA858705C00}"/>
+          </ac:picMkLst>
+        </pc:picChg>
+        <pc:picChg chg="add mod">
+          <ac:chgData name="Mélissa Zhou" userId="071ed09a453febb9" providerId="Windows Live" clId="Web-{0D98B61B-5663-45EC-BBB4-F56CF2AE196F}" dt="2022-06-09T07:57:54.594" v="52" actId="1076"/>
+          <ac:picMkLst>
+            <pc:docMk/>
+            <pc:sldMk cId="3302146440" sldId="269"/>
+            <ac:picMk id="35" creationId="{0B258814-A5B4-EA02-027E-25F1C53D0E07}"/>
+          </ac:picMkLst>
+        </pc:picChg>
+        <pc:picChg chg="add mod">
+          <ac:chgData name="Mélissa Zhou" userId="071ed09a453febb9" providerId="Windows Live" clId="Web-{0D98B61B-5663-45EC-BBB4-F56CF2AE196F}" dt="2022-06-09T07:57:59.516" v="54" actId="1076"/>
+          <ac:picMkLst>
+            <pc:docMk/>
+            <pc:sldMk cId="3302146440" sldId="269"/>
+            <ac:picMk id="36" creationId="{BFCF9F32-81DC-FF39-1058-858E565FA51B}"/>
+          </ac:picMkLst>
+        </pc:picChg>
+      </pc:sldChg>
+      <pc:sldChg chg="add del replId">
+        <pc:chgData name="Mélissa Zhou" userId="071ed09a453febb9" providerId="Windows Live" clId="Web-{0D98B61B-5663-45EC-BBB4-F56CF2AE196F}" dt="2022-06-09T08:06:03.793" v="97"/>
+        <pc:sldMkLst>
+          <pc:docMk/>
+          <pc:sldMk cId="1742588664" sldId="270"/>
+        </pc:sldMkLst>
+      </pc:sldChg>
+      <pc:sldChg chg="addSp delSp modSp add ord replId">
+        <pc:chgData name="Mélissa Zhou" userId="071ed09a453febb9" providerId="Windows Live" clId="Web-{0D98B61B-5663-45EC-BBB4-F56CF2AE196F}" dt="2022-06-09T08:14:05.836" v="204" actId="1076"/>
+        <pc:sldMkLst>
+          <pc:docMk/>
+          <pc:sldMk cId="2986881299" sldId="270"/>
+        </pc:sldMkLst>
+        <pc:spChg chg="mod">
+          <ac:chgData name="Mélissa Zhou" userId="071ed09a453febb9" providerId="Windows Live" clId="Web-{0D98B61B-5663-45EC-BBB4-F56CF2AE196F}" dt="2022-06-09T08:09:14.798" v="112" actId="1076"/>
+          <ac:spMkLst>
+            <pc:docMk/>
+            <pc:sldMk cId="2986881299" sldId="270"/>
+            <ac:spMk id="9" creationId="{75A89977-E4CF-5E8F-9E3C-B192B1507F89}"/>
+          </ac:spMkLst>
+        </pc:spChg>
+        <pc:spChg chg="mod">
+          <ac:chgData name="Mélissa Zhou" userId="071ed09a453febb9" providerId="Windows Live" clId="Web-{0D98B61B-5663-45EC-BBB4-F56CF2AE196F}" dt="2022-06-09T08:09:14.813" v="113" actId="1076"/>
+          <ac:spMkLst>
+            <pc:docMk/>
+            <pc:sldMk cId="2986881299" sldId="270"/>
+            <ac:spMk id="10" creationId="{E82ACEA3-7655-8449-D679-96E78A031FCE}"/>
+          </ac:spMkLst>
+        </pc:spChg>
+        <pc:spChg chg="mod">
+          <ac:chgData name="Mélissa Zhou" userId="071ed09a453febb9" providerId="Windows Live" clId="Web-{0D98B61B-5663-45EC-BBB4-F56CF2AE196F}" dt="2022-06-09T08:09:14.829" v="114" actId="1076"/>
+          <ac:spMkLst>
+            <pc:docMk/>
+            <pc:sldMk cId="2986881299" sldId="270"/>
+            <ac:spMk id="12" creationId="{336D2EF3-485E-F901-7BD3-ACE7DFE5E3AD}"/>
+          </ac:spMkLst>
+        </pc:spChg>
+        <pc:spChg chg="mod">
+          <ac:chgData name="Mélissa Zhou" userId="071ed09a453febb9" providerId="Windows Live" clId="Web-{0D98B61B-5663-45EC-BBB4-F56CF2AE196F}" dt="2022-06-09T08:09:14.829" v="115" actId="1076"/>
+          <ac:spMkLst>
+            <pc:docMk/>
+            <pc:sldMk cId="2986881299" sldId="270"/>
+            <ac:spMk id="13" creationId="{14C40C07-EB8F-5F2F-A147-DDE20C858A73}"/>
+          </ac:spMkLst>
+        </pc:spChg>
+        <pc:spChg chg="mod">
+          <ac:chgData name="Mélissa Zhou" userId="071ed09a453febb9" providerId="Windows Live" clId="Web-{0D98B61B-5663-45EC-BBB4-F56CF2AE196F}" dt="2022-06-09T08:09:14.860" v="116" actId="1076"/>
+          <ac:spMkLst>
+            <pc:docMk/>
+            <pc:sldMk cId="2986881299" sldId="270"/>
+            <ac:spMk id="14" creationId="{E144B1E4-ABDD-93E9-BA42-4EEB720E699F}"/>
+          </ac:spMkLst>
+        </pc:spChg>
+        <pc:spChg chg="mod">
+          <ac:chgData name="Mélissa Zhou" userId="071ed09a453febb9" providerId="Windows Live" clId="Web-{0D98B61B-5663-45EC-BBB4-F56CF2AE196F}" dt="2022-06-09T08:09:14.876" v="117" actId="1076"/>
+          <ac:spMkLst>
+            <pc:docMk/>
+            <pc:sldMk cId="2986881299" sldId="270"/>
+            <ac:spMk id="15" creationId="{45C1E00D-5D81-0E87-E170-C810726294F4}"/>
+          </ac:spMkLst>
+        </pc:spChg>
+        <pc:spChg chg="mod">
+          <ac:chgData name="Mélissa Zhou" userId="071ed09a453febb9" providerId="Windows Live" clId="Web-{0D98B61B-5663-45EC-BBB4-F56CF2AE196F}" dt="2022-06-09T08:09:14.891" v="118" actId="1076"/>
+          <ac:spMkLst>
+            <pc:docMk/>
+            <pc:sldMk cId="2986881299" sldId="270"/>
+            <ac:spMk id="16" creationId="{6D6659A6-1DC2-FB43-362B-C23992EDEEBB}"/>
+          </ac:spMkLst>
+        </pc:spChg>
+        <pc:spChg chg="mod">
+          <ac:chgData name="Mélissa Zhou" userId="071ed09a453febb9" providerId="Windows Live" clId="Web-{0D98B61B-5663-45EC-BBB4-F56CF2AE196F}" dt="2022-06-09T08:09:14.923" v="119" actId="1076"/>
+          <ac:spMkLst>
+            <pc:docMk/>
+            <pc:sldMk cId="2986881299" sldId="270"/>
+            <ac:spMk id="17" creationId="{A72D8058-2B2A-2CA1-784D-1574D52FDC1D}"/>
+          </ac:spMkLst>
+        </pc:spChg>
+        <pc:spChg chg="mod">
+          <ac:chgData name="Mélissa Zhou" userId="071ed09a453febb9" providerId="Windows Live" clId="Web-{0D98B61B-5663-45EC-BBB4-F56CF2AE196F}" dt="2022-06-09T08:09:14.923" v="120" actId="1076"/>
+          <ac:spMkLst>
+            <pc:docMk/>
+            <pc:sldMk cId="2986881299" sldId="270"/>
+            <ac:spMk id="18" creationId="{F6E4A9A3-8BB5-F90A-B019-48A43DA8D3A9}"/>
+          </ac:spMkLst>
+        </pc:spChg>
+        <pc:spChg chg="mod">
+          <ac:chgData name="Mélissa Zhou" userId="071ed09a453febb9" providerId="Windows Live" clId="Web-{0D98B61B-5663-45EC-BBB4-F56CF2AE196F}" dt="2022-06-09T08:09:14.938" v="121" actId="1076"/>
+          <ac:spMkLst>
+            <pc:docMk/>
+            <pc:sldMk cId="2986881299" sldId="270"/>
+            <ac:spMk id="19" creationId="{1DA2E977-1203-9C27-4F66-A17C1CA345F3}"/>
+          </ac:spMkLst>
+        </pc:spChg>
+        <pc:spChg chg="mod">
+          <ac:chgData name="Mélissa Zhou" userId="071ed09a453febb9" providerId="Windows Live" clId="Web-{0D98B61B-5663-45EC-BBB4-F56CF2AE196F}" dt="2022-06-09T08:09:14.954" v="122" actId="1076"/>
+          <ac:spMkLst>
+            <pc:docMk/>
+            <pc:sldMk cId="2986881299" sldId="270"/>
+            <ac:spMk id="20" creationId="{5E788EAB-B51F-7B44-7557-CD1CCD5CC236}"/>
+          </ac:spMkLst>
+        </pc:spChg>
+        <pc:spChg chg="mod">
+          <ac:chgData name="Mélissa Zhou" userId="071ed09a453febb9" providerId="Windows Live" clId="Web-{0D98B61B-5663-45EC-BBB4-F56CF2AE196F}" dt="2022-06-09T08:09:14.969" v="123" actId="1076"/>
+          <ac:spMkLst>
+            <pc:docMk/>
+            <pc:sldMk cId="2986881299" sldId="270"/>
+            <ac:spMk id="21" creationId="{3014E63F-30B8-8673-00A8-A5A030BDC3DF}"/>
+          </ac:spMkLst>
+        </pc:spChg>
+        <pc:spChg chg="mod">
+          <ac:chgData name="Mélissa Zhou" userId="071ed09a453febb9" providerId="Windows Live" clId="Web-{0D98B61B-5663-45EC-BBB4-F56CF2AE196F}" dt="2022-06-09T08:09:14.969" v="124" actId="1076"/>
+          <ac:spMkLst>
+            <pc:docMk/>
+            <pc:sldMk cId="2986881299" sldId="270"/>
+            <ac:spMk id="22" creationId="{307D94C7-EB18-2CD1-80EE-BF7E7D9AEBAB}"/>
+          </ac:spMkLst>
+        </pc:spChg>
+        <pc:spChg chg="mod">
+          <ac:chgData name="Mélissa Zhou" userId="071ed09a453febb9" providerId="Windows Live" clId="Web-{0D98B61B-5663-45EC-BBB4-F56CF2AE196F}" dt="2022-06-09T08:09:14.985" v="125" actId="1076"/>
+          <ac:spMkLst>
+            <pc:docMk/>
+            <pc:sldMk cId="2986881299" sldId="270"/>
+            <ac:spMk id="23" creationId="{CA25827A-543D-EFFD-7B78-A73D4619C6F2}"/>
+          </ac:spMkLst>
+        </pc:spChg>
+        <pc:spChg chg="mod">
+          <ac:chgData name="Mélissa Zhou" userId="071ed09a453febb9" providerId="Windows Live" clId="Web-{0D98B61B-5663-45EC-BBB4-F56CF2AE196F}" dt="2022-06-09T08:09:15.001" v="126" actId="1076"/>
+          <ac:spMkLst>
+            <pc:docMk/>
+            <pc:sldMk cId="2986881299" sldId="270"/>
+            <ac:spMk id="24" creationId="{B95DEAFF-EFAE-0064-90F4-27E8466CF443}"/>
+          </ac:spMkLst>
+        </pc:spChg>
+        <pc:spChg chg="mod">
+          <ac:chgData name="Mélissa Zhou" userId="071ed09a453febb9" providerId="Windows Live" clId="Web-{0D98B61B-5663-45EC-BBB4-F56CF2AE196F}" dt="2022-06-09T08:09:15.016" v="127" actId="1076"/>
+          <ac:spMkLst>
+            <pc:docMk/>
+            <pc:sldMk cId="2986881299" sldId="270"/>
+            <ac:spMk id="25" creationId="{0B0D2BDF-04A2-5277-4900-6B0D9BABF412}"/>
+          </ac:spMkLst>
+        </pc:spChg>
+        <pc:spChg chg="mod">
+          <ac:chgData name="Mélissa Zhou" userId="071ed09a453febb9" providerId="Windows Live" clId="Web-{0D98B61B-5663-45EC-BBB4-F56CF2AE196F}" dt="2022-06-09T08:09:15.032" v="128" actId="1076"/>
+          <ac:spMkLst>
+            <pc:docMk/>
+            <pc:sldMk cId="2986881299" sldId="270"/>
+            <ac:spMk id="26" creationId="{2E8DA99F-7930-48B6-0D31-F7AF73F7B9B0}"/>
+          </ac:spMkLst>
+        </pc:spChg>
+        <pc:spChg chg="mod">
+          <ac:chgData name="Mélissa Zhou" userId="071ed09a453febb9" providerId="Windows Live" clId="Web-{0D98B61B-5663-45EC-BBB4-F56CF2AE196F}" dt="2022-06-09T08:09:15.032" v="129" actId="1076"/>
+          <ac:spMkLst>
+            <pc:docMk/>
+            <pc:sldMk cId="2986881299" sldId="270"/>
+            <ac:spMk id="27" creationId="{72CBDEFC-490F-2AF6-B3D4-483EDF85DDB1}"/>
+          </ac:spMkLst>
+        </pc:spChg>
+        <pc:spChg chg="del">
+          <ac:chgData name="Mélissa Zhou" userId="071ed09a453febb9" providerId="Windows Live" clId="Web-{0D98B61B-5663-45EC-BBB4-F56CF2AE196F}" dt="2022-06-09T08:07:47.483" v="111"/>
+          <ac:spMkLst>
+            <pc:docMk/>
+            <pc:sldMk cId="2986881299" sldId="270"/>
+            <ac:spMk id="28" creationId="{FF6A4160-7862-E2F8-2A69-40291CEBA7E2}"/>
+          </ac:spMkLst>
+        </pc:spChg>
+        <pc:spChg chg="add mod">
+          <ac:chgData name="Mélissa Zhou" userId="071ed09a453febb9" providerId="Windows Live" clId="Web-{0D98B61B-5663-45EC-BBB4-F56CF2AE196F}" dt="2022-06-09T08:10:52.550" v="157" actId="20577"/>
+          <ac:spMkLst>
+            <pc:docMk/>
+            <pc:sldMk cId="2986881299" sldId="270"/>
+            <ac:spMk id="29" creationId="{E8FBA4EC-E09C-128F-F634-25F0774EFD5A}"/>
+          </ac:spMkLst>
+        </pc:spChg>
+        <pc:spChg chg="add mod">
+          <ac:chgData name="Mélissa Zhou" userId="071ed09a453febb9" providerId="Windows Live" clId="Web-{0D98B61B-5663-45EC-BBB4-F56CF2AE196F}" dt="2022-06-09T08:09:36.126" v="140" actId="1076"/>
+          <ac:spMkLst>
+            <pc:docMk/>
+            <pc:sldMk cId="2986881299" sldId="270"/>
+            <ac:spMk id="30" creationId="{7A905E1A-3D81-1029-47E3-74C64E1FB0BD}"/>
+          </ac:spMkLst>
+        </pc:spChg>
+        <pc:spChg chg="add mod">
+          <ac:chgData name="Mélissa Zhou" userId="071ed09a453febb9" providerId="Windows Live" clId="Web-{0D98B61B-5663-45EC-BBB4-F56CF2AE196F}" dt="2022-06-09T08:09:36.142" v="141" actId="1076"/>
+          <ac:spMkLst>
+            <pc:docMk/>
+            <pc:sldMk cId="2986881299" sldId="270"/>
+            <ac:spMk id="31" creationId="{A8ED9FE2-4ABA-FC50-C65F-D74EFFAA07B3}"/>
+          </ac:spMkLst>
+        </pc:spChg>
+        <pc:spChg chg="add mod">
+          <ac:chgData name="Mélissa Zhou" userId="071ed09a453febb9" providerId="Windows Live" clId="Web-{0D98B61B-5663-45EC-BBB4-F56CF2AE196F}" dt="2022-06-09T08:09:36.158" v="142" actId="1076"/>
+          <ac:spMkLst>
+            <pc:docMk/>
+            <pc:sldMk cId="2986881299" sldId="270"/>
+            <ac:spMk id="32" creationId="{82593DB8-33F4-B131-2262-A7C42462D054}"/>
+          </ac:spMkLst>
+        </pc:spChg>
+        <pc:spChg chg="add mod">
+          <ac:chgData name="Mélissa Zhou" userId="071ed09a453febb9" providerId="Windows Live" clId="Web-{0D98B61B-5663-45EC-BBB4-F56CF2AE196F}" dt="2022-06-09T08:09:36.173" v="143" actId="1076"/>
+          <ac:spMkLst>
+            <pc:docMk/>
+            <pc:sldMk cId="2986881299" sldId="270"/>
+            <ac:spMk id="33" creationId="{331C58B8-D826-F25B-0B4A-0DBC107F4827}"/>
+          </ac:spMkLst>
+        </pc:spChg>
+        <pc:spChg chg="add mod">
+          <ac:chgData name="Mélissa Zhou" userId="071ed09a453febb9" providerId="Windows Live" clId="Web-{0D98B61B-5663-45EC-BBB4-F56CF2AE196F}" dt="2022-06-09T08:09:36.189" v="144" actId="1076"/>
+          <ac:spMkLst>
+            <pc:docMk/>
+            <pc:sldMk cId="2986881299" sldId="270"/>
+            <ac:spMk id="34" creationId="{FE8D99FF-7069-5AC2-09BF-C3CF45DB1DAE}"/>
+          </ac:spMkLst>
+        </pc:spChg>
+        <pc:spChg chg="add mod">
+          <ac:chgData name="Mélissa Zhou" userId="071ed09a453febb9" providerId="Windows Live" clId="Web-{0D98B61B-5663-45EC-BBB4-F56CF2AE196F}" dt="2022-06-09T08:09:36.204" v="145" actId="1076"/>
+          <ac:spMkLst>
+            <pc:docMk/>
+            <pc:sldMk cId="2986881299" sldId="270"/>
+            <ac:spMk id="35" creationId="{8AC07DB2-C7D7-718C-2267-5755BA278E53}"/>
+          </ac:spMkLst>
+        </pc:spChg>
+        <pc:spChg chg="add mod">
+          <ac:chgData name="Mélissa Zhou" userId="071ed09a453febb9" providerId="Windows Live" clId="Web-{0D98B61B-5663-45EC-BBB4-F56CF2AE196F}" dt="2022-06-09T08:09:36.220" v="146" actId="1076"/>
+          <ac:spMkLst>
+            <pc:docMk/>
+            <pc:sldMk cId="2986881299" sldId="270"/>
+            <ac:spMk id="36" creationId="{BAB892D5-8230-3300-D67E-BF7EADCB8085}"/>
+          </ac:spMkLst>
+        </pc:spChg>
+        <pc:spChg chg="add mod">
+          <ac:chgData name="Mélissa Zhou" userId="071ed09a453febb9" providerId="Windows Live" clId="Web-{0D98B61B-5663-45EC-BBB4-F56CF2AE196F}" dt="2022-06-09T08:09:36.236" v="147" actId="1076"/>
+          <ac:spMkLst>
+            <pc:docMk/>
+            <pc:sldMk cId="2986881299" sldId="270"/>
+            <ac:spMk id="37" creationId="{B9ED73F7-4B81-4FF6-6BDB-C691D12BE888}"/>
+          </ac:spMkLst>
+        </pc:spChg>
+        <pc:spChg chg="add mod">
+          <ac:chgData name="Mélissa Zhou" userId="071ed09a453febb9" providerId="Windows Live" clId="Web-{0D98B61B-5663-45EC-BBB4-F56CF2AE196F}" dt="2022-06-09T08:12:13.755" v="193" actId="1076"/>
+          <ac:spMkLst>
+            <pc:docMk/>
+            <pc:sldMk cId="2986881299" sldId="270"/>
+            <ac:spMk id="38" creationId="{CC5184C0-D398-A4CD-8681-00E99A4BAA50}"/>
+          </ac:spMkLst>
+        </pc:spChg>
+        <pc:spChg chg="add mod">
+          <ac:chgData name="Mélissa Zhou" userId="071ed09a453febb9" providerId="Windows Live" clId="Web-{0D98B61B-5663-45EC-BBB4-F56CF2AE196F}" dt="2022-06-09T08:13:33.522" v="196" actId="1076"/>
+          <ac:spMkLst>
+            <pc:docMk/>
+            <pc:sldMk cId="2986881299" sldId="270"/>
+            <ac:spMk id="39" creationId="{DCB00541-6799-4A3D-EC30-C23457AF45CF}"/>
+          </ac:spMkLst>
+        </pc:spChg>
+        <pc:spChg chg="add mod">
+          <ac:chgData name="Mélissa Zhou" userId="071ed09a453febb9" providerId="Windows Live" clId="Web-{0D98B61B-5663-45EC-BBB4-F56CF2AE196F}" dt="2022-06-09T08:13:41.820" v="198" actId="1076"/>
+          <ac:spMkLst>
+            <pc:docMk/>
+            <pc:sldMk cId="2986881299" sldId="270"/>
+            <ac:spMk id="40" creationId="{07093B10-0519-38C3-E50D-675264585EEF}"/>
+          </ac:spMkLst>
+        </pc:spChg>
+        <pc:spChg chg="add mod">
+          <ac:chgData name="Mélissa Zhou" userId="071ed09a453febb9" providerId="Windows Live" clId="Web-{0D98B61B-5663-45EC-BBB4-F56CF2AE196F}" dt="2022-06-09T08:13:48.851" v="200" actId="1076"/>
+          <ac:spMkLst>
+            <pc:docMk/>
+            <pc:sldMk cId="2986881299" sldId="270"/>
+            <ac:spMk id="41" creationId="{F2D1A592-656A-D532-CA02-49E9CC9AEC86}"/>
+          </ac:spMkLst>
+        </pc:spChg>
+        <pc:spChg chg="add mod">
+          <ac:chgData name="Mélissa Zhou" userId="071ed09a453febb9" providerId="Windows Live" clId="Web-{0D98B61B-5663-45EC-BBB4-F56CF2AE196F}" dt="2022-06-09T08:14:01.133" v="202" actId="1076"/>
+          <ac:spMkLst>
+            <pc:docMk/>
+            <pc:sldMk cId="2986881299" sldId="270"/>
+            <ac:spMk id="42" creationId="{8EA09A0C-C4B9-1AEF-6F4F-95951D6E9277}"/>
+          </ac:spMkLst>
+        </pc:spChg>
+        <pc:spChg chg="add mod">
+          <ac:chgData name="Mélissa Zhou" userId="071ed09a453febb9" providerId="Windows Live" clId="Web-{0D98B61B-5663-45EC-BBB4-F56CF2AE196F}" dt="2022-06-09T08:14:05.836" v="204" actId="1076"/>
+          <ac:spMkLst>
+            <pc:docMk/>
+            <pc:sldMk cId="2986881299" sldId="270"/>
+            <ac:spMk id="43" creationId="{61788CC7-4265-AC37-1973-8F00AFE18213}"/>
+          </ac:spMkLst>
+        </pc:spChg>
+      </pc:sldChg>
+    </pc:docChg>
+  </pc:docChgLst>
   <pc:docChgLst>
     <pc:chgData name="Mélissa Zhou" userId="071ed09a453febb9" providerId="Windows Live" clId="Web-{7953949E-32BC-4D51-86D9-1832C2A4BE9C}"/>
     <pc:docChg chg="addSld delSld modSld">
@@ -1336,616 +1953,47 @@
     </pc:docChg>
   </pc:docChgLst>
   <pc:docChgLst>
-    <pc:chgData name="Mélissa Zhou" userId="071ed09a453febb9" providerId="Windows Live" clId="Web-{0D98B61B-5663-45EC-BBB4-F56CF2AE196F}"/>
-    <pc:docChg chg="addSld delSld modSld sldOrd">
-      <pc:chgData name="Mélissa Zhou" userId="071ed09a453febb9" providerId="Windows Live" clId="Web-{0D98B61B-5663-45EC-BBB4-F56CF2AE196F}" dt="2022-06-09T08:24:20.178" v="332" actId="1076"/>
+    <pc:chgData name="Utilisateur invité" providerId="Windows Live" clId="Web-{F7AABDE8-9DED-4371-A384-2932A2DC4568}"/>
+    <pc:docChg chg="modSld">
+      <pc:chgData name="Utilisateur invité" userId="" providerId="Windows Live" clId="Web-{F7AABDE8-9DED-4371-A384-2932A2DC4568}" dt="2022-06-08T13:44:16.663" v="94" actId="20577"/>
       <pc:docMkLst>
         <pc:docMk/>
       </pc:docMkLst>
-      <pc:sldChg chg="addSp delSp modSp">
-        <pc:chgData name="Mélissa Zhou" userId="071ed09a453febb9" providerId="Windows Live" clId="Web-{0D98B61B-5663-45EC-BBB4-F56CF2AE196F}" dt="2022-06-09T08:24:20.178" v="332" actId="1076"/>
-        <pc:sldMkLst>
-          <pc:docMk/>
-          <pc:sldMk cId="152930187" sldId="258"/>
-        </pc:sldMkLst>
-        <pc:spChg chg="mod">
-          <ac:chgData name="Mélissa Zhou" userId="071ed09a453febb9" providerId="Windows Live" clId="Web-{0D98B61B-5663-45EC-BBB4-F56CF2AE196F}" dt="2022-06-09T08:23:34.865" v="322" actId="1076"/>
-          <ac:spMkLst>
-            <pc:docMk/>
-            <pc:sldMk cId="152930187" sldId="258"/>
-            <ac:spMk id="5" creationId="{28C1A5DB-EF7F-E9F2-7BB5-87F5202655CD}"/>
-          </ac:spMkLst>
-        </pc:spChg>
-        <pc:spChg chg="mod">
-          <ac:chgData name="Mélissa Zhou" userId="071ed09a453febb9" providerId="Windows Live" clId="Web-{0D98B61B-5663-45EC-BBB4-F56CF2AE196F}" dt="2022-06-09T08:24:08.084" v="329" actId="1076"/>
-          <ac:spMkLst>
-            <pc:docMk/>
-            <pc:sldMk cId="152930187" sldId="258"/>
-            <ac:spMk id="6" creationId="{42D94E88-F801-7189-0F88-9E5F2D3932B7}"/>
-          </ac:spMkLst>
-        </pc:spChg>
-        <pc:spChg chg="mod">
-          <ac:chgData name="Mélissa Zhou" userId="071ed09a453febb9" providerId="Windows Live" clId="Web-{0D98B61B-5663-45EC-BBB4-F56CF2AE196F}" dt="2022-06-09T08:24:20.178" v="332" actId="1076"/>
-          <ac:spMkLst>
-            <pc:docMk/>
-            <pc:sldMk cId="152930187" sldId="258"/>
-            <ac:spMk id="7" creationId="{8312EB00-F4B0-3BF1-3014-3262A2D7534F}"/>
-          </ac:spMkLst>
-        </pc:spChg>
-        <pc:spChg chg="mod">
-          <ac:chgData name="Mélissa Zhou" userId="071ed09a453febb9" providerId="Windows Live" clId="Web-{0D98B61B-5663-45EC-BBB4-F56CF2AE196F}" dt="2022-06-09T08:23:34.880" v="323" actId="1076"/>
-          <ac:spMkLst>
-            <pc:docMk/>
-            <pc:sldMk cId="152930187" sldId="258"/>
-            <ac:spMk id="10" creationId="{02FB3C48-5973-E3E0-77E6-F986DB71E9D8}"/>
-          </ac:spMkLst>
-        </pc:spChg>
-        <pc:spChg chg="mod">
-          <ac:chgData name="Mélissa Zhou" userId="071ed09a453febb9" providerId="Windows Live" clId="Web-{0D98B61B-5663-45EC-BBB4-F56CF2AE196F}" dt="2022-06-09T08:24:08.100" v="330" actId="1076"/>
-          <ac:spMkLst>
-            <pc:docMk/>
-            <pc:sldMk cId="152930187" sldId="258"/>
-            <ac:spMk id="11" creationId="{E9BBF7C2-27E3-2E23-FD99-36F1DDD59743}"/>
-          </ac:spMkLst>
-        </pc:spChg>
-        <pc:spChg chg="mod">
-          <ac:chgData name="Mélissa Zhou" userId="071ed09a453febb9" providerId="Windows Live" clId="Web-{0D98B61B-5663-45EC-BBB4-F56CF2AE196F}" dt="2022-06-09T08:24:14.053" v="331" actId="1076"/>
-          <ac:spMkLst>
-            <pc:docMk/>
-            <pc:sldMk cId="152930187" sldId="258"/>
-            <ac:spMk id="12" creationId="{FA7B7C8D-0B66-ABCD-A0BA-4F59F7FB13E8}"/>
-          </ac:spMkLst>
-        </pc:spChg>
-        <pc:spChg chg="mod">
-          <ac:chgData name="Mélissa Zhou" userId="071ed09a453febb9" providerId="Windows Live" clId="Web-{0D98B61B-5663-45EC-BBB4-F56CF2AE196F}" dt="2022-06-09T08:15:15.603" v="216" actId="20577"/>
-          <ac:spMkLst>
-            <pc:docMk/>
-            <pc:sldMk cId="152930187" sldId="258"/>
-            <ac:spMk id="17" creationId="{6F8F2F11-1A98-9995-000A-6F3C6256AC8A}"/>
-          </ac:spMkLst>
-        </pc:spChg>
-        <pc:spChg chg="mod">
-          <ac:chgData name="Mélissa Zhou" userId="071ed09a453febb9" providerId="Windows Live" clId="Web-{0D98B61B-5663-45EC-BBB4-F56CF2AE196F}" dt="2022-06-09T08:14:48.009" v="210" actId="1076"/>
-          <ac:spMkLst>
-            <pc:docMk/>
-            <pc:sldMk cId="152930187" sldId="258"/>
-            <ac:spMk id="18" creationId="{C59EB301-9DDB-A2EF-2FD0-3CAE59C00296}"/>
-          </ac:spMkLst>
-        </pc:spChg>
-        <pc:spChg chg="add mod">
-          <ac:chgData name="Mélissa Zhou" userId="071ed09a453febb9" providerId="Windows Live" clId="Web-{0D98B61B-5663-45EC-BBB4-F56CF2AE196F}" dt="2022-06-09T08:16:52.402" v="271" actId="20577"/>
-          <ac:spMkLst>
-            <pc:docMk/>
-            <pc:sldMk cId="152930187" sldId="258"/>
-            <ac:spMk id="29" creationId="{D892E227-837C-FD92-9D10-C99CEF33AE36}"/>
-          </ac:spMkLst>
-        </pc:spChg>
-        <pc:spChg chg="add mod">
-          <ac:chgData name="Mélissa Zhou" userId="071ed09a453febb9" providerId="Windows Live" clId="Web-{0D98B61B-5663-45EC-BBB4-F56CF2AE196F}" dt="2022-06-09T08:17:43.263" v="314" actId="20577"/>
-          <ac:spMkLst>
-            <pc:docMk/>
-            <pc:sldMk cId="152930187" sldId="258"/>
-            <ac:spMk id="30" creationId="{38CFC823-E39B-DCDD-0EDC-B20BBD4A3FF0}"/>
-          </ac:spMkLst>
-        </pc:spChg>
-        <pc:spChg chg="add mod">
-          <ac:chgData name="Mélissa Zhou" userId="071ed09a453febb9" providerId="Windows Live" clId="Web-{0D98B61B-5663-45EC-BBB4-F56CF2AE196F}" dt="2022-06-09T08:23:48.990" v="326" actId="1076"/>
-          <ac:spMkLst>
-            <pc:docMk/>
-            <pc:sldMk cId="152930187" sldId="258"/>
-            <ac:spMk id="31" creationId="{2F0EADCE-86A7-2FEE-574D-5ADE0E2FB1D8}"/>
-          </ac:spMkLst>
-        </pc:spChg>
-        <pc:spChg chg="add mod">
-          <ac:chgData name="Mélissa Zhou" userId="071ed09a453febb9" providerId="Windows Live" clId="Web-{0D98B61B-5663-45EC-BBB4-F56CF2AE196F}" dt="2022-06-09T08:23:54.365" v="328" actId="20577"/>
-          <ac:spMkLst>
-            <pc:docMk/>
-            <pc:sldMk cId="152930187" sldId="258"/>
-            <ac:spMk id="32" creationId="{F0FD14AA-64B2-B883-0F84-8C09C5532867}"/>
-          </ac:spMkLst>
-        </pc:spChg>
-        <pc:grpChg chg="add del">
-          <ac:chgData name="Mélissa Zhou" userId="071ed09a453febb9" providerId="Windows Live" clId="Web-{0D98B61B-5663-45EC-BBB4-F56CF2AE196F}" dt="2022-06-09T08:16:54.683" v="272"/>
-          <ac:grpSpMkLst>
-            <pc:docMk/>
-            <pc:sldMk cId="152930187" sldId="258"/>
-            <ac:grpSpMk id="15" creationId="{7A6F0002-A333-ABB3-160B-09F1021B8738}"/>
-          </ac:grpSpMkLst>
-        </pc:grpChg>
-        <pc:grpChg chg="add del">
-          <ac:chgData name="Mélissa Zhou" userId="071ed09a453febb9" providerId="Windows Live" clId="Web-{0D98B61B-5663-45EC-BBB4-F56CF2AE196F}" dt="2022-06-09T08:16:57.340" v="273"/>
-          <ac:grpSpMkLst>
-            <pc:docMk/>
-            <pc:sldMk cId="152930187" sldId="258"/>
-            <ac:grpSpMk id="27" creationId="{420A2D39-5D37-C47B-D6C3-EF01ACC3E24C}"/>
-          </ac:grpSpMkLst>
-        </pc:grpChg>
-        <pc:picChg chg="add mod ord">
-          <ac:chgData name="Mélissa Zhou" userId="071ed09a453febb9" providerId="Windows Live" clId="Web-{0D98B61B-5663-45EC-BBB4-F56CF2AE196F}" dt="2022-06-09T08:16:17.808" v="269" actId="1076"/>
-          <ac:picMkLst>
-            <pc:docMk/>
-            <pc:sldMk cId="152930187" sldId="258"/>
-            <ac:picMk id="23" creationId="{1F9132D7-5310-34D1-5D35-F61E5ACE9FD9}"/>
-          </ac:picMkLst>
-        </pc:picChg>
-      </pc:sldChg>
-      <pc:sldChg chg="ord">
-        <pc:chgData name="Mélissa Zhou" userId="071ed09a453febb9" providerId="Windows Live" clId="Web-{0D98B61B-5663-45EC-BBB4-F56CF2AE196F}" dt="2022-06-09T07:51:14.147" v="29"/>
+      <pc:sldChg chg="addSp modSp">
+        <pc:chgData name="Utilisateur invité" userId="" providerId="Windows Live" clId="Web-{F7AABDE8-9DED-4371-A384-2932A2DC4568}" dt="2022-06-08T13:44:16.663" v="94" actId="20577"/>
         <pc:sldMkLst>
           <pc:docMk/>
           <pc:sldMk cId="3145503830" sldId="259"/>
         </pc:sldMkLst>
+        <pc:spChg chg="add mod">
+          <ac:chgData name="Utilisateur invité" userId="" providerId="Windows Live" clId="Web-{F7AABDE8-9DED-4371-A384-2932A2DC4568}" dt="2022-06-08T13:44:16.663" v="94" actId="20577"/>
+          <ac:spMkLst>
+            <pc:docMk/>
+            <pc:sldMk cId="3145503830" sldId="259"/>
+            <ac:spMk id="12" creationId="{8F70D023-1544-9A16-6958-380210C70CB0}"/>
+          </ac:spMkLst>
+        </pc:spChg>
       </pc:sldChg>
-      <pc:sldChg chg="addSp modSp ord">
-        <pc:chgData name="Mélissa Zhou" userId="071ed09a453febb9" providerId="Windows Live" clId="Web-{0D98B61B-5663-45EC-BBB4-F56CF2AE196F}" dt="2022-06-09T07:50:09.833" v="21"/>
+      <pc:sldChg chg="addSp delSp modSp">
+        <pc:chgData name="Utilisateur invité" userId="" providerId="Windows Live" clId="Web-{F7AABDE8-9DED-4371-A384-2932A2DC4568}" dt="2022-06-08T13:39:54.211" v="64" actId="20577"/>
         <pc:sldMkLst>
           <pc:docMk/>
-          <pc:sldMk cId="534405091" sldId="262"/>
+          <pc:sldMk cId="1362687017" sldId="261"/>
         </pc:sldMkLst>
+        <pc:spChg chg="add del mod">
+          <ac:chgData name="Utilisateur invité" userId="" providerId="Windows Live" clId="Web-{F7AABDE8-9DED-4371-A384-2932A2DC4568}" dt="2022-06-08T13:39:01.852" v="2"/>
+          <ac:spMkLst>
+            <pc:docMk/>
+            <pc:sldMk cId="1362687017" sldId="261"/>
+            <ac:spMk id="2" creationId="{EE3ADC0D-3D5B-7AD8-77F3-D94529BD221C}"/>
+          </ac:spMkLst>
+        </pc:spChg>
         <pc:spChg chg="add mod">
-          <ac:chgData name="Mélissa Zhou" userId="071ed09a453febb9" providerId="Windows Live" clId="Web-{0D98B61B-5663-45EC-BBB4-F56CF2AE196F}" dt="2022-06-09T07:50:03.802" v="20" actId="20577"/>
-          <ac:spMkLst>
-            <pc:docMk/>
-            <pc:sldMk cId="534405091" sldId="262"/>
-            <ac:spMk id="2" creationId="{23028B07-9D96-D53B-B58E-2E384F371EF4}"/>
-          </ac:spMkLst>
-        </pc:spChg>
-      </pc:sldChg>
-      <pc:sldChg chg="addSp modSp">
-        <pc:chgData name="Mélissa Zhou" userId="071ed09a453febb9" providerId="Windows Live" clId="Web-{0D98B61B-5663-45EC-BBB4-F56CF2AE196F}" dt="2022-06-09T08:14:55.571" v="212" actId="1076"/>
-        <pc:sldMkLst>
-          <pc:docMk/>
-          <pc:sldMk cId="324133708" sldId="265"/>
-        </pc:sldMkLst>
-        <pc:spChg chg="mod">
-          <ac:chgData name="Mélissa Zhou" userId="071ed09a453febb9" providerId="Windows Live" clId="Web-{0D98B61B-5663-45EC-BBB4-F56CF2AE196F}" dt="2022-06-09T08:14:55.571" v="212" actId="1076"/>
-          <ac:spMkLst>
-            <pc:docMk/>
-            <pc:sldMk cId="324133708" sldId="265"/>
-            <ac:spMk id="2" creationId="{59028AFE-893D-3809-CDC1-B4A49123E134}"/>
-          </ac:spMkLst>
-        </pc:spChg>
-        <pc:spChg chg="add mod">
-          <ac:chgData name="Mélissa Zhou" userId="071ed09a453febb9" providerId="Windows Live" clId="Web-{0D98B61B-5663-45EC-BBB4-F56CF2AE196F}" dt="2022-06-09T07:47:24.767" v="6" actId="20577"/>
-          <ac:spMkLst>
-            <pc:docMk/>
-            <pc:sldMk cId="324133708" sldId="265"/>
-            <ac:spMk id="3" creationId="{9ACB79C5-FADF-E509-6308-9A5248B15F73}"/>
-          </ac:spMkLst>
-        </pc:spChg>
-      </pc:sldChg>
-      <pc:sldChg chg="modSp add ord replId">
-        <pc:chgData name="Mélissa Zhou" userId="071ed09a453febb9" providerId="Windows Live" clId="Web-{0D98B61B-5663-45EC-BBB4-F56CF2AE196F}" dt="2022-06-09T07:51:04.881" v="28"/>
-        <pc:sldMkLst>
-          <pc:docMk/>
-          <pc:sldMk cId="4179463568" sldId="267"/>
-        </pc:sldMkLst>
-        <pc:spChg chg="mod">
-          <ac:chgData name="Mélissa Zhou" userId="071ed09a453febb9" providerId="Windows Live" clId="Web-{0D98B61B-5663-45EC-BBB4-F56CF2AE196F}" dt="2022-06-09T07:51:00.787" v="27" actId="20577"/>
-          <ac:spMkLst>
-            <pc:docMk/>
-            <pc:sldMk cId="4179463568" sldId="267"/>
-            <ac:spMk id="2" creationId="{23028B07-9D96-D53B-B58E-2E384F371EF4}"/>
-          </ac:spMkLst>
-        </pc:spChg>
-      </pc:sldChg>
-      <pc:sldChg chg="add del replId">
-        <pc:chgData name="Mélissa Zhou" userId="071ed09a453febb9" providerId="Windows Live" clId="Web-{0D98B61B-5663-45EC-BBB4-F56CF2AE196F}" dt="2022-06-09T08:05:53.387" v="94"/>
-        <pc:sldMkLst>
-          <pc:docMk/>
-          <pc:sldMk cId="2214178824" sldId="268"/>
-        </pc:sldMkLst>
-      </pc:sldChg>
-      <pc:sldChg chg="addSp delSp modSp add del replId">
-        <pc:chgData name="Mélissa Zhou" userId="071ed09a453febb9" providerId="Windows Live" clId="Web-{0D98B61B-5663-45EC-BBB4-F56CF2AE196F}" dt="2022-06-09T08:06:33.622" v="108" actId="20577"/>
-        <pc:sldMkLst>
-          <pc:docMk/>
-          <pc:sldMk cId="3302146440" sldId="269"/>
-        </pc:sldMkLst>
-        <pc:spChg chg="add mod">
-          <ac:chgData name="Mélissa Zhou" userId="071ed09a453febb9" providerId="Windows Live" clId="Web-{0D98B61B-5663-45EC-BBB4-F56CF2AE196F}" dt="2022-06-09T08:01:43.021" v="75" actId="14100"/>
-          <ac:spMkLst>
-            <pc:docMk/>
-            <pc:sldMk cId="3302146440" sldId="269"/>
-            <ac:spMk id="6" creationId="{15A2A724-6CBD-6C61-E94E-5AB92EEF0AFA}"/>
-          </ac:spMkLst>
-        </pc:spChg>
-        <pc:spChg chg="add mod">
-          <ac:chgData name="Mélissa Zhou" userId="071ed09a453febb9" providerId="Windows Live" clId="Web-{0D98B61B-5663-45EC-BBB4-F56CF2AE196F}" dt="2022-06-09T08:05:12.636" v="93" actId="14100"/>
-          <ac:spMkLst>
-            <pc:docMk/>
-            <pc:sldMk cId="3302146440" sldId="269"/>
-            <ac:spMk id="8" creationId="{3793D12D-8689-63FC-246E-31DC2D3D67A3}"/>
-          </ac:spMkLst>
-        </pc:spChg>
-        <pc:spChg chg="mod">
-          <ac:chgData name="Mélissa Zhou" userId="071ed09a453febb9" providerId="Windows Live" clId="Web-{0D98B61B-5663-45EC-BBB4-F56CF2AE196F}" dt="2022-06-09T07:57:21.328" v="49" actId="1076"/>
-          <ac:spMkLst>
-            <pc:docMk/>
-            <pc:sldMk cId="3302146440" sldId="269"/>
-            <ac:spMk id="33" creationId="{4B70298E-32D9-6C9F-B084-BC570B0CA05B}"/>
-          </ac:spMkLst>
-        </pc:spChg>
-        <pc:spChg chg="mod">
-          <ac:chgData name="Mélissa Zhou" userId="071ed09a453febb9" providerId="Windows Live" clId="Web-{0D98B61B-5663-45EC-BBB4-F56CF2AE196F}" dt="2022-06-09T07:57:21.328" v="50" actId="1076"/>
-          <ac:spMkLst>
-            <pc:docMk/>
-            <pc:sldMk cId="3302146440" sldId="269"/>
-            <ac:spMk id="34" creationId="{4A9E1AC1-00F6-F06F-06DF-FCF8033D6EA0}"/>
-          </ac:spMkLst>
-        </pc:spChg>
-        <pc:spChg chg="add mod">
-          <ac:chgData name="Mélissa Zhou" userId="071ed09a453febb9" providerId="Windows Live" clId="Web-{0D98B61B-5663-45EC-BBB4-F56CF2AE196F}" dt="2022-06-09T08:01:53.740" v="77" actId="1076"/>
-          <ac:spMkLst>
-            <pc:docMk/>
-            <pc:sldMk cId="3302146440" sldId="269"/>
-            <ac:spMk id="37" creationId="{869F1A14-68E7-D580-0ECB-857D124FE3B9}"/>
-          </ac:spMkLst>
-        </pc:spChg>
-        <pc:spChg chg="mod">
-          <ac:chgData name="Mélissa Zhou" userId="071ed09a453febb9" providerId="Windows Live" clId="Web-{0D98B61B-5663-45EC-BBB4-F56CF2AE196F}" dt="2022-06-09T08:04:07.072" v="88" actId="14100"/>
-          <ac:spMkLst>
-            <pc:docMk/>
-            <pc:sldMk cId="3302146440" sldId="269"/>
-            <ac:spMk id="39" creationId="{921BB98C-A013-5348-3ACA-2F018A6582B0}"/>
-          </ac:spMkLst>
-        </pc:spChg>
-        <pc:spChg chg="mod">
-          <ac:chgData name="Mélissa Zhou" userId="071ed09a453febb9" providerId="Windows Live" clId="Web-{0D98B61B-5663-45EC-BBB4-F56CF2AE196F}" dt="2022-06-09T08:03:19.211" v="85" actId="14100"/>
-          <ac:spMkLst>
-            <pc:docMk/>
-            <pc:sldMk cId="3302146440" sldId="269"/>
-            <ac:spMk id="40" creationId="{4A718CEE-E54A-E8E1-C393-BC1E0BF9CA85}"/>
-          </ac:spMkLst>
-        </pc:spChg>
-        <pc:spChg chg="add mod">
-          <ac:chgData name="Mélissa Zhou" userId="071ed09a453febb9" providerId="Windows Live" clId="Web-{0D98B61B-5663-45EC-BBB4-F56CF2AE196F}" dt="2022-06-09T08:06:33.622" v="108" actId="20577"/>
-          <ac:spMkLst>
-            <pc:docMk/>
-            <pc:sldMk cId="3302146440" sldId="269"/>
-            <ac:spMk id="60" creationId="{3D1CF6F8-285E-ADAB-9FFF-35CB2C577FDB}"/>
-          </ac:spMkLst>
-        </pc:spChg>
-        <pc:grpChg chg="add mod">
-          <ac:chgData name="Mélissa Zhou" userId="071ed09a453febb9" providerId="Windows Live" clId="Web-{0D98B61B-5663-45EC-BBB4-F56CF2AE196F}" dt="2022-06-09T08:01:34.302" v="74" actId="1076"/>
-          <ac:grpSpMkLst>
-            <pc:docMk/>
-            <pc:sldMk cId="3302146440" sldId="269"/>
-            <ac:grpSpMk id="7" creationId="{37BCFF66-D7EE-DDFE-A20B-C9A4CC6083F4}"/>
-          </ac:grpSpMkLst>
-        </pc:grpChg>
-        <pc:grpChg chg="add mod">
-          <ac:chgData name="Mélissa Zhou" userId="071ed09a453febb9" providerId="Windows Live" clId="Web-{0D98B61B-5663-45EC-BBB4-F56CF2AE196F}" dt="2022-06-09T08:02:48.117" v="82" actId="1076"/>
-          <ac:grpSpMkLst>
-            <pc:docMk/>
-            <pc:sldMk cId="3302146440" sldId="269"/>
-            <ac:grpSpMk id="38" creationId="{53A0C757-52A0-B02D-8351-D247B470BD95}"/>
-          </ac:grpSpMkLst>
-        </pc:grpChg>
-        <pc:grpChg chg="add del">
-          <ac:chgData name="Mélissa Zhou" userId="071ed09a453febb9" providerId="Windows Live" clId="Web-{0D98B61B-5663-45EC-BBB4-F56CF2AE196F}" dt="2022-06-09T08:04:30.853" v="90"/>
-          <ac:grpSpMkLst>
-            <pc:docMk/>
-            <pc:sldMk cId="3302146440" sldId="269"/>
-            <ac:grpSpMk id="41" creationId="{1EFB0EC6-84DE-346C-5E6C-C3D5CDDBC395}"/>
-          </ac:grpSpMkLst>
-        </pc:grpChg>
-        <pc:picChg chg="add mod">
-          <ac:chgData name="Mélissa Zhou" userId="071ed09a453febb9" providerId="Windows Live" clId="Web-{0D98B61B-5663-45EC-BBB4-F56CF2AE196F}" dt="2022-06-09T07:57:06.374" v="47" actId="1076"/>
-          <ac:picMkLst>
-            <pc:docMk/>
-            <pc:sldMk cId="3302146440" sldId="269"/>
-            <ac:picMk id="3" creationId="{B985DB5F-C3FF-A481-9DE8-DBD26DB2C6F7}"/>
-          </ac:picMkLst>
-        </pc:picChg>
-        <pc:picChg chg="add mod">
-          <ac:chgData name="Mélissa Zhou" userId="071ed09a453febb9" providerId="Windows Live" clId="Web-{0D98B61B-5663-45EC-BBB4-F56CF2AE196F}" dt="2022-06-09T07:57:12.702" v="48" actId="1076"/>
-          <ac:picMkLst>
-            <pc:docMk/>
-            <pc:sldMk cId="3302146440" sldId="269"/>
-            <ac:picMk id="5" creationId="{DB87C213-73AF-DF57-9112-2BA858705C00}"/>
-          </ac:picMkLst>
-        </pc:picChg>
-        <pc:picChg chg="add mod">
-          <ac:chgData name="Mélissa Zhou" userId="071ed09a453febb9" providerId="Windows Live" clId="Web-{0D98B61B-5663-45EC-BBB4-F56CF2AE196F}" dt="2022-06-09T07:57:54.594" v="52" actId="1076"/>
-          <ac:picMkLst>
-            <pc:docMk/>
-            <pc:sldMk cId="3302146440" sldId="269"/>
-            <ac:picMk id="35" creationId="{0B258814-A5B4-EA02-027E-25F1C53D0E07}"/>
-          </ac:picMkLst>
-        </pc:picChg>
-        <pc:picChg chg="add mod">
-          <ac:chgData name="Mélissa Zhou" userId="071ed09a453febb9" providerId="Windows Live" clId="Web-{0D98B61B-5663-45EC-BBB4-F56CF2AE196F}" dt="2022-06-09T07:57:59.516" v="54" actId="1076"/>
-          <ac:picMkLst>
-            <pc:docMk/>
-            <pc:sldMk cId="3302146440" sldId="269"/>
-            <ac:picMk id="36" creationId="{BFCF9F32-81DC-FF39-1058-858E565FA51B}"/>
-          </ac:picMkLst>
-        </pc:picChg>
-      </pc:sldChg>
-      <pc:sldChg chg="add del replId">
-        <pc:chgData name="Mélissa Zhou" userId="071ed09a453febb9" providerId="Windows Live" clId="Web-{0D98B61B-5663-45EC-BBB4-F56CF2AE196F}" dt="2022-06-09T08:06:03.793" v="97"/>
-        <pc:sldMkLst>
-          <pc:docMk/>
-          <pc:sldMk cId="1742588664" sldId="270"/>
-        </pc:sldMkLst>
-      </pc:sldChg>
-      <pc:sldChg chg="addSp delSp modSp add ord replId">
-        <pc:chgData name="Mélissa Zhou" userId="071ed09a453febb9" providerId="Windows Live" clId="Web-{0D98B61B-5663-45EC-BBB4-F56CF2AE196F}" dt="2022-06-09T08:14:05.836" v="204" actId="1076"/>
-        <pc:sldMkLst>
-          <pc:docMk/>
-          <pc:sldMk cId="2986881299" sldId="270"/>
-        </pc:sldMkLst>
-        <pc:spChg chg="mod">
-          <ac:chgData name="Mélissa Zhou" userId="071ed09a453febb9" providerId="Windows Live" clId="Web-{0D98B61B-5663-45EC-BBB4-F56CF2AE196F}" dt="2022-06-09T08:09:14.798" v="112" actId="1076"/>
-          <ac:spMkLst>
-            <pc:docMk/>
-            <pc:sldMk cId="2986881299" sldId="270"/>
-            <ac:spMk id="9" creationId="{75A89977-E4CF-5E8F-9E3C-B192B1507F89}"/>
-          </ac:spMkLst>
-        </pc:spChg>
-        <pc:spChg chg="mod">
-          <ac:chgData name="Mélissa Zhou" userId="071ed09a453febb9" providerId="Windows Live" clId="Web-{0D98B61B-5663-45EC-BBB4-F56CF2AE196F}" dt="2022-06-09T08:09:14.813" v="113" actId="1076"/>
-          <ac:spMkLst>
-            <pc:docMk/>
-            <pc:sldMk cId="2986881299" sldId="270"/>
-            <ac:spMk id="10" creationId="{E82ACEA3-7655-8449-D679-96E78A031FCE}"/>
-          </ac:spMkLst>
-        </pc:spChg>
-        <pc:spChg chg="mod">
-          <ac:chgData name="Mélissa Zhou" userId="071ed09a453febb9" providerId="Windows Live" clId="Web-{0D98B61B-5663-45EC-BBB4-F56CF2AE196F}" dt="2022-06-09T08:09:14.829" v="114" actId="1076"/>
-          <ac:spMkLst>
-            <pc:docMk/>
-            <pc:sldMk cId="2986881299" sldId="270"/>
-            <ac:spMk id="12" creationId="{336D2EF3-485E-F901-7BD3-ACE7DFE5E3AD}"/>
-          </ac:spMkLst>
-        </pc:spChg>
-        <pc:spChg chg="mod">
-          <ac:chgData name="Mélissa Zhou" userId="071ed09a453febb9" providerId="Windows Live" clId="Web-{0D98B61B-5663-45EC-BBB4-F56CF2AE196F}" dt="2022-06-09T08:09:14.829" v="115" actId="1076"/>
-          <ac:spMkLst>
-            <pc:docMk/>
-            <pc:sldMk cId="2986881299" sldId="270"/>
-            <ac:spMk id="13" creationId="{14C40C07-EB8F-5F2F-A147-DDE20C858A73}"/>
-          </ac:spMkLst>
-        </pc:spChg>
-        <pc:spChg chg="mod">
-          <ac:chgData name="Mélissa Zhou" userId="071ed09a453febb9" providerId="Windows Live" clId="Web-{0D98B61B-5663-45EC-BBB4-F56CF2AE196F}" dt="2022-06-09T08:09:14.860" v="116" actId="1076"/>
-          <ac:spMkLst>
-            <pc:docMk/>
-            <pc:sldMk cId="2986881299" sldId="270"/>
-            <ac:spMk id="14" creationId="{E144B1E4-ABDD-93E9-BA42-4EEB720E699F}"/>
-          </ac:spMkLst>
-        </pc:spChg>
-        <pc:spChg chg="mod">
-          <ac:chgData name="Mélissa Zhou" userId="071ed09a453febb9" providerId="Windows Live" clId="Web-{0D98B61B-5663-45EC-BBB4-F56CF2AE196F}" dt="2022-06-09T08:09:14.876" v="117" actId="1076"/>
-          <ac:spMkLst>
-            <pc:docMk/>
-            <pc:sldMk cId="2986881299" sldId="270"/>
-            <ac:spMk id="15" creationId="{45C1E00D-5D81-0E87-E170-C810726294F4}"/>
-          </ac:spMkLst>
-        </pc:spChg>
-        <pc:spChg chg="mod">
-          <ac:chgData name="Mélissa Zhou" userId="071ed09a453febb9" providerId="Windows Live" clId="Web-{0D98B61B-5663-45EC-BBB4-F56CF2AE196F}" dt="2022-06-09T08:09:14.891" v="118" actId="1076"/>
-          <ac:spMkLst>
-            <pc:docMk/>
-            <pc:sldMk cId="2986881299" sldId="270"/>
-            <ac:spMk id="16" creationId="{6D6659A6-1DC2-FB43-362B-C23992EDEEBB}"/>
-          </ac:spMkLst>
-        </pc:spChg>
-        <pc:spChg chg="mod">
-          <ac:chgData name="Mélissa Zhou" userId="071ed09a453febb9" providerId="Windows Live" clId="Web-{0D98B61B-5663-45EC-BBB4-F56CF2AE196F}" dt="2022-06-09T08:09:14.923" v="119" actId="1076"/>
-          <ac:spMkLst>
-            <pc:docMk/>
-            <pc:sldMk cId="2986881299" sldId="270"/>
-            <ac:spMk id="17" creationId="{A72D8058-2B2A-2CA1-784D-1574D52FDC1D}"/>
-          </ac:spMkLst>
-        </pc:spChg>
-        <pc:spChg chg="mod">
-          <ac:chgData name="Mélissa Zhou" userId="071ed09a453febb9" providerId="Windows Live" clId="Web-{0D98B61B-5663-45EC-BBB4-F56CF2AE196F}" dt="2022-06-09T08:09:14.923" v="120" actId="1076"/>
-          <ac:spMkLst>
-            <pc:docMk/>
-            <pc:sldMk cId="2986881299" sldId="270"/>
-            <ac:spMk id="18" creationId="{F6E4A9A3-8BB5-F90A-B019-48A43DA8D3A9}"/>
-          </ac:spMkLst>
-        </pc:spChg>
-        <pc:spChg chg="mod">
-          <ac:chgData name="Mélissa Zhou" userId="071ed09a453febb9" providerId="Windows Live" clId="Web-{0D98B61B-5663-45EC-BBB4-F56CF2AE196F}" dt="2022-06-09T08:09:14.938" v="121" actId="1076"/>
-          <ac:spMkLst>
-            <pc:docMk/>
-            <pc:sldMk cId="2986881299" sldId="270"/>
-            <ac:spMk id="19" creationId="{1DA2E977-1203-9C27-4F66-A17C1CA345F3}"/>
-          </ac:spMkLst>
-        </pc:spChg>
-        <pc:spChg chg="mod">
-          <ac:chgData name="Mélissa Zhou" userId="071ed09a453febb9" providerId="Windows Live" clId="Web-{0D98B61B-5663-45EC-BBB4-F56CF2AE196F}" dt="2022-06-09T08:09:14.954" v="122" actId="1076"/>
-          <ac:spMkLst>
-            <pc:docMk/>
-            <pc:sldMk cId="2986881299" sldId="270"/>
-            <ac:spMk id="20" creationId="{5E788EAB-B51F-7B44-7557-CD1CCD5CC236}"/>
-          </ac:spMkLst>
-        </pc:spChg>
-        <pc:spChg chg="mod">
-          <ac:chgData name="Mélissa Zhou" userId="071ed09a453febb9" providerId="Windows Live" clId="Web-{0D98B61B-5663-45EC-BBB4-F56CF2AE196F}" dt="2022-06-09T08:09:14.969" v="123" actId="1076"/>
-          <ac:spMkLst>
-            <pc:docMk/>
-            <pc:sldMk cId="2986881299" sldId="270"/>
-            <ac:spMk id="21" creationId="{3014E63F-30B8-8673-00A8-A5A030BDC3DF}"/>
-          </ac:spMkLst>
-        </pc:spChg>
-        <pc:spChg chg="mod">
-          <ac:chgData name="Mélissa Zhou" userId="071ed09a453febb9" providerId="Windows Live" clId="Web-{0D98B61B-5663-45EC-BBB4-F56CF2AE196F}" dt="2022-06-09T08:09:14.969" v="124" actId="1076"/>
-          <ac:spMkLst>
-            <pc:docMk/>
-            <pc:sldMk cId="2986881299" sldId="270"/>
-            <ac:spMk id="22" creationId="{307D94C7-EB18-2CD1-80EE-BF7E7D9AEBAB}"/>
-          </ac:spMkLst>
-        </pc:spChg>
-        <pc:spChg chg="mod">
-          <ac:chgData name="Mélissa Zhou" userId="071ed09a453febb9" providerId="Windows Live" clId="Web-{0D98B61B-5663-45EC-BBB4-F56CF2AE196F}" dt="2022-06-09T08:09:14.985" v="125" actId="1076"/>
-          <ac:spMkLst>
-            <pc:docMk/>
-            <pc:sldMk cId="2986881299" sldId="270"/>
-            <ac:spMk id="23" creationId="{CA25827A-543D-EFFD-7B78-A73D4619C6F2}"/>
-          </ac:spMkLst>
-        </pc:spChg>
-        <pc:spChg chg="mod">
-          <ac:chgData name="Mélissa Zhou" userId="071ed09a453febb9" providerId="Windows Live" clId="Web-{0D98B61B-5663-45EC-BBB4-F56CF2AE196F}" dt="2022-06-09T08:09:15.001" v="126" actId="1076"/>
-          <ac:spMkLst>
-            <pc:docMk/>
-            <pc:sldMk cId="2986881299" sldId="270"/>
-            <ac:spMk id="24" creationId="{B95DEAFF-EFAE-0064-90F4-27E8466CF443}"/>
-          </ac:spMkLst>
-        </pc:spChg>
-        <pc:spChg chg="mod">
-          <ac:chgData name="Mélissa Zhou" userId="071ed09a453febb9" providerId="Windows Live" clId="Web-{0D98B61B-5663-45EC-BBB4-F56CF2AE196F}" dt="2022-06-09T08:09:15.016" v="127" actId="1076"/>
-          <ac:spMkLst>
-            <pc:docMk/>
-            <pc:sldMk cId="2986881299" sldId="270"/>
-            <ac:spMk id="25" creationId="{0B0D2BDF-04A2-5277-4900-6B0D9BABF412}"/>
-          </ac:spMkLst>
-        </pc:spChg>
-        <pc:spChg chg="mod">
-          <ac:chgData name="Mélissa Zhou" userId="071ed09a453febb9" providerId="Windows Live" clId="Web-{0D98B61B-5663-45EC-BBB4-F56CF2AE196F}" dt="2022-06-09T08:09:15.032" v="128" actId="1076"/>
-          <ac:spMkLst>
-            <pc:docMk/>
-            <pc:sldMk cId="2986881299" sldId="270"/>
-            <ac:spMk id="26" creationId="{2E8DA99F-7930-48B6-0D31-F7AF73F7B9B0}"/>
-          </ac:spMkLst>
-        </pc:spChg>
-        <pc:spChg chg="mod">
-          <ac:chgData name="Mélissa Zhou" userId="071ed09a453febb9" providerId="Windows Live" clId="Web-{0D98B61B-5663-45EC-BBB4-F56CF2AE196F}" dt="2022-06-09T08:09:15.032" v="129" actId="1076"/>
-          <ac:spMkLst>
-            <pc:docMk/>
-            <pc:sldMk cId="2986881299" sldId="270"/>
-            <ac:spMk id="27" creationId="{72CBDEFC-490F-2AF6-B3D4-483EDF85DDB1}"/>
-          </ac:spMkLst>
-        </pc:spChg>
-        <pc:spChg chg="del">
-          <ac:chgData name="Mélissa Zhou" userId="071ed09a453febb9" providerId="Windows Live" clId="Web-{0D98B61B-5663-45EC-BBB4-F56CF2AE196F}" dt="2022-06-09T08:07:47.483" v="111"/>
-          <ac:spMkLst>
-            <pc:docMk/>
-            <pc:sldMk cId="2986881299" sldId="270"/>
-            <ac:spMk id="28" creationId="{FF6A4160-7862-E2F8-2A69-40291CEBA7E2}"/>
-          </ac:spMkLst>
-        </pc:spChg>
-        <pc:spChg chg="add mod">
-          <ac:chgData name="Mélissa Zhou" userId="071ed09a453febb9" providerId="Windows Live" clId="Web-{0D98B61B-5663-45EC-BBB4-F56CF2AE196F}" dt="2022-06-09T08:10:52.550" v="157" actId="20577"/>
-          <ac:spMkLst>
-            <pc:docMk/>
-            <pc:sldMk cId="2986881299" sldId="270"/>
-            <ac:spMk id="29" creationId="{E8FBA4EC-E09C-128F-F634-25F0774EFD5A}"/>
-          </ac:spMkLst>
-        </pc:spChg>
-        <pc:spChg chg="add mod">
-          <ac:chgData name="Mélissa Zhou" userId="071ed09a453febb9" providerId="Windows Live" clId="Web-{0D98B61B-5663-45EC-BBB4-F56CF2AE196F}" dt="2022-06-09T08:09:36.126" v="140" actId="1076"/>
-          <ac:spMkLst>
-            <pc:docMk/>
-            <pc:sldMk cId="2986881299" sldId="270"/>
-            <ac:spMk id="30" creationId="{7A905E1A-3D81-1029-47E3-74C64E1FB0BD}"/>
-          </ac:spMkLst>
-        </pc:spChg>
-        <pc:spChg chg="add mod">
-          <ac:chgData name="Mélissa Zhou" userId="071ed09a453febb9" providerId="Windows Live" clId="Web-{0D98B61B-5663-45EC-BBB4-F56CF2AE196F}" dt="2022-06-09T08:09:36.142" v="141" actId="1076"/>
-          <ac:spMkLst>
-            <pc:docMk/>
-            <pc:sldMk cId="2986881299" sldId="270"/>
-            <ac:spMk id="31" creationId="{A8ED9FE2-4ABA-FC50-C65F-D74EFFAA07B3}"/>
-          </ac:spMkLst>
-        </pc:spChg>
-        <pc:spChg chg="add mod">
-          <ac:chgData name="Mélissa Zhou" userId="071ed09a453febb9" providerId="Windows Live" clId="Web-{0D98B61B-5663-45EC-BBB4-F56CF2AE196F}" dt="2022-06-09T08:09:36.158" v="142" actId="1076"/>
-          <ac:spMkLst>
-            <pc:docMk/>
-            <pc:sldMk cId="2986881299" sldId="270"/>
-            <ac:spMk id="32" creationId="{82593DB8-33F4-B131-2262-A7C42462D054}"/>
-          </ac:spMkLst>
-        </pc:spChg>
-        <pc:spChg chg="add mod">
-          <ac:chgData name="Mélissa Zhou" userId="071ed09a453febb9" providerId="Windows Live" clId="Web-{0D98B61B-5663-45EC-BBB4-F56CF2AE196F}" dt="2022-06-09T08:09:36.173" v="143" actId="1076"/>
-          <ac:spMkLst>
-            <pc:docMk/>
-            <pc:sldMk cId="2986881299" sldId="270"/>
-            <ac:spMk id="33" creationId="{331C58B8-D826-F25B-0B4A-0DBC107F4827}"/>
-          </ac:spMkLst>
-        </pc:spChg>
-        <pc:spChg chg="add mod">
-          <ac:chgData name="Mélissa Zhou" userId="071ed09a453febb9" providerId="Windows Live" clId="Web-{0D98B61B-5663-45EC-BBB4-F56CF2AE196F}" dt="2022-06-09T08:09:36.189" v="144" actId="1076"/>
-          <ac:spMkLst>
-            <pc:docMk/>
-            <pc:sldMk cId="2986881299" sldId="270"/>
-            <ac:spMk id="34" creationId="{FE8D99FF-7069-5AC2-09BF-C3CF45DB1DAE}"/>
-          </ac:spMkLst>
-        </pc:spChg>
-        <pc:spChg chg="add mod">
-          <ac:chgData name="Mélissa Zhou" userId="071ed09a453febb9" providerId="Windows Live" clId="Web-{0D98B61B-5663-45EC-BBB4-F56CF2AE196F}" dt="2022-06-09T08:09:36.204" v="145" actId="1076"/>
-          <ac:spMkLst>
-            <pc:docMk/>
-            <pc:sldMk cId="2986881299" sldId="270"/>
-            <ac:spMk id="35" creationId="{8AC07DB2-C7D7-718C-2267-5755BA278E53}"/>
-          </ac:spMkLst>
-        </pc:spChg>
-        <pc:spChg chg="add mod">
-          <ac:chgData name="Mélissa Zhou" userId="071ed09a453febb9" providerId="Windows Live" clId="Web-{0D98B61B-5663-45EC-BBB4-F56CF2AE196F}" dt="2022-06-09T08:09:36.220" v="146" actId="1076"/>
-          <ac:spMkLst>
-            <pc:docMk/>
-            <pc:sldMk cId="2986881299" sldId="270"/>
-            <ac:spMk id="36" creationId="{BAB892D5-8230-3300-D67E-BF7EADCB8085}"/>
-          </ac:spMkLst>
-        </pc:spChg>
-        <pc:spChg chg="add mod">
-          <ac:chgData name="Mélissa Zhou" userId="071ed09a453febb9" providerId="Windows Live" clId="Web-{0D98B61B-5663-45EC-BBB4-F56CF2AE196F}" dt="2022-06-09T08:09:36.236" v="147" actId="1076"/>
-          <ac:spMkLst>
-            <pc:docMk/>
-            <pc:sldMk cId="2986881299" sldId="270"/>
-            <ac:spMk id="37" creationId="{B9ED73F7-4B81-4FF6-6BDB-C691D12BE888}"/>
-          </ac:spMkLst>
-        </pc:spChg>
-        <pc:spChg chg="add mod">
-          <ac:chgData name="Mélissa Zhou" userId="071ed09a453febb9" providerId="Windows Live" clId="Web-{0D98B61B-5663-45EC-BBB4-F56CF2AE196F}" dt="2022-06-09T08:12:13.755" v="193" actId="1076"/>
-          <ac:spMkLst>
-            <pc:docMk/>
-            <pc:sldMk cId="2986881299" sldId="270"/>
-            <ac:spMk id="38" creationId="{CC5184C0-D398-A4CD-8681-00E99A4BAA50}"/>
-          </ac:spMkLst>
-        </pc:spChg>
-        <pc:spChg chg="add mod">
-          <ac:chgData name="Mélissa Zhou" userId="071ed09a453febb9" providerId="Windows Live" clId="Web-{0D98B61B-5663-45EC-BBB4-F56CF2AE196F}" dt="2022-06-09T08:13:33.522" v="196" actId="1076"/>
-          <ac:spMkLst>
-            <pc:docMk/>
-            <pc:sldMk cId="2986881299" sldId="270"/>
-            <ac:spMk id="39" creationId="{DCB00541-6799-4A3D-EC30-C23457AF45CF}"/>
-          </ac:spMkLst>
-        </pc:spChg>
-        <pc:spChg chg="add mod">
-          <ac:chgData name="Mélissa Zhou" userId="071ed09a453febb9" providerId="Windows Live" clId="Web-{0D98B61B-5663-45EC-BBB4-F56CF2AE196F}" dt="2022-06-09T08:13:41.820" v="198" actId="1076"/>
-          <ac:spMkLst>
-            <pc:docMk/>
-            <pc:sldMk cId="2986881299" sldId="270"/>
-            <ac:spMk id="40" creationId="{07093B10-0519-38C3-E50D-675264585EEF}"/>
-          </ac:spMkLst>
-        </pc:spChg>
-        <pc:spChg chg="add mod">
-          <ac:chgData name="Mélissa Zhou" userId="071ed09a453febb9" providerId="Windows Live" clId="Web-{0D98B61B-5663-45EC-BBB4-F56CF2AE196F}" dt="2022-06-09T08:13:48.851" v="200" actId="1076"/>
-          <ac:spMkLst>
-            <pc:docMk/>
-            <pc:sldMk cId="2986881299" sldId="270"/>
-            <ac:spMk id="41" creationId="{F2D1A592-656A-D532-CA02-49E9CC9AEC86}"/>
-          </ac:spMkLst>
-        </pc:spChg>
-        <pc:spChg chg="add mod">
-          <ac:chgData name="Mélissa Zhou" userId="071ed09a453febb9" providerId="Windows Live" clId="Web-{0D98B61B-5663-45EC-BBB4-F56CF2AE196F}" dt="2022-06-09T08:14:01.133" v="202" actId="1076"/>
-          <ac:spMkLst>
-            <pc:docMk/>
-            <pc:sldMk cId="2986881299" sldId="270"/>
-            <ac:spMk id="42" creationId="{8EA09A0C-C4B9-1AEF-6F4F-95951D6E9277}"/>
-          </ac:spMkLst>
-        </pc:spChg>
-        <pc:spChg chg="add mod">
-          <ac:chgData name="Mélissa Zhou" userId="071ed09a453febb9" providerId="Windows Live" clId="Web-{0D98B61B-5663-45EC-BBB4-F56CF2AE196F}" dt="2022-06-09T08:14:05.836" v="204" actId="1076"/>
-          <ac:spMkLst>
-            <pc:docMk/>
-            <pc:sldMk cId="2986881299" sldId="270"/>
-            <ac:spMk id="43" creationId="{61788CC7-4265-AC37-1973-8F00AFE18213}"/>
+          <ac:chgData name="Utilisateur invité" userId="" providerId="Windows Live" clId="Web-{F7AABDE8-9DED-4371-A384-2932A2DC4568}" dt="2022-06-08T13:39:54.211" v="64" actId="20577"/>
+          <ac:spMkLst>
+            <pc:docMk/>
+            <pc:sldMk cId="1362687017" sldId="261"/>
+            <ac:spMk id="19" creationId="{B1193514-7EDA-0DC3-8B12-DF51605DDDFC}"/>
           </ac:spMkLst>
         </pc:spChg>
       </pc:sldChg>
@@ -1994,53 +2042,6 @@
             <pc:docMk/>
             <pc:sldMk cId="1880268220" sldId="263"/>
             <ac:spMk id="53" creationId="{21CFA479-CBC9-75D7-EACC-77E3F7DD5012}"/>
-          </ac:spMkLst>
-        </pc:spChg>
-      </pc:sldChg>
-    </pc:docChg>
-  </pc:docChgLst>
-  <pc:docChgLst>
-    <pc:chgData name="Utilisateur invité" providerId="Windows Live" clId="Web-{F7AABDE8-9DED-4371-A384-2932A2DC4568}"/>
-    <pc:docChg chg="modSld">
-      <pc:chgData name="Utilisateur invité" userId="" providerId="Windows Live" clId="Web-{F7AABDE8-9DED-4371-A384-2932A2DC4568}" dt="2022-06-08T13:44:16.663" v="94" actId="20577"/>
-      <pc:docMkLst>
-        <pc:docMk/>
-      </pc:docMkLst>
-      <pc:sldChg chg="addSp modSp">
-        <pc:chgData name="Utilisateur invité" userId="" providerId="Windows Live" clId="Web-{F7AABDE8-9DED-4371-A384-2932A2DC4568}" dt="2022-06-08T13:44:16.663" v="94" actId="20577"/>
-        <pc:sldMkLst>
-          <pc:docMk/>
-          <pc:sldMk cId="3145503830" sldId="259"/>
-        </pc:sldMkLst>
-        <pc:spChg chg="add mod">
-          <ac:chgData name="Utilisateur invité" userId="" providerId="Windows Live" clId="Web-{F7AABDE8-9DED-4371-A384-2932A2DC4568}" dt="2022-06-08T13:44:16.663" v="94" actId="20577"/>
-          <ac:spMkLst>
-            <pc:docMk/>
-            <pc:sldMk cId="3145503830" sldId="259"/>
-            <ac:spMk id="12" creationId="{8F70D023-1544-9A16-6958-380210C70CB0}"/>
-          </ac:spMkLst>
-        </pc:spChg>
-      </pc:sldChg>
-      <pc:sldChg chg="addSp delSp modSp">
-        <pc:chgData name="Utilisateur invité" userId="" providerId="Windows Live" clId="Web-{F7AABDE8-9DED-4371-A384-2932A2DC4568}" dt="2022-06-08T13:39:54.211" v="64" actId="20577"/>
-        <pc:sldMkLst>
-          <pc:docMk/>
-          <pc:sldMk cId="1362687017" sldId="261"/>
-        </pc:sldMkLst>
-        <pc:spChg chg="add del mod">
-          <ac:chgData name="Utilisateur invité" userId="" providerId="Windows Live" clId="Web-{F7AABDE8-9DED-4371-A384-2932A2DC4568}" dt="2022-06-08T13:39:01.852" v="2"/>
-          <ac:spMkLst>
-            <pc:docMk/>
-            <pc:sldMk cId="1362687017" sldId="261"/>
-            <ac:spMk id="2" creationId="{EE3ADC0D-3D5B-7AD8-77F3-D94529BD221C}"/>
-          </ac:spMkLst>
-        </pc:spChg>
-        <pc:spChg chg="add mod">
-          <ac:chgData name="Utilisateur invité" userId="" providerId="Windows Live" clId="Web-{F7AABDE8-9DED-4371-A384-2932A2DC4568}" dt="2022-06-08T13:39:54.211" v="64" actId="20577"/>
-          <ac:spMkLst>
-            <pc:docMk/>
-            <pc:sldMk cId="1362687017" sldId="261"/>
-            <ac:spMk id="19" creationId="{B1193514-7EDA-0DC3-8B12-DF51605DDDFC}"/>
           </ac:spMkLst>
         </pc:spChg>
       </pc:sldChg>
@@ -2659,6 +2660,22 @@
       </pc:sldChg>
     </pc:docChg>
   </pc:docChgLst>
+  <pc:docChgLst>
+    <pc:chgData name="Mélissa Zhou" userId="071ed09a453febb9" providerId="Windows Live" clId="Web-{6570FDFD-365E-4556-B4F4-64B3C7BF1416}"/>
+    <pc:docChg chg="addSld delSld">
+      <pc:chgData name="Mélissa Zhou" userId="071ed09a453febb9" providerId="Windows Live" clId="Web-{6570FDFD-365E-4556-B4F4-64B3C7BF1416}" dt="2022-06-10T13:46:28.907" v="1"/>
+      <pc:docMkLst>
+        <pc:docMk/>
+      </pc:docMkLst>
+      <pc:sldChg chg="add del">
+        <pc:chgData name="Mélissa Zhou" userId="071ed09a453febb9" providerId="Windows Live" clId="Web-{6570FDFD-365E-4556-B4F4-64B3C7BF1416}" dt="2022-06-10T13:46:28.907" v="1"/>
+        <pc:sldMkLst>
+          <pc:docMk/>
+          <pc:sldMk cId="91787558" sldId="257"/>
+        </pc:sldMkLst>
+      </pc:sldChg>
+    </pc:docChg>
+  </pc:docChgLst>
 </pc:chgInfo>
 </file>
 
@@ -2743,7 +2760,7 @@
           </a:lstStyle>
           <a:p>
             <a:fld id="{4C0A6B73-368C-4AE4-B172-98645D69DAC5}" type="datetimeFigureOut">
-              <a:t>6/9/2022</a:t>
+              <a:t>6/10/2022</a:t>
             </a:fld>
             <a:endParaRPr lang="fr-FR"/>
           </a:p>
@@ -3616,7 +3633,7 @@
           <a:p>
             <a:fld id="{01D3DCB8-9272-4B59-BBA5-EE8745829236}" type="datetimeFigureOut">
               <a:rPr lang="fr-FR" smtClean="0"/>
-              <a:t>09/06/2022</a:t>
+              <a:t>10/06/2022</a:t>
             </a:fld>
             <a:endParaRPr lang="fr-FR"/>
           </a:p>
@@ -3814,7 +3831,7 @@
           <a:p>
             <a:fld id="{01D3DCB8-9272-4B59-BBA5-EE8745829236}" type="datetimeFigureOut">
               <a:rPr lang="fr-FR" smtClean="0"/>
-              <a:t>09/06/2022</a:t>
+              <a:t>10/06/2022</a:t>
             </a:fld>
             <a:endParaRPr lang="fr-FR"/>
           </a:p>
@@ -4022,7 +4039,7 @@
           <a:p>
             <a:fld id="{01D3DCB8-9272-4B59-BBA5-EE8745829236}" type="datetimeFigureOut">
               <a:rPr lang="fr-FR" smtClean="0"/>
-              <a:t>09/06/2022</a:t>
+              <a:t>10/06/2022</a:t>
             </a:fld>
             <a:endParaRPr lang="fr-FR"/>
           </a:p>
@@ -4220,7 +4237,7 @@
           <a:p>
             <a:fld id="{01D3DCB8-9272-4B59-BBA5-EE8745829236}" type="datetimeFigureOut">
               <a:rPr lang="fr-FR" smtClean="0"/>
-              <a:t>09/06/2022</a:t>
+              <a:t>10/06/2022</a:t>
             </a:fld>
             <a:endParaRPr lang="fr-FR"/>
           </a:p>
@@ -4495,7 +4512,7 @@
           <a:p>
             <a:fld id="{01D3DCB8-9272-4B59-BBA5-EE8745829236}" type="datetimeFigureOut">
               <a:rPr lang="fr-FR" smtClean="0"/>
-              <a:t>09/06/2022</a:t>
+              <a:t>10/06/2022</a:t>
             </a:fld>
             <a:endParaRPr lang="fr-FR"/>
           </a:p>
@@ -4760,7 +4777,7 @@
           <a:p>
             <a:fld id="{01D3DCB8-9272-4B59-BBA5-EE8745829236}" type="datetimeFigureOut">
               <a:rPr lang="fr-FR" smtClean="0"/>
-              <a:t>09/06/2022</a:t>
+              <a:t>10/06/2022</a:t>
             </a:fld>
             <a:endParaRPr lang="fr-FR"/>
           </a:p>
@@ -5172,7 +5189,7 @@
           <a:p>
             <a:fld id="{01D3DCB8-9272-4B59-BBA5-EE8745829236}" type="datetimeFigureOut">
               <a:rPr lang="fr-FR" smtClean="0"/>
-              <a:t>09/06/2022</a:t>
+              <a:t>10/06/2022</a:t>
             </a:fld>
             <a:endParaRPr lang="fr-FR"/>
           </a:p>
@@ -5313,7 +5330,7 @@
           <a:p>
             <a:fld id="{01D3DCB8-9272-4B59-BBA5-EE8745829236}" type="datetimeFigureOut">
               <a:rPr lang="fr-FR" smtClean="0"/>
-              <a:t>09/06/2022</a:t>
+              <a:t>10/06/2022</a:t>
             </a:fld>
             <a:endParaRPr lang="fr-FR"/>
           </a:p>
@@ -5426,7 +5443,7 @@
           <a:p>
             <a:fld id="{01D3DCB8-9272-4B59-BBA5-EE8745829236}" type="datetimeFigureOut">
               <a:rPr lang="fr-FR" smtClean="0"/>
-              <a:t>09/06/2022</a:t>
+              <a:t>10/06/2022</a:t>
             </a:fld>
             <a:endParaRPr lang="fr-FR"/>
           </a:p>
@@ -5737,7 +5754,7 @@
           <a:p>
             <a:fld id="{01D3DCB8-9272-4B59-BBA5-EE8745829236}" type="datetimeFigureOut">
               <a:rPr lang="fr-FR" smtClean="0"/>
-              <a:t>09/06/2022</a:t>
+              <a:t>10/06/2022</a:t>
             </a:fld>
             <a:endParaRPr lang="fr-FR"/>
           </a:p>
@@ -6025,7 +6042,7 @@
           <a:p>
             <a:fld id="{01D3DCB8-9272-4B59-BBA5-EE8745829236}" type="datetimeFigureOut">
               <a:rPr lang="fr-FR" smtClean="0"/>
-              <a:t>09/06/2022</a:t>
+              <a:t>10/06/2022</a:t>
             </a:fld>
             <a:endParaRPr lang="fr-FR"/>
           </a:p>
@@ -6266,7 +6283,7 @@
           <a:p>
             <a:fld id="{01D3DCB8-9272-4B59-BBA5-EE8745829236}" type="datetimeFigureOut">
               <a:rPr lang="fr-FR" smtClean="0"/>
-              <a:t>09/06/2022</a:t>
+              <a:t>10/06/2022</a:t>
             </a:fld>
             <a:endParaRPr lang="fr-FR"/>
           </a:p>

--- a/docs/Projet_Preview.pptx
+++ b/docs/Projet_Preview.pptx
@@ -2661,6 +2661,29 @@
     </pc:docChg>
   </pc:docChgLst>
   <pc:docChgLst>
+    <pc:chgData name="Mélissa Zhou" userId="071ed09a453febb9" providerId="Windows Live" clId="Web-{0C8E98EA-EA82-4315-AE2C-65D585AAA83F}"/>
+    <pc:docChg chg="modSld">
+      <pc:chgData name="Mélissa Zhou" userId="071ed09a453febb9" providerId="Windows Live" clId="Web-{0C8E98EA-EA82-4315-AE2C-65D585AAA83F}" dt="2022-06-15T15:21:11.310" v="5"/>
+      <pc:docMkLst>
+        <pc:docMk/>
+      </pc:docMkLst>
+      <pc:sldChg chg="modNotes">
+        <pc:chgData name="Mélissa Zhou" userId="071ed09a453febb9" providerId="Windows Live" clId="Web-{0C8E98EA-EA82-4315-AE2C-65D585AAA83F}" dt="2022-06-15T15:21:11.310" v="5"/>
+        <pc:sldMkLst>
+          <pc:docMk/>
+          <pc:sldMk cId="152930187" sldId="258"/>
+        </pc:sldMkLst>
+      </pc:sldChg>
+      <pc:sldChg chg="modNotes">
+        <pc:chgData name="Mélissa Zhou" userId="071ed09a453febb9" providerId="Windows Live" clId="Web-{0C8E98EA-EA82-4315-AE2C-65D585AAA83F}" dt="2022-06-15T15:17:38.352" v="1"/>
+        <pc:sldMkLst>
+          <pc:docMk/>
+          <pc:sldMk cId="1362687017" sldId="261"/>
+        </pc:sldMkLst>
+      </pc:sldChg>
+    </pc:docChg>
+  </pc:docChgLst>
+  <pc:docChgLst>
     <pc:chgData name="Mélissa Zhou" userId="071ed09a453febb9" providerId="Windows Live" clId="Web-{6570FDFD-365E-4556-B4F4-64B3C7BF1416}"/>
     <pc:docChg chg="addSld delSld">
       <pc:chgData name="Mélissa Zhou" userId="071ed09a453febb9" providerId="Windows Live" clId="Web-{6570FDFD-365E-4556-B4F4-64B3C7BF1416}" dt="2022-06-10T13:46:28.907" v="1"/>
@@ -2760,7 +2783,7 @@
           </a:lstStyle>
           <a:p>
             <a:fld id="{4C0A6B73-368C-4AE4-B172-98645D69DAC5}" type="datetimeFigureOut">
-              <a:t>6/10/2022</a:t>
+              <a:t>15/06/2022</a:t>
             </a:fld>
             <a:endParaRPr lang="fr-FR"/>
           </a:p>
@@ -2917,7 +2940,7 @@
           </a:lstStyle>
           <a:p>
             <a:fld id="{DA63055B-B41F-4580-8B0E-A9D7CE285253}" type="slidenum">
-              <a:t>‹#›</a:t>
+              <a:t>‹N°›</a:t>
             </a:fld>
             <a:endParaRPr lang="fr-FR"/>
           </a:p>
@@ -3215,10 +3238,23 @@
           <a:lstStyle/>
           <a:p>
             <a:r>
-              <a:rPr lang="en-US"/>
+              <a:rPr lang="en-US" dirty="0">
+                <a:hlinkClick r:id="rId3"/>
+              </a:rPr>
               <a:t>https://mdbootstrap.com/docs/standard/extended/registration/</a:t>
             </a:r>
-            <a:endParaRPr lang="fr-FR"/>
+            <a:endParaRPr lang="fr-FR">
+              <a:cs typeface="Calibri" panose="020F0502020204030204"/>
+            </a:endParaRPr>
+          </a:p>
+          <a:p>
+            <a:r>
+              <a:rPr lang="en-US" dirty="0"/>
+              <a:t>https://mdbootstrap.com/docs/angular/directives/input/</a:t>
+            </a:r>
+            <a:endParaRPr lang="en-US" dirty="0">
+              <a:cs typeface="Calibri"/>
+            </a:endParaRPr>
           </a:p>
         </p:txBody>
       </p:sp>
@@ -3301,6 +3337,94 @@
           <a:bodyPr/>
           <a:lstStyle/>
           <a:p>
+            <a:r>
+              <a:rPr lang="en-US" dirty="0"/>
+              <a:t>https://www.w3schools.com/howto/howto_js_tabs.asp</a:t>
+            </a:r>
+            <a:endParaRPr lang="fr-FR" dirty="0"/>
+          </a:p>
+        </p:txBody>
+      </p:sp>
+      <p:sp>
+        <p:nvSpPr>
+          <p:cNvPr id="4" name="Espace réservé du numéro de diapositive 3"/>
+          <p:cNvSpPr>
+            <a:spLocks noGrp="1"/>
+          </p:cNvSpPr>
+          <p:nvPr>
+            <p:ph type="sldNum" sz="quarter" idx="5"/>
+          </p:nvPr>
+        </p:nvSpPr>
+        <p:spPr/>
+        <p:txBody>
+          <a:bodyPr/>
+          <a:lstStyle/>
+          <a:p>
+            <a:fld id="{DA63055B-B41F-4580-8B0E-A9D7CE285253}" type="slidenum">
+              <a:rPr lang="fr-FR"/>
+              <a:t>5</a:t>
+            </a:fld>
+            <a:endParaRPr lang="fr-FR"/>
+          </a:p>
+        </p:txBody>
+      </p:sp>
+    </p:spTree>
+    <p:extLst>
+      <p:ext uri="{BB962C8B-B14F-4D97-AF65-F5344CB8AC3E}">
+        <p14:creationId xmlns:p14="http://schemas.microsoft.com/office/powerpoint/2010/main" val="799204878"/>
+      </p:ext>
+    </p:extLst>
+  </p:cSld>
+  <p:clrMapOvr>
+    <a:masterClrMapping/>
+  </p:clrMapOvr>
+</p:notes>
+</file>
+
+<file path=ppt/notesSlides/notesSlide4.xml><?xml version="1.0" encoding="utf-8"?>
+<p:notes xmlns:a="http://schemas.openxmlformats.org/drawingml/2006/main" xmlns:r="http://schemas.openxmlformats.org/officeDocument/2006/relationships" xmlns:p="http://schemas.openxmlformats.org/presentationml/2006/main">
+  <p:cSld>
+    <p:spTree>
+      <p:nvGrpSpPr>
+        <p:cNvPr id="1" name=""/>
+        <p:cNvGrpSpPr/>
+        <p:nvPr/>
+      </p:nvGrpSpPr>
+      <p:grpSpPr>
+        <a:xfrm>
+          <a:off x="0" y="0"/>
+          <a:ext cx="0" cy="0"/>
+          <a:chOff x="0" y="0"/>
+          <a:chExt cx="0" cy="0"/>
+        </a:xfrm>
+      </p:grpSpPr>
+      <p:sp>
+        <p:nvSpPr>
+          <p:cNvPr id="2" name="Espace réservé de l'image des diapositives 1"/>
+          <p:cNvSpPr>
+            <a:spLocks noGrp="1" noRot="1" noChangeAspect="1"/>
+          </p:cNvSpPr>
+          <p:nvPr>
+            <p:ph type="sldImg"/>
+          </p:nvPr>
+        </p:nvSpPr>
+        <p:spPr/>
+      </p:sp>
+      <p:sp>
+        <p:nvSpPr>
+          <p:cNvPr id="3" name="Espace réservé des notes 2"/>
+          <p:cNvSpPr>
+            <a:spLocks noGrp="1"/>
+          </p:cNvSpPr>
+          <p:nvPr>
+            <p:ph type="body" idx="1"/>
+          </p:nvPr>
+        </p:nvSpPr>
+        <p:spPr/>
+        <p:txBody>
+          <a:bodyPr/>
+          <a:lstStyle/>
+          <a:p>
             <a:endParaRPr lang="en-US">
               <a:cs typeface="Calibri"/>
             </a:endParaRPr>
@@ -3342,7 +3466,7 @@
 </p:notes>
 </file>
 
-<file path=ppt/notesSlides/notesSlide4.xml><?xml version="1.0" encoding="utf-8"?>
+<file path=ppt/notesSlides/notesSlide5.xml><?xml version="1.0" encoding="utf-8"?>
 <p:notes xmlns:a="http://schemas.openxmlformats.org/drawingml/2006/main" xmlns:r="http://schemas.openxmlformats.org/officeDocument/2006/relationships" xmlns:p="http://schemas.openxmlformats.org/presentationml/2006/main">
   <p:cSld>
     <p:spTree>
@@ -3633,7 +3757,7 @@
           <a:p>
             <a:fld id="{01D3DCB8-9272-4B59-BBA5-EE8745829236}" type="datetimeFigureOut">
               <a:rPr lang="fr-FR" smtClean="0"/>
-              <a:t>10/06/2022</a:t>
+              <a:t>15/06/2022</a:t>
             </a:fld>
             <a:endParaRPr lang="fr-FR"/>
           </a:p>
@@ -3687,7 +3811,7 @@
           <a:p>
             <a:fld id="{7C0ED6ED-2E97-4D36-94B5-A78F17CE8CD6}" type="slidenum">
               <a:rPr lang="fr-FR" smtClean="0"/>
-              <a:t>‹#›</a:t>
+              <a:t>‹N°›</a:t>
             </a:fld>
             <a:endParaRPr lang="fr-FR"/>
           </a:p>
@@ -3831,7 +3955,7 @@
           <a:p>
             <a:fld id="{01D3DCB8-9272-4B59-BBA5-EE8745829236}" type="datetimeFigureOut">
               <a:rPr lang="fr-FR" smtClean="0"/>
-              <a:t>10/06/2022</a:t>
+              <a:t>15/06/2022</a:t>
             </a:fld>
             <a:endParaRPr lang="fr-FR"/>
           </a:p>
@@ -3885,7 +4009,7 @@
           <a:p>
             <a:fld id="{7C0ED6ED-2E97-4D36-94B5-A78F17CE8CD6}" type="slidenum">
               <a:rPr lang="fr-FR" smtClean="0"/>
-              <a:t>‹#›</a:t>
+              <a:t>‹N°›</a:t>
             </a:fld>
             <a:endParaRPr lang="fr-FR"/>
           </a:p>
@@ -4039,7 +4163,7 @@
           <a:p>
             <a:fld id="{01D3DCB8-9272-4B59-BBA5-EE8745829236}" type="datetimeFigureOut">
               <a:rPr lang="fr-FR" smtClean="0"/>
-              <a:t>10/06/2022</a:t>
+              <a:t>15/06/2022</a:t>
             </a:fld>
             <a:endParaRPr lang="fr-FR"/>
           </a:p>
@@ -4093,7 +4217,7 @@
           <a:p>
             <a:fld id="{7C0ED6ED-2E97-4D36-94B5-A78F17CE8CD6}" type="slidenum">
               <a:rPr lang="fr-FR" smtClean="0"/>
-              <a:t>‹#›</a:t>
+              <a:t>‹N°›</a:t>
             </a:fld>
             <a:endParaRPr lang="fr-FR"/>
           </a:p>
@@ -4237,7 +4361,7 @@
           <a:p>
             <a:fld id="{01D3DCB8-9272-4B59-BBA5-EE8745829236}" type="datetimeFigureOut">
               <a:rPr lang="fr-FR" smtClean="0"/>
-              <a:t>10/06/2022</a:t>
+              <a:t>15/06/2022</a:t>
             </a:fld>
             <a:endParaRPr lang="fr-FR"/>
           </a:p>
@@ -4291,7 +4415,7 @@
           <a:p>
             <a:fld id="{7C0ED6ED-2E97-4D36-94B5-A78F17CE8CD6}" type="slidenum">
               <a:rPr lang="fr-FR" smtClean="0"/>
-              <a:t>‹#›</a:t>
+              <a:t>‹N°›</a:t>
             </a:fld>
             <a:endParaRPr lang="fr-FR"/>
           </a:p>
@@ -4512,7 +4636,7 @@
           <a:p>
             <a:fld id="{01D3DCB8-9272-4B59-BBA5-EE8745829236}" type="datetimeFigureOut">
               <a:rPr lang="fr-FR" smtClean="0"/>
-              <a:t>10/06/2022</a:t>
+              <a:t>15/06/2022</a:t>
             </a:fld>
             <a:endParaRPr lang="fr-FR"/>
           </a:p>
@@ -4566,7 +4690,7 @@
           <a:p>
             <a:fld id="{7C0ED6ED-2E97-4D36-94B5-A78F17CE8CD6}" type="slidenum">
               <a:rPr lang="fr-FR" smtClean="0"/>
-              <a:t>‹#›</a:t>
+              <a:t>‹N°›</a:t>
             </a:fld>
             <a:endParaRPr lang="fr-FR"/>
           </a:p>
@@ -4777,7 +4901,7 @@
           <a:p>
             <a:fld id="{01D3DCB8-9272-4B59-BBA5-EE8745829236}" type="datetimeFigureOut">
               <a:rPr lang="fr-FR" smtClean="0"/>
-              <a:t>10/06/2022</a:t>
+              <a:t>15/06/2022</a:t>
             </a:fld>
             <a:endParaRPr lang="fr-FR"/>
           </a:p>
@@ -4831,7 +4955,7 @@
           <a:p>
             <a:fld id="{7C0ED6ED-2E97-4D36-94B5-A78F17CE8CD6}" type="slidenum">
               <a:rPr lang="fr-FR" smtClean="0"/>
-              <a:t>‹#›</a:t>
+              <a:t>‹N°›</a:t>
             </a:fld>
             <a:endParaRPr lang="fr-FR"/>
           </a:p>
@@ -5189,7 +5313,7 @@
           <a:p>
             <a:fld id="{01D3DCB8-9272-4B59-BBA5-EE8745829236}" type="datetimeFigureOut">
               <a:rPr lang="fr-FR" smtClean="0"/>
-              <a:t>10/06/2022</a:t>
+              <a:t>15/06/2022</a:t>
             </a:fld>
             <a:endParaRPr lang="fr-FR"/>
           </a:p>
@@ -5243,7 +5367,7 @@
           <a:p>
             <a:fld id="{7C0ED6ED-2E97-4D36-94B5-A78F17CE8CD6}" type="slidenum">
               <a:rPr lang="fr-FR" smtClean="0"/>
-              <a:t>‹#›</a:t>
+              <a:t>‹N°›</a:t>
             </a:fld>
             <a:endParaRPr lang="fr-FR"/>
           </a:p>
@@ -5330,7 +5454,7 @@
           <a:p>
             <a:fld id="{01D3DCB8-9272-4B59-BBA5-EE8745829236}" type="datetimeFigureOut">
               <a:rPr lang="fr-FR" smtClean="0"/>
-              <a:t>10/06/2022</a:t>
+              <a:t>15/06/2022</a:t>
             </a:fld>
             <a:endParaRPr lang="fr-FR"/>
           </a:p>
@@ -5384,7 +5508,7 @@
           <a:p>
             <a:fld id="{7C0ED6ED-2E97-4D36-94B5-A78F17CE8CD6}" type="slidenum">
               <a:rPr lang="fr-FR" smtClean="0"/>
-              <a:t>‹#›</a:t>
+              <a:t>‹N°›</a:t>
             </a:fld>
             <a:endParaRPr lang="fr-FR"/>
           </a:p>
@@ -5443,7 +5567,7 @@
           <a:p>
             <a:fld id="{01D3DCB8-9272-4B59-BBA5-EE8745829236}" type="datetimeFigureOut">
               <a:rPr lang="fr-FR" smtClean="0"/>
-              <a:t>10/06/2022</a:t>
+              <a:t>15/06/2022</a:t>
             </a:fld>
             <a:endParaRPr lang="fr-FR"/>
           </a:p>
@@ -5497,7 +5621,7 @@
           <a:p>
             <a:fld id="{7C0ED6ED-2E97-4D36-94B5-A78F17CE8CD6}" type="slidenum">
               <a:rPr lang="fr-FR" smtClean="0"/>
-              <a:t>‹#›</a:t>
+              <a:t>‹N°›</a:t>
             </a:fld>
             <a:endParaRPr lang="fr-FR"/>
           </a:p>
@@ -5754,7 +5878,7 @@
           <a:p>
             <a:fld id="{01D3DCB8-9272-4B59-BBA5-EE8745829236}" type="datetimeFigureOut">
               <a:rPr lang="fr-FR" smtClean="0"/>
-              <a:t>10/06/2022</a:t>
+              <a:t>15/06/2022</a:t>
             </a:fld>
             <a:endParaRPr lang="fr-FR"/>
           </a:p>
@@ -5808,7 +5932,7 @@
           <a:p>
             <a:fld id="{7C0ED6ED-2E97-4D36-94B5-A78F17CE8CD6}" type="slidenum">
               <a:rPr lang="fr-FR" smtClean="0"/>
-              <a:t>‹#›</a:t>
+              <a:t>‹N°›</a:t>
             </a:fld>
             <a:endParaRPr lang="fr-FR"/>
           </a:p>
@@ -6042,7 +6166,7 @@
           <a:p>
             <a:fld id="{01D3DCB8-9272-4B59-BBA5-EE8745829236}" type="datetimeFigureOut">
               <a:rPr lang="fr-FR" smtClean="0"/>
-              <a:t>10/06/2022</a:t>
+              <a:t>15/06/2022</a:t>
             </a:fld>
             <a:endParaRPr lang="fr-FR"/>
           </a:p>
@@ -6096,7 +6220,7 @@
           <a:p>
             <a:fld id="{7C0ED6ED-2E97-4D36-94B5-A78F17CE8CD6}" type="slidenum">
               <a:rPr lang="fr-FR" smtClean="0"/>
-              <a:t>‹#›</a:t>
+              <a:t>‹N°›</a:t>
             </a:fld>
             <a:endParaRPr lang="fr-FR"/>
           </a:p>
@@ -6283,7 +6407,7 @@
           <a:p>
             <a:fld id="{01D3DCB8-9272-4B59-BBA5-EE8745829236}" type="datetimeFigureOut">
               <a:rPr lang="fr-FR" smtClean="0"/>
-              <a:t>10/06/2022</a:t>
+              <a:t>15/06/2022</a:t>
             </a:fld>
             <a:endParaRPr lang="fr-FR"/>
           </a:p>
@@ -6373,7 +6497,7 @@
           <a:p>
             <a:fld id="{7C0ED6ED-2E97-4D36-94B5-A78F17CE8CD6}" type="slidenum">
               <a:rPr lang="fr-FR" smtClean="0"/>
-              <a:t>‹#›</a:t>
+              <a:t>‹N°›</a:t>
             </a:fld>
             <a:endParaRPr lang="fr-FR"/>
           </a:p>
@@ -16515,7 +16639,7 @@
           <p:nvPr/>
         </p:nvPicPr>
         <p:blipFill>
-          <a:blip r:embed="rId2"/>
+          <a:blip r:embed="rId3"/>
           <a:stretch>
             <a:fillRect/>
           </a:stretch>
@@ -16545,7 +16669,7 @@
           <p:nvPr/>
         </p:nvPicPr>
         <p:blipFill>
-          <a:blip r:embed="rId2"/>
+          <a:blip r:embed="rId3"/>
           <a:stretch>
             <a:fillRect/>
           </a:stretch>
